--- a/Análise do sistema/LLD/LLD.pptx
+++ b/Análise do sistema/LLD/LLD.pptx
@@ -267,7 +267,7 @@
           <a:p>
             <a:fld id="{9124C99E-1E2C-46C7-9544-CFE55FE760E5}" type="datetimeFigureOut">
               <a:rPr lang="pt-BR" smtClean="0"/>
-              <a:t>26/10/2020</a:t>
+              <a:t>27/10/2020</a:t>
             </a:fld>
             <a:endParaRPr lang="pt-BR"/>
           </a:p>
@@ -321,7 +321,7 @@
           <a:p>
             <a:fld id="{C2EDBEC5-4D46-4D4C-AB80-816C94D07B20}" type="slidenum">
               <a:rPr lang="pt-BR" smtClean="0"/>
-              <a:t>‹nº›</a:t>
+              <a:t>‹#›</a:t>
             </a:fld>
             <a:endParaRPr lang="pt-BR"/>
           </a:p>
@@ -465,7 +465,7 @@
           <a:p>
             <a:fld id="{9124C99E-1E2C-46C7-9544-CFE55FE760E5}" type="datetimeFigureOut">
               <a:rPr lang="pt-BR" smtClean="0"/>
-              <a:t>26/10/2020</a:t>
+              <a:t>27/10/2020</a:t>
             </a:fld>
             <a:endParaRPr lang="pt-BR"/>
           </a:p>
@@ -519,7 +519,7 @@
           <a:p>
             <a:fld id="{C2EDBEC5-4D46-4D4C-AB80-816C94D07B20}" type="slidenum">
               <a:rPr lang="pt-BR" smtClean="0"/>
-              <a:t>‹nº›</a:t>
+              <a:t>‹#›</a:t>
             </a:fld>
             <a:endParaRPr lang="pt-BR"/>
           </a:p>
@@ -673,7 +673,7 @@
           <a:p>
             <a:fld id="{9124C99E-1E2C-46C7-9544-CFE55FE760E5}" type="datetimeFigureOut">
               <a:rPr lang="pt-BR" smtClean="0"/>
-              <a:t>26/10/2020</a:t>
+              <a:t>27/10/2020</a:t>
             </a:fld>
             <a:endParaRPr lang="pt-BR"/>
           </a:p>
@@ -727,7 +727,7 @@
           <a:p>
             <a:fld id="{C2EDBEC5-4D46-4D4C-AB80-816C94D07B20}" type="slidenum">
               <a:rPr lang="pt-BR" smtClean="0"/>
-              <a:t>‹nº›</a:t>
+              <a:t>‹#›</a:t>
             </a:fld>
             <a:endParaRPr lang="pt-BR"/>
           </a:p>
@@ -871,7 +871,7 @@
           <a:p>
             <a:fld id="{9124C99E-1E2C-46C7-9544-CFE55FE760E5}" type="datetimeFigureOut">
               <a:rPr lang="pt-BR" smtClean="0"/>
-              <a:t>26/10/2020</a:t>
+              <a:t>27/10/2020</a:t>
             </a:fld>
             <a:endParaRPr lang="pt-BR"/>
           </a:p>
@@ -925,7 +925,7 @@
           <a:p>
             <a:fld id="{C2EDBEC5-4D46-4D4C-AB80-816C94D07B20}" type="slidenum">
               <a:rPr lang="pt-BR" smtClean="0"/>
-              <a:t>‹nº›</a:t>
+              <a:t>‹#›</a:t>
             </a:fld>
             <a:endParaRPr lang="pt-BR"/>
           </a:p>
@@ -1146,7 +1146,7 @@
           <a:p>
             <a:fld id="{9124C99E-1E2C-46C7-9544-CFE55FE760E5}" type="datetimeFigureOut">
               <a:rPr lang="pt-BR" smtClean="0"/>
-              <a:t>26/10/2020</a:t>
+              <a:t>27/10/2020</a:t>
             </a:fld>
             <a:endParaRPr lang="pt-BR"/>
           </a:p>
@@ -1200,7 +1200,7 @@
           <a:p>
             <a:fld id="{C2EDBEC5-4D46-4D4C-AB80-816C94D07B20}" type="slidenum">
               <a:rPr lang="pt-BR" smtClean="0"/>
-              <a:t>‹nº›</a:t>
+              <a:t>‹#›</a:t>
             </a:fld>
             <a:endParaRPr lang="pt-BR"/>
           </a:p>
@@ -1411,7 +1411,7 @@
           <a:p>
             <a:fld id="{9124C99E-1E2C-46C7-9544-CFE55FE760E5}" type="datetimeFigureOut">
               <a:rPr lang="pt-BR" smtClean="0"/>
-              <a:t>26/10/2020</a:t>
+              <a:t>27/10/2020</a:t>
             </a:fld>
             <a:endParaRPr lang="pt-BR"/>
           </a:p>
@@ -1465,7 +1465,7 @@
           <a:p>
             <a:fld id="{C2EDBEC5-4D46-4D4C-AB80-816C94D07B20}" type="slidenum">
               <a:rPr lang="pt-BR" smtClean="0"/>
-              <a:t>‹nº›</a:t>
+              <a:t>‹#›</a:t>
             </a:fld>
             <a:endParaRPr lang="pt-BR"/>
           </a:p>
@@ -1823,7 +1823,7 @@
           <a:p>
             <a:fld id="{9124C99E-1E2C-46C7-9544-CFE55FE760E5}" type="datetimeFigureOut">
               <a:rPr lang="pt-BR" smtClean="0"/>
-              <a:t>26/10/2020</a:t>
+              <a:t>27/10/2020</a:t>
             </a:fld>
             <a:endParaRPr lang="pt-BR"/>
           </a:p>
@@ -1877,7 +1877,7 @@
           <a:p>
             <a:fld id="{C2EDBEC5-4D46-4D4C-AB80-816C94D07B20}" type="slidenum">
               <a:rPr lang="pt-BR" smtClean="0"/>
-              <a:t>‹nº›</a:t>
+              <a:t>‹#›</a:t>
             </a:fld>
             <a:endParaRPr lang="pt-BR"/>
           </a:p>
@@ -1964,7 +1964,7 @@
           <a:p>
             <a:fld id="{9124C99E-1E2C-46C7-9544-CFE55FE760E5}" type="datetimeFigureOut">
               <a:rPr lang="pt-BR" smtClean="0"/>
-              <a:t>26/10/2020</a:t>
+              <a:t>27/10/2020</a:t>
             </a:fld>
             <a:endParaRPr lang="pt-BR"/>
           </a:p>
@@ -2018,7 +2018,7 @@
           <a:p>
             <a:fld id="{C2EDBEC5-4D46-4D4C-AB80-816C94D07B20}" type="slidenum">
               <a:rPr lang="pt-BR" smtClean="0"/>
-              <a:t>‹nº›</a:t>
+              <a:t>‹#›</a:t>
             </a:fld>
             <a:endParaRPr lang="pt-BR"/>
           </a:p>
@@ -2077,7 +2077,7 @@
           <a:p>
             <a:fld id="{9124C99E-1E2C-46C7-9544-CFE55FE760E5}" type="datetimeFigureOut">
               <a:rPr lang="pt-BR" smtClean="0"/>
-              <a:t>26/10/2020</a:t>
+              <a:t>27/10/2020</a:t>
             </a:fld>
             <a:endParaRPr lang="pt-BR"/>
           </a:p>
@@ -2131,7 +2131,7 @@
           <a:p>
             <a:fld id="{C2EDBEC5-4D46-4D4C-AB80-816C94D07B20}" type="slidenum">
               <a:rPr lang="pt-BR" smtClean="0"/>
-              <a:t>‹nº›</a:t>
+              <a:t>‹#›</a:t>
             </a:fld>
             <a:endParaRPr lang="pt-BR"/>
           </a:p>
@@ -2388,7 +2388,7 @@
           <a:p>
             <a:fld id="{9124C99E-1E2C-46C7-9544-CFE55FE760E5}" type="datetimeFigureOut">
               <a:rPr lang="pt-BR" smtClean="0"/>
-              <a:t>26/10/2020</a:t>
+              <a:t>27/10/2020</a:t>
             </a:fld>
             <a:endParaRPr lang="pt-BR"/>
           </a:p>
@@ -2442,7 +2442,7 @@
           <a:p>
             <a:fld id="{C2EDBEC5-4D46-4D4C-AB80-816C94D07B20}" type="slidenum">
               <a:rPr lang="pt-BR" smtClean="0"/>
-              <a:t>‹nº›</a:t>
+              <a:t>‹#›</a:t>
             </a:fld>
             <a:endParaRPr lang="pt-BR"/>
           </a:p>
@@ -2676,7 +2676,7 @@
           <a:p>
             <a:fld id="{9124C99E-1E2C-46C7-9544-CFE55FE760E5}" type="datetimeFigureOut">
               <a:rPr lang="pt-BR" smtClean="0"/>
-              <a:t>26/10/2020</a:t>
+              <a:t>27/10/2020</a:t>
             </a:fld>
             <a:endParaRPr lang="pt-BR"/>
           </a:p>
@@ -2730,7 +2730,7 @@
           <a:p>
             <a:fld id="{C2EDBEC5-4D46-4D4C-AB80-816C94D07B20}" type="slidenum">
               <a:rPr lang="pt-BR" smtClean="0"/>
-              <a:t>‹nº›</a:t>
+              <a:t>‹#›</a:t>
             </a:fld>
             <a:endParaRPr lang="pt-BR"/>
           </a:p>
@@ -2917,7 +2917,7 @@
           <a:p>
             <a:fld id="{9124C99E-1E2C-46C7-9544-CFE55FE760E5}" type="datetimeFigureOut">
               <a:rPr lang="pt-BR" smtClean="0"/>
-              <a:t>26/10/2020</a:t>
+              <a:t>27/10/2020</a:t>
             </a:fld>
             <a:endParaRPr lang="pt-BR"/>
           </a:p>
@@ -3007,7 +3007,7 @@
           <a:p>
             <a:fld id="{C2EDBEC5-4D46-4D4C-AB80-816C94D07B20}" type="slidenum">
               <a:rPr lang="pt-BR" smtClean="0"/>
-              <a:t>‹nº›</a:t>
+              <a:t>‹#›</a:t>
             </a:fld>
             <a:endParaRPr lang="pt-BR"/>
           </a:p>
@@ -3348,8 +3348,8 @@
         </p:nvSpPr>
         <p:spPr>
           <a:xfrm rot="11256504">
-            <a:off x="9899064" y="1241797"/>
-            <a:ext cx="2081060" cy="2315992"/>
+            <a:off x="9894229" y="1252985"/>
+            <a:ext cx="2254156" cy="2377509"/>
           </a:xfrm>
           <a:prstGeom prst="cloud">
             <a:avLst/>
@@ -3398,8 +3398,8 @@
         </p:nvSpPr>
         <p:spPr>
           <a:xfrm>
-            <a:off x="10344318" y="2159774"/>
-            <a:ext cx="1284454" cy="1084562"/>
+            <a:off x="10344318" y="2159773"/>
+            <a:ext cx="1358750" cy="1180302"/>
           </a:xfrm>
           <a:prstGeom prst="rect">
             <a:avLst/>
@@ -3905,42 +3905,6 @@
           <a:p>
             <a:pPr algn="ctr"/>
             <a:endParaRPr lang="pt-BR"/>
-          </a:p>
-        </p:txBody>
-      </p:sp>
-      <p:sp>
-        <p:nvSpPr>
-          <p:cNvPr id="17" name="CaixaDeTexto 16">
-            <a:extLst>
-              <a:ext uri="{FF2B5EF4-FFF2-40B4-BE49-F238E27FC236}">
-                <a16:creationId xmlns:a16="http://schemas.microsoft.com/office/drawing/2014/main" id="{C35FA0DC-A37C-4232-B402-93A72C7BBDE0}"/>
-              </a:ext>
-            </a:extLst>
-          </p:cNvPr>
-          <p:cNvSpPr txBox="1"/>
-          <p:nvPr/>
-        </p:nvSpPr>
-        <p:spPr>
-          <a:xfrm>
-            <a:off x="137039" y="118862"/>
-            <a:ext cx="1281827" cy="646331"/>
-          </a:xfrm>
-          <a:prstGeom prst="rect">
-            <a:avLst/>
-          </a:prstGeom>
-          <a:noFill/>
-        </p:spPr>
-        <p:txBody>
-          <a:bodyPr wrap="square" rtlCol="0">
-            <a:spAutoFit/>
-          </a:bodyPr>
-          <a:lstStyle/>
-          <a:p>
-            <a:pPr algn="ctr"/>
-            <a:r>
-              <a:rPr lang="pt-BR" sz="3600" i="1" dirty="0"/>
-              <a:t>LLD</a:t>
-            </a:r>
           </a:p>
         </p:txBody>
       </p:sp>
@@ -6707,7 +6671,7 @@
         </p:blipFill>
         <p:spPr>
           <a:xfrm>
-            <a:off x="10717030" y="2621254"/>
+            <a:off x="11042490" y="2719210"/>
             <a:ext cx="408111" cy="408111"/>
           </a:xfrm>
           <a:prstGeom prst="rect">
@@ -7101,10 +7065,9 @@
           <a:p>
             <a:pPr algn="ctr"/>
             <a:r>
-              <a:rPr lang="pt-BR" sz="1100" dirty="0" smtClean="0"/>
+              <a:rPr lang="pt-BR" sz="1100" dirty="0"/>
               <a:t>Java Script</a:t>
             </a:r>
-            <a:endParaRPr lang="pt-BR" sz="1100" dirty="0"/>
           </a:p>
         </p:txBody>
       </p:sp>
@@ -7138,10 +7101,9 @@
           <a:p>
             <a:pPr algn="ctr"/>
             <a:r>
-              <a:rPr lang="pt-BR" sz="1100" dirty="0" smtClean="0"/>
+              <a:rPr lang="pt-BR" sz="1100" dirty="0"/>
               <a:t>CSS</a:t>
             </a:r>
-            <a:endParaRPr lang="pt-BR" sz="1100" dirty="0"/>
           </a:p>
         </p:txBody>
       </p:sp>
@@ -7175,16 +7137,15 @@
           <a:p>
             <a:pPr algn="ctr"/>
             <a:r>
-              <a:rPr lang="pt-BR" sz="1100" dirty="0" smtClean="0"/>
+              <a:rPr lang="pt-BR" sz="1100" dirty="0"/>
               <a:t>HTML</a:t>
             </a:r>
-            <a:endParaRPr lang="pt-BR" sz="1100" dirty="0"/>
-          </a:p>
-        </p:txBody>
-      </p:sp>
-      <p:sp>
-        <p:nvSpPr>
-          <p:cNvPr id="82" name="CaixaDeTexto 81">
+          </a:p>
+        </p:txBody>
+      </p:sp>
+      <p:sp>
+        <p:nvSpPr>
+          <p:cNvPr id="83" name="CaixaDeTexto 82">
             <a:extLst>
               <a:ext uri="{FF2B5EF4-FFF2-40B4-BE49-F238E27FC236}">
                 <a16:creationId xmlns:a16="http://schemas.microsoft.com/office/drawing/2014/main" id="{493E6E1F-0E69-43E5-B36D-2B8F5592B318}"/>
@@ -7196,7 +7157,7 @@
         </p:nvSpPr>
         <p:spPr>
           <a:xfrm>
-            <a:off x="4285378" y="3116477"/>
+            <a:off x="1407211" y="4634879"/>
             <a:ext cx="725030" cy="261610"/>
           </a:xfrm>
           <a:prstGeom prst="rect">
@@ -7213,14 +7174,14 @@
             <a:pPr algn="ctr"/>
             <a:r>
               <a:rPr lang="pt-BR" sz="1100" dirty="0"/>
-              <a:t>Site</a:t>
-            </a:r>
-          </a:p>
-        </p:txBody>
-      </p:sp>
-      <p:sp>
-        <p:nvSpPr>
-          <p:cNvPr id="83" name="CaixaDeTexto 82">
+              <a:t>Chrome</a:t>
+            </a:r>
+          </a:p>
+        </p:txBody>
+      </p:sp>
+      <p:sp>
+        <p:nvSpPr>
+          <p:cNvPr id="85" name="CaixaDeTexto 84">
             <a:extLst>
               <a:ext uri="{FF2B5EF4-FFF2-40B4-BE49-F238E27FC236}">
                 <a16:creationId xmlns:a16="http://schemas.microsoft.com/office/drawing/2014/main" id="{493E6E1F-0E69-43E5-B36D-2B8F5592B318}"/>
@@ -7232,7 +7193,7 @@
         </p:nvSpPr>
         <p:spPr>
           <a:xfrm>
-            <a:off x="1407211" y="4634879"/>
+            <a:off x="3917962" y="1470421"/>
             <a:ext cx="725030" cy="261610"/>
           </a:xfrm>
           <a:prstGeom prst="rect">
@@ -7248,16 +7209,15 @@
           <a:p>
             <a:pPr algn="ctr"/>
             <a:r>
-              <a:rPr lang="pt-BR" sz="1100" dirty="0" smtClean="0"/>
-              <a:t>Chrome</a:t>
-            </a:r>
-            <a:endParaRPr lang="pt-BR" sz="1100" dirty="0"/>
-          </a:p>
-        </p:txBody>
-      </p:sp>
-      <p:sp>
-        <p:nvSpPr>
-          <p:cNvPr id="84" name="CaixaDeTexto 83">
+              <a:rPr lang="pt-BR" sz="1100" dirty="0"/>
+              <a:t>Chart JS</a:t>
+            </a:r>
+          </a:p>
+        </p:txBody>
+      </p:sp>
+      <p:sp>
+        <p:nvSpPr>
+          <p:cNvPr id="86" name="CaixaDeTexto 85">
             <a:extLst>
               <a:ext uri="{FF2B5EF4-FFF2-40B4-BE49-F238E27FC236}">
                 <a16:creationId xmlns:a16="http://schemas.microsoft.com/office/drawing/2014/main" id="{493E6E1F-0E69-43E5-B36D-2B8F5592B318}"/>
@@ -7269,7 +7229,7 @@
         </p:nvSpPr>
         <p:spPr>
           <a:xfrm>
-            <a:off x="3967669" y="2683062"/>
+            <a:off x="3359671" y="1463286"/>
             <a:ext cx="725030" cy="261610"/>
           </a:xfrm>
           <a:prstGeom prst="rect">
@@ -7285,15 +7245,16 @@
           <a:p>
             <a:pPr algn="ctr"/>
             <a:r>
-              <a:rPr lang="pt-BR" sz="1100" dirty="0"/>
-              <a:t>Site</a:t>
-            </a:r>
-          </a:p>
-        </p:txBody>
-      </p:sp>
-      <p:sp>
-        <p:nvSpPr>
-          <p:cNvPr id="85" name="CaixaDeTexto 84">
+              <a:rPr lang="pt-BR" sz="1100" dirty="0" err="1"/>
+              <a:t>Sequelize</a:t>
+            </a:r>
+            <a:endParaRPr lang="pt-BR" sz="1100" dirty="0"/>
+          </a:p>
+        </p:txBody>
+      </p:sp>
+      <p:sp>
+        <p:nvSpPr>
+          <p:cNvPr id="87" name="CaixaDeTexto 86">
             <a:extLst>
               <a:ext uri="{FF2B5EF4-FFF2-40B4-BE49-F238E27FC236}">
                 <a16:creationId xmlns:a16="http://schemas.microsoft.com/office/drawing/2014/main" id="{493E6E1F-0E69-43E5-B36D-2B8F5592B318}"/>
@@ -7305,8 +7266,8 @@
         </p:nvSpPr>
         <p:spPr>
           <a:xfrm>
-            <a:off x="3917962" y="1470421"/>
-            <a:ext cx="725030" cy="261610"/>
+            <a:off x="423905" y="4642863"/>
+            <a:ext cx="1139071" cy="261610"/>
           </a:xfrm>
           <a:prstGeom prst="rect">
             <a:avLst/>
@@ -7321,16 +7282,15 @@
           <a:p>
             <a:pPr algn="ctr"/>
             <a:r>
-              <a:rPr lang="pt-BR" sz="1100" dirty="0" smtClean="0"/>
-              <a:t>Chart JS</a:t>
-            </a:r>
-            <a:endParaRPr lang="pt-BR" sz="1100" dirty="0"/>
-          </a:p>
-        </p:txBody>
-      </p:sp>
-      <p:sp>
-        <p:nvSpPr>
-          <p:cNvPr id="86" name="CaixaDeTexto 85">
+              <a:rPr lang="pt-BR" sz="1100" dirty="0"/>
+              <a:t>Microsoft Edge</a:t>
+            </a:r>
+          </a:p>
+        </p:txBody>
+      </p:sp>
+      <p:sp>
+        <p:nvSpPr>
+          <p:cNvPr id="90" name="CaixaDeTexto 89">
             <a:extLst>
               <a:ext uri="{FF2B5EF4-FFF2-40B4-BE49-F238E27FC236}">
                 <a16:creationId xmlns:a16="http://schemas.microsoft.com/office/drawing/2014/main" id="{493E6E1F-0E69-43E5-B36D-2B8F5592B318}"/>
@@ -7342,7 +7302,7 @@
         </p:nvSpPr>
         <p:spPr>
           <a:xfrm>
-            <a:off x="3359671" y="1463286"/>
+            <a:off x="10334003" y="2574257"/>
             <a:ext cx="725030" cy="261610"/>
           </a:xfrm>
           <a:prstGeom prst="rect">
@@ -7358,16 +7318,15 @@
           <a:p>
             <a:pPr algn="ctr"/>
             <a:r>
-              <a:rPr lang="pt-BR" sz="1100" dirty="0" err="1" smtClean="0"/>
-              <a:t>Sequelize</a:t>
-            </a:r>
-            <a:endParaRPr lang="pt-BR" sz="1100" dirty="0"/>
-          </a:p>
-        </p:txBody>
-      </p:sp>
-      <p:sp>
-        <p:nvSpPr>
-          <p:cNvPr id="87" name="CaixaDeTexto 86">
+              <a:rPr lang="pt-BR" sz="1100" dirty="0"/>
+              <a:t>OSHI</a:t>
+            </a:r>
+          </a:p>
+        </p:txBody>
+      </p:sp>
+      <p:sp>
+        <p:nvSpPr>
+          <p:cNvPr id="97" name="CaixaDeTexto 96">
             <a:extLst>
               <a:ext uri="{FF2B5EF4-FFF2-40B4-BE49-F238E27FC236}">
                 <a16:creationId xmlns:a16="http://schemas.microsoft.com/office/drawing/2014/main" id="{493E6E1F-0E69-43E5-B36D-2B8F5592B318}"/>
@@ -7379,8 +7338,8 @@
         </p:nvSpPr>
         <p:spPr>
           <a:xfrm>
-            <a:off x="423905" y="4642863"/>
-            <a:ext cx="1139071" cy="261610"/>
+            <a:off x="10905434" y="3083472"/>
+            <a:ext cx="725030" cy="261610"/>
           </a:xfrm>
           <a:prstGeom prst="rect">
             <a:avLst/>
@@ -7395,16 +7354,15 @@
           <a:p>
             <a:pPr algn="ctr"/>
             <a:r>
-              <a:rPr lang="pt-BR" sz="1100" b="1" dirty="0" smtClean="0"/>
-              <a:t>Microsoft Edge</a:t>
-            </a:r>
-            <a:endParaRPr lang="pt-BR" sz="1100" b="1" dirty="0"/>
-          </a:p>
-        </p:txBody>
-      </p:sp>
-      <p:sp>
-        <p:nvSpPr>
-          <p:cNvPr id="90" name="CaixaDeTexto 89">
+              <a:rPr lang="pt-BR" sz="1100" dirty="0"/>
+              <a:t>Java</a:t>
+            </a:r>
+          </a:p>
+        </p:txBody>
+      </p:sp>
+      <p:sp>
+        <p:nvSpPr>
+          <p:cNvPr id="98" name="CaixaDeTexto 97">
             <a:extLst>
               <a:ext uri="{FF2B5EF4-FFF2-40B4-BE49-F238E27FC236}">
                 <a16:creationId xmlns:a16="http://schemas.microsoft.com/office/drawing/2014/main" id="{493E6E1F-0E69-43E5-B36D-2B8F5592B318}"/>
@@ -7416,7 +7374,7 @@
         </p:nvSpPr>
         <p:spPr>
           <a:xfrm>
-            <a:off x="10334003" y="2574257"/>
+            <a:off x="10909385" y="2517508"/>
             <a:ext cx="725030" cy="261610"/>
           </a:xfrm>
           <a:prstGeom prst="rect">
@@ -7432,8 +7390,8 @@
           <a:p>
             <a:pPr algn="ctr"/>
             <a:r>
-              <a:rPr lang="pt-BR" sz="1100" dirty="0" smtClean="0"/>
-              <a:t>OSHI</a:t>
+              <a:rPr lang="pt-BR" sz="1100" dirty="0" err="1"/>
+              <a:t>Ubuntu</a:t>
             </a:r>
             <a:endParaRPr lang="pt-BR" sz="1100" dirty="0"/>
           </a:p>
@@ -7441,7 +7399,7 @@
       </p:sp>
       <p:sp>
         <p:nvSpPr>
-          <p:cNvPr id="97" name="CaixaDeTexto 96">
+          <p:cNvPr id="99" name="CaixaDeTexto 98">
             <a:extLst>
               <a:ext uri="{FF2B5EF4-FFF2-40B4-BE49-F238E27FC236}">
                 <a16:creationId xmlns:a16="http://schemas.microsoft.com/office/drawing/2014/main" id="{493E6E1F-0E69-43E5-B36D-2B8F5592B318}"/>
@@ -7453,7 +7411,7 @@
         </p:nvSpPr>
         <p:spPr>
           <a:xfrm>
-            <a:off x="10579974" y="2985516"/>
+            <a:off x="7862691" y="2147335"/>
             <a:ext cx="725030" cy="261610"/>
           </a:xfrm>
           <a:prstGeom prst="rect">
@@ -7469,8 +7427,8 @@
           <a:p>
             <a:pPr algn="ctr"/>
             <a:r>
-              <a:rPr lang="pt-BR" sz="1100" dirty="0" smtClean="0"/>
-              <a:t>Java</a:t>
+              <a:rPr lang="pt-BR" sz="1100" dirty="0" err="1"/>
+              <a:t>Discord</a:t>
             </a:r>
             <a:endParaRPr lang="pt-BR" sz="1100" dirty="0"/>
           </a:p>
@@ -7478,7 +7436,7 @@
       </p:sp>
       <p:sp>
         <p:nvSpPr>
-          <p:cNvPr id="98" name="CaixaDeTexto 97">
+          <p:cNvPr id="101" name="CaixaDeTexto 100">
             <a:extLst>
               <a:ext uri="{FF2B5EF4-FFF2-40B4-BE49-F238E27FC236}">
                 <a16:creationId xmlns:a16="http://schemas.microsoft.com/office/drawing/2014/main" id="{493E6E1F-0E69-43E5-B36D-2B8F5592B318}"/>
@@ -7490,7 +7448,7 @@
         </p:nvSpPr>
         <p:spPr>
           <a:xfrm>
-            <a:off x="10909385" y="2517508"/>
+            <a:off x="582214" y="5086167"/>
             <a:ext cx="725030" cy="261610"/>
           </a:xfrm>
           <a:prstGeom prst="rect">
@@ -7506,81 +7464,7 @@
           <a:p>
             <a:pPr algn="ctr"/>
             <a:r>
-              <a:rPr lang="pt-BR" sz="1100" dirty="0" err="1" smtClean="0"/>
-              <a:t>Ubuntu</a:t>
-            </a:r>
-            <a:endParaRPr lang="pt-BR" sz="1100" dirty="0"/>
-          </a:p>
-        </p:txBody>
-      </p:sp>
-      <p:sp>
-        <p:nvSpPr>
-          <p:cNvPr id="99" name="CaixaDeTexto 98">
-            <a:extLst>
-              <a:ext uri="{FF2B5EF4-FFF2-40B4-BE49-F238E27FC236}">
-                <a16:creationId xmlns:a16="http://schemas.microsoft.com/office/drawing/2014/main" id="{493E6E1F-0E69-43E5-B36D-2B8F5592B318}"/>
-              </a:ext>
-            </a:extLst>
-          </p:cNvPr>
-          <p:cNvSpPr txBox="1"/>
-          <p:nvPr/>
-        </p:nvSpPr>
-        <p:spPr>
-          <a:xfrm>
-            <a:off x="7862691" y="2147335"/>
-            <a:ext cx="725030" cy="261610"/>
-          </a:xfrm>
-          <a:prstGeom prst="rect">
-            <a:avLst/>
-          </a:prstGeom>
-          <a:noFill/>
-        </p:spPr>
-        <p:txBody>
-          <a:bodyPr wrap="square" rtlCol="0">
-            <a:spAutoFit/>
-          </a:bodyPr>
-          <a:lstStyle/>
-          <a:p>
-            <a:pPr algn="ctr"/>
-            <a:r>
-              <a:rPr lang="pt-BR" sz="1100" dirty="0" err="1" smtClean="0"/>
-              <a:t>Discord</a:t>
-            </a:r>
-            <a:endParaRPr lang="pt-BR" sz="1100" dirty="0"/>
-          </a:p>
-        </p:txBody>
-      </p:sp>
-      <p:sp>
-        <p:nvSpPr>
-          <p:cNvPr id="101" name="CaixaDeTexto 100">
-            <a:extLst>
-              <a:ext uri="{FF2B5EF4-FFF2-40B4-BE49-F238E27FC236}">
-                <a16:creationId xmlns:a16="http://schemas.microsoft.com/office/drawing/2014/main" id="{493E6E1F-0E69-43E5-B36D-2B8F5592B318}"/>
-              </a:ext>
-            </a:extLst>
-          </p:cNvPr>
-          <p:cNvSpPr txBox="1"/>
-          <p:nvPr/>
-        </p:nvSpPr>
-        <p:spPr>
-          <a:xfrm>
-            <a:off x="582214" y="5086167"/>
-            <a:ext cx="725030" cy="261610"/>
-          </a:xfrm>
-          <a:prstGeom prst="rect">
-            <a:avLst/>
-          </a:prstGeom>
-          <a:noFill/>
-        </p:spPr>
-        <p:txBody>
-          <a:bodyPr wrap="square" rtlCol="0">
-            <a:spAutoFit/>
-          </a:bodyPr>
-          <a:lstStyle/>
-          <a:p>
-            <a:pPr algn="ctr"/>
-            <a:r>
-              <a:rPr lang="pt-BR" sz="1100" dirty="0" err="1" smtClean="0"/>
+              <a:rPr lang="pt-BR" sz="1100" dirty="0" err="1"/>
               <a:t>Discord</a:t>
             </a:r>
             <a:endParaRPr lang="pt-BR" sz="1100" dirty="0"/>
@@ -7656,7 +7540,7 @@
           <a:p>
             <a:pPr algn="ctr"/>
             <a:r>
-              <a:rPr lang="pt-BR" sz="1100" dirty="0" err="1" smtClean="0"/>
+              <a:rPr lang="pt-BR" sz="1100" dirty="0" err="1"/>
               <a:t>Discord</a:t>
             </a:r>
             <a:endParaRPr lang="pt-BR" sz="1100" dirty="0"/>
@@ -7693,10 +7577,9 @@
           <a:p>
             <a:pPr algn="ctr"/>
             <a:r>
-              <a:rPr lang="pt-BR" sz="1100" dirty="0" smtClean="0"/>
+              <a:rPr lang="pt-BR" sz="1100" dirty="0"/>
               <a:t>Chrome</a:t>
             </a:r>
-            <a:endParaRPr lang="pt-BR" sz="1100" dirty="0"/>
           </a:p>
         </p:txBody>
       </p:sp>
@@ -7730,10 +7613,9 @@
           <a:p>
             <a:pPr algn="ctr"/>
             <a:r>
-              <a:rPr lang="pt-BR" sz="1100" dirty="0" smtClean="0"/>
+              <a:rPr lang="pt-BR" sz="1100" dirty="0"/>
               <a:t>Java</a:t>
             </a:r>
-            <a:endParaRPr lang="pt-BR" sz="1100" dirty="0"/>
           </a:p>
         </p:txBody>
       </p:sp>
@@ -7767,10 +7649,9 @@
           <a:p>
             <a:pPr algn="ctr"/>
             <a:r>
-              <a:rPr lang="pt-BR" sz="1100" dirty="0" smtClean="0"/>
+              <a:rPr lang="pt-BR" sz="1100" dirty="0"/>
               <a:t>OSHI</a:t>
             </a:r>
-            <a:endParaRPr lang="pt-BR" sz="1100" dirty="0"/>
           </a:p>
         </p:txBody>
       </p:sp>
@@ -7804,7 +7685,7 @@
           <a:p>
             <a:pPr algn="ctr"/>
             <a:r>
-              <a:rPr lang="pt-BR" sz="1100" dirty="0" err="1" smtClean="0"/>
+              <a:rPr lang="pt-BR" sz="1100" dirty="0" err="1"/>
               <a:t>Discord</a:t>
             </a:r>
             <a:endParaRPr lang="pt-BR" sz="1100" dirty="0"/>
@@ -7907,7 +7788,7 @@
           <a:p>
             <a:pPr algn="ctr"/>
             <a:r>
-              <a:rPr lang="pt-BR" sz="1100" b="0" i="0" dirty="0" err="1" smtClean="0">
+              <a:rPr lang="pt-BR" sz="1100" b="0" i="0" dirty="0" err="1">
                 <a:effectLst/>
               </a:rPr>
               <a:t>Android</a:t>
@@ -7946,10 +7827,9 @@
           <a:p>
             <a:pPr algn="ctr"/>
             <a:r>
-              <a:rPr lang="pt-BR" sz="1100" dirty="0" smtClean="0"/>
+              <a:rPr lang="pt-BR" sz="1100" dirty="0"/>
               <a:t>IOS</a:t>
             </a:r>
-            <a:endParaRPr lang="pt-BR" sz="1100" dirty="0"/>
           </a:p>
         </p:txBody>
       </p:sp>
@@ -7983,10 +7863,9 @@
           <a:p>
             <a:pPr algn="ctr"/>
             <a:r>
-              <a:rPr lang="pt-BR" sz="1100" b="1" dirty="0" smtClean="0"/>
+              <a:rPr lang="pt-BR" sz="1100" dirty="0"/>
               <a:t>Microsoft Edge</a:t>
             </a:r>
-            <a:endParaRPr lang="pt-BR" sz="1100" b="1" dirty="0"/>
           </a:p>
         </p:txBody>
       </p:sp>
@@ -8000,13 +7879,6 @@
   <p:clrMapOvr>
     <a:masterClrMapping/>
   </p:clrMapOvr>
-  <p:timing>
-    <p:tnLst>
-      <p:par>
-        <p:cTn id="1" dur="indefinite" restart="never" nodeType="tmRoot"/>
-      </p:par>
-    </p:tnLst>
-  </p:timing>
 </p:sld>
 </file>
 

--- a/Análise do sistema/LLD/LLD.pptx
+++ b/Análise do sistema/LLD/LLD.pptx
@@ -6,6 +6,7 @@
   </p:sldMasterIdLst>
   <p:sldIdLst>
     <p:sldId id="261" r:id="rId2"/>
+    <p:sldId id="262" r:id="rId3"/>
   </p:sldIdLst>
   <p:sldSz cx="12192000" cy="6858000"/>
   <p:notesSz cx="6858000" cy="9144000"/>
@@ -267,7 +268,7 @@
           <a:p>
             <a:fld id="{9124C99E-1E2C-46C7-9544-CFE55FE760E5}" type="datetimeFigureOut">
               <a:rPr lang="pt-BR" smtClean="0"/>
-              <a:t>27/10/2020</a:t>
+              <a:t>12/11/2020</a:t>
             </a:fld>
             <a:endParaRPr lang="pt-BR"/>
           </a:p>
@@ -321,7 +322,7 @@
           <a:p>
             <a:fld id="{C2EDBEC5-4D46-4D4C-AB80-816C94D07B20}" type="slidenum">
               <a:rPr lang="pt-BR" smtClean="0"/>
-              <a:t>‹#›</a:t>
+              <a:t>‹nº›</a:t>
             </a:fld>
             <a:endParaRPr lang="pt-BR"/>
           </a:p>
@@ -465,7 +466,7 @@
           <a:p>
             <a:fld id="{9124C99E-1E2C-46C7-9544-CFE55FE760E5}" type="datetimeFigureOut">
               <a:rPr lang="pt-BR" smtClean="0"/>
-              <a:t>27/10/2020</a:t>
+              <a:t>12/11/2020</a:t>
             </a:fld>
             <a:endParaRPr lang="pt-BR"/>
           </a:p>
@@ -519,7 +520,7 @@
           <a:p>
             <a:fld id="{C2EDBEC5-4D46-4D4C-AB80-816C94D07B20}" type="slidenum">
               <a:rPr lang="pt-BR" smtClean="0"/>
-              <a:t>‹#›</a:t>
+              <a:t>‹nº›</a:t>
             </a:fld>
             <a:endParaRPr lang="pt-BR"/>
           </a:p>
@@ -673,7 +674,7 @@
           <a:p>
             <a:fld id="{9124C99E-1E2C-46C7-9544-CFE55FE760E5}" type="datetimeFigureOut">
               <a:rPr lang="pt-BR" smtClean="0"/>
-              <a:t>27/10/2020</a:t>
+              <a:t>12/11/2020</a:t>
             </a:fld>
             <a:endParaRPr lang="pt-BR"/>
           </a:p>
@@ -727,7 +728,7 @@
           <a:p>
             <a:fld id="{C2EDBEC5-4D46-4D4C-AB80-816C94D07B20}" type="slidenum">
               <a:rPr lang="pt-BR" smtClean="0"/>
-              <a:t>‹#›</a:t>
+              <a:t>‹nº›</a:t>
             </a:fld>
             <a:endParaRPr lang="pt-BR"/>
           </a:p>
@@ -871,7 +872,7 @@
           <a:p>
             <a:fld id="{9124C99E-1E2C-46C7-9544-CFE55FE760E5}" type="datetimeFigureOut">
               <a:rPr lang="pt-BR" smtClean="0"/>
-              <a:t>27/10/2020</a:t>
+              <a:t>12/11/2020</a:t>
             </a:fld>
             <a:endParaRPr lang="pt-BR"/>
           </a:p>
@@ -925,7 +926,7 @@
           <a:p>
             <a:fld id="{C2EDBEC5-4D46-4D4C-AB80-816C94D07B20}" type="slidenum">
               <a:rPr lang="pt-BR" smtClean="0"/>
-              <a:t>‹#›</a:t>
+              <a:t>‹nº›</a:t>
             </a:fld>
             <a:endParaRPr lang="pt-BR"/>
           </a:p>
@@ -1146,7 +1147,7 @@
           <a:p>
             <a:fld id="{9124C99E-1E2C-46C7-9544-CFE55FE760E5}" type="datetimeFigureOut">
               <a:rPr lang="pt-BR" smtClean="0"/>
-              <a:t>27/10/2020</a:t>
+              <a:t>12/11/2020</a:t>
             </a:fld>
             <a:endParaRPr lang="pt-BR"/>
           </a:p>
@@ -1200,7 +1201,7 @@
           <a:p>
             <a:fld id="{C2EDBEC5-4D46-4D4C-AB80-816C94D07B20}" type="slidenum">
               <a:rPr lang="pt-BR" smtClean="0"/>
-              <a:t>‹#›</a:t>
+              <a:t>‹nº›</a:t>
             </a:fld>
             <a:endParaRPr lang="pt-BR"/>
           </a:p>
@@ -1411,7 +1412,7 @@
           <a:p>
             <a:fld id="{9124C99E-1E2C-46C7-9544-CFE55FE760E5}" type="datetimeFigureOut">
               <a:rPr lang="pt-BR" smtClean="0"/>
-              <a:t>27/10/2020</a:t>
+              <a:t>12/11/2020</a:t>
             </a:fld>
             <a:endParaRPr lang="pt-BR"/>
           </a:p>
@@ -1465,7 +1466,7 @@
           <a:p>
             <a:fld id="{C2EDBEC5-4D46-4D4C-AB80-816C94D07B20}" type="slidenum">
               <a:rPr lang="pt-BR" smtClean="0"/>
-              <a:t>‹#›</a:t>
+              <a:t>‹nº›</a:t>
             </a:fld>
             <a:endParaRPr lang="pt-BR"/>
           </a:p>
@@ -1823,7 +1824,7 @@
           <a:p>
             <a:fld id="{9124C99E-1E2C-46C7-9544-CFE55FE760E5}" type="datetimeFigureOut">
               <a:rPr lang="pt-BR" smtClean="0"/>
-              <a:t>27/10/2020</a:t>
+              <a:t>12/11/2020</a:t>
             </a:fld>
             <a:endParaRPr lang="pt-BR"/>
           </a:p>
@@ -1877,7 +1878,7 @@
           <a:p>
             <a:fld id="{C2EDBEC5-4D46-4D4C-AB80-816C94D07B20}" type="slidenum">
               <a:rPr lang="pt-BR" smtClean="0"/>
-              <a:t>‹#›</a:t>
+              <a:t>‹nº›</a:t>
             </a:fld>
             <a:endParaRPr lang="pt-BR"/>
           </a:p>
@@ -1964,7 +1965,7 @@
           <a:p>
             <a:fld id="{9124C99E-1E2C-46C7-9544-CFE55FE760E5}" type="datetimeFigureOut">
               <a:rPr lang="pt-BR" smtClean="0"/>
-              <a:t>27/10/2020</a:t>
+              <a:t>12/11/2020</a:t>
             </a:fld>
             <a:endParaRPr lang="pt-BR"/>
           </a:p>
@@ -2018,7 +2019,7 @@
           <a:p>
             <a:fld id="{C2EDBEC5-4D46-4D4C-AB80-816C94D07B20}" type="slidenum">
               <a:rPr lang="pt-BR" smtClean="0"/>
-              <a:t>‹#›</a:t>
+              <a:t>‹nº›</a:t>
             </a:fld>
             <a:endParaRPr lang="pt-BR"/>
           </a:p>
@@ -2077,7 +2078,7 @@
           <a:p>
             <a:fld id="{9124C99E-1E2C-46C7-9544-CFE55FE760E5}" type="datetimeFigureOut">
               <a:rPr lang="pt-BR" smtClean="0"/>
-              <a:t>27/10/2020</a:t>
+              <a:t>12/11/2020</a:t>
             </a:fld>
             <a:endParaRPr lang="pt-BR"/>
           </a:p>
@@ -2131,7 +2132,7 @@
           <a:p>
             <a:fld id="{C2EDBEC5-4D46-4D4C-AB80-816C94D07B20}" type="slidenum">
               <a:rPr lang="pt-BR" smtClean="0"/>
-              <a:t>‹#›</a:t>
+              <a:t>‹nº›</a:t>
             </a:fld>
             <a:endParaRPr lang="pt-BR"/>
           </a:p>
@@ -2388,7 +2389,7 @@
           <a:p>
             <a:fld id="{9124C99E-1E2C-46C7-9544-CFE55FE760E5}" type="datetimeFigureOut">
               <a:rPr lang="pt-BR" smtClean="0"/>
-              <a:t>27/10/2020</a:t>
+              <a:t>12/11/2020</a:t>
             </a:fld>
             <a:endParaRPr lang="pt-BR"/>
           </a:p>
@@ -2442,7 +2443,7 @@
           <a:p>
             <a:fld id="{C2EDBEC5-4D46-4D4C-AB80-816C94D07B20}" type="slidenum">
               <a:rPr lang="pt-BR" smtClean="0"/>
-              <a:t>‹#›</a:t>
+              <a:t>‹nº›</a:t>
             </a:fld>
             <a:endParaRPr lang="pt-BR"/>
           </a:p>
@@ -2676,7 +2677,7 @@
           <a:p>
             <a:fld id="{9124C99E-1E2C-46C7-9544-CFE55FE760E5}" type="datetimeFigureOut">
               <a:rPr lang="pt-BR" smtClean="0"/>
-              <a:t>27/10/2020</a:t>
+              <a:t>12/11/2020</a:t>
             </a:fld>
             <a:endParaRPr lang="pt-BR"/>
           </a:p>
@@ -2730,7 +2731,7 @@
           <a:p>
             <a:fld id="{C2EDBEC5-4D46-4D4C-AB80-816C94D07B20}" type="slidenum">
               <a:rPr lang="pt-BR" smtClean="0"/>
-              <a:t>‹#›</a:t>
+              <a:t>‹nº›</a:t>
             </a:fld>
             <a:endParaRPr lang="pt-BR"/>
           </a:p>
@@ -2917,7 +2918,7 @@
           <a:p>
             <a:fld id="{9124C99E-1E2C-46C7-9544-CFE55FE760E5}" type="datetimeFigureOut">
               <a:rPr lang="pt-BR" smtClean="0"/>
-              <a:t>27/10/2020</a:t>
+              <a:t>12/11/2020</a:t>
             </a:fld>
             <a:endParaRPr lang="pt-BR"/>
           </a:p>
@@ -3007,7 +3008,7 @@
           <a:p>
             <a:fld id="{C2EDBEC5-4D46-4D4C-AB80-816C94D07B20}" type="slidenum">
               <a:rPr lang="pt-BR" smtClean="0"/>
-              <a:t>‹#›</a:t>
+              <a:t>‹nº›</a:t>
             </a:fld>
             <a:endParaRPr lang="pt-BR"/>
           </a:p>
@@ -7882,6 +7883,4587 @@
 </p:sld>
 </file>
 
+<file path=ppt/slides/slide2.xml><?xml version="1.0" encoding="utf-8"?>
+<p:sld xmlns:a="http://schemas.openxmlformats.org/drawingml/2006/main" xmlns:r="http://schemas.openxmlformats.org/officeDocument/2006/relationships" xmlns:p="http://schemas.openxmlformats.org/presentationml/2006/main">
+  <p:cSld>
+    <p:spTree>
+      <p:nvGrpSpPr>
+        <p:cNvPr id="1" name=""/>
+        <p:cNvGrpSpPr/>
+        <p:nvPr/>
+      </p:nvGrpSpPr>
+      <p:grpSpPr>
+        <a:xfrm>
+          <a:off x="0" y="0"/>
+          <a:ext cx="0" cy="0"/>
+          <a:chOff x="0" y="0"/>
+          <a:chExt cx="0" cy="0"/>
+        </a:xfrm>
+      </p:grpSpPr>
+      <p:sp>
+        <p:nvSpPr>
+          <p:cNvPr id="93" name="Nuvem 65">
+            <a:extLst>
+              <a:ext uri="{FF2B5EF4-FFF2-40B4-BE49-F238E27FC236}">
+                <a16:creationId xmlns:a16="http://schemas.microsoft.com/office/drawing/2014/main" id="{08D52291-CF3F-48FF-9288-9AADF4C09980}"/>
+              </a:ext>
+            </a:extLst>
+          </p:cNvPr>
+          <p:cNvSpPr/>
+          <p:nvPr/>
+        </p:nvSpPr>
+        <p:spPr>
+          <a:xfrm rot="11256504">
+            <a:off x="9894229" y="1252985"/>
+            <a:ext cx="2254156" cy="2377509"/>
+          </a:xfrm>
+          <a:prstGeom prst="cloud">
+            <a:avLst/>
+          </a:prstGeom>
+          <a:solidFill>
+            <a:schemeClr val="accent5">
+              <a:lumMod val="20000"/>
+              <a:lumOff val="80000"/>
+            </a:schemeClr>
+          </a:solidFill>
+        </p:spPr>
+        <p:style>
+          <a:lnRef idx="1">
+            <a:schemeClr val="accent5"/>
+          </a:lnRef>
+          <a:fillRef idx="2">
+            <a:schemeClr val="accent5"/>
+          </a:fillRef>
+          <a:effectRef idx="1">
+            <a:schemeClr val="accent5"/>
+          </a:effectRef>
+          <a:fontRef idx="minor">
+            <a:schemeClr val="dk1"/>
+          </a:fontRef>
+        </p:style>
+        <p:txBody>
+          <a:bodyPr rtlCol="0" anchor="ctr"/>
+          <a:lstStyle/>
+          <a:p>
+            <a:pPr algn="ctr"/>
+            <a:endParaRPr lang="pt-BR"/>
+          </a:p>
+        </p:txBody>
+      </p:sp>
+      <p:sp>
+        <p:nvSpPr>
+          <p:cNvPr id="107" name="Retângulo 106">
+            <a:extLst>
+              <a:ext uri="{FF2B5EF4-FFF2-40B4-BE49-F238E27FC236}">
+                <a16:creationId xmlns:a16="http://schemas.microsoft.com/office/drawing/2014/main" id="{60CACDFA-9B28-4334-A246-8BD0F6F09A61}"/>
+              </a:ext>
+            </a:extLst>
+          </p:cNvPr>
+          <p:cNvSpPr/>
+          <p:nvPr/>
+        </p:nvSpPr>
+        <p:spPr>
+          <a:xfrm>
+            <a:off x="10344318" y="2159773"/>
+            <a:ext cx="1358750" cy="1180302"/>
+          </a:xfrm>
+          <a:prstGeom prst="rect">
+            <a:avLst/>
+          </a:prstGeom>
+          <a:solidFill>
+            <a:schemeClr val="accent5">
+              <a:lumMod val="40000"/>
+              <a:lumOff val="60000"/>
+            </a:schemeClr>
+          </a:solidFill>
+          <a:effectLst>
+            <a:softEdge rad="31750"/>
+          </a:effectLst>
+        </p:spPr>
+        <p:style>
+          <a:lnRef idx="2">
+            <a:schemeClr val="accent1">
+              <a:shade val="50000"/>
+            </a:schemeClr>
+          </a:lnRef>
+          <a:fillRef idx="1">
+            <a:schemeClr val="accent1"/>
+          </a:fillRef>
+          <a:effectRef idx="0">
+            <a:schemeClr val="accent1"/>
+          </a:effectRef>
+          <a:fontRef idx="minor">
+            <a:schemeClr val="lt1"/>
+          </a:fontRef>
+        </p:style>
+        <p:txBody>
+          <a:bodyPr rtlCol="0" anchor="ctr"/>
+          <a:lstStyle/>
+          <a:p>
+            <a:pPr algn="ctr"/>
+            <a:endParaRPr lang="pt-BR"/>
+          </a:p>
+        </p:txBody>
+      </p:sp>
+      <p:sp>
+        <p:nvSpPr>
+          <p:cNvPr id="20" name="Nuvem 65">
+            <a:extLst>
+              <a:ext uri="{FF2B5EF4-FFF2-40B4-BE49-F238E27FC236}">
+                <a16:creationId xmlns:a16="http://schemas.microsoft.com/office/drawing/2014/main" id="{08D52291-CF3F-48FF-9288-9AADF4C09980}"/>
+              </a:ext>
+            </a:extLst>
+          </p:cNvPr>
+          <p:cNvSpPr/>
+          <p:nvPr/>
+        </p:nvSpPr>
+        <p:spPr>
+          <a:xfrm rot="11256504">
+            <a:off x="5140035" y="229697"/>
+            <a:ext cx="1497471" cy="1442812"/>
+          </a:xfrm>
+          <a:prstGeom prst="cloud">
+            <a:avLst/>
+          </a:prstGeom>
+          <a:solidFill>
+            <a:schemeClr val="accent5">
+              <a:lumMod val="20000"/>
+              <a:lumOff val="80000"/>
+            </a:schemeClr>
+          </a:solidFill>
+        </p:spPr>
+        <p:style>
+          <a:lnRef idx="1">
+            <a:schemeClr val="accent5"/>
+          </a:lnRef>
+          <a:fillRef idx="2">
+            <a:schemeClr val="accent5"/>
+          </a:fillRef>
+          <a:effectRef idx="1">
+            <a:schemeClr val="accent5"/>
+          </a:effectRef>
+          <a:fontRef idx="minor">
+            <a:schemeClr val="dk1"/>
+          </a:fontRef>
+        </p:style>
+        <p:txBody>
+          <a:bodyPr rtlCol="0" anchor="ctr"/>
+          <a:lstStyle/>
+          <a:p>
+            <a:pPr algn="ctr"/>
+            <a:endParaRPr lang="pt-BR"/>
+          </a:p>
+        </p:txBody>
+      </p:sp>
+      <p:sp>
+        <p:nvSpPr>
+          <p:cNvPr id="5" name="Retângulo 4">
+            <a:extLst>
+              <a:ext uri="{FF2B5EF4-FFF2-40B4-BE49-F238E27FC236}">
+                <a16:creationId xmlns:a16="http://schemas.microsoft.com/office/drawing/2014/main" id="{C13C096A-7414-4419-807A-C2068EAEE71D}"/>
+              </a:ext>
+            </a:extLst>
+          </p:cNvPr>
+          <p:cNvSpPr/>
+          <p:nvPr/>
+        </p:nvSpPr>
+        <p:spPr>
+          <a:xfrm>
+            <a:off x="209767" y="3524610"/>
+            <a:ext cx="4869010" cy="3214527"/>
+          </a:xfrm>
+          <a:prstGeom prst="rect">
+            <a:avLst/>
+          </a:prstGeom>
+          <a:solidFill>
+            <a:schemeClr val="bg1">
+              <a:lumMod val="95000"/>
+            </a:schemeClr>
+          </a:solidFill>
+        </p:spPr>
+        <p:style>
+          <a:lnRef idx="2">
+            <a:schemeClr val="accent1">
+              <a:shade val="50000"/>
+            </a:schemeClr>
+          </a:lnRef>
+          <a:fillRef idx="1">
+            <a:schemeClr val="accent1"/>
+          </a:fillRef>
+          <a:effectRef idx="0">
+            <a:schemeClr val="accent1"/>
+          </a:effectRef>
+          <a:fontRef idx="minor">
+            <a:schemeClr val="lt1"/>
+          </a:fontRef>
+        </p:style>
+        <p:txBody>
+          <a:bodyPr rtlCol="0" anchor="ctr"/>
+          <a:lstStyle/>
+          <a:p>
+            <a:pPr algn="ctr"/>
+            <a:endParaRPr lang="pt-BR"/>
+          </a:p>
+        </p:txBody>
+      </p:sp>
+      <p:sp>
+        <p:nvSpPr>
+          <p:cNvPr id="91" name="Retângulo: Único Canto Recortado 90">
+            <a:extLst>
+              <a:ext uri="{FF2B5EF4-FFF2-40B4-BE49-F238E27FC236}">
+                <a16:creationId xmlns:a16="http://schemas.microsoft.com/office/drawing/2014/main" id="{397F0654-A91A-4F2E-B6A6-2236EE14A546}"/>
+              </a:ext>
+            </a:extLst>
+          </p:cNvPr>
+          <p:cNvSpPr/>
+          <p:nvPr/>
+        </p:nvSpPr>
+        <p:spPr>
+          <a:xfrm>
+            <a:off x="2511272" y="4362226"/>
+            <a:ext cx="1625416" cy="1069261"/>
+          </a:xfrm>
+          <a:prstGeom prst="snip1Rect">
+            <a:avLst/>
+          </a:prstGeom>
+          <a:solidFill>
+            <a:schemeClr val="accent1">
+              <a:lumMod val="60000"/>
+              <a:lumOff val="40000"/>
+            </a:schemeClr>
+          </a:solidFill>
+        </p:spPr>
+        <p:style>
+          <a:lnRef idx="2">
+            <a:schemeClr val="accent1">
+              <a:shade val="50000"/>
+            </a:schemeClr>
+          </a:lnRef>
+          <a:fillRef idx="1">
+            <a:schemeClr val="accent1"/>
+          </a:fillRef>
+          <a:effectRef idx="0">
+            <a:schemeClr val="accent1"/>
+          </a:effectRef>
+          <a:fontRef idx="minor">
+            <a:schemeClr val="lt1"/>
+          </a:fontRef>
+        </p:style>
+        <p:txBody>
+          <a:bodyPr rtlCol="0" anchor="ctr"/>
+          <a:lstStyle/>
+          <a:p>
+            <a:pPr algn="ctr"/>
+            <a:endParaRPr lang="pt-BR"/>
+          </a:p>
+        </p:txBody>
+      </p:sp>
+      <p:sp>
+        <p:nvSpPr>
+          <p:cNvPr id="66" name="Nuvem 65">
+            <a:extLst>
+              <a:ext uri="{FF2B5EF4-FFF2-40B4-BE49-F238E27FC236}">
+                <a16:creationId xmlns:a16="http://schemas.microsoft.com/office/drawing/2014/main" id="{C75E96A7-432B-4D75-A941-A10D267ED158}"/>
+              </a:ext>
+            </a:extLst>
+          </p:cNvPr>
+          <p:cNvSpPr/>
+          <p:nvPr/>
+        </p:nvSpPr>
+        <p:spPr>
+          <a:xfrm rot="11256504">
+            <a:off x="6683463" y="566796"/>
+            <a:ext cx="3107092" cy="2249662"/>
+          </a:xfrm>
+          <a:prstGeom prst="cloud">
+            <a:avLst/>
+          </a:prstGeom>
+          <a:solidFill>
+            <a:schemeClr val="accent5">
+              <a:lumMod val="20000"/>
+              <a:lumOff val="80000"/>
+            </a:schemeClr>
+          </a:solidFill>
+        </p:spPr>
+        <p:style>
+          <a:lnRef idx="1">
+            <a:schemeClr val="accent5"/>
+          </a:lnRef>
+          <a:fillRef idx="2">
+            <a:schemeClr val="accent5"/>
+          </a:fillRef>
+          <a:effectRef idx="1">
+            <a:schemeClr val="accent5"/>
+          </a:effectRef>
+          <a:fontRef idx="minor">
+            <a:schemeClr val="dk1"/>
+          </a:fontRef>
+        </p:style>
+        <p:txBody>
+          <a:bodyPr rtlCol="0" anchor="ctr"/>
+          <a:lstStyle/>
+          <a:p>
+            <a:pPr algn="ctr"/>
+            <a:endParaRPr lang="pt-BR"/>
+          </a:p>
+        </p:txBody>
+      </p:sp>
+      <p:sp>
+        <p:nvSpPr>
+          <p:cNvPr id="33" name="Retângulo 32">
+            <a:extLst>
+              <a:ext uri="{FF2B5EF4-FFF2-40B4-BE49-F238E27FC236}">
+                <a16:creationId xmlns:a16="http://schemas.microsoft.com/office/drawing/2014/main" id="{60CACDFA-9B28-4334-A246-8BD0F6F09A61}"/>
+              </a:ext>
+            </a:extLst>
+          </p:cNvPr>
+          <p:cNvSpPr/>
+          <p:nvPr/>
+        </p:nvSpPr>
+        <p:spPr>
+          <a:xfrm>
+            <a:off x="7735542" y="1532300"/>
+            <a:ext cx="979329" cy="884828"/>
+          </a:xfrm>
+          <a:prstGeom prst="rect">
+            <a:avLst/>
+          </a:prstGeom>
+          <a:solidFill>
+            <a:schemeClr val="accent5">
+              <a:lumMod val="40000"/>
+              <a:lumOff val="60000"/>
+            </a:schemeClr>
+          </a:solidFill>
+          <a:effectLst>
+            <a:softEdge rad="31750"/>
+          </a:effectLst>
+        </p:spPr>
+        <p:style>
+          <a:lnRef idx="2">
+            <a:schemeClr val="accent1">
+              <a:shade val="50000"/>
+            </a:schemeClr>
+          </a:lnRef>
+          <a:fillRef idx="1">
+            <a:schemeClr val="accent1"/>
+          </a:fillRef>
+          <a:effectRef idx="0">
+            <a:schemeClr val="accent1"/>
+          </a:effectRef>
+          <a:fontRef idx="minor">
+            <a:schemeClr val="lt1"/>
+          </a:fontRef>
+        </p:style>
+        <p:txBody>
+          <a:bodyPr rtlCol="0" anchor="ctr"/>
+          <a:lstStyle/>
+          <a:p>
+            <a:pPr algn="ctr"/>
+            <a:endParaRPr lang="pt-BR"/>
+          </a:p>
+        </p:txBody>
+      </p:sp>
+      <p:sp>
+        <p:nvSpPr>
+          <p:cNvPr id="13" name="Nuvem 12">
+            <a:extLst>
+              <a:ext uri="{FF2B5EF4-FFF2-40B4-BE49-F238E27FC236}">
+                <a16:creationId xmlns:a16="http://schemas.microsoft.com/office/drawing/2014/main" id="{11CE70A0-4E09-489F-A8B5-2FF904DDF62B}"/>
+              </a:ext>
+            </a:extLst>
+          </p:cNvPr>
+          <p:cNvSpPr/>
+          <p:nvPr/>
+        </p:nvSpPr>
+        <p:spPr>
+          <a:xfrm rot="11256504">
+            <a:off x="388569" y="174476"/>
+            <a:ext cx="4684710" cy="3012397"/>
+          </a:xfrm>
+          <a:prstGeom prst="cloud">
+            <a:avLst/>
+          </a:prstGeom>
+          <a:solidFill>
+            <a:schemeClr val="accent5">
+              <a:lumMod val="20000"/>
+              <a:lumOff val="80000"/>
+            </a:schemeClr>
+          </a:solidFill>
+        </p:spPr>
+        <p:style>
+          <a:lnRef idx="1">
+            <a:schemeClr val="accent5"/>
+          </a:lnRef>
+          <a:fillRef idx="2">
+            <a:schemeClr val="accent5"/>
+          </a:fillRef>
+          <a:effectRef idx="1">
+            <a:schemeClr val="accent5"/>
+          </a:effectRef>
+          <a:fontRef idx="minor">
+            <a:schemeClr val="dk1"/>
+          </a:fontRef>
+        </p:style>
+        <p:txBody>
+          <a:bodyPr rtlCol="0" anchor="ctr"/>
+          <a:lstStyle/>
+          <a:p>
+            <a:pPr algn="ctr"/>
+            <a:endParaRPr lang="pt-BR"/>
+          </a:p>
+        </p:txBody>
+      </p:sp>
+      <p:sp>
+        <p:nvSpPr>
+          <p:cNvPr id="31" name="Retângulo 30">
+            <a:extLst>
+              <a:ext uri="{FF2B5EF4-FFF2-40B4-BE49-F238E27FC236}">
+                <a16:creationId xmlns:a16="http://schemas.microsoft.com/office/drawing/2014/main" id="{1DFD4028-EF29-4EC8-9538-927953410589}"/>
+              </a:ext>
+            </a:extLst>
+          </p:cNvPr>
+          <p:cNvSpPr/>
+          <p:nvPr/>
+        </p:nvSpPr>
+        <p:spPr>
+          <a:xfrm>
+            <a:off x="1040311" y="1078309"/>
+            <a:ext cx="1493618" cy="1452353"/>
+          </a:xfrm>
+          <a:prstGeom prst="rect">
+            <a:avLst/>
+          </a:prstGeom>
+          <a:solidFill>
+            <a:schemeClr val="accent5">
+              <a:lumMod val="40000"/>
+              <a:lumOff val="60000"/>
+            </a:schemeClr>
+          </a:solidFill>
+          <a:effectLst>
+            <a:softEdge rad="31750"/>
+          </a:effectLst>
+        </p:spPr>
+        <p:style>
+          <a:lnRef idx="2">
+            <a:schemeClr val="accent1">
+              <a:shade val="50000"/>
+            </a:schemeClr>
+          </a:lnRef>
+          <a:fillRef idx="1">
+            <a:schemeClr val="accent1"/>
+          </a:fillRef>
+          <a:effectRef idx="0">
+            <a:schemeClr val="accent1"/>
+          </a:effectRef>
+          <a:fontRef idx="minor">
+            <a:schemeClr val="lt1"/>
+          </a:fontRef>
+        </p:style>
+        <p:txBody>
+          <a:bodyPr rtlCol="0" anchor="ctr"/>
+          <a:lstStyle/>
+          <a:p>
+            <a:pPr algn="ctr"/>
+            <a:endParaRPr lang="pt-BR"/>
+          </a:p>
+        </p:txBody>
+      </p:sp>
+      <p:sp>
+        <p:nvSpPr>
+          <p:cNvPr id="30" name="Retângulo 29">
+            <a:extLst>
+              <a:ext uri="{FF2B5EF4-FFF2-40B4-BE49-F238E27FC236}">
+                <a16:creationId xmlns:a16="http://schemas.microsoft.com/office/drawing/2014/main" id="{05D32B25-385C-4D1C-A7C9-56E0DD46888A}"/>
+              </a:ext>
+            </a:extLst>
+          </p:cNvPr>
+          <p:cNvSpPr/>
+          <p:nvPr/>
+        </p:nvSpPr>
+        <p:spPr>
+          <a:xfrm>
+            <a:off x="2859869" y="1078309"/>
+            <a:ext cx="1679632" cy="1502643"/>
+          </a:xfrm>
+          <a:prstGeom prst="rect">
+            <a:avLst/>
+          </a:prstGeom>
+          <a:solidFill>
+            <a:schemeClr val="accent5">
+              <a:lumMod val="40000"/>
+              <a:lumOff val="60000"/>
+            </a:schemeClr>
+          </a:solidFill>
+          <a:effectLst>
+            <a:softEdge rad="31750"/>
+          </a:effectLst>
+        </p:spPr>
+        <p:style>
+          <a:lnRef idx="2">
+            <a:schemeClr val="accent1">
+              <a:shade val="50000"/>
+            </a:schemeClr>
+          </a:lnRef>
+          <a:fillRef idx="1">
+            <a:schemeClr val="accent1"/>
+          </a:fillRef>
+          <a:effectRef idx="0">
+            <a:schemeClr val="accent1"/>
+          </a:effectRef>
+          <a:fontRef idx="minor">
+            <a:schemeClr val="lt1"/>
+          </a:fontRef>
+        </p:style>
+        <p:txBody>
+          <a:bodyPr rtlCol="0" anchor="ctr"/>
+          <a:lstStyle/>
+          <a:p>
+            <a:pPr algn="ctr"/>
+            <a:endParaRPr lang="pt-BR"/>
+          </a:p>
+        </p:txBody>
+      </p:sp>
+      <p:sp>
+        <p:nvSpPr>
+          <p:cNvPr id="15" name="Retângulo 14">
+            <a:extLst>
+              <a:ext uri="{FF2B5EF4-FFF2-40B4-BE49-F238E27FC236}">
+                <a16:creationId xmlns:a16="http://schemas.microsoft.com/office/drawing/2014/main" id="{E4AFB33D-FD87-433F-B41A-A60714A7325C}"/>
+              </a:ext>
+            </a:extLst>
+          </p:cNvPr>
+          <p:cNvSpPr/>
+          <p:nvPr/>
+        </p:nvSpPr>
+        <p:spPr>
+          <a:xfrm>
+            <a:off x="7113223" y="3703328"/>
+            <a:ext cx="4969920" cy="3035809"/>
+          </a:xfrm>
+          <a:prstGeom prst="rect">
+            <a:avLst/>
+          </a:prstGeom>
+          <a:solidFill>
+            <a:schemeClr val="bg1">
+              <a:lumMod val="95000"/>
+            </a:schemeClr>
+          </a:solidFill>
+        </p:spPr>
+        <p:style>
+          <a:lnRef idx="2">
+            <a:schemeClr val="accent1">
+              <a:shade val="50000"/>
+            </a:schemeClr>
+          </a:lnRef>
+          <a:fillRef idx="1">
+            <a:schemeClr val="accent1"/>
+          </a:fillRef>
+          <a:effectRef idx="0">
+            <a:schemeClr val="accent1"/>
+          </a:effectRef>
+          <a:fontRef idx="minor">
+            <a:schemeClr val="lt1"/>
+          </a:fontRef>
+        </p:style>
+        <p:txBody>
+          <a:bodyPr rtlCol="0" anchor="ctr"/>
+          <a:lstStyle/>
+          <a:p>
+            <a:pPr algn="ctr"/>
+            <a:endParaRPr lang="pt-BR"/>
+          </a:p>
+        </p:txBody>
+      </p:sp>
+      <p:sp>
+        <p:nvSpPr>
+          <p:cNvPr id="32" name="CaixaDeTexto 31">
+            <a:extLst>
+              <a:ext uri="{FF2B5EF4-FFF2-40B4-BE49-F238E27FC236}">
+                <a16:creationId xmlns:a16="http://schemas.microsoft.com/office/drawing/2014/main" id="{D4C46B90-BC4F-4233-9E10-FB926E8C4403}"/>
+              </a:ext>
+            </a:extLst>
+          </p:cNvPr>
+          <p:cNvSpPr txBox="1"/>
+          <p:nvPr/>
+        </p:nvSpPr>
+        <p:spPr>
+          <a:xfrm>
+            <a:off x="1325644" y="3627601"/>
+            <a:ext cx="2416570" cy="369332"/>
+          </a:xfrm>
+          <a:prstGeom prst="rect">
+            <a:avLst/>
+          </a:prstGeom>
+          <a:noFill/>
+        </p:spPr>
+        <p:txBody>
+          <a:bodyPr wrap="square" rtlCol="0">
+            <a:spAutoFit/>
+          </a:bodyPr>
+          <a:lstStyle/>
+          <a:p>
+            <a:pPr algn="ctr"/>
+            <a:r>
+              <a:rPr lang="pt-BR" dirty="0"/>
+              <a:t>Camada do Suporte</a:t>
+            </a:r>
+          </a:p>
+        </p:txBody>
+      </p:sp>
+      <p:sp>
+        <p:nvSpPr>
+          <p:cNvPr id="34" name="CaixaDeTexto 33">
+            <a:extLst>
+              <a:ext uri="{FF2B5EF4-FFF2-40B4-BE49-F238E27FC236}">
+                <a16:creationId xmlns:a16="http://schemas.microsoft.com/office/drawing/2014/main" id="{B7B92D03-8C90-4E4F-981A-03A7CCFFE895}"/>
+              </a:ext>
+            </a:extLst>
+          </p:cNvPr>
+          <p:cNvSpPr txBox="1"/>
+          <p:nvPr/>
+        </p:nvSpPr>
+        <p:spPr>
+          <a:xfrm>
+            <a:off x="8518292" y="3833175"/>
+            <a:ext cx="2416570" cy="369332"/>
+          </a:xfrm>
+          <a:prstGeom prst="rect">
+            <a:avLst/>
+          </a:prstGeom>
+          <a:noFill/>
+        </p:spPr>
+        <p:txBody>
+          <a:bodyPr wrap="square" rtlCol="0">
+            <a:spAutoFit/>
+          </a:bodyPr>
+          <a:lstStyle/>
+          <a:p>
+            <a:pPr algn="ctr"/>
+            <a:r>
+              <a:rPr lang="pt-BR" dirty="0"/>
+              <a:t>Camada do Usuário</a:t>
+            </a:r>
+          </a:p>
+        </p:txBody>
+      </p:sp>
+      <p:sp>
+        <p:nvSpPr>
+          <p:cNvPr id="36" name="CaixaDeTexto 35">
+            <a:extLst>
+              <a:ext uri="{FF2B5EF4-FFF2-40B4-BE49-F238E27FC236}">
+                <a16:creationId xmlns:a16="http://schemas.microsoft.com/office/drawing/2014/main" id="{D255E0C9-0ABC-43A4-AD49-BA2B33ACB6D9}"/>
+              </a:ext>
+            </a:extLst>
+          </p:cNvPr>
+          <p:cNvSpPr txBox="1"/>
+          <p:nvPr/>
+        </p:nvSpPr>
+        <p:spPr>
+          <a:xfrm>
+            <a:off x="1300713" y="670376"/>
+            <a:ext cx="2416570" cy="461665"/>
+          </a:xfrm>
+          <a:prstGeom prst="rect">
+            <a:avLst/>
+          </a:prstGeom>
+          <a:noFill/>
+        </p:spPr>
+        <p:txBody>
+          <a:bodyPr wrap="square" rtlCol="0">
+            <a:spAutoFit/>
+          </a:bodyPr>
+          <a:lstStyle/>
+          <a:p>
+            <a:pPr algn="ctr"/>
+            <a:r>
+              <a:rPr lang="pt-BR" sz="2400" dirty="0"/>
+              <a:t>Azure</a:t>
+            </a:r>
+          </a:p>
+        </p:txBody>
+      </p:sp>
+      <p:pic>
+        <p:nvPicPr>
+          <p:cNvPr id="39" name="Imagem 38">
+            <a:extLst>
+              <a:ext uri="{FF2B5EF4-FFF2-40B4-BE49-F238E27FC236}">
+                <a16:creationId xmlns:a16="http://schemas.microsoft.com/office/drawing/2014/main" id="{83E7915B-A7AD-4A1F-9F12-45B511EAAF79}"/>
+              </a:ext>
+            </a:extLst>
+          </p:cNvPr>
+          <p:cNvPicPr>
+            <a:picLocks noChangeAspect="1"/>
+          </p:cNvPicPr>
+          <p:nvPr/>
+        </p:nvPicPr>
+        <p:blipFill>
+          <a:blip r:embed="rId2"/>
+          <a:stretch>
+            <a:fillRect/>
+          </a:stretch>
+        </p:blipFill>
+        <p:spPr>
+          <a:xfrm>
+            <a:off x="271924" y="4244052"/>
+            <a:ext cx="2201668" cy="2122310"/>
+          </a:xfrm>
+          <a:prstGeom prst="rect">
+            <a:avLst/>
+          </a:prstGeom>
+        </p:spPr>
+      </p:pic>
+      <p:pic>
+        <p:nvPicPr>
+          <p:cNvPr id="51" name="Imagem 50">
+            <a:extLst>
+              <a:ext uri="{FF2B5EF4-FFF2-40B4-BE49-F238E27FC236}">
+                <a16:creationId xmlns:a16="http://schemas.microsoft.com/office/drawing/2014/main" id="{F5763FE3-0FC9-4422-92B1-5542BE16E2D4}"/>
+              </a:ext>
+            </a:extLst>
+          </p:cNvPr>
+          <p:cNvPicPr>
+            <a:picLocks noChangeAspect="1"/>
+          </p:cNvPicPr>
+          <p:nvPr/>
+        </p:nvPicPr>
+        <p:blipFill>
+          <a:blip r:embed="rId2"/>
+          <a:stretch>
+            <a:fillRect/>
+          </a:stretch>
+        </p:blipFill>
+        <p:spPr>
+          <a:xfrm>
+            <a:off x="9848785" y="4132509"/>
+            <a:ext cx="2234676" cy="2369891"/>
+          </a:xfrm>
+          <a:prstGeom prst="rect">
+            <a:avLst/>
+          </a:prstGeom>
+        </p:spPr>
+      </p:pic>
+      <p:pic>
+        <p:nvPicPr>
+          <p:cNvPr id="53" name="Imagem 52">
+            <a:extLst>
+              <a:ext uri="{FF2B5EF4-FFF2-40B4-BE49-F238E27FC236}">
+                <a16:creationId xmlns:a16="http://schemas.microsoft.com/office/drawing/2014/main" id="{0B4D6C52-77C5-4A57-A299-05AA26BEB359}"/>
+              </a:ext>
+            </a:extLst>
+          </p:cNvPr>
+          <p:cNvPicPr>
+            <a:picLocks noChangeAspect="1"/>
+          </p:cNvPicPr>
+          <p:nvPr/>
+        </p:nvPicPr>
+        <p:blipFill>
+          <a:blip r:embed="rId3"/>
+          <a:stretch>
+            <a:fillRect/>
+          </a:stretch>
+        </p:blipFill>
+        <p:spPr>
+          <a:xfrm>
+            <a:off x="4590533" y="4508464"/>
+            <a:ext cx="419875" cy="417420"/>
+          </a:xfrm>
+          <a:prstGeom prst="rect">
+            <a:avLst/>
+          </a:prstGeom>
+        </p:spPr>
+      </p:pic>
+      <p:pic>
+        <p:nvPicPr>
+          <p:cNvPr id="55" name="Imagem 54">
+            <a:extLst>
+              <a:ext uri="{FF2B5EF4-FFF2-40B4-BE49-F238E27FC236}">
+                <a16:creationId xmlns:a16="http://schemas.microsoft.com/office/drawing/2014/main" id="{27980C2D-8228-4655-A73E-87903645A8C8}"/>
+              </a:ext>
+            </a:extLst>
+          </p:cNvPr>
+          <p:cNvPicPr>
+            <a:picLocks noChangeAspect="1"/>
+          </p:cNvPicPr>
+          <p:nvPr/>
+        </p:nvPicPr>
+        <p:blipFill>
+          <a:blip r:embed="rId3"/>
+          <a:stretch>
+            <a:fillRect/>
+          </a:stretch>
+        </p:blipFill>
+        <p:spPr>
+          <a:xfrm>
+            <a:off x="7143959" y="4577420"/>
+            <a:ext cx="419875" cy="417420"/>
+          </a:xfrm>
+          <a:prstGeom prst="rect">
+            <a:avLst/>
+          </a:prstGeom>
+        </p:spPr>
+      </p:pic>
+      <p:cxnSp>
+        <p:nvCxnSpPr>
+          <p:cNvPr id="61" name="Conector de Seta Reta 60">
+            <a:extLst>
+              <a:ext uri="{FF2B5EF4-FFF2-40B4-BE49-F238E27FC236}">
+                <a16:creationId xmlns:a16="http://schemas.microsoft.com/office/drawing/2014/main" id="{666A7D21-505E-4FDD-BD7C-7AFEC123373A}"/>
+              </a:ext>
+            </a:extLst>
+          </p:cNvPr>
+          <p:cNvCxnSpPr>
+            <a:cxnSpLocks/>
+          </p:cNvCxnSpPr>
+          <p:nvPr/>
+        </p:nvCxnSpPr>
+        <p:spPr>
+          <a:xfrm flipH="1" flipV="1">
+            <a:off x="4669579" y="2396700"/>
+            <a:ext cx="2461460" cy="1965526"/>
+          </a:xfrm>
+          <a:prstGeom prst="straightConnector1">
+            <a:avLst/>
+          </a:prstGeom>
+          <a:ln>
+            <a:tailEnd type="triangle"/>
+          </a:ln>
+        </p:spPr>
+        <p:style>
+          <a:lnRef idx="3">
+            <a:schemeClr val="dk1"/>
+          </a:lnRef>
+          <a:fillRef idx="0">
+            <a:schemeClr val="dk1"/>
+          </a:fillRef>
+          <a:effectRef idx="2">
+            <a:schemeClr val="dk1"/>
+          </a:effectRef>
+          <a:fontRef idx="minor">
+            <a:schemeClr val="tx1"/>
+          </a:fontRef>
+        </p:style>
+      </p:cxnSp>
+      <p:sp>
+        <p:nvSpPr>
+          <p:cNvPr id="68" name="CaixaDeTexto 67">
+            <a:extLst>
+              <a:ext uri="{FF2B5EF4-FFF2-40B4-BE49-F238E27FC236}">
+                <a16:creationId xmlns:a16="http://schemas.microsoft.com/office/drawing/2014/main" id="{F611572D-B54F-4E36-B062-379FBAC6FE2E}"/>
+              </a:ext>
+            </a:extLst>
+          </p:cNvPr>
+          <p:cNvSpPr txBox="1"/>
+          <p:nvPr/>
+        </p:nvSpPr>
+        <p:spPr>
+          <a:xfrm>
+            <a:off x="6774533" y="1114225"/>
+            <a:ext cx="2416570" cy="400110"/>
+          </a:xfrm>
+          <a:prstGeom prst="rect">
+            <a:avLst/>
+          </a:prstGeom>
+          <a:noFill/>
+        </p:spPr>
+        <p:txBody>
+          <a:bodyPr wrap="square" rtlCol="0">
+            <a:spAutoFit/>
+          </a:bodyPr>
+          <a:lstStyle/>
+          <a:p>
+            <a:pPr algn="ctr"/>
+            <a:r>
+              <a:rPr lang="pt-BR" sz="2000" b="0" i="0" dirty="0">
+                <a:effectLst/>
+              </a:rPr>
+              <a:t>Cloudflare</a:t>
+            </a:r>
+            <a:endParaRPr lang="pt-BR" sz="2000" dirty="0"/>
+          </a:p>
+        </p:txBody>
+      </p:sp>
+      <p:pic>
+        <p:nvPicPr>
+          <p:cNvPr id="1026" name="Picture 2" descr="cloudflare - BOM DIA Luxemburgo">
+            <a:extLst>
+              <a:ext uri="{FF2B5EF4-FFF2-40B4-BE49-F238E27FC236}">
+                <a16:creationId xmlns:a16="http://schemas.microsoft.com/office/drawing/2014/main" id="{4845BB18-939C-44C2-84E0-E85EC35D13D2}"/>
+              </a:ext>
+            </a:extLst>
+          </p:cNvPr>
+          <p:cNvPicPr>
+            <a:picLocks noChangeAspect="1" noChangeArrowheads="1"/>
+          </p:cNvPicPr>
+          <p:nvPr/>
+        </p:nvPicPr>
+        <p:blipFill>
+          <a:blip r:embed="rId4" cstate="hqprint">
+            <a:extLst>
+              <a:ext uri="{28A0092B-C50C-407E-A947-70E740481C1C}">
+                <a14:useLocalDpi xmlns:a14="http://schemas.microsoft.com/office/drawing/2010/main" val="0"/>
+              </a:ext>
+            </a:extLst>
+          </a:blip>
+          <a:srcRect/>
+          <a:stretch>
+            <a:fillRect/>
+          </a:stretch>
+        </p:blipFill>
+        <p:spPr bwMode="auto">
+          <a:xfrm>
+            <a:off x="8568256" y="1169275"/>
+            <a:ext cx="467108" cy="280265"/>
+          </a:xfrm>
+          <a:prstGeom prst="rect">
+            <a:avLst/>
+          </a:prstGeom>
+          <a:noFill/>
+          <a:extLst>
+            <a:ext uri="{909E8E84-426E-40DD-AFC4-6F175D3DCCD1}">
+              <a14:hiddenFill xmlns:a14="http://schemas.microsoft.com/office/drawing/2010/main">
+                <a:solidFill>
+                  <a:srgbClr val="FFFFFF"/>
+                </a:solidFill>
+              </a14:hiddenFill>
+            </a:ext>
+          </a:extLst>
+        </p:spPr>
+      </p:pic>
+      <p:pic>
+        <p:nvPicPr>
+          <p:cNvPr id="4098" name="Picture 2" descr="Proteção de Informações do Azure | Microsoft Azure">
+            <a:extLst>
+              <a:ext uri="{FF2B5EF4-FFF2-40B4-BE49-F238E27FC236}">
+                <a16:creationId xmlns:a16="http://schemas.microsoft.com/office/drawing/2014/main" id="{58AD377F-A798-482C-B73C-89A474A7068E}"/>
+              </a:ext>
+            </a:extLst>
+          </p:cNvPr>
+          <p:cNvPicPr>
+            <a:picLocks noChangeAspect="1" noChangeArrowheads="1"/>
+          </p:cNvPicPr>
+          <p:nvPr/>
+        </p:nvPicPr>
+        <p:blipFill>
+          <a:blip r:embed="rId5" cstate="hqprint">
+            <a:extLst>
+              <a:ext uri="{28A0092B-C50C-407E-A947-70E740481C1C}">
+                <a14:useLocalDpi xmlns:a14="http://schemas.microsoft.com/office/drawing/2010/main" val="0"/>
+              </a:ext>
+            </a:extLst>
+          </a:blip>
+          <a:srcRect/>
+          <a:stretch>
+            <a:fillRect/>
+          </a:stretch>
+        </p:blipFill>
+        <p:spPr bwMode="auto">
+          <a:xfrm>
+            <a:off x="2812012" y="657957"/>
+            <a:ext cx="777018" cy="407934"/>
+          </a:xfrm>
+          <a:prstGeom prst="rect">
+            <a:avLst/>
+          </a:prstGeom>
+          <a:noFill/>
+          <a:extLst>
+            <a:ext uri="{909E8E84-426E-40DD-AFC4-6F175D3DCCD1}">
+              <a14:hiddenFill xmlns:a14="http://schemas.microsoft.com/office/drawing/2010/main">
+                <a:solidFill>
+                  <a:srgbClr val="FFFFFF"/>
+                </a:solidFill>
+              </a14:hiddenFill>
+            </a:ext>
+          </a:extLst>
+        </p:spPr>
+      </p:pic>
+      <p:pic>
+        <p:nvPicPr>
+          <p:cNvPr id="2" name="Imagem 1">
+            <a:extLst>
+              <a:ext uri="{FF2B5EF4-FFF2-40B4-BE49-F238E27FC236}">
+                <a16:creationId xmlns:a16="http://schemas.microsoft.com/office/drawing/2014/main" id="{4359EF88-CC54-4811-BD08-A2292D8CE65D}"/>
+              </a:ext>
+            </a:extLst>
+          </p:cNvPr>
+          <p:cNvPicPr>
+            <a:picLocks noChangeAspect="1"/>
+          </p:cNvPicPr>
+          <p:nvPr/>
+        </p:nvPicPr>
+        <p:blipFill>
+          <a:blip r:embed="rId6">
+            <a:extLst>
+              <a:ext uri="{BEBA8EAE-BF5A-486C-A8C5-ECC9F3942E4B}">
+                <a14:imgProps xmlns:a14="http://schemas.microsoft.com/office/drawing/2010/main">
+                  <a14:imgLayer r:embed="rId7">
+                    <a14:imgEffect>
+                      <a14:backgroundRemoval t="8661" b="89961" l="9843" r="89961">
+                        <a14:foregroundMark x1="50394" y1="9449" x2="50394" y2="9449"/>
+                        <a14:foregroundMark x1="49606" y1="8661" x2="49606" y2="8661"/>
+                        <a14:foregroundMark x1="52165" y1="51969" x2="52165" y2="51969"/>
+                        <a14:foregroundMark x1="56299" y1="63386" x2="56299" y2="63386"/>
+                        <a14:foregroundMark x1="61220" y1="88780" x2="61220" y2="88780"/>
+                      </a14:backgroundRemoval>
+                    </a14:imgEffect>
+                  </a14:imgLayer>
+                </a14:imgProps>
+              </a:ext>
+            </a:extLst>
+          </a:blip>
+          <a:stretch>
+            <a:fillRect/>
+          </a:stretch>
+        </p:blipFill>
+        <p:spPr>
+          <a:xfrm>
+            <a:off x="1466738" y="1396793"/>
+            <a:ext cx="643236" cy="643236"/>
+          </a:xfrm>
+          <a:prstGeom prst="rect">
+            <a:avLst/>
+          </a:prstGeom>
+        </p:spPr>
+      </p:pic>
+      <p:sp>
+        <p:nvSpPr>
+          <p:cNvPr id="3" name="CaixaDeTexto 2">
+            <a:extLst>
+              <a:ext uri="{FF2B5EF4-FFF2-40B4-BE49-F238E27FC236}">
+                <a16:creationId xmlns:a16="http://schemas.microsoft.com/office/drawing/2014/main" id="{5A51FD71-FB82-4F2D-BEDB-CCA54CA4C8BD}"/>
+              </a:ext>
+            </a:extLst>
+          </p:cNvPr>
+          <p:cNvSpPr txBox="1"/>
+          <p:nvPr/>
+        </p:nvSpPr>
+        <p:spPr>
+          <a:xfrm>
+            <a:off x="1309524" y="2066414"/>
+            <a:ext cx="941500" cy="430887"/>
+          </a:xfrm>
+          <a:prstGeom prst="rect">
+            <a:avLst/>
+          </a:prstGeom>
+          <a:noFill/>
+        </p:spPr>
+        <p:txBody>
+          <a:bodyPr wrap="square" rtlCol="0">
+            <a:spAutoFit/>
+          </a:bodyPr>
+          <a:lstStyle/>
+          <a:p>
+            <a:pPr algn="ctr"/>
+            <a:r>
+              <a:rPr lang="pt-BR" sz="1100" dirty="0"/>
+              <a:t>Banco de dados</a:t>
+            </a:r>
+          </a:p>
+        </p:txBody>
+      </p:sp>
+      <p:sp>
+        <p:nvSpPr>
+          <p:cNvPr id="6" name="CaixaDeTexto 5">
+            <a:extLst>
+              <a:ext uri="{FF2B5EF4-FFF2-40B4-BE49-F238E27FC236}">
+                <a16:creationId xmlns:a16="http://schemas.microsoft.com/office/drawing/2014/main" id="{493E6E1F-0E69-43E5-B36D-2B8F5592B318}"/>
+              </a:ext>
+            </a:extLst>
+          </p:cNvPr>
+          <p:cNvSpPr txBox="1"/>
+          <p:nvPr/>
+        </p:nvSpPr>
+        <p:spPr>
+          <a:xfrm>
+            <a:off x="3622830" y="2282546"/>
+            <a:ext cx="725030" cy="276999"/>
+          </a:xfrm>
+          <a:prstGeom prst="rect">
+            <a:avLst/>
+          </a:prstGeom>
+          <a:noFill/>
+        </p:spPr>
+        <p:txBody>
+          <a:bodyPr wrap="square" rtlCol="0">
+            <a:spAutoFit/>
+          </a:bodyPr>
+          <a:lstStyle/>
+          <a:p>
+            <a:pPr algn="ctr"/>
+            <a:r>
+              <a:rPr lang="pt-BR" sz="1200" dirty="0"/>
+              <a:t>Site</a:t>
+            </a:r>
+          </a:p>
+        </p:txBody>
+      </p:sp>
+      <p:pic>
+        <p:nvPicPr>
+          <p:cNvPr id="7" name="Imagem 6" descr="Logotipo, Ícone&#10;&#10;Descrição gerada automaticamente">
+            <a:extLst>
+              <a:ext uri="{FF2B5EF4-FFF2-40B4-BE49-F238E27FC236}">
+                <a16:creationId xmlns:a16="http://schemas.microsoft.com/office/drawing/2014/main" id="{BA2B6DA2-01E1-4110-A97F-F9DF431230AB}"/>
+              </a:ext>
+            </a:extLst>
+          </p:cNvPr>
+          <p:cNvPicPr>
+            <a:picLocks noChangeAspect="1"/>
+          </p:cNvPicPr>
+          <p:nvPr/>
+        </p:nvPicPr>
+        <p:blipFill>
+          <a:blip r:embed="rId8" cstate="hqprint">
+            <a:extLst>
+              <a:ext uri="{28A0092B-C50C-407E-A947-70E740481C1C}">
+                <a14:useLocalDpi xmlns:a14="http://schemas.microsoft.com/office/drawing/2010/main" val="0"/>
+              </a:ext>
+            </a:extLst>
+          </a:blip>
+          <a:stretch>
+            <a:fillRect/>
+          </a:stretch>
+        </p:blipFill>
+        <p:spPr>
+          <a:xfrm>
+            <a:off x="3730839" y="1791798"/>
+            <a:ext cx="538801" cy="482822"/>
+          </a:xfrm>
+          <a:prstGeom prst="rect">
+            <a:avLst/>
+          </a:prstGeom>
+        </p:spPr>
+      </p:pic>
+      <p:pic>
+        <p:nvPicPr>
+          <p:cNvPr id="8" name="Imagem 7">
+            <a:extLst>
+              <a:ext uri="{FF2B5EF4-FFF2-40B4-BE49-F238E27FC236}">
+                <a16:creationId xmlns:a16="http://schemas.microsoft.com/office/drawing/2014/main" id="{F4892A92-ABD7-4F2A-AD6B-EFC108078BFE}"/>
+              </a:ext>
+            </a:extLst>
+          </p:cNvPr>
+          <p:cNvPicPr>
+            <a:picLocks noChangeAspect="1"/>
+          </p:cNvPicPr>
+          <p:nvPr/>
+        </p:nvPicPr>
+        <p:blipFill>
+          <a:blip r:embed="rId9"/>
+          <a:stretch>
+            <a:fillRect/>
+          </a:stretch>
+        </p:blipFill>
+        <p:spPr>
+          <a:xfrm>
+            <a:off x="10216938" y="4297786"/>
+            <a:ext cx="408111" cy="408111"/>
+          </a:xfrm>
+          <a:prstGeom prst="rect">
+            <a:avLst/>
+          </a:prstGeom>
+        </p:spPr>
+      </p:pic>
+      <p:pic>
+        <p:nvPicPr>
+          <p:cNvPr id="9" name="Imagem 8">
+            <a:extLst>
+              <a:ext uri="{FF2B5EF4-FFF2-40B4-BE49-F238E27FC236}">
+                <a16:creationId xmlns:a16="http://schemas.microsoft.com/office/drawing/2014/main" id="{5B8E73A8-691E-43EC-B096-5A63DB3160FB}"/>
+              </a:ext>
+            </a:extLst>
+          </p:cNvPr>
+          <p:cNvPicPr>
+            <a:picLocks noChangeAspect="1"/>
+          </p:cNvPicPr>
+          <p:nvPr/>
+        </p:nvPicPr>
+        <p:blipFill rotWithShape="1">
+          <a:blip r:embed="rId10">
+            <a:extLst>
+              <a:ext uri="{BEBA8EAE-BF5A-486C-A8C5-ECC9F3942E4B}">
+                <a14:imgProps xmlns:a14="http://schemas.microsoft.com/office/drawing/2010/main">
+                  <a14:imgLayer r:embed="rId11">
+                    <a14:imgEffect>
+                      <a14:backgroundRemoval t="9799" b="89950" l="2500" r="94063">
+                        <a14:foregroundMark x1="10938" y1="20352" x2="10938" y2="20352"/>
+                        <a14:foregroundMark x1="16042" y1="34422" x2="16042" y2="34422"/>
+                        <a14:foregroundMark x1="12292" y1="36181" x2="12292" y2="36181"/>
+                        <a14:foregroundMark x1="14271" y1="32915" x2="14271" y2="32915"/>
+                        <a14:foregroundMark x1="11979" y1="28392" x2="16875" y2="41457"/>
+                        <a14:foregroundMark x1="16875" y1="41457" x2="10104" y2="45729"/>
+                        <a14:foregroundMark x1="10104" y1="45729" x2="7500" y2="27638"/>
+                        <a14:foregroundMark x1="7500" y1="27638" x2="7708" y2="25879"/>
+                        <a14:foregroundMark x1="11146" y1="28643" x2="6250" y2="41960"/>
+                        <a14:foregroundMark x1="6250" y1="41960" x2="8438" y2="49246"/>
+                        <a14:foregroundMark x1="13021" y1="50754" x2="8542" y2="42965"/>
+                        <a14:foregroundMark x1="3958" y1="39196" x2="2500" y2="35930"/>
+                        <a14:foregroundMark x1="23021" y1="36432" x2="29271" y2="27638"/>
+                        <a14:foregroundMark x1="29271" y1="27638" x2="29479" y2="30905"/>
+                        <a14:foregroundMark x1="30208" y1="50000" x2="32604" y2="34673"/>
+                        <a14:foregroundMark x1="32604" y1="34673" x2="34896" y2="39950"/>
+                        <a14:foregroundMark x1="36250" y1="27889" x2="38229" y2="41960"/>
+                        <a14:foregroundMark x1="26882" y1="21885" x2="25625" y2="22111"/>
+                        <a14:foregroundMark x1="32604" y1="20854" x2="27379" y2="21795"/>
+                        <a14:foregroundMark x1="24972" y1="22970" x2="24479" y2="23618"/>
+                        <a14:foregroundMark x1="33021" y1="21357" x2="29167" y2="18844"/>
+                        <a14:foregroundMark x1="25655" y1="19089" x2="25521" y2="19095"/>
+                        <a14:foregroundMark x1="31458" y1="18844" x2="26654" y2="19047"/>
+                        <a14:foregroundMark x1="31667" y1="19095" x2="34167" y2="20854"/>
+                        <a14:foregroundMark x1="45104" y1="38945" x2="45208" y2="27387"/>
+                        <a14:foregroundMark x1="53229" y1="51759" x2="52500" y2="56281"/>
+                        <a14:foregroundMark x1="64375" y1="40704" x2="64583" y2="24372"/>
+                        <a14:foregroundMark x1="64583" y1="24372" x2="64583" y2="24372"/>
+                        <a14:foregroundMark x1="61354" y1="59799" x2="62604" y2="59045"/>
+                        <a14:foregroundMark x1="76563" y1="25126" x2="76563" y2="23367"/>
+                        <a14:foregroundMark x1="83229" y1="43216" x2="86667" y2="27136"/>
+                        <a14:foregroundMark x1="86667" y1="27136" x2="94063" y2="36432"/>
+                        <a14:foregroundMark x1="94063" y1="36432" x2="89479" y2="36181"/>
+                        <a14:foregroundMark x1="25625" y1="21357" x2="26667" y2="20854"/>
+                        <a14:foregroundMark x1="33646" y1="55528" x2="35417" y2="52764"/>
+                        <a14:backgroundMark x1="25521" y1="19849" x2="26250" y2="18090"/>
+                      </a14:backgroundRemoval>
+                    </a14:imgEffect>
+                  </a14:imgLayer>
+                </a14:imgProps>
+              </a:ext>
+            </a:extLst>
+          </a:blip>
+          <a:srcRect l="58695" t="-1359" r="22613" b="18821"/>
+          <a:stretch/>
+        </p:blipFill>
+        <p:spPr>
+          <a:xfrm>
+            <a:off x="10859253" y="4257940"/>
+            <a:ext cx="273443" cy="500575"/>
+          </a:xfrm>
+          <a:prstGeom prst="rect">
+            <a:avLst/>
+          </a:prstGeom>
+        </p:spPr>
+      </p:pic>
+      <p:pic>
+        <p:nvPicPr>
+          <p:cNvPr id="10" name="Imagem 9">
+            <a:extLst>
+              <a:ext uri="{FF2B5EF4-FFF2-40B4-BE49-F238E27FC236}">
+                <a16:creationId xmlns:a16="http://schemas.microsoft.com/office/drawing/2014/main" id="{AE8FDB0B-4F93-44C8-B4CD-64F86FB6EB51}"/>
+              </a:ext>
+            </a:extLst>
+          </p:cNvPr>
+          <p:cNvPicPr>
+            <a:picLocks noChangeAspect="1"/>
+          </p:cNvPicPr>
+          <p:nvPr/>
+        </p:nvPicPr>
+        <p:blipFill rotWithShape="1">
+          <a:blip r:embed="rId10">
+            <a:extLst>
+              <a:ext uri="{BEBA8EAE-BF5A-486C-A8C5-ECC9F3942E4B}">
+                <a14:imgProps xmlns:a14="http://schemas.microsoft.com/office/drawing/2010/main">
+                  <a14:imgLayer r:embed="rId11">
+                    <a14:imgEffect>
+                      <a14:backgroundRemoval t="9799" b="89950" l="2500" r="94063">
+                        <a14:foregroundMark x1="10938" y1="20352" x2="10938" y2="20352"/>
+                        <a14:foregroundMark x1="16042" y1="34422" x2="16042" y2="34422"/>
+                        <a14:foregroundMark x1="12292" y1="36181" x2="12292" y2="36181"/>
+                        <a14:foregroundMark x1="14271" y1="32915" x2="14271" y2="32915"/>
+                        <a14:foregroundMark x1="11979" y1="28392" x2="16875" y2="41457"/>
+                        <a14:foregroundMark x1="16875" y1="41457" x2="10104" y2="45729"/>
+                        <a14:foregroundMark x1="10104" y1="45729" x2="7500" y2="27638"/>
+                        <a14:foregroundMark x1="7500" y1="27638" x2="7708" y2="25879"/>
+                        <a14:foregroundMark x1="11146" y1="28643" x2="6250" y2="41960"/>
+                        <a14:foregroundMark x1="6250" y1="41960" x2="8438" y2="49246"/>
+                        <a14:foregroundMark x1="13021" y1="50754" x2="8542" y2="42965"/>
+                        <a14:foregroundMark x1="3958" y1="39196" x2="2500" y2="35930"/>
+                        <a14:foregroundMark x1="23021" y1="36432" x2="29271" y2="27638"/>
+                        <a14:foregroundMark x1="29271" y1="27638" x2="29479" y2="30905"/>
+                        <a14:foregroundMark x1="30208" y1="50000" x2="32604" y2="34673"/>
+                        <a14:foregroundMark x1="32604" y1="34673" x2="34896" y2="39950"/>
+                        <a14:foregroundMark x1="36250" y1="27889" x2="38229" y2="41960"/>
+                        <a14:foregroundMark x1="26882" y1="21885" x2="25625" y2="22111"/>
+                        <a14:foregroundMark x1="32604" y1="20854" x2="27379" y2="21795"/>
+                        <a14:foregroundMark x1="24972" y1="22970" x2="24479" y2="23618"/>
+                        <a14:foregroundMark x1="33021" y1="21357" x2="29167" y2="18844"/>
+                        <a14:foregroundMark x1="25655" y1="19089" x2="25521" y2="19095"/>
+                        <a14:foregroundMark x1="31458" y1="18844" x2="26654" y2="19047"/>
+                        <a14:foregroundMark x1="31667" y1="19095" x2="34167" y2="20854"/>
+                        <a14:foregroundMark x1="45104" y1="38945" x2="45208" y2="27387"/>
+                        <a14:foregroundMark x1="53229" y1="51759" x2="52500" y2="56281"/>
+                        <a14:foregroundMark x1="64375" y1="40704" x2="64583" y2="24372"/>
+                        <a14:foregroundMark x1="64583" y1="24372" x2="64583" y2="24372"/>
+                        <a14:foregroundMark x1="61354" y1="59799" x2="62604" y2="59045"/>
+                        <a14:foregroundMark x1="76563" y1="25126" x2="76563" y2="23367"/>
+                        <a14:foregroundMark x1="83229" y1="43216" x2="86667" y2="27136"/>
+                        <a14:foregroundMark x1="86667" y1="27136" x2="94063" y2="36432"/>
+                        <a14:foregroundMark x1="94063" y1="36432" x2="89479" y2="36181"/>
+                        <a14:foregroundMark x1="25625" y1="21357" x2="26667" y2="20854"/>
+                        <a14:foregroundMark x1="33646" y1="55528" x2="35417" y2="52764"/>
+                        <a14:backgroundMark x1="25521" y1="19849" x2="26250" y2="18090"/>
+                      </a14:backgroundRemoval>
+                    </a14:imgEffect>
+                  </a14:imgLayer>
+                </a14:imgProps>
+              </a:ext>
+            </a:extLst>
+          </a:blip>
+          <a:srcRect l="-2" t="1" r="79272" b="32709"/>
+          <a:stretch/>
+        </p:blipFill>
+        <p:spPr>
+          <a:xfrm>
+            <a:off x="11379300" y="4243776"/>
+            <a:ext cx="323768" cy="435727"/>
+          </a:xfrm>
+          <a:prstGeom prst="rect">
+            <a:avLst/>
+          </a:prstGeom>
+        </p:spPr>
+      </p:pic>
+      <p:pic>
+        <p:nvPicPr>
+          <p:cNvPr id="6146" name="Picture 2" descr="Discord Logo - PNG e Vetor - Download de Logo">
+            <a:extLst>
+              <a:ext uri="{FF2B5EF4-FFF2-40B4-BE49-F238E27FC236}">
+                <a16:creationId xmlns:a16="http://schemas.microsoft.com/office/drawing/2014/main" id="{C6688D34-1A55-49B9-AAEB-48C82FA565BD}"/>
+              </a:ext>
+            </a:extLst>
+          </p:cNvPr>
+          <p:cNvPicPr>
+            <a:picLocks noChangeAspect="1" noChangeArrowheads="1"/>
+          </p:cNvPicPr>
+          <p:nvPr/>
+        </p:nvPicPr>
+        <p:blipFill>
+          <a:blip r:embed="rId12" cstate="hqprint">
+            <a:extLst>
+              <a:ext uri="{BEBA8EAE-BF5A-486C-A8C5-ECC9F3942E4B}">
+                <a14:imgProps xmlns:a14="http://schemas.microsoft.com/office/drawing/2010/main">
+                  <a14:imgLayer r:embed="rId13">
+                    <a14:imgEffect>
+                      <a14:backgroundRemoval t="4002" b="97110" l="2111" r="97953">
+                        <a14:foregroundMark x1="45393" y1="34638" x2="45393" y2="34638"/>
+                        <a14:foregroundMark x1="78791" y1="31747" x2="78791" y2="31747"/>
+                        <a14:foregroundMark x1="57901" y1="17252" x2="57901" y2="17252"/>
+                        <a14:foregroundMark x1="47473" y1="46243" x2="47473" y2="46243"/>
+                        <a14:foregroundMark x1="47473" y1="46243" x2="47473" y2="46243"/>
+                        <a14:foregroundMark x1="47473" y1="46243" x2="47473" y2="46243"/>
+                        <a14:foregroundMark x1="47473" y1="46243" x2="47473" y2="46243"/>
+                        <a14:foregroundMark x1="47473" y1="46243" x2="47473" y2="46243"/>
+                        <a14:foregroundMark x1="47473" y1="46243" x2="47473" y2="46243"/>
+                        <a14:foregroundMark x1="47473" y1="46243" x2="47473" y2="46243"/>
+                        <a14:foregroundMark x1="26615" y1="20142" x2="55822" y2="28857"/>
+                        <a14:foregroundMark x1="30998" y1="22988" x2="30998" y2="22988"/>
+                        <a14:foregroundMark x1="20122" y1="29035" x2="18490" y2="37350"/>
+                        <a14:foregroundMark x1="26104" y1="25256" x2="12508" y2="38106"/>
+                        <a14:foregroundMark x1="44594" y1="19164" x2="82182" y2="32059"/>
+                        <a14:foregroundMark x1="48433" y1="75189" x2="48433" y2="59271"/>
+                        <a14:foregroundMark x1="13596" y1="51712" x2="22841" y2="92574"/>
+                        <a14:foregroundMark x1="77255" y1="95598" x2="82182" y2="10093"/>
+                        <a14:foregroundMark x1="82182" y1="10093" x2="88708" y2="45665"/>
+                        <a14:foregroundMark x1="89251" y1="50956" x2="82182" y2="70654"/>
+                        <a14:foregroundMark x1="81094" y1="72165" x2="77255" y2="83504"/>
+                        <a14:foregroundMark x1="75080" y1="88039" x2="72361" y2="93330"/>
+                        <a14:foregroundMark x1="71273" y1="94842" x2="84901" y2="76701"/>
+                        <a14:foregroundMark x1="66923" y1="4802" x2="65291" y2="6314"/>
+                        <a14:foregroundMark x1="93058" y1="41885" x2="97953" y2="82748"/>
+                        <a14:foregroundMark x1="97953" y1="82748" x2="97953" y2="85016"/>
+                        <a14:foregroundMark x1="69098" y1="4046" x2="75624" y2="7070"/>
+                        <a14:foregroundMark x1="27191" y1="4046" x2="28279" y2="4802"/>
+                        <a14:foregroundMark x1="9213" y1="30547" x2="2143" y2="70654"/>
+                        <a14:foregroundMark x1="2143" y1="76701" x2="2143" y2="76701"/>
+                        <a14:foregroundMark x1="2143" y1="77457" x2="2143" y2="77457"/>
+                        <a14:foregroundMark x1="2143" y1="78968" x2="13052" y2="91063"/>
+                        <a14:foregroundMark x1="7038" y1="84260" x2="8125" y2="97110"/>
+                        <a14:foregroundMark x1="14139" y1="97110" x2="14139" y2="97110"/>
+                        <a14:foregroundMark x1="30998" y1="94842" x2="30998" y2="94842"/>
+                        <a14:backgroundMark x1="62092" y1="54958" x2="62092" y2="54958"/>
+                        <a14:backgroundMark x1="34965" y1="46243" x2="34965" y2="46243"/>
+                        <a14:backgroundMark x1="68362" y1="49177" x2="68362" y2="49177"/>
+                      </a14:backgroundRemoval>
+                    </a14:imgEffect>
+                  </a14:imgLayer>
+                </a14:imgProps>
+              </a:ext>
+              <a:ext uri="{28A0092B-C50C-407E-A947-70E740481C1C}">
+                <a14:useLocalDpi xmlns:a14="http://schemas.microsoft.com/office/drawing/2010/main" val="0"/>
+              </a:ext>
+            </a:extLst>
+          </a:blip>
+          <a:srcRect/>
+          <a:stretch>
+            <a:fillRect/>
+          </a:stretch>
+        </p:blipFill>
+        <p:spPr bwMode="auto">
+          <a:xfrm>
+            <a:off x="8014086" y="1820633"/>
+            <a:ext cx="445846" cy="320742"/>
+          </a:xfrm>
+          <a:prstGeom prst="rect">
+            <a:avLst/>
+          </a:prstGeom>
+          <a:noFill/>
+          <a:extLst>
+            <a:ext uri="{909E8E84-426E-40DD-AFC4-6F175D3DCCD1}">
+              <a14:hiddenFill xmlns:a14="http://schemas.microsoft.com/office/drawing/2010/main">
+                <a:solidFill>
+                  <a:srgbClr val="FFFFFF"/>
+                </a:solidFill>
+              </a14:hiddenFill>
+            </a:ext>
+          </a:extLst>
+        </p:spPr>
+      </p:pic>
+      <p:pic>
+        <p:nvPicPr>
+          <p:cNvPr id="11" name="Imagem 10">
+            <a:extLst>
+              <a:ext uri="{FF2B5EF4-FFF2-40B4-BE49-F238E27FC236}">
+                <a16:creationId xmlns:a16="http://schemas.microsoft.com/office/drawing/2014/main" id="{E5F2742D-DA39-4951-A0ED-10ADB747C873}"/>
+              </a:ext>
+            </a:extLst>
+          </p:cNvPr>
+          <p:cNvPicPr>
+            <a:picLocks noChangeAspect="1"/>
+          </p:cNvPicPr>
+          <p:nvPr/>
+        </p:nvPicPr>
+        <p:blipFill>
+          <a:blip r:embed="rId14">
+            <a:extLst>
+              <a:ext uri="{BEBA8EAE-BF5A-486C-A8C5-ECC9F3942E4B}">
+                <a14:imgProps xmlns:a14="http://schemas.microsoft.com/office/drawing/2010/main">
+                  <a14:imgLayer r:embed="rId15">
+                    <a14:imgEffect>
+                      <a14:backgroundRemoval t="9778" b="94222" l="9778" r="89778">
+                        <a14:foregroundMark x1="30667" y1="18667" x2="30667" y2="18667"/>
+                        <a14:foregroundMark x1="51111" y1="11111" x2="51111" y2="11111"/>
+                        <a14:foregroundMark x1="51111" y1="9778" x2="51111" y2="9778"/>
+                        <a14:foregroundMark x1="48000" y1="52000" x2="48000" y2="52000"/>
+                        <a14:foregroundMark x1="32889" y1="46667" x2="64000" y2="44444"/>
+                        <a14:foregroundMark x1="65333" y1="52000" x2="65333" y2="84444"/>
+                        <a14:foregroundMark x1="63111" y1="69333" x2="20000" y2="69333"/>
+                        <a14:foregroundMark x1="33778" y1="45778" x2="30667" y2="23111"/>
+                        <a14:foregroundMark x1="38222" y1="26222" x2="79111" y2="32444"/>
+                        <a14:foregroundMark x1="50222" y1="94222" x2="50222" y2="94222"/>
+                      </a14:backgroundRemoval>
+                    </a14:imgEffect>
+                  </a14:imgLayer>
+                </a14:imgProps>
+              </a:ext>
+            </a:extLst>
+          </a:blip>
+          <a:stretch>
+            <a:fillRect/>
+          </a:stretch>
+        </p:blipFill>
+        <p:spPr>
+          <a:xfrm>
+            <a:off x="3049132" y="1119174"/>
+            <a:ext cx="332437" cy="332437"/>
+          </a:xfrm>
+          <a:prstGeom prst="rect">
+            <a:avLst/>
+          </a:prstGeom>
+        </p:spPr>
+      </p:pic>
+      <p:pic>
+        <p:nvPicPr>
+          <p:cNvPr id="12" name="Imagem 11">
+            <a:extLst>
+              <a:ext uri="{FF2B5EF4-FFF2-40B4-BE49-F238E27FC236}">
+                <a16:creationId xmlns:a16="http://schemas.microsoft.com/office/drawing/2014/main" id="{0B705967-F97F-4126-BFBC-C7BE04667FF3}"/>
+              </a:ext>
+            </a:extLst>
+          </p:cNvPr>
+          <p:cNvPicPr>
+            <a:picLocks noChangeAspect="1"/>
+          </p:cNvPicPr>
+          <p:nvPr/>
+        </p:nvPicPr>
+        <p:blipFill>
+          <a:blip r:embed="rId16">
+            <a:extLst>
+              <a:ext uri="{BEBA8EAE-BF5A-486C-A8C5-ECC9F3942E4B}">
+                <a14:imgProps xmlns:a14="http://schemas.microsoft.com/office/drawing/2010/main">
+                  <a14:imgLayer r:embed="rId17">
+                    <a14:imgEffect>
+                      <a14:backgroundRemoval t="9778" b="90222" l="9778" r="89778">
+                        <a14:foregroundMark x1="56000" y1="11111" x2="56000" y2="11111"/>
+                        <a14:foregroundMark x1="63556" y1="47556" x2="63556" y2="47556"/>
+                        <a14:foregroundMark x1="64889" y1="36000" x2="64889" y2="36000"/>
+                        <a14:foregroundMark x1="68444" y1="34667" x2="68444" y2="34667"/>
+                        <a14:foregroundMark x1="32000" y1="27111" x2="68444" y2="27111"/>
+                        <a14:foregroundMark x1="43556" y1="47556" x2="64889" y2="47556"/>
+                        <a14:foregroundMark x1="67111" y1="36000" x2="67111" y2="63556"/>
+                        <a14:foregroundMark x1="65778" y1="64889" x2="48444" y2="64889"/>
+                        <a14:foregroundMark x1="33333" y1="58667" x2="40889" y2="71111"/>
+                        <a14:foregroundMark x1="49778" y1="90222" x2="49778" y2="90222"/>
+                        <a14:foregroundMark x1="47111" y1="71111" x2="65778" y2="75111"/>
+                      </a14:backgroundRemoval>
+                    </a14:imgEffect>
+                  </a14:imgLayer>
+                </a14:imgProps>
+              </a:ext>
+            </a:extLst>
+          </a:blip>
+          <a:stretch>
+            <a:fillRect/>
+          </a:stretch>
+        </p:blipFill>
+        <p:spPr>
+          <a:xfrm>
+            <a:off x="3051330" y="1599709"/>
+            <a:ext cx="342101" cy="342101"/>
+          </a:xfrm>
+          <a:prstGeom prst="rect">
+            <a:avLst/>
+          </a:prstGeom>
+        </p:spPr>
+      </p:pic>
+      <p:pic>
+        <p:nvPicPr>
+          <p:cNvPr id="14" name="Imagem 13">
+            <a:extLst>
+              <a:ext uri="{FF2B5EF4-FFF2-40B4-BE49-F238E27FC236}">
+                <a16:creationId xmlns:a16="http://schemas.microsoft.com/office/drawing/2014/main" id="{ABBE5691-7723-42C4-B379-D27873D71065}"/>
+              </a:ext>
+            </a:extLst>
+          </p:cNvPr>
+          <p:cNvPicPr>
+            <a:picLocks noChangeAspect="1"/>
+          </p:cNvPicPr>
+          <p:nvPr/>
+        </p:nvPicPr>
+        <p:blipFill>
+          <a:blip r:embed="rId18">
+            <a:extLst>
+              <a:ext uri="{BEBA8EAE-BF5A-486C-A8C5-ECC9F3942E4B}">
+                <a14:imgProps xmlns:a14="http://schemas.microsoft.com/office/drawing/2010/main">
+                  <a14:imgLayer r:embed="rId19">
+                    <a14:imgEffect>
+                      <a14:backgroundRemoval t="10000" b="90000" l="10000" r="90000">
+                        <a14:foregroundMark x1="40741" y1="38750" x2="40741" y2="38750"/>
+                        <a14:foregroundMark x1="16049" y1="18750" x2="16049" y2="18750"/>
+                        <a14:foregroundMark x1="59259" y1="35000" x2="59259" y2="35000"/>
+                      </a14:backgroundRemoval>
+                    </a14:imgEffect>
+                  </a14:imgLayer>
+                </a14:imgProps>
+              </a:ext>
+            </a:extLst>
+          </a:blip>
+          <a:stretch>
+            <a:fillRect/>
+          </a:stretch>
+        </p:blipFill>
+        <p:spPr>
+          <a:xfrm>
+            <a:off x="3057381" y="2105276"/>
+            <a:ext cx="335004" cy="330869"/>
+          </a:xfrm>
+          <a:prstGeom prst="rect">
+            <a:avLst/>
+          </a:prstGeom>
+        </p:spPr>
+      </p:pic>
+      <p:pic>
+        <p:nvPicPr>
+          <p:cNvPr id="18434" name="Picture 2" descr="Vue Chart Component with Chart.js | by Risan Bagja Pradana | risan | Medium">
+            <a:extLst>
+              <a:ext uri="{FF2B5EF4-FFF2-40B4-BE49-F238E27FC236}">
+                <a16:creationId xmlns:a16="http://schemas.microsoft.com/office/drawing/2014/main" id="{CD07421A-561F-4F3D-8E14-00D47B43B62C}"/>
+              </a:ext>
+            </a:extLst>
+          </p:cNvPr>
+          <p:cNvPicPr>
+            <a:picLocks noChangeAspect="1" noChangeArrowheads="1"/>
+          </p:cNvPicPr>
+          <p:nvPr/>
+        </p:nvPicPr>
+        <p:blipFill rotWithShape="1">
+          <a:blip r:embed="rId20" cstate="hqprint">
+            <a:extLst>
+              <a:ext uri="{BEBA8EAE-BF5A-486C-A8C5-ECC9F3942E4B}">
+                <a14:imgProps xmlns:a14="http://schemas.microsoft.com/office/drawing/2010/main">
+                  <a14:imgLayer r:embed="rId21">
+                    <a14:imgEffect>
+                      <a14:backgroundRemoval t="21528" b="71528" l="36000" r="63500">
+                        <a14:foregroundMark x1="43250" y1="50556" x2="41583" y2="43750"/>
+                        <a14:foregroundMark x1="41583" y1="43750" x2="43917" y2="50694"/>
+                        <a14:foregroundMark x1="43917" y1="50694" x2="40833" y2="45694"/>
+                        <a14:foregroundMark x1="40833" y1="45694" x2="42000" y2="52778"/>
+                        <a14:foregroundMark x1="42000" y1="52778" x2="39833" y2="55694"/>
+                        <a14:foregroundMark x1="39833" y1="55694" x2="40167" y2="45833"/>
+                        <a14:foregroundMark x1="40167" y1="45833" x2="39250" y2="52639"/>
+                        <a14:foregroundMark x1="39250" y1="52639" x2="38417" y2="45694"/>
+                        <a14:foregroundMark x1="38417" y1="45694" x2="38750" y2="38056"/>
+                        <a14:foregroundMark x1="38750" y1="38056" x2="40583" y2="31667"/>
+                        <a14:foregroundMark x1="40583" y1="31667" x2="48833" y2="25139"/>
+                        <a14:foregroundMark x1="48833" y1="25139" x2="62141" y2="33181"/>
+                        <a14:foregroundMark x1="62638" y1="50265" x2="61750" y2="55417"/>
+                        <a14:foregroundMark x1="61750" y1="55417" x2="49333" y2="67361"/>
+                        <a14:foregroundMark x1="49333" y1="67361" x2="37704" y2="56268"/>
+                        <a14:foregroundMark x1="38333" y1="40139" x2="38167" y2="52083"/>
+                        <a14:foregroundMark x1="38167" y1="52083" x2="37833" y2="43889"/>
+                        <a14:foregroundMark x1="37833" y1="43889" x2="37417" y2="50972"/>
+                        <a14:foregroundMark x1="37417" y1="50972" x2="37417" y2="50972"/>
+                        <a14:foregroundMark x1="37170" y1="56444" x2="37417" y2="57778"/>
+                        <a14:foregroundMark x1="37417" y1="57917" x2="40303" y2="61089"/>
+                        <a14:foregroundMark x1="42351" y1="62736" x2="49583" y2="66389"/>
+                        <a14:foregroundMark x1="49583" y1="66389" x2="41333" y2="59861"/>
+                        <a14:foregroundMark x1="41333" y1="59861" x2="44667" y2="64583"/>
+                        <a14:foregroundMark x1="44667" y1="64583" x2="49500" y2="68056"/>
+                        <a14:foregroundMark x1="50917" y1="22222" x2="51917" y2="23889"/>
+                        <a14:foregroundMark x1="49167" y1="21806" x2="49165" y2="21807"/>
+                        <a14:foregroundMark x1="61739" y1="43193" x2="61083" y2="40694"/>
+                        <a14:foregroundMark x1="61083" y1="40694" x2="61583" y2="36806"/>
+                        <a14:foregroundMark x1="62500" y1="53194" x2="62500" y2="56806"/>
+                        <a14:foregroundMark x1="49417" y1="33194" x2="45417" y2="36528"/>
+                        <a14:foregroundMark x1="45417" y1="36528" x2="41250" y2="36528"/>
+                        <a14:foregroundMark x1="41250" y1="36528" x2="42000" y2="40694"/>
+                        <a14:foregroundMark x1="42167" y1="41111" x2="53333" y2="31250"/>
+                        <a14:foregroundMark x1="53333" y1="31250" x2="53667" y2="34583"/>
+                        <a14:foregroundMark x1="53667" y1="35694" x2="52750" y2="38611"/>
+                        <a14:foregroundMark x1="52667" y1="38889" x2="53833" y2="36389"/>
+                        <a14:foregroundMark x1="54417" y1="37361" x2="54917" y2="39028"/>
+                        <a14:foregroundMark x1="54917" y1="39028" x2="54917" y2="39028"/>
+                        <a14:foregroundMark x1="54583" y1="38333" x2="47250" y2="31250"/>
+                        <a14:foregroundMark x1="47250" y1="31250" x2="47833" y2="27917"/>
+                        <a14:foregroundMark x1="49667" y1="26806" x2="42000" y2="33889"/>
+                        <a14:foregroundMark x1="42000" y1="33889" x2="45333" y2="30139"/>
+                        <a14:foregroundMark x1="41417" y1="32778" x2="40083" y2="39167"/>
+                        <a14:foregroundMark x1="40250" y1="37500" x2="39583" y2="39861"/>
+                        <a14:foregroundMark x1="39583" y1="40139" x2="38833" y2="43889"/>
+                        <a14:foregroundMark x1="47583" y1="38333" x2="51833" y2="38611"/>
+                        <a14:foregroundMark x1="51833" y1="38611" x2="53833" y2="44861"/>
+                        <a14:foregroundMark x1="53833" y1="45278" x2="53833" y2="45556"/>
+                        <a14:foregroundMark x1="53833" y1="45556" x2="53833" y2="45556"/>
+                        <a14:foregroundMark x1="53750" y1="45833" x2="53750" y2="45833"/>
+                        <a14:foregroundMark x1="45417" y1="39167" x2="46917" y2="40694"/>
+                        <a14:foregroundMark x1="53667" y1="33056" x2="60750" y2="41250"/>
+                        <a14:foregroundMark x1="60750" y1="41250" x2="60750" y2="42639"/>
+                        <a14:foregroundMark x1="60417" y1="38333" x2="57250" y2="33750"/>
+                        <a14:foregroundMark x1="57250" y1="33750" x2="49333" y2="29167"/>
+                        <a14:backgroundMark x1="38583" y1="25278" x2="38333" y2="23750"/>
+                        <a14:backgroundMark x1="38167" y1="24583" x2="38083" y2="25556"/>
+                        <a14:backgroundMark x1="37833" y1="26667" x2="37667" y2="27222"/>
+                        <a14:backgroundMark x1="37583" y1="27500" x2="41917" y2="23611"/>
+                        <a14:backgroundMark x1="41917" y1="23611" x2="37333" y2="28889"/>
+                        <a14:backgroundMark x1="37333" y1="28889" x2="41917" y2="26250"/>
+                        <a14:backgroundMark x1="41917" y1="26250" x2="44833" y2="21250"/>
+                        <a14:backgroundMark x1="44833" y1="21250" x2="41833" y2="28194"/>
+                        <a14:backgroundMark x1="41833" y1="28194" x2="41000" y2="25000"/>
+                        <a14:backgroundMark x1="36750" y1="26111" x2="37417" y2="23056"/>
+                        <a14:backgroundMark x1="37417" y1="23056" x2="37250" y2="22917"/>
+                        <a14:backgroundMark x1="37333" y1="23472" x2="41417" y2="21944"/>
+                        <a14:backgroundMark x1="41417" y1="21944" x2="38417" y2="26806"/>
+                        <a14:backgroundMark x1="38417" y1="26806" x2="38333" y2="26806"/>
+                        <a14:backgroundMark x1="38417" y1="26111" x2="42417" y2="21111"/>
+                        <a14:backgroundMark x1="42417" y1="21111" x2="39500" y2="26806"/>
+                        <a14:backgroundMark x1="39500" y1="26806" x2="39500" y2="26806"/>
+                        <a14:backgroundMark x1="38250" y1="28333" x2="36083" y2="30972"/>
+                        <a14:backgroundMark x1="36083" y1="30972" x2="39833" y2="26111"/>
+                        <a14:backgroundMark x1="39833" y1="26111" x2="39833" y2="26111"/>
+                        <a14:backgroundMark x1="41083" y1="24583" x2="42667" y2="25833"/>
+                        <a14:backgroundMark x1="39750" y1="28750" x2="47583" y2="20000"/>
+                        <a14:backgroundMark x1="48750" y1="21667" x2="49333" y2="21528"/>
+                        <a14:backgroundMark x1="36750" y1="55139" x2="36917" y2="56528"/>
+                        <a14:backgroundMark x1="36083" y1="55139" x2="36917" y2="54444"/>
+                        <a14:backgroundMark x1="36750" y1="55833" x2="37000" y2="56389"/>
+                        <a14:backgroundMark x1="40333" y1="61944" x2="41667" y2="63750"/>
+                        <a14:backgroundMark x1="39917" y1="61667" x2="40333" y2="62222"/>
+                        <a14:backgroundMark x1="48583" y1="71389" x2="49333" y2="70694"/>
+                        <a14:backgroundMark x1="49083" y1="70972" x2="50000" y2="71806"/>
+                        <a14:backgroundMark x1="63250" y1="34167" x2="63083" y2="50278"/>
+                        <a14:backgroundMark x1="63083" y1="33750" x2="63167" y2="35000"/>
+                        <a14:backgroundMark x1="62833" y1="32778" x2="63167" y2="34306"/>
+                        <a14:backgroundMark x1="48917" y1="21944" x2="49333" y2="21528"/>
+                        <a14:backgroundMark x1="50667" y1="21111" x2="51167" y2="22083"/>
+                        <a14:backgroundMark x1="50583" y1="21250" x2="51167" y2="21944"/>
+                        <a14:backgroundMark x1="50667" y1="21528" x2="51083" y2="21806"/>
+                      </a14:backgroundRemoval>
+                    </a14:imgEffect>
+                  </a14:imgLayer>
+                </a14:imgProps>
+              </a:ext>
+              <a:ext uri="{28A0092B-C50C-407E-A947-70E740481C1C}">
+                <a14:useLocalDpi xmlns:a14="http://schemas.microsoft.com/office/drawing/2010/main" val="0"/>
+              </a:ext>
+            </a:extLst>
+          </a:blip>
+          <a:srcRect l="36758" t="20720" r="36671" b="28410"/>
+          <a:stretch/>
+        </p:blipFill>
+        <p:spPr bwMode="auto">
+          <a:xfrm>
+            <a:off x="4041766" y="1096383"/>
+            <a:ext cx="381308" cy="438006"/>
+          </a:xfrm>
+          <a:prstGeom prst="rect">
+            <a:avLst/>
+          </a:prstGeom>
+          <a:noFill/>
+          <a:extLst>
+            <a:ext uri="{909E8E84-426E-40DD-AFC4-6F175D3DCCD1}">
+              <a14:hiddenFill xmlns:a14="http://schemas.microsoft.com/office/drawing/2010/main">
+                <a:solidFill>
+                  <a:srgbClr val="FFFFFF"/>
+                </a:solidFill>
+              </a14:hiddenFill>
+            </a:ext>
+          </a:extLst>
+        </p:spPr>
+      </p:pic>
+      <p:pic>
+        <p:nvPicPr>
+          <p:cNvPr id="25" name="Imagem 24">
+            <a:extLst>
+              <a:ext uri="{FF2B5EF4-FFF2-40B4-BE49-F238E27FC236}">
+                <a16:creationId xmlns:a16="http://schemas.microsoft.com/office/drawing/2014/main" id="{FA13268A-FD92-4356-8B29-60248622F8E1}"/>
+              </a:ext>
+            </a:extLst>
+          </p:cNvPr>
+          <p:cNvPicPr>
+            <a:picLocks noChangeAspect="1"/>
+          </p:cNvPicPr>
+          <p:nvPr/>
+        </p:nvPicPr>
+        <p:blipFill>
+          <a:blip r:embed="rId22">
+            <a:extLst>
+              <a:ext uri="{BEBA8EAE-BF5A-486C-A8C5-ECC9F3942E4B}">
+                <a14:imgProps xmlns:a14="http://schemas.microsoft.com/office/drawing/2010/main">
+                  <a14:imgLayer r:embed="rId23">
+                    <a14:imgEffect>
+                      <a14:backgroundRemoval t="3681" b="92025" l="10000" r="90000">
+                        <a14:foregroundMark x1="39032" y1="6748" x2="39032" y2="6748"/>
+                        <a14:foregroundMark x1="46129" y1="4294" x2="46129" y2="4294"/>
+                        <a14:foregroundMark x1="49677" y1="7975" x2="49677" y2="7975"/>
+                        <a14:foregroundMark x1="55806" y1="89571" x2="55806" y2="89571"/>
+                        <a14:foregroundMark x1="50000" y1="92025" x2="50000" y2="92025"/>
+                        <a14:foregroundMark x1="55484" y1="70552" x2="55484" y2="70552"/>
+                        <a14:foregroundMark x1="46129" y1="34969" x2="51935" y2="55828"/>
+                      </a14:backgroundRemoval>
+                    </a14:imgEffect>
+                  </a14:imgLayer>
+                </a14:imgProps>
+              </a:ext>
+            </a:extLst>
+          </a:blip>
+          <a:stretch>
+            <a:fillRect/>
+          </a:stretch>
+        </p:blipFill>
+        <p:spPr>
+          <a:xfrm>
+            <a:off x="7073554" y="4470077"/>
+            <a:ext cx="2892477" cy="1493790"/>
+          </a:xfrm>
+          <a:prstGeom prst="rect">
+            <a:avLst/>
+          </a:prstGeom>
+        </p:spPr>
+      </p:pic>
+      <p:pic>
+        <p:nvPicPr>
+          <p:cNvPr id="26" name="Imagem 25">
+            <a:extLst>
+              <a:ext uri="{FF2B5EF4-FFF2-40B4-BE49-F238E27FC236}">
+                <a16:creationId xmlns:a16="http://schemas.microsoft.com/office/drawing/2014/main" id="{2A2F382C-FEAF-4865-87D6-F55129C96A4F}"/>
+              </a:ext>
+            </a:extLst>
+          </p:cNvPr>
+          <p:cNvPicPr>
+            <a:picLocks noChangeAspect="1"/>
+          </p:cNvPicPr>
+          <p:nvPr/>
+        </p:nvPicPr>
+        <p:blipFill>
+          <a:blip r:embed="rId24">
+            <a:extLst>
+              <a:ext uri="{BEBA8EAE-BF5A-486C-A8C5-ECC9F3942E4B}">
+                <a14:imgProps xmlns:a14="http://schemas.microsoft.com/office/drawing/2010/main">
+                  <a14:imgLayer r:embed="rId25">
+                    <a14:imgEffect>
+                      <a14:backgroundRemoval t="3556" b="99556" l="9778" r="89778">
+                        <a14:foregroundMark x1="49333" y1="14667" x2="49333" y2="14667"/>
+                        <a14:foregroundMark x1="65778" y1="3556" x2="65778" y2="3556"/>
+                        <a14:foregroundMark x1="17778" y1="46222" x2="17778" y2="46222"/>
+                        <a14:foregroundMark x1="85778" y1="47111" x2="85778" y2="47111"/>
+                        <a14:foregroundMark x1="61333" y1="93778" x2="61333" y2="93778"/>
+                        <a14:foregroundMark x1="42222" y1="96889" x2="42222" y2="96889"/>
+                        <a14:foregroundMark x1="60889" y1="98667" x2="60889" y2="98667"/>
+                        <a14:foregroundMark x1="60000" y1="99556" x2="60000" y2="99556"/>
+                      </a14:backgroundRemoval>
+                    </a14:imgEffect>
+                  </a14:imgLayer>
+                </a14:imgProps>
+              </a:ext>
+            </a:extLst>
+          </a:blip>
+          <a:stretch>
+            <a:fillRect/>
+          </a:stretch>
+        </p:blipFill>
+        <p:spPr>
+          <a:xfrm>
+            <a:off x="8193741" y="4797491"/>
+            <a:ext cx="340496" cy="340496"/>
+          </a:xfrm>
+          <a:prstGeom prst="rect">
+            <a:avLst/>
+          </a:prstGeom>
+        </p:spPr>
+      </p:pic>
+      <p:pic>
+        <p:nvPicPr>
+          <p:cNvPr id="28" name="Imagem 27">
+            <a:extLst>
+              <a:ext uri="{FF2B5EF4-FFF2-40B4-BE49-F238E27FC236}">
+                <a16:creationId xmlns:a16="http://schemas.microsoft.com/office/drawing/2014/main" id="{E59DC741-FD25-444C-B28B-3F73B3489573}"/>
+              </a:ext>
+            </a:extLst>
+          </p:cNvPr>
+          <p:cNvPicPr>
+            <a:picLocks noChangeAspect="1"/>
+          </p:cNvPicPr>
+          <p:nvPr/>
+        </p:nvPicPr>
+        <p:blipFill>
+          <a:blip r:embed="rId26">
+            <a:extLst>
+              <a:ext uri="{BEBA8EAE-BF5A-486C-A8C5-ECC9F3942E4B}">
+                <a14:imgProps xmlns:a14="http://schemas.microsoft.com/office/drawing/2010/main">
+                  <a14:imgLayer r:embed="rId27">
+                    <a14:imgEffect>
+                      <a14:backgroundRemoval t="408" b="98777" l="2239" r="95896">
+                        <a14:foregroundMark x1="57338" y1="12538" x2="57338" y2="12538"/>
+                        <a14:foregroundMark x1="57836" y1="18349" x2="68159" y2="5912"/>
+                        <a14:foregroundMark x1="68159" y1="5912" x2="68159" y2="5810"/>
+                        <a14:foregroundMark x1="54975" y1="16922" x2="60945" y2="10703"/>
+                        <a14:foregroundMark x1="60945" y1="10703" x2="57960" y2="12946"/>
+                        <a14:foregroundMark x1="69652" y1="2039" x2="71393" y2="1121"/>
+                        <a14:foregroundMark x1="65547" y1="3976" x2="71642" y2="408"/>
+                        <a14:foregroundMark x1="57960" y1="46483" x2="31965" y2="45464"/>
+                        <a14:foregroundMark x1="31965" y1="45464" x2="24502" y2="41386"/>
+                        <a14:foregroundMark x1="24502" y1="41386" x2="29851" y2="35576"/>
+                        <a14:foregroundMark x1="29851" y1="35576" x2="41915" y2="33028"/>
+                        <a14:foregroundMark x1="41915" y1="33028" x2="60075" y2="34659"/>
+                        <a14:foregroundMark x1="60075" y1="34659" x2="69776" y2="39551"/>
+                        <a14:foregroundMark x1="69776" y1="39551" x2="64925" y2="60856"/>
+                        <a14:foregroundMark x1="27363" y1="65545" x2="27114" y2="42610"/>
+                        <a14:foregroundMark x1="27114" y1="42610" x2="30970" y2="63609"/>
+                        <a14:foregroundMark x1="30970" y1="63609" x2="35075" y2="70948"/>
+                        <a14:foregroundMark x1="35075" y1="70948" x2="44030" y2="69113"/>
+                        <a14:foregroundMark x1="44030" y1="69113" x2="27363" y2="72477"/>
+                        <a14:foregroundMark x1="27363" y1="72477" x2="18657" y2="71050"/>
+                        <a14:foregroundMark x1="18657" y1="71050" x2="12438" y2="38940"/>
+                        <a14:foregroundMark x1="73881" y1="68400" x2="80721" y2="73089"/>
+                        <a14:foregroundMark x1="80721" y1="73089" x2="83706" y2="81549"/>
+                        <a14:foregroundMark x1="83706" y1="81549" x2="71766" y2="88583"/>
+                        <a14:foregroundMark x1="71766" y1="88583" x2="60945" y2="86952"/>
+                        <a14:foregroundMark x1="60945" y1="86952" x2="44279" y2="80836"/>
+                        <a14:foregroundMark x1="44279" y1="80836" x2="35697" y2="85321"/>
+                        <a14:foregroundMark x1="35697" y1="85321" x2="26866" y2="84404"/>
+                        <a14:foregroundMark x1="26866" y1="84404" x2="2239" y2="53517"/>
+                        <a14:foregroundMark x1="2239" y1="53517" x2="3607" y2="47910"/>
+                        <a14:foregroundMark x1="7090" y1="42304" x2="13433" y2="65240"/>
+                        <a14:foregroundMark x1="13433" y1="65240" x2="13433" y2="65240"/>
+                        <a14:foregroundMark x1="59328" y1="33231" x2="77363" y2="27421"/>
+                        <a14:foregroundMark x1="77363" y1="27421" x2="82587" y2="34455"/>
+                        <a14:foregroundMark x1="82587" y1="34455" x2="83582" y2="56779"/>
+                        <a14:foregroundMark x1="92910" y1="34353" x2="95896" y2="34353"/>
+                        <a14:foregroundMark x1="93905" y1="32518" x2="95896" y2="33231"/>
+                        <a14:foregroundMark x1="28358" y1="93578" x2="50746" y2="85933"/>
+                        <a14:foregroundMark x1="50746" y1="85933" x2="63557" y2="85831"/>
+                        <a14:foregroundMark x1="63557" y1="85831" x2="72886" y2="89093"/>
+                        <a14:foregroundMark x1="72886" y1="89093" x2="62935" y2="90928"/>
+                        <a14:foregroundMark x1="62935" y1="90928" x2="52488" y2="89908"/>
+                        <a14:foregroundMark x1="52488" y1="89908" x2="44403" y2="93578"/>
+                        <a14:foregroundMark x1="44403" y1="93578" x2="35075" y2="93476"/>
+                        <a14:foregroundMark x1="35075" y1="93476" x2="34080" y2="91539"/>
+                        <a14:foregroundMark x1="81219" y1="90316" x2="75124" y2="96330"/>
+                        <a14:foregroundMark x1="75124" y1="96330" x2="70647" y2="98471"/>
+                        <a14:foregroundMark x1="72139" y1="98777" x2="67413" y2="96942"/>
+                        <a14:backgroundMark x1="5100" y1="10092" x2="7711" y2="17941"/>
+                        <a14:backgroundMark x1="7711" y1="17941" x2="12065" y2="10398"/>
+                        <a14:backgroundMark x1="12065" y1="10398" x2="20522" y2="12029"/>
+                        <a14:backgroundMark x1="46517" y1="26809" x2="58085" y2="25178"/>
+                        <a14:backgroundMark x1="58085" y1="25178" x2="79726" y2="18552"/>
+                        <a14:backgroundMark x1="95522" y1="41182" x2="93159" y2="49337"/>
+                        <a14:backgroundMark x1="93159" y1="49337" x2="95025" y2="54740"/>
+                        <a14:backgroundMark x1="90547" y1="97248" x2="93781" y2="90622"/>
+                        <a14:backgroundMark x1="93781" y1="90622" x2="93781" y2="90622"/>
+                        <a14:backgroundMark x1="50746" y1="98879" x2="54602" y2="98369"/>
+                        <a14:backgroundMark x1="12313" y1="96738" x2="1617" y2="84506"/>
+                      </a14:backgroundRemoval>
+                    </a14:imgEffect>
+                  </a14:imgLayer>
+                </a14:imgProps>
+              </a:ext>
+            </a:extLst>
+          </a:blip>
+          <a:stretch>
+            <a:fillRect/>
+          </a:stretch>
+        </p:blipFill>
+        <p:spPr>
+          <a:xfrm>
+            <a:off x="8545388" y="4779632"/>
+            <a:ext cx="279061" cy="340496"/>
+          </a:xfrm>
+          <a:prstGeom prst="rect">
+            <a:avLst/>
+          </a:prstGeom>
+        </p:spPr>
+      </p:pic>
+      <p:pic>
+        <p:nvPicPr>
+          <p:cNvPr id="19458" name="Picture 2" descr="Discord Logo - PNG e Vetor - Download de Logo">
+            <a:extLst>
+              <a:ext uri="{FF2B5EF4-FFF2-40B4-BE49-F238E27FC236}">
+                <a16:creationId xmlns:a16="http://schemas.microsoft.com/office/drawing/2014/main" id="{3B0C7090-A9E9-4699-9BB3-C75EAEA2A0DE}"/>
+              </a:ext>
+            </a:extLst>
+          </p:cNvPr>
+          <p:cNvPicPr>
+            <a:picLocks noChangeAspect="1" noChangeArrowheads="1"/>
+          </p:cNvPicPr>
+          <p:nvPr/>
+        </p:nvPicPr>
+        <p:blipFill>
+          <a:blip r:embed="rId28" cstate="hqprint">
+            <a:extLst>
+              <a:ext uri="{28A0092B-C50C-407E-A947-70E740481C1C}">
+                <a14:useLocalDpi xmlns:a14="http://schemas.microsoft.com/office/drawing/2010/main" val="0"/>
+              </a:ext>
+            </a:extLst>
+          </a:blip>
+          <a:srcRect/>
+          <a:stretch>
+            <a:fillRect/>
+          </a:stretch>
+        </p:blipFill>
+        <p:spPr bwMode="auto">
+          <a:xfrm>
+            <a:off x="8307251" y="5243136"/>
+            <a:ext cx="403019" cy="289932"/>
+          </a:xfrm>
+          <a:prstGeom prst="rect">
+            <a:avLst/>
+          </a:prstGeom>
+          <a:noFill/>
+          <a:extLst>
+            <a:ext uri="{909E8E84-426E-40DD-AFC4-6F175D3DCCD1}">
+              <a14:hiddenFill xmlns:a14="http://schemas.microsoft.com/office/drawing/2010/main">
+                <a:solidFill>
+                  <a:srgbClr val="FFFFFF"/>
+                </a:solidFill>
+              </a14:hiddenFill>
+            </a:ext>
+          </a:extLst>
+        </p:spPr>
+      </p:pic>
+      <p:cxnSp>
+        <p:nvCxnSpPr>
+          <p:cNvPr id="71" name="Conector: Angulado 70">
+            <a:extLst>
+              <a:ext uri="{FF2B5EF4-FFF2-40B4-BE49-F238E27FC236}">
+                <a16:creationId xmlns:a16="http://schemas.microsoft.com/office/drawing/2014/main" id="{ABBF1A07-B907-4365-A002-606827201A2D}"/>
+              </a:ext>
+            </a:extLst>
+          </p:cNvPr>
+          <p:cNvCxnSpPr>
+            <a:cxnSpLocks/>
+          </p:cNvCxnSpPr>
+          <p:nvPr/>
+        </p:nvCxnSpPr>
+        <p:spPr>
+          <a:xfrm rot="10800000" flipV="1">
+            <a:off x="7597541" y="4283291"/>
+            <a:ext cx="1730945" cy="486589"/>
+          </a:xfrm>
+          <a:prstGeom prst="bentConnector3">
+            <a:avLst>
+              <a:gd name="adj1" fmla="val 78510"/>
+            </a:avLst>
+          </a:prstGeom>
+          <a:ln>
+            <a:headEnd type="triangle"/>
+            <a:tailEnd type="triangle"/>
+          </a:ln>
+        </p:spPr>
+        <p:style>
+          <a:lnRef idx="3">
+            <a:schemeClr val="dk1"/>
+          </a:lnRef>
+          <a:fillRef idx="0">
+            <a:schemeClr val="dk1"/>
+          </a:fillRef>
+          <a:effectRef idx="2">
+            <a:schemeClr val="dk1"/>
+          </a:effectRef>
+          <a:fontRef idx="minor">
+            <a:schemeClr val="tx1"/>
+          </a:fontRef>
+        </p:style>
+      </p:cxnSp>
+      <p:cxnSp>
+        <p:nvCxnSpPr>
+          <p:cNvPr id="79" name="Conector reto 78">
+            <a:extLst>
+              <a:ext uri="{FF2B5EF4-FFF2-40B4-BE49-F238E27FC236}">
+                <a16:creationId xmlns:a16="http://schemas.microsoft.com/office/drawing/2014/main" id="{C308D66D-4E57-47B3-9D79-B96CE048AFD2}"/>
+              </a:ext>
+            </a:extLst>
+          </p:cNvPr>
+          <p:cNvCxnSpPr>
+            <a:cxnSpLocks/>
+          </p:cNvCxnSpPr>
+          <p:nvPr/>
+        </p:nvCxnSpPr>
+        <p:spPr>
+          <a:xfrm flipH="1">
+            <a:off x="9320651" y="4281055"/>
+            <a:ext cx="3458" cy="750926"/>
+          </a:xfrm>
+          <a:prstGeom prst="line">
+            <a:avLst/>
+          </a:prstGeom>
+        </p:spPr>
+        <p:style>
+          <a:lnRef idx="3">
+            <a:schemeClr val="dk1"/>
+          </a:lnRef>
+          <a:fillRef idx="0">
+            <a:schemeClr val="dk1"/>
+          </a:fillRef>
+          <a:effectRef idx="2">
+            <a:schemeClr val="dk1"/>
+          </a:effectRef>
+          <a:fontRef idx="minor">
+            <a:schemeClr val="tx1"/>
+          </a:fontRef>
+        </p:style>
+      </p:cxnSp>
+      <p:cxnSp>
+        <p:nvCxnSpPr>
+          <p:cNvPr id="88" name="Conector de Seta Reta 87">
+            <a:extLst>
+              <a:ext uri="{FF2B5EF4-FFF2-40B4-BE49-F238E27FC236}">
+                <a16:creationId xmlns:a16="http://schemas.microsoft.com/office/drawing/2014/main" id="{59E3203E-B9B6-40D3-837D-C0B300D144B0}"/>
+              </a:ext>
+            </a:extLst>
+          </p:cNvPr>
+          <p:cNvCxnSpPr/>
+          <p:nvPr/>
+        </p:nvCxnSpPr>
+        <p:spPr>
+          <a:xfrm flipV="1">
+            <a:off x="9049787" y="5027772"/>
+            <a:ext cx="916244" cy="4184"/>
+          </a:xfrm>
+          <a:prstGeom prst="straightConnector1">
+            <a:avLst/>
+          </a:prstGeom>
+          <a:ln>
+            <a:headEnd type="triangle"/>
+            <a:tailEnd type="triangle"/>
+          </a:ln>
+        </p:spPr>
+        <p:style>
+          <a:lnRef idx="3">
+            <a:schemeClr val="dk1"/>
+          </a:lnRef>
+          <a:fillRef idx="0">
+            <a:schemeClr val="dk1"/>
+          </a:fillRef>
+          <a:effectRef idx="2">
+            <a:schemeClr val="dk1"/>
+          </a:effectRef>
+          <a:fontRef idx="minor">
+            <a:schemeClr val="tx1"/>
+          </a:fontRef>
+        </p:style>
+      </p:cxnSp>
+      <p:sp>
+        <p:nvSpPr>
+          <p:cNvPr id="89" name="Retângulo: Único Canto Recortado 88">
+            <a:extLst>
+              <a:ext uri="{FF2B5EF4-FFF2-40B4-BE49-F238E27FC236}">
+                <a16:creationId xmlns:a16="http://schemas.microsoft.com/office/drawing/2014/main" id="{D9A2AD79-591B-476B-9824-F5A3B3EA696C}"/>
+              </a:ext>
+            </a:extLst>
+          </p:cNvPr>
+          <p:cNvSpPr/>
+          <p:nvPr/>
+        </p:nvSpPr>
+        <p:spPr>
+          <a:xfrm>
+            <a:off x="2611568" y="4233274"/>
+            <a:ext cx="1725361" cy="1106784"/>
+          </a:xfrm>
+          <a:prstGeom prst="snip1Rect">
+            <a:avLst/>
+          </a:prstGeom>
+          <a:solidFill>
+            <a:schemeClr val="accent1">
+              <a:lumMod val="20000"/>
+              <a:lumOff val="80000"/>
+            </a:schemeClr>
+          </a:solidFill>
+        </p:spPr>
+        <p:style>
+          <a:lnRef idx="2">
+            <a:schemeClr val="accent1">
+              <a:shade val="50000"/>
+            </a:schemeClr>
+          </a:lnRef>
+          <a:fillRef idx="1">
+            <a:schemeClr val="accent1"/>
+          </a:fillRef>
+          <a:effectRef idx="0">
+            <a:schemeClr val="accent1"/>
+          </a:effectRef>
+          <a:fontRef idx="minor">
+            <a:schemeClr val="lt1"/>
+          </a:fontRef>
+        </p:style>
+        <p:txBody>
+          <a:bodyPr rtlCol="0" anchor="ctr"/>
+          <a:lstStyle/>
+          <a:p>
+            <a:pPr algn="ctr"/>
+            <a:endParaRPr lang="pt-BR"/>
+          </a:p>
+        </p:txBody>
+      </p:sp>
+      <p:pic>
+        <p:nvPicPr>
+          <p:cNvPr id="43" name="Imagem 42">
+            <a:extLst>
+              <a:ext uri="{FF2B5EF4-FFF2-40B4-BE49-F238E27FC236}">
+                <a16:creationId xmlns:a16="http://schemas.microsoft.com/office/drawing/2014/main" id="{115C59E7-4D15-4556-BB99-CFBA62CD2500}"/>
+              </a:ext>
+            </a:extLst>
+          </p:cNvPr>
+          <p:cNvPicPr>
+            <a:picLocks noChangeAspect="1"/>
+          </p:cNvPicPr>
+          <p:nvPr/>
+        </p:nvPicPr>
+        <p:blipFill>
+          <a:blip r:embed="rId29">
+            <a:extLst>
+              <a:ext uri="{BEBA8EAE-BF5A-486C-A8C5-ECC9F3942E4B}">
+                <a14:imgProps xmlns:a14="http://schemas.microsoft.com/office/drawing/2010/main">
+                  <a14:imgLayer r:embed="rId30">
+                    <a14:imgEffect>
+                      <a14:backgroundRemoval t="6180" b="89888" l="1685" r="98876">
+                        <a14:foregroundMark x1="86517" y1="40449" x2="86517" y2="40449"/>
+                        <a14:foregroundMark x1="94382" y1="51124" x2="94382" y2="51124"/>
+                        <a14:foregroundMark x1="8427" y1="37079" x2="8427" y2="37079"/>
+                        <a14:foregroundMark x1="26966" y1="70225" x2="26966" y2="70225"/>
+                        <a14:foregroundMark x1="24157" y1="70225" x2="24157" y2="70225"/>
+                        <a14:foregroundMark x1="24157" y1="70225" x2="24157" y2="70225"/>
+                        <a14:foregroundMark x1="24157" y1="84270" x2="25281" y2="64045"/>
+                        <a14:foregroundMark x1="3371" y1="71348" x2="2247" y2="49438"/>
+                        <a14:foregroundMark x1="42697" y1="85955" x2="41011" y2="80899"/>
+                        <a14:foregroundMark x1="88202" y1="51124" x2="78652" y2="43258"/>
+                        <a14:foregroundMark x1="92697" y1="65169" x2="98876" y2="68539"/>
+                        <a14:foregroundMark x1="6742" y1="74719" x2="6742" y2="30899"/>
+                        <a14:foregroundMark x1="30337" y1="20225" x2="31403" y2="20140"/>
+                        <a14:foregroundMark x1="72472" y1="40449" x2="84831" y2="44944"/>
+                        <a14:foregroundMark x1="58427" y1="82584" x2="60112" y2="60674"/>
+                        <a14:backgroundMark x1="33146" y1="18539" x2="47191" y2="16854"/>
+                        <a14:backgroundMark x1="86517" y1="13483" x2="46067" y2="12360"/>
+                        <a14:backgroundMark x1="70787" y1="16854" x2="31461" y2="20225"/>
+                        <a14:backgroundMark x1="39326" y1="29213" x2="33146" y2="15169"/>
+                        <a14:backgroundMark x1="25281" y1="34270" x2="30337" y2="13483"/>
+                      </a14:backgroundRemoval>
+                    </a14:imgEffect>
+                  </a14:imgLayer>
+                </a14:imgProps>
+              </a:ext>
+            </a:extLst>
+          </a:blip>
+          <a:stretch>
+            <a:fillRect/>
+          </a:stretch>
+        </p:blipFill>
+        <p:spPr>
+          <a:xfrm>
+            <a:off x="2866576" y="4458454"/>
+            <a:ext cx="646261" cy="646261"/>
+          </a:xfrm>
+          <a:prstGeom prst="rect">
+            <a:avLst/>
+          </a:prstGeom>
+        </p:spPr>
+      </p:pic>
+      <p:pic>
+        <p:nvPicPr>
+          <p:cNvPr id="92" name="Imagem 91">
+            <a:extLst>
+              <a:ext uri="{FF2B5EF4-FFF2-40B4-BE49-F238E27FC236}">
+                <a16:creationId xmlns:a16="http://schemas.microsoft.com/office/drawing/2014/main" id="{C0C95EA8-5A76-454B-8BA7-3E5DD91A8EB1}"/>
+              </a:ext>
+            </a:extLst>
+          </p:cNvPr>
+          <p:cNvPicPr>
+            <a:picLocks noChangeAspect="1"/>
+          </p:cNvPicPr>
+          <p:nvPr/>
+        </p:nvPicPr>
+        <p:blipFill>
+          <a:blip r:embed="rId31">
+            <a:extLst>
+              <a:ext uri="{BEBA8EAE-BF5A-486C-A8C5-ECC9F3942E4B}">
+                <a14:imgProps xmlns:a14="http://schemas.microsoft.com/office/drawing/2010/main">
+                  <a14:imgLayer r:embed="rId32">
+                    <a14:imgEffect>
+                      <a14:backgroundRemoval t="9778" b="89778" l="9778" r="95111">
+                        <a14:foregroundMark x1="47946" y1="21313" x2="24444" y2="34222"/>
+                        <a14:backgroundMark x1="69778" y1="15111" x2="51111" y2="20000"/>
+                        <a14:backgroundMark x1="98222" y1="48000" x2="85778" y2="28000"/>
+                        <a14:backgroundMark x1="87111" y1="31111" x2="69778" y2="18222"/>
+                        <a14:backgroundMark x1="57333" y1="12000" x2="37333" y2="15111"/>
+                      </a14:backgroundRemoval>
+                    </a14:imgEffect>
+                  </a14:imgLayer>
+                </a14:imgProps>
+              </a:ext>
+            </a:extLst>
+          </a:blip>
+          <a:stretch>
+            <a:fillRect/>
+          </a:stretch>
+        </p:blipFill>
+        <p:spPr>
+          <a:xfrm>
+            <a:off x="3510028" y="4540377"/>
+            <a:ext cx="700315" cy="672521"/>
+          </a:xfrm>
+          <a:prstGeom prst="rect">
+            <a:avLst/>
+          </a:prstGeom>
+        </p:spPr>
+      </p:pic>
+      <p:cxnSp>
+        <p:nvCxnSpPr>
+          <p:cNvPr id="94" name="Conector reto 93">
+            <a:extLst>
+              <a:ext uri="{FF2B5EF4-FFF2-40B4-BE49-F238E27FC236}">
+                <a16:creationId xmlns:a16="http://schemas.microsoft.com/office/drawing/2014/main" id="{CF35D557-D2C5-45DD-B0CD-EE916C065BF6}"/>
+              </a:ext>
+            </a:extLst>
+          </p:cNvPr>
+          <p:cNvCxnSpPr>
+            <a:cxnSpLocks/>
+          </p:cNvCxnSpPr>
+          <p:nvPr/>
+        </p:nvCxnSpPr>
+        <p:spPr>
+          <a:xfrm flipV="1">
+            <a:off x="2254060" y="4388312"/>
+            <a:ext cx="251762" cy="204299"/>
+          </a:xfrm>
+          <a:prstGeom prst="line">
+            <a:avLst/>
+          </a:prstGeom>
+        </p:spPr>
+        <p:style>
+          <a:lnRef idx="3">
+            <a:schemeClr val="accent1"/>
+          </a:lnRef>
+          <a:fillRef idx="0">
+            <a:schemeClr val="accent1"/>
+          </a:fillRef>
+          <a:effectRef idx="2">
+            <a:schemeClr val="accent1"/>
+          </a:effectRef>
+          <a:fontRef idx="minor">
+            <a:schemeClr val="tx1"/>
+          </a:fontRef>
+        </p:style>
+      </p:cxnSp>
+      <p:cxnSp>
+        <p:nvCxnSpPr>
+          <p:cNvPr id="95" name="Conector reto 94">
+            <a:extLst>
+              <a:ext uri="{FF2B5EF4-FFF2-40B4-BE49-F238E27FC236}">
+                <a16:creationId xmlns:a16="http://schemas.microsoft.com/office/drawing/2014/main" id="{33C5EAF3-5A22-4B97-B07A-C6C8F19F601A}"/>
+              </a:ext>
+            </a:extLst>
+          </p:cNvPr>
+          <p:cNvCxnSpPr>
+            <a:cxnSpLocks/>
+          </p:cNvCxnSpPr>
+          <p:nvPr/>
+        </p:nvCxnSpPr>
+        <p:spPr>
+          <a:xfrm>
+            <a:off x="2268696" y="5295821"/>
+            <a:ext cx="237126" cy="130880"/>
+          </a:xfrm>
+          <a:prstGeom prst="line">
+            <a:avLst/>
+          </a:prstGeom>
+        </p:spPr>
+        <p:style>
+          <a:lnRef idx="3">
+            <a:schemeClr val="accent1"/>
+          </a:lnRef>
+          <a:fillRef idx="0">
+            <a:schemeClr val="accent1"/>
+          </a:fillRef>
+          <a:effectRef idx="2">
+            <a:schemeClr val="accent1"/>
+          </a:effectRef>
+          <a:fontRef idx="minor">
+            <a:schemeClr val="tx1"/>
+          </a:fontRef>
+        </p:style>
+      </p:cxnSp>
+      <p:sp>
+        <p:nvSpPr>
+          <p:cNvPr id="113" name="CaixaDeTexto 112">
+            <a:extLst>
+              <a:ext uri="{FF2B5EF4-FFF2-40B4-BE49-F238E27FC236}">
+                <a16:creationId xmlns:a16="http://schemas.microsoft.com/office/drawing/2014/main" id="{A5160C37-7716-4652-AACD-171006D22C40}"/>
+              </a:ext>
+            </a:extLst>
+          </p:cNvPr>
+          <p:cNvSpPr txBox="1"/>
+          <p:nvPr/>
+        </p:nvSpPr>
+        <p:spPr>
+          <a:xfrm>
+            <a:off x="7835546" y="5954849"/>
+            <a:ext cx="1368492" cy="430887"/>
+          </a:xfrm>
+          <a:prstGeom prst="rect">
+            <a:avLst/>
+          </a:prstGeom>
+          <a:noFill/>
+        </p:spPr>
+        <p:txBody>
+          <a:bodyPr wrap="square" rtlCol="0">
+            <a:spAutoFit/>
+          </a:bodyPr>
+          <a:lstStyle/>
+          <a:p>
+            <a:pPr algn="ctr"/>
+            <a:r>
+              <a:rPr lang="pt-BR" sz="1100" dirty="0"/>
+              <a:t>Smartphone do usuário</a:t>
+            </a:r>
+          </a:p>
+        </p:txBody>
+      </p:sp>
+      <p:sp>
+        <p:nvSpPr>
+          <p:cNvPr id="114" name="CaixaDeTexto 113">
+            <a:extLst>
+              <a:ext uri="{FF2B5EF4-FFF2-40B4-BE49-F238E27FC236}">
+                <a16:creationId xmlns:a16="http://schemas.microsoft.com/office/drawing/2014/main" id="{CE531F70-EEF0-4D35-98EA-66420033469C}"/>
+              </a:ext>
+            </a:extLst>
+          </p:cNvPr>
+          <p:cNvSpPr txBox="1"/>
+          <p:nvPr/>
+        </p:nvSpPr>
+        <p:spPr>
+          <a:xfrm>
+            <a:off x="10017190" y="6419158"/>
+            <a:ext cx="1998878" cy="261610"/>
+          </a:xfrm>
+          <a:prstGeom prst="rect">
+            <a:avLst/>
+          </a:prstGeom>
+          <a:noFill/>
+        </p:spPr>
+        <p:txBody>
+          <a:bodyPr wrap="square" rtlCol="0">
+            <a:spAutoFit/>
+          </a:bodyPr>
+          <a:lstStyle/>
+          <a:p>
+            <a:pPr algn="ctr"/>
+            <a:r>
+              <a:rPr lang="pt-BR" sz="1100" dirty="0"/>
+              <a:t>Notebook/ Desktop do usuário</a:t>
+            </a:r>
+          </a:p>
+        </p:txBody>
+      </p:sp>
+      <p:sp>
+        <p:nvSpPr>
+          <p:cNvPr id="115" name="CaixaDeTexto 114">
+            <a:extLst>
+              <a:ext uri="{FF2B5EF4-FFF2-40B4-BE49-F238E27FC236}">
+                <a16:creationId xmlns:a16="http://schemas.microsoft.com/office/drawing/2014/main" id="{48369ADC-024D-437E-BA9F-CBE55A3D27EF}"/>
+              </a:ext>
+            </a:extLst>
+          </p:cNvPr>
+          <p:cNvSpPr txBox="1"/>
+          <p:nvPr/>
+        </p:nvSpPr>
+        <p:spPr>
+          <a:xfrm>
+            <a:off x="495652" y="6279194"/>
+            <a:ext cx="1755372" cy="430887"/>
+          </a:xfrm>
+          <a:prstGeom prst="rect">
+            <a:avLst/>
+          </a:prstGeom>
+          <a:noFill/>
+        </p:spPr>
+        <p:txBody>
+          <a:bodyPr wrap="square" rtlCol="0">
+            <a:spAutoFit/>
+          </a:bodyPr>
+          <a:lstStyle/>
+          <a:p>
+            <a:pPr algn="ctr"/>
+            <a:r>
+              <a:rPr lang="pt-BR" sz="1100" dirty="0"/>
+              <a:t>Notebook / Desktop do técnico</a:t>
+            </a:r>
+          </a:p>
+        </p:txBody>
+      </p:sp>
+      <p:cxnSp>
+        <p:nvCxnSpPr>
+          <p:cNvPr id="69" name="Conector de Seta Reta 60">
+            <a:extLst>
+              <a:ext uri="{FF2B5EF4-FFF2-40B4-BE49-F238E27FC236}">
+                <a16:creationId xmlns:a16="http://schemas.microsoft.com/office/drawing/2014/main" id="{A5C5030C-2D18-4A6F-BB1E-7E5CF5C2CABA}"/>
+              </a:ext>
+            </a:extLst>
+          </p:cNvPr>
+          <p:cNvCxnSpPr>
+            <a:cxnSpLocks/>
+          </p:cNvCxnSpPr>
+          <p:nvPr/>
+        </p:nvCxnSpPr>
+        <p:spPr>
+          <a:xfrm flipH="1" flipV="1">
+            <a:off x="9320651" y="2574257"/>
+            <a:ext cx="553161" cy="295929"/>
+          </a:xfrm>
+          <a:prstGeom prst="straightConnector1">
+            <a:avLst/>
+          </a:prstGeom>
+          <a:ln>
+            <a:tailEnd type="triangle"/>
+          </a:ln>
+        </p:spPr>
+        <p:style>
+          <a:lnRef idx="3">
+            <a:schemeClr val="dk1"/>
+          </a:lnRef>
+          <a:fillRef idx="0">
+            <a:schemeClr val="dk1"/>
+          </a:fillRef>
+          <a:effectRef idx="2">
+            <a:schemeClr val="dk1"/>
+          </a:effectRef>
+          <a:fontRef idx="minor">
+            <a:schemeClr val="tx1"/>
+          </a:fontRef>
+        </p:style>
+      </p:cxnSp>
+      <p:pic>
+        <p:nvPicPr>
+          <p:cNvPr id="57" name="Picture 56">
+            <a:extLst>
+              <a:ext uri="{FF2B5EF4-FFF2-40B4-BE49-F238E27FC236}">
+                <a16:creationId xmlns:a16="http://schemas.microsoft.com/office/drawing/2014/main" id="{FFF1996B-58A2-4D48-B37F-AD863C15B6EC}"/>
+              </a:ext>
+            </a:extLst>
+          </p:cNvPr>
+          <p:cNvPicPr>
+            <a:picLocks noChangeAspect="1"/>
+          </p:cNvPicPr>
+          <p:nvPr/>
+        </p:nvPicPr>
+        <p:blipFill>
+          <a:blip r:embed="rId33" cstate="hqprint">
+            <a:extLst>
+              <a:ext uri="{BEBA8EAE-BF5A-486C-A8C5-ECC9F3942E4B}">
+                <a14:imgProps xmlns:a14="http://schemas.microsoft.com/office/drawing/2010/main">
+                  <a14:imgLayer r:embed="rId34">
+                    <a14:imgEffect>
+                      <a14:backgroundRemoval t="4375" b="90000" l="10000" r="90000">
+                        <a14:foregroundMark x1="26250" y1="33125" x2="25833" y2="25750"/>
+                        <a14:foregroundMark x1="25833" y1="25750" x2="27833" y2="18500"/>
+                        <a14:foregroundMark x1="29917" y1="15500" x2="38083" y2="8000"/>
+                        <a14:foregroundMark x1="38083" y1="8000" x2="56917" y2="4375"/>
+                        <a14:foregroundMark x1="56917" y1="4375" x2="66000" y2="10000"/>
+                        <a14:foregroundMark x1="66000" y1="10000" x2="70500" y2="14125"/>
+                        <a14:foregroundMark x1="70500" y1="14125" x2="73250" y2="20375"/>
+                        <a14:foregroundMark x1="73250" y1="20375" x2="77000" y2="39750"/>
+                        <a14:foregroundMark x1="62333" y1="44875" x2="40250" y2="46250"/>
+                        <a14:foregroundMark x1="43583" y1="56375" x2="43583" y2="56375"/>
+                        <a14:foregroundMark x1="56167" y1="56750" x2="56167" y2="56750"/>
+                      </a14:backgroundRemoval>
+                    </a14:imgEffect>
+                  </a14:imgLayer>
+                </a14:imgProps>
+              </a:ext>
+              <a:ext uri="{28A0092B-C50C-407E-A947-70E740481C1C}">
+                <a14:useLocalDpi xmlns:a14="http://schemas.microsoft.com/office/drawing/2010/main" val="0"/>
+              </a:ext>
+            </a:extLst>
+          </a:blip>
+          <a:stretch>
+            <a:fillRect/>
+          </a:stretch>
+        </p:blipFill>
+        <p:spPr>
+          <a:xfrm>
+            <a:off x="5559970" y="646401"/>
+            <a:ext cx="707211" cy="471474"/>
+          </a:xfrm>
+          <a:prstGeom prst="rect">
+            <a:avLst/>
+          </a:prstGeom>
+        </p:spPr>
+      </p:pic>
+      <p:sp>
+        <p:nvSpPr>
+          <p:cNvPr id="58" name="CaixaDeTexto 67">
+            <a:extLst>
+              <a:ext uri="{FF2B5EF4-FFF2-40B4-BE49-F238E27FC236}">
+                <a16:creationId xmlns:a16="http://schemas.microsoft.com/office/drawing/2014/main" id="{E12DD363-B278-4028-B311-35C528C5BD6E}"/>
+              </a:ext>
+            </a:extLst>
+          </p:cNvPr>
+          <p:cNvSpPr txBox="1"/>
+          <p:nvPr/>
+        </p:nvSpPr>
+        <p:spPr>
+          <a:xfrm>
+            <a:off x="5434777" y="1078309"/>
+            <a:ext cx="1005068" cy="261610"/>
+          </a:xfrm>
+          <a:prstGeom prst="rect">
+            <a:avLst/>
+          </a:prstGeom>
+          <a:noFill/>
+        </p:spPr>
+        <p:txBody>
+          <a:bodyPr wrap="square" rtlCol="0">
+            <a:spAutoFit/>
+          </a:bodyPr>
+          <a:lstStyle/>
+          <a:p>
+            <a:pPr algn="ctr"/>
+            <a:r>
+              <a:rPr lang="pt-BR" sz="1100" b="0" i="0" dirty="0">
+                <a:effectLst/>
+              </a:rPr>
+              <a:t>TeamViewer</a:t>
+            </a:r>
+            <a:endParaRPr lang="pt-BR" sz="1100" dirty="0"/>
+          </a:p>
+        </p:txBody>
+      </p:sp>
+      <p:pic>
+        <p:nvPicPr>
+          <p:cNvPr id="63" name="Picture 2" descr="GitHub - oshi/oshi: Native Operating System and Hardware Information">
+            <a:extLst>
+              <a:ext uri="{FF2B5EF4-FFF2-40B4-BE49-F238E27FC236}">
+                <a16:creationId xmlns:a16="http://schemas.microsoft.com/office/drawing/2014/main" id="{AC6A7A05-9FD3-4161-8CE3-031324CA48A9}"/>
+              </a:ext>
+            </a:extLst>
+          </p:cNvPr>
+          <p:cNvPicPr>
+            <a:picLocks noChangeAspect="1" noChangeArrowheads="1"/>
+          </p:cNvPicPr>
+          <p:nvPr/>
+        </p:nvPicPr>
+        <p:blipFill rotWithShape="1">
+          <a:blip r:embed="rId35" cstate="hqprint">
+            <a:extLst>
+              <a:ext uri="{28A0092B-C50C-407E-A947-70E740481C1C}">
+                <a14:useLocalDpi xmlns:a14="http://schemas.microsoft.com/office/drawing/2010/main" val="0"/>
+              </a:ext>
+            </a:extLst>
+          </a:blip>
+          <a:srcRect r="72464"/>
+          <a:stretch/>
+        </p:blipFill>
+        <p:spPr bwMode="auto">
+          <a:xfrm>
+            <a:off x="10489609" y="2285525"/>
+            <a:ext cx="390393" cy="294629"/>
+          </a:xfrm>
+          <a:prstGeom prst="rect">
+            <a:avLst/>
+          </a:prstGeom>
+          <a:noFill/>
+          <a:extLst>
+            <a:ext uri="{909E8E84-426E-40DD-AFC4-6F175D3DCCD1}">
+              <a14:hiddenFill xmlns:a14="http://schemas.microsoft.com/office/drawing/2010/main">
+                <a:solidFill>
+                  <a:srgbClr val="FFFFFF"/>
+                </a:solidFill>
+              </a14:hiddenFill>
+            </a:ext>
+          </a:extLst>
+        </p:spPr>
+      </p:pic>
+      <p:pic>
+        <p:nvPicPr>
+          <p:cNvPr id="72" name="Picture 71">
+            <a:extLst>
+              <a:ext uri="{FF2B5EF4-FFF2-40B4-BE49-F238E27FC236}">
+                <a16:creationId xmlns:a16="http://schemas.microsoft.com/office/drawing/2014/main" id="{5B4EE446-BA91-41AE-B6CD-9C908F9BB3B4}"/>
+              </a:ext>
+            </a:extLst>
+          </p:cNvPr>
+          <p:cNvPicPr>
+            <a:picLocks noChangeAspect="1"/>
+          </p:cNvPicPr>
+          <p:nvPr/>
+        </p:nvPicPr>
+        <p:blipFill>
+          <a:blip r:embed="rId36" cstate="hqprint">
+            <a:extLst>
+              <a:ext uri="{BEBA8EAE-BF5A-486C-A8C5-ECC9F3942E4B}">
+                <a14:imgProps xmlns:a14="http://schemas.microsoft.com/office/drawing/2010/main">
+                  <a14:imgLayer r:embed="rId37">
+                    <a14:imgEffect>
+                      <a14:backgroundRemoval t="4375" b="90000" l="10000" r="90000">
+                        <a14:foregroundMark x1="26250" y1="33125" x2="25833" y2="25750"/>
+                        <a14:foregroundMark x1="25833" y1="25750" x2="27833" y2="18500"/>
+                        <a14:foregroundMark x1="29917" y1="15500" x2="38083" y2="8000"/>
+                        <a14:foregroundMark x1="38083" y1="8000" x2="56917" y2="4375"/>
+                        <a14:foregroundMark x1="56917" y1="4375" x2="66000" y2="10000"/>
+                        <a14:foregroundMark x1="66000" y1="10000" x2="70500" y2="14125"/>
+                        <a14:foregroundMark x1="70500" y1="14125" x2="73250" y2="20375"/>
+                        <a14:foregroundMark x1="73250" y1="20375" x2="77000" y2="39750"/>
+                        <a14:foregroundMark x1="62333" y1="44875" x2="40250" y2="46250"/>
+                        <a14:foregroundMark x1="43583" y1="56375" x2="43583" y2="56375"/>
+                        <a14:foregroundMark x1="56167" y1="56750" x2="56167" y2="56750"/>
+                      </a14:backgroundRemoval>
+                    </a14:imgEffect>
+                  </a14:imgLayer>
+                </a14:imgProps>
+              </a:ext>
+              <a:ext uri="{28A0092B-C50C-407E-A947-70E740481C1C}">
+                <a14:useLocalDpi xmlns:a14="http://schemas.microsoft.com/office/drawing/2010/main" val="0"/>
+              </a:ext>
+            </a:extLst>
+          </a:blip>
+          <a:stretch>
+            <a:fillRect/>
+          </a:stretch>
+        </p:blipFill>
+        <p:spPr>
+          <a:xfrm>
+            <a:off x="10755937" y="5018991"/>
+            <a:ext cx="493179" cy="328786"/>
+          </a:xfrm>
+          <a:prstGeom prst="rect">
+            <a:avLst/>
+          </a:prstGeom>
+        </p:spPr>
+      </p:pic>
+      <p:pic>
+        <p:nvPicPr>
+          <p:cNvPr id="18" name="Picture 2" descr="Discord Logo - PNG e Vetor - Download de Logo">
+            <a:extLst>
+              <a:ext uri="{FF2B5EF4-FFF2-40B4-BE49-F238E27FC236}">
+                <a16:creationId xmlns:a16="http://schemas.microsoft.com/office/drawing/2014/main" id="{6FF3084F-AB8B-42A3-A44D-58D396861B9C}"/>
+              </a:ext>
+            </a:extLst>
+          </p:cNvPr>
+          <p:cNvPicPr>
+            <a:picLocks noChangeAspect="1" noChangeArrowheads="1"/>
+          </p:cNvPicPr>
+          <p:nvPr/>
+        </p:nvPicPr>
+        <p:blipFill>
+          <a:blip r:embed="rId28" cstate="hqprint">
+            <a:extLst>
+              <a:ext uri="{28A0092B-C50C-407E-A947-70E740481C1C}">
+                <a14:useLocalDpi xmlns:a14="http://schemas.microsoft.com/office/drawing/2010/main" val="0"/>
+              </a:ext>
+            </a:extLst>
+          </a:blip>
+          <a:srcRect/>
+          <a:stretch>
+            <a:fillRect/>
+          </a:stretch>
+        </p:blipFill>
+        <p:spPr bwMode="auto">
+          <a:xfrm>
+            <a:off x="11385034" y="4881944"/>
+            <a:ext cx="308426" cy="221882"/>
+          </a:xfrm>
+          <a:prstGeom prst="rect">
+            <a:avLst/>
+          </a:prstGeom>
+          <a:noFill/>
+          <a:extLst>
+            <a:ext uri="{909E8E84-426E-40DD-AFC4-6F175D3DCCD1}">
+              <a14:hiddenFill xmlns:a14="http://schemas.microsoft.com/office/drawing/2010/main">
+                <a:solidFill>
+                  <a:srgbClr val="FFFFFF"/>
+                </a:solidFill>
+              </a14:hiddenFill>
+            </a:ext>
+          </a:extLst>
+        </p:spPr>
+      </p:pic>
+      <p:sp>
+        <p:nvSpPr>
+          <p:cNvPr id="29" name="CaixaDeTexto 114">
+            <a:extLst>
+              <a:ext uri="{FF2B5EF4-FFF2-40B4-BE49-F238E27FC236}">
+                <a16:creationId xmlns:a16="http://schemas.microsoft.com/office/drawing/2014/main" id="{AA3AC8FA-19F1-4CFD-AD1D-B2E8C21A52A9}"/>
+              </a:ext>
+            </a:extLst>
+          </p:cNvPr>
+          <p:cNvSpPr txBox="1"/>
+          <p:nvPr/>
+        </p:nvSpPr>
+        <p:spPr>
+          <a:xfrm>
+            <a:off x="4401091" y="4928837"/>
+            <a:ext cx="772449" cy="261610"/>
+          </a:xfrm>
+          <a:prstGeom prst="rect">
+            <a:avLst/>
+          </a:prstGeom>
+          <a:noFill/>
+        </p:spPr>
+        <p:txBody>
+          <a:bodyPr wrap="square" rtlCol="0">
+            <a:spAutoFit/>
+          </a:bodyPr>
+          <a:lstStyle/>
+          <a:p>
+            <a:pPr algn="ctr"/>
+            <a:r>
+              <a:rPr lang="pt-BR" sz="1100" dirty="0"/>
+              <a:t>Roteador</a:t>
+            </a:r>
+          </a:p>
+        </p:txBody>
+      </p:sp>
+      <p:sp>
+        <p:nvSpPr>
+          <p:cNvPr id="35" name="CaixaDeTexto 114">
+            <a:extLst>
+              <a:ext uri="{FF2B5EF4-FFF2-40B4-BE49-F238E27FC236}">
+                <a16:creationId xmlns:a16="http://schemas.microsoft.com/office/drawing/2014/main" id="{40337C02-410E-4ABC-8BFD-E7D6E98D56D9}"/>
+              </a:ext>
+            </a:extLst>
+          </p:cNvPr>
+          <p:cNvSpPr txBox="1"/>
+          <p:nvPr/>
+        </p:nvSpPr>
+        <p:spPr>
+          <a:xfrm>
+            <a:off x="7022128" y="4984495"/>
+            <a:ext cx="772449" cy="261610"/>
+          </a:xfrm>
+          <a:prstGeom prst="rect">
+            <a:avLst/>
+          </a:prstGeom>
+          <a:noFill/>
+        </p:spPr>
+        <p:txBody>
+          <a:bodyPr wrap="square" rtlCol="0">
+            <a:spAutoFit/>
+          </a:bodyPr>
+          <a:lstStyle/>
+          <a:p>
+            <a:pPr algn="ctr"/>
+            <a:r>
+              <a:rPr lang="pt-BR" sz="1100" dirty="0"/>
+              <a:t>Roteador</a:t>
+            </a:r>
+          </a:p>
+        </p:txBody>
+      </p:sp>
+      <p:pic>
+        <p:nvPicPr>
+          <p:cNvPr id="22" name="Imagem 21" descr="Ícone&#10;&#10;Descrição gerada automaticamente">
+            <a:extLst>
+              <a:ext uri="{FF2B5EF4-FFF2-40B4-BE49-F238E27FC236}">
+                <a16:creationId xmlns:a16="http://schemas.microsoft.com/office/drawing/2014/main" id="{B974360D-12AC-48B5-B9CE-E1A02FE57552}"/>
+              </a:ext>
+            </a:extLst>
+          </p:cNvPr>
+          <p:cNvPicPr>
+            <a:picLocks noChangeAspect="1"/>
+          </p:cNvPicPr>
+          <p:nvPr/>
+        </p:nvPicPr>
+        <p:blipFill rotWithShape="1">
+          <a:blip r:embed="rId38" cstate="hqprint">
+            <a:extLst>
+              <a:ext uri="{BEBA8EAE-BF5A-486C-A8C5-ECC9F3942E4B}">
+                <a14:imgProps xmlns:a14="http://schemas.microsoft.com/office/drawing/2010/main">
+                  <a14:imgLayer r:embed="rId39">
+                    <a14:imgEffect>
+                      <a14:backgroundRemoval t="3125" b="95508" l="8594" r="89648">
+                        <a14:foregroundMark x1="48828" y1="17969" x2="41016" y2="23828"/>
+                        <a14:foregroundMark x1="41016" y1="23828" x2="48828" y2="31250"/>
+                        <a14:foregroundMark x1="48828" y1="31250" x2="57422" y2="25586"/>
+                        <a14:foregroundMark x1="57422" y1="25586" x2="49219" y2="18555"/>
+                        <a14:foregroundMark x1="48633" y1="16602" x2="49219" y2="16602"/>
+                        <a14:foregroundMark x1="50781" y1="2734" x2="88477" y2="25781"/>
+                        <a14:foregroundMark x1="88477" y1="25781" x2="91602" y2="57813"/>
+                        <a14:foregroundMark x1="91602" y1="57813" x2="89648" y2="68750"/>
+                        <a14:foregroundMark x1="89648" y1="68750" x2="84961" y2="78125"/>
+                        <a14:foregroundMark x1="84961" y1="78125" x2="75195" y2="81836"/>
+                        <a14:foregroundMark x1="75195" y1="81836" x2="59570" y2="94922"/>
+                        <a14:foregroundMark x1="59570" y1="94922" x2="48633" y2="97461"/>
+                        <a14:foregroundMark x1="48633" y1="97461" x2="10352" y2="74609"/>
+                        <a14:foregroundMark x1="10352" y1="74609" x2="5664" y2="63867"/>
+                        <a14:foregroundMark x1="5664" y1="63867" x2="4688" y2="54102"/>
+                        <a14:foregroundMark x1="4688" y1="54102" x2="8594" y2="33203"/>
+                        <a14:foregroundMark x1="8594" y1="33203" x2="50195" y2="3320"/>
+                        <a14:foregroundMark x1="86133" y1="24805" x2="90625" y2="34180"/>
+                        <a14:foregroundMark x1="90625" y1="34180" x2="90820" y2="69336"/>
+                        <a14:foregroundMark x1="90820" y1="69336" x2="80664" y2="70313"/>
+                        <a14:foregroundMark x1="80664" y1="70313" x2="78906" y2="28906"/>
+                        <a14:foregroundMark x1="78906" y1="28906" x2="85938" y2="25586"/>
+                        <a14:foregroundMark x1="77734" y1="32227" x2="60938" y2="18750"/>
+                        <a14:foregroundMark x1="60938" y1="18750" x2="51758" y2="15234"/>
+                        <a14:foregroundMark x1="51758" y1="15234" x2="40039" y2="15430"/>
+                        <a14:foregroundMark x1="40039" y1="15430" x2="29492" y2="34961"/>
+                        <a14:foregroundMark x1="29492" y1="34961" x2="19531" y2="41406"/>
+                        <a14:foregroundMark x1="19531" y1="41406" x2="16797" y2="52734"/>
+                        <a14:foregroundMark x1="16797" y1="52734" x2="30273" y2="72656"/>
+                        <a14:foregroundMark x1="30273" y1="72656" x2="40625" y2="79297"/>
+                        <a14:foregroundMark x1="40625" y1="79297" x2="51367" y2="80469"/>
+                        <a14:foregroundMark x1="51367" y1="80469" x2="61719" y2="79102"/>
+                        <a14:foregroundMark x1="61719" y1="79102" x2="70508" y2="71875"/>
+                        <a14:foregroundMark x1="70508" y1="71875" x2="80859" y2="49414"/>
+                        <a14:foregroundMark x1="80859" y1="49414" x2="80469" y2="37500"/>
+                        <a14:foregroundMark x1="80469" y1="37500" x2="77734" y2="30273"/>
+                        <a14:foregroundMark x1="81445" y1="38672" x2="66992" y2="22656"/>
+                        <a14:foregroundMark x1="66992" y1="22656" x2="46680" y2="16016"/>
+                        <a14:foregroundMark x1="46680" y1="16016" x2="36523" y2="18750"/>
+                        <a14:foregroundMark x1="36523" y1="18750" x2="28320" y2="25000"/>
+                        <a14:foregroundMark x1="28320" y1="25000" x2="17773" y2="58398"/>
+                        <a14:foregroundMark x1="17773" y1="58398" x2="18359" y2="68750"/>
+                        <a14:foregroundMark x1="18359" y1="68750" x2="25586" y2="78906"/>
+                        <a14:foregroundMark x1="25586" y1="78906" x2="37891" y2="85156"/>
+                        <a14:foregroundMark x1="37891" y1="85156" x2="59766" y2="88086"/>
+                        <a14:foregroundMark x1="59766" y1="88086" x2="69727" y2="84375"/>
+                        <a14:foregroundMark x1="69727" y1="84375" x2="75391" y2="75781"/>
+                        <a14:foregroundMark x1="75391" y1="75781" x2="81836" y2="43359"/>
+                        <a14:foregroundMark x1="81836" y1="43359" x2="78320" y2="31250"/>
+                        <a14:foregroundMark x1="79883" y1="53906" x2="72852" y2="45703"/>
+                        <a14:foregroundMark x1="72852" y1="45703" x2="61523" y2="45508"/>
+                        <a14:foregroundMark x1="61523" y1="45508" x2="48242" y2="50195"/>
+                        <a14:foregroundMark x1="48242" y1="50195" x2="42578" y2="58398"/>
+                        <a14:foregroundMark x1="42578" y1="58398" x2="48828" y2="67969"/>
+                        <a14:foregroundMark x1="48828" y1="67969" x2="61914" y2="69727"/>
+                        <a14:foregroundMark x1="61914" y1="69727" x2="72461" y2="64844"/>
+                        <a14:foregroundMark x1="72461" y1="64844" x2="79883" y2="55859"/>
+                        <a14:foregroundMark x1="79883" y1="55859" x2="77148" y2="51172"/>
+                        <a14:foregroundMark x1="58398" y1="70703" x2="70898" y2="67578"/>
+                        <a14:foregroundMark x1="70898" y1="67578" x2="78711" y2="57227"/>
+                        <a14:foregroundMark x1="78711" y1="57227" x2="75000" y2="47656"/>
+                        <a14:foregroundMark x1="75000" y1="47656" x2="56445" y2="34570"/>
+                        <a14:foregroundMark x1="56445" y1="34570" x2="41992" y2="38086"/>
+                        <a14:foregroundMark x1="41992" y1="38086" x2="38086" y2="50391"/>
+                        <a14:foregroundMark x1="38086" y1="50391" x2="50195" y2="69531"/>
+                        <a14:foregroundMark x1="50195" y1="69531" x2="59180" y2="74805"/>
+                        <a14:foregroundMark x1="59180" y1="74805" x2="61719" y2="72266"/>
+                        <a14:foregroundMark x1="63086" y1="71484" x2="75781" y2="50000"/>
+                        <a14:foregroundMark x1="75781" y1="50000" x2="68359" y2="42188"/>
+                        <a14:foregroundMark x1="68359" y1="42188" x2="47266" y2="41797"/>
+                        <a14:foregroundMark x1="47266" y1="41797" x2="38672" y2="55859"/>
+                        <a14:foregroundMark x1="38672" y1="55859" x2="38672" y2="66211"/>
+                        <a14:foregroundMark x1="38672" y1="66211" x2="53516" y2="72852"/>
+                        <a14:foregroundMark x1="53516" y1="72852" x2="64063" y2="67969"/>
+                        <a14:foregroundMark x1="57422" y1="74805" x2="61328" y2="28320"/>
+                        <a14:foregroundMark x1="61328" y1="28320" x2="51758" y2="17578"/>
+                        <a14:foregroundMark x1="51758" y1="17578" x2="37305" y2="14453"/>
+                        <a14:foregroundMark x1="37305" y1="14453" x2="16016" y2="49414"/>
+                        <a14:foregroundMark x1="16016" y1="49414" x2="13867" y2="60547"/>
+                        <a14:foregroundMark x1="13867" y1="60547" x2="17969" y2="70703"/>
+                        <a14:foregroundMark x1="17969" y1="70703" x2="38281" y2="72266"/>
+                        <a14:foregroundMark x1="38281" y1="72266" x2="56836" y2="69141"/>
+                        <a14:foregroundMark x1="63281" y1="37500" x2="57031" y2="25977"/>
+                        <a14:foregroundMark x1="57031" y1="25977" x2="47266" y2="20117"/>
+                        <a14:foregroundMark x1="47266" y1="20117" x2="33398" y2="20703"/>
+                        <a14:foregroundMark x1="33398" y1="20703" x2="27930" y2="29883"/>
+                        <a14:foregroundMark x1="27930" y1="29883" x2="36133" y2="38672"/>
+                        <a14:foregroundMark x1="36133" y1="38672" x2="45508" y2="41992"/>
+                        <a14:foregroundMark x1="45508" y1="41992" x2="58984" y2="33398"/>
+                        <a14:foregroundMark x1="54297" y1="33789" x2="51172" y2="20898"/>
+                        <a14:foregroundMark x1="51172" y1="20898" x2="28125" y2="19531"/>
+                        <a14:foregroundMark x1="28125" y1="19531" x2="30469" y2="31055"/>
+                        <a14:foregroundMark x1="30469" y1="31055" x2="51563" y2="37305"/>
+                        <a14:foregroundMark x1="51563" y1="37305" x2="54102" y2="33008"/>
+                        <a14:foregroundMark x1="37695" y1="58789" x2="33984" y2="44336"/>
+                        <a14:foregroundMark x1="33984" y1="44336" x2="20703" y2="42773"/>
+                        <a14:foregroundMark x1="20703" y1="42773" x2="17188" y2="52148"/>
+                        <a14:foregroundMark x1="17188" y1="52148" x2="24609" y2="60742"/>
+                        <a14:foregroundMark x1="24609" y1="60742" x2="33594" y2="65039"/>
+                        <a14:foregroundMark x1="33594" y1="65039" x2="39063" y2="57617"/>
+                        <a14:foregroundMark x1="66211" y1="43750" x2="55469" y2="50586"/>
+                        <a14:foregroundMark x1="55469" y1="50586" x2="54883" y2="62695"/>
+                        <a14:foregroundMark x1="54883" y1="62695" x2="63086" y2="69141"/>
+                        <a14:foregroundMark x1="63086" y1="69141" x2="73242" y2="71484"/>
+                        <a14:foregroundMark x1="73242" y1="71484" x2="74805" y2="52539"/>
+                        <a14:foregroundMark x1="76367" y1="50586" x2="66797" y2="44922"/>
+                        <a14:foregroundMark x1="66797" y1="44922" x2="58008" y2="50977"/>
+                        <a14:foregroundMark x1="58008" y1="50977" x2="60352" y2="61523"/>
+                        <a14:foregroundMark x1="60352" y1="61523" x2="71094" y2="65039"/>
+                        <a14:foregroundMark x1="71094" y1="65039" x2="76172" y2="50586"/>
+                        <a14:foregroundMark x1="73828" y1="59766" x2="70703" y2="48242"/>
+                        <a14:foregroundMark x1="70703" y1="48242" x2="60547" y2="45703"/>
+                        <a14:foregroundMark x1="60547" y1="45703" x2="54102" y2="54297"/>
+                        <a14:foregroundMark x1="54102" y1="54297" x2="64258" y2="61523"/>
+                        <a14:foregroundMark x1="64258" y1="61523" x2="72461" y2="58008"/>
+                        <a14:foregroundMark x1="48438" y1="33398" x2="48828" y2="23242"/>
+                        <a14:foregroundMark x1="48828" y1="23242" x2="38672" y2="19531"/>
+                        <a14:foregroundMark x1="38672" y1="19531" x2="33008" y2="29297"/>
+                        <a14:foregroundMark x1="33008" y1="29297" x2="42969" y2="33789"/>
+                        <a14:foregroundMark x1="42969" y1="33789" x2="48633" y2="32617"/>
+                        <a14:foregroundMark x1="45313" y1="41016" x2="48047" y2="29492"/>
+                        <a14:foregroundMark x1="48047" y1="29492" x2="41406" y2="20898"/>
+                        <a14:foregroundMark x1="41406" y1="20898" x2="33398" y2="29297"/>
+                        <a14:foregroundMark x1="33398" y1="29297" x2="46484" y2="38086"/>
+                        <a14:foregroundMark x1="38867" y1="56250" x2="35547" y2="46680"/>
+                        <a14:foregroundMark x1="35547" y1="46680" x2="25195" y2="42969"/>
+                        <a14:foregroundMark x1="25195" y1="42969" x2="16992" y2="48242"/>
+                        <a14:foregroundMark x1="16992" y1="48242" x2="23242" y2="57031"/>
+                        <a14:foregroundMark x1="23242" y1="57031" x2="32813" y2="60742"/>
+                        <a14:foregroundMark x1="32813" y1="60742" x2="37500" y2="55469"/>
+                        <a14:foregroundMark x1="33984" y1="59766" x2="37109" y2="47852"/>
+                        <a14:foregroundMark x1="37109" y1="47852" x2="28125" y2="44141"/>
+                        <a14:foregroundMark x1="28125" y1="44141" x2="18359" y2="47656"/>
+                        <a14:foregroundMark x1="18359" y1="47656" x2="23633" y2="57617"/>
+                        <a14:foregroundMark x1="23633" y1="57617" x2="33984" y2="59570"/>
+                        <a14:foregroundMark x1="33984" y1="59570" x2="34180" y2="60938"/>
+                        <a14:foregroundMark x1="36328" y1="65625" x2="37305" y2="55273"/>
+                        <a14:foregroundMark x1="37305" y1="55273" x2="34570" y2="45703"/>
+                        <a14:foregroundMark x1="34570" y1="45703" x2="24023" y2="43945"/>
+                        <a14:foregroundMark x1="24023" y1="43945" x2="18359" y2="53516"/>
+                        <a14:foregroundMark x1="18359" y1="53516" x2="36328" y2="61133"/>
+                        <a14:foregroundMark x1="59766" y1="92188" x2="50977" y2="97266"/>
+                        <a14:foregroundMark x1="50977" y1="97266" x2="41797" y2="92773"/>
+                        <a14:foregroundMark x1="41797" y1="92773" x2="51758" y2="90625"/>
+                        <a14:foregroundMark x1="51758" y1="90625" x2="59570" y2="91992"/>
+                        <a14:foregroundMark x1="54883" y1="95508" x2="52930" y2="94922"/>
+                        <a14:foregroundMark x1="88672" y1="25586" x2="89258" y2="68164"/>
+                        <a14:foregroundMark x1="89258" y1="68164" x2="89648" y2="35938"/>
+                        <a14:foregroundMark x1="89648" y1="35938" x2="89453" y2="57227"/>
+                      </a14:backgroundRemoval>
+                    </a14:imgEffect>
+                  </a14:imgLayer>
+                </a14:imgProps>
+              </a:ext>
+              <a:ext uri="{28A0092B-C50C-407E-A947-70E740481C1C}">
+                <a14:useLocalDpi xmlns:a14="http://schemas.microsoft.com/office/drawing/2010/main" val="0"/>
+              </a:ext>
+            </a:extLst>
+          </a:blip>
+          <a:srcRect l="7307" t="1338" r="7559" b="1338"/>
+          <a:stretch/>
+        </p:blipFill>
+        <p:spPr>
+          <a:xfrm>
+            <a:off x="3543821" y="1125163"/>
+            <a:ext cx="349320" cy="399346"/>
+          </a:xfrm>
+          <a:prstGeom prst="rect">
+            <a:avLst/>
+          </a:prstGeom>
+        </p:spPr>
+      </p:pic>
+      <p:cxnSp>
+        <p:nvCxnSpPr>
+          <p:cNvPr id="102" name="Conector de Seta Reta 60">
+            <a:extLst>
+              <a:ext uri="{FF2B5EF4-FFF2-40B4-BE49-F238E27FC236}">
+                <a16:creationId xmlns:a16="http://schemas.microsoft.com/office/drawing/2014/main" id="{A5C5030C-2D18-4A6F-BB1E-7E5CF5C2CABA}"/>
+              </a:ext>
+            </a:extLst>
+          </p:cNvPr>
+          <p:cNvCxnSpPr>
+            <a:cxnSpLocks/>
+          </p:cNvCxnSpPr>
+          <p:nvPr/>
+        </p:nvCxnSpPr>
+        <p:spPr>
+          <a:xfrm flipV="1">
+            <a:off x="7733698" y="2622660"/>
+            <a:ext cx="0" cy="1094962"/>
+          </a:xfrm>
+          <a:prstGeom prst="straightConnector1">
+            <a:avLst/>
+          </a:prstGeom>
+          <a:ln>
+            <a:tailEnd type="triangle"/>
+          </a:ln>
+        </p:spPr>
+        <p:style>
+          <a:lnRef idx="3">
+            <a:schemeClr val="dk1"/>
+          </a:lnRef>
+          <a:fillRef idx="0">
+            <a:schemeClr val="dk1"/>
+          </a:fillRef>
+          <a:effectRef idx="2">
+            <a:schemeClr val="dk1"/>
+          </a:effectRef>
+          <a:fontRef idx="minor">
+            <a:schemeClr val="tx1"/>
+          </a:fontRef>
+        </p:style>
+      </p:cxnSp>
+      <p:pic>
+        <p:nvPicPr>
+          <p:cNvPr id="96" name="Imagem 95"/>
+          <p:cNvPicPr>
+            <a:picLocks noChangeAspect="1"/>
+          </p:cNvPicPr>
+          <p:nvPr/>
+        </p:nvPicPr>
+        <p:blipFill>
+          <a:blip r:embed="rId40">
+            <a:extLst>
+              <a:ext uri="{BEBA8EAE-BF5A-486C-A8C5-ECC9F3942E4B}">
+                <a14:imgProps xmlns:a14="http://schemas.microsoft.com/office/drawing/2010/main">
+                  <a14:imgLayer r:embed="rId41">
+                    <a14:imgEffect>
+                      <a14:backgroundRemoval t="4598" b="98851" l="1034" r="99655">
+                        <a14:foregroundMark x1="24483" y1="27011" x2="24483" y2="27011"/>
+                        <a14:foregroundMark x1="25517" y1="22414" x2="25517" y2="22414"/>
+                        <a14:foregroundMark x1="24828" y1="17241" x2="25862" y2="30460"/>
+                        <a14:foregroundMark x1="25862" y1="39080" x2="23793" y2="5172"/>
+                        <a14:foregroundMark x1="83448" y1="26437" x2="77931" y2="10920"/>
+                        <a14:foregroundMark x1="91724" y1="34483" x2="94828" y2="37931"/>
+                        <a14:foregroundMark x1="6552" y1="38506" x2="5517" y2="35632"/>
+                        <a14:foregroundMark x1="11034" y1="78161" x2="51724" y2="91954"/>
+                        <a14:foregroundMark x1="88621" y1="66092" x2="95862" y2="66667"/>
+                        <a14:foregroundMark x1="52759" y1="98851" x2="47931" y2="98851"/>
+                        <a14:foregroundMark x1="6897" y1="72414" x2="1379" y2="65517"/>
+                        <a14:foregroundMark x1="98966" y1="72414" x2="99655" y2="63793"/>
+                        <a14:foregroundMark x1="26897" y1="48851" x2="24138" y2="8621"/>
+                        <a14:foregroundMark x1="41379" y1="39080" x2="37586" y2="10920"/>
+                        <a14:foregroundMark x1="46207" y1="36782" x2="48966" y2="14368"/>
+                        <a14:foregroundMark x1="58276" y1="36782" x2="51034" y2="4598"/>
+                        <a14:foregroundMark x1="60000" y1="41379" x2="67586" y2="8621"/>
+                      </a14:backgroundRemoval>
+                    </a14:imgEffect>
+                  </a14:imgLayer>
+                </a14:imgProps>
+              </a:ext>
+            </a:extLst>
+          </a:blip>
+          <a:stretch>
+            <a:fillRect/>
+          </a:stretch>
+        </p:blipFill>
+        <p:spPr>
+          <a:xfrm>
+            <a:off x="10675703" y="1712407"/>
+            <a:ext cx="681853" cy="409112"/>
+          </a:xfrm>
+          <a:prstGeom prst="rect">
+            <a:avLst/>
+          </a:prstGeom>
+        </p:spPr>
+      </p:pic>
+      <p:pic>
+        <p:nvPicPr>
+          <p:cNvPr id="108" name="Picture 2" descr="GitHub - oshi/oshi: Native Operating System and Hardware Information">
+            <a:extLst>
+              <a:ext uri="{FF2B5EF4-FFF2-40B4-BE49-F238E27FC236}">
+                <a16:creationId xmlns:a16="http://schemas.microsoft.com/office/drawing/2014/main" id="{AC6A7A05-9FD3-4161-8CE3-031324CA48A9}"/>
+              </a:ext>
+            </a:extLst>
+          </p:cNvPr>
+          <p:cNvPicPr>
+            <a:picLocks noChangeAspect="1" noChangeArrowheads="1"/>
+          </p:cNvPicPr>
+          <p:nvPr/>
+        </p:nvPicPr>
+        <p:blipFill rotWithShape="1">
+          <a:blip r:embed="rId35" cstate="hqprint">
+            <a:extLst>
+              <a:ext uri="{28A0092B-C50C-407E-A947-70E740481C1C}">
+                <a14:useLocalDpi xmlns:a14="http://schemas.microsoft.com/office/drawing/2010/main" val="0"/>
+              </a:ext>
+            </a:extLst>
+          </a:blip>
+          <a:srcRect r="72464"/>
+          <a:stretch/>
+        </p:blipFill>
+        <p:spPr bwMode="auto">
+          <a:xfrm>
+            <a:off x="10229627" y="4850768"/>
+            <a:ext cx="390393" cy="294629"/>
+          </a:xfrm>
+          <a:prstGeom prst="rect">
+            <a:avLst/>
+          </a:prstGeom>
+          <a:noFill/>
+          <a:extLst>
+            <a:ext uri="{909E8E84-426E-40DD-AFC4-6F175D3DCCD1}">
+              <a14:hiddenFill xmlns:a14="http://schemas.microsoft.com/office/drawing/2010/main">
+                <a:solidFill>
+                  <a:srgbClr val="FFFFFF"/>
+                </a:solidFill>
+              </a14:hiddenFill>
+            </a:ext>
+          </a:extLst>
+        </p:spPr>
+      </p:pic>
+      <p:pic>
+        <p:nvPicPr>
+          <p:cNvPr id="109" name="Imagem 108">
+            <a:extLst>
+              <a:ext uri="{FF2B5EF4-FFF2-40B4-BE49-F238E27FC236}">
+                <a16:creationId xmlns:a16="http://schemas.microsoft.com/office/drawing/2014/main" id="{F4892A92-ABD7-4F2A-AD6B-EFC108078BFE}"/>
+              </a:ext>
+            </a:extLst>
+          </p:cNvPr>
+          <p:cNvPicPr>
+            <a:picLocks noChangeAspect="1"/>
+          </p:cNvPicPr>
+          <p:nvPr/>
+        </p:nvPicPr>
+        <p:blipFill>
+          <a:blip r:embed="rId9"/>
+          <a:stretch>
+            <a:fillRect/>
+          </a:stretch>
+        </p:blipFill>
+        <p:spPr>
+          <a:xfrm>
+            <a:off x="11042490" y="2719210"/>
+            <a:ext cx="408111" cy="408111"/>
+          </a:xfrm>
+          <a:prstGeom prst="rect">
+            <a:avLst/>
+          </a:prstGeom>
+        </p:spPr>
+      </p:pic>
+      <p:cxnSp>
+        <p:nvCxnSpPr>
+          <p:cNvPr id="100" name="Conector reto 99"/>
+          <p:cNvCxnSpPr/>
+          <p:nvPr/>
+        </p:nvCxnSpPr>
+        <p:spPr>
+          <a:xfrm>
+            <a:off x="10701573" y="4321316"/>
+            <a:ext cx="0" cy="706456"/>
+          </a:xfrm>
+          <a:prstGeom prst="line">
+            <a:avLst/>
+          </a:prstGeom>
+        </p:spPr>
+        <p:style>
+          <a:lnRef idx="3">
+            <a:schemeClr val="dk1"/>
+          </a:lnRef>
+          <a:fillRef idx="0">
+            <a:schemeClr val="dk1"/>
+          </a:fillRef>
+          <a:effectRef idx="2">
+            <a:schemeClr val="dk1"/>
+          </a:effectRef>
+          <a:fontRef idx="minor">
+            <a:schemeClr val="tx1"/>
+          </a:fontRef>
+        </p:style>
+      </p:cxnSp>
+      <p:pic>
+        <p:nvPicPr>
+          <p:cNvPr id="153" name="Imagem 152">
+            <a:extLst>
+              <a:ext uri="{FF2B5EF4-FFF2-40B4-BE49-F238E27FC236}">
+                <a16:creationId xmlns:a16="http://schemas.microsoft.com/office/drawing/2014/main" id="{5B8E73A8-691E-43EC-B096-5A63DB3160FB}"/>
+              </a:ext>
+            </a:extLst>
+          </p:cNvPr>
+          <p:cNvPicPr>
+            <a:picLocks noChangeAspect="1"/>
+          </p:cNvPicPr>
+          <p:nvPr/>
+        </p:nvPicPr>
+        <p:blipFill rotWithShape="1">
+          <a:blip r:embed="rId10">
+            <a:extLst>
+              <a:ext uri="{BEBA8EAE-BF5A-486C-A8C5-ECC9F3942E4B}">
+                <a14:imgProps xmlns:a14="http://schemas.microsoft.com/office/drawing/2010/main">
+                  <a14:imgLayer r:embed="rId11">
+                    <a14:imgEffect>
+                      <a14:backgroundRemoval t="9799" b="89950" l="2500" r="94063">
+                        <a14:foregroundMark x1="10938" y1="20352" x2="10938" y2="20352"/>
+                        <a14:foregroundMark x1="16042" y1="34422" x2="16042" y2="34422"/>
+                        <a14:foregroundMark x1="12292" y1="36181" x2="12292" y2="36181"/>
+                        <a14:foregroundMark x1="14271" y1="32915" x2="14271" y2="32915"/>
+                        <a14:foregroundMark x1="11979" y1="28392" x2="16875" y2="41457"/>
+                        <a14:foregroundMark x1="16875" y1="41457" x2="10104" y2="45729"/>
+                        <a14:foregroundMark x1="10104" y1="45729" x2="7500" y2="27638"/>
+                        <a14:foregroundMark x1="7500" y1="27638" x2="7708" y2="25879"/>
+                        <a14:foregroundMark x1="11146" y1="28643" x2="6250" y2="41960"/>
+                        <a14:foregroundMark x1="6250" y1="41960" x2="8438" y2="49246"/>
+                        <a14:foregroundMark x1="13021" y1="50754" x2="8542" y2="42965"/>
+                        <a14:foregroundMark x1="3958" y1="39196" x2="2500" y2="35930"/>
+                        <a14:foregroundMark x1="23021" y1="36432" x2="29271" y2="27638"/>
+                        <a14:foregroundMark x1="29271" y1="27638" x2="29479" y2="30905"/>
+                        <a14:foregroundMark x1="30208" y1="50000" x2="32604" y2="34673"/>
+                        <a14:foregroundMark x1="32604" y1="34673" x2="34896" y2="39950"/>
+                        <a14:foregroundMark x1="36250" y1="27889" x2="38229" y2="41960"/>
+                        <a14:foregroundMark x1="26882" y1="21885" x2="25625" y2="22111"/>
+                        <a14:foregroundMark x1="32604" y1="20854" x2="27379" y2="21795"/>
+                        <a14:foregroundMark x1="24972" y1="22970" x2="24479" y2="23618"/>
+                        <a14:foregroundMark x1="33021" y1="21357" x2="29167" y2="18844"/>
+                        <a14:foregroundMark x1="25655" y1="19089" x2="25521" y2="19095"/>
+                        <a14:foregroundMark x1="31458" y1="18844" x2="26654" y2="19047"/>
+                        <a14:foregroundMark x1="31667" y1="19095" x2="34167" y2="20854"/>
+                        <a14:foregroundMark x1="45104" y1="38945" x2="45208" y2="27387"/>
+                        <a14:foregroundMark x1="53229" y1="51759" x2="52500" y2="56281"/>
+                        <a14:foregroundMark x1="64375" y1="40704" x2="64583" y2="24372"/>
+                        <a14:foregroundMark x1="64583" y1="24372" x2="64583" y2="24372"/>
+                        <a14:foregroundMark x1="61354" y1="59799" x2="62604" y2="59045"/>
+                        <a14:foregroundMark x1="76563" y1="25126" x2="76563" y2="23367"/>
+                        <a14:foregroundMark x1="83229" y1="43216" x2="86667" y2="27136"/>
+                        <a14:foregroundMark x1="86667" y1="27136" x2="94063" y2="36432"/>
+                        <a14:foregroundMark x1="94063" y1="36432" x2="89479" y2="36181"/>
+                        <a14:foregroundMark x1="25625" y1="21357" x2="26667" y2="20854"/>
+                        <a14:foregroundMark x1="33646" y1="55528" x2="35417" y2="52764"/>
+                        <a14:backgroundMark x1="25521" y1="19849" x2="26250" y2="18090"/>
+                      </a14:backgroundRemoval>
+                    </a14:imgEffect>
+                  </a14:imgLayer>
+                </a14:imgProps>
+              </a:ext>
+            </a:extLst>
+          </a:blip>
+          <a:srcRect l="58695" t="-1359" r="22613" b="18821"/>
+          <a:stretch/>
+        </p:blipFill>
+        <p:spPr>
+          <a:xfrm>
+            <a:off x="792417" y="4294465"/>
+            <a:ext cx="273443" cy="500575"/>
+          </a:xfrm>
+          <a:prstGeom prst="rect">
+            <a:avLst/>
+          </a:prstGeom>
+        </p:spPr>
+      </p:pic>
+      <p:pic>
+        <p:nvPicPr>
+          <p:cNvPr id="154" name="Imagem 153">
+            <a:extLst>
+              <a:ext uri="{FF2B5EF4-FFF2-40B4-BE49-F238E27FC236}">
+                <a16:creationId xmlns:a16="http://schemas.microsoft.com/office/drawing/2014/main" id="{AE8FDB0B-4F93-44C8-B4CD-64F86FB6EB51}"/>
+              </a:ext>
+            </a:extLst>
+          </p:cNvPr>
+          <p:cNvPicPr>
+            <a:picLocks noChangeAspect="1"/>
+          </p:cNvPicPr>
+          <p:nvPr/>
+        </p:nvPicPr>
+        <p:blipFill rotWithShape="1">
+          <a:blip r:embed="rId10">
+            <a:extLst>
+              <a:ext uri="{BEBA8EAE-BF5A-486C-A8C5-ECC9F3942E4B}">
+                <a14:imgProps xmlns:a14="http://schemas.microsoft.com/office/drawing/2010/main">
+                  <a14:imgLayer r:embed="rId11">
+                    <a14:imgEffect>
+                      <a14:backgroundRemoval t="9799" b="89950" l="2500" r="94063">
+                        <a14:foregroundMark x1="10938" y1="20352" x2="10938" y2="20352"/>
+                        <a14:foregroundMark x1="16042" y1="34422" x2="16042" y2="34422"/>
+                        <a14:foregroundMark x1="12292" y1="36181" x2="12292" y2="36181"/>
+                        <a14:foregroundMark x1="14271" y1="32915" x2="14271" y2="32915"/>
+                        <a14:foregroundMark x1="11979" y1="28392" x2="16875" y2="41457"/>
+                        <a14:foregroundMark x1="16875" y1="41457" x2="10104" y2="45729"/>
+                        <a14:foregroundMark x1="10104" y1="45729" x2="7500" y2="27638"/>
+                        <a14:foregroundMark x1="7500" y1="27638" x2="7708" y2="25879"/>
+                        <a14:foregroundMark x1="11146" y1="28643" x2="6250" y2="41960"/>
+                        <a14:foregroundMark x1="6250" y1="41960" x2="8438" y2="49246"/>
+                        <a14:foregroundMark x1="13021" y1="50754" x2="8542" y2="42965"/>
+                        <a14:foregroundMark x1="3958" y1="39196" x2="2500" y2="35930"/>
+                        <a14:foregroundMark x1="23021" y1="36432" x2="29271" y2="27638"/>
+                        <a14:foregroundMark x1="29271" y1="27638" x2="29479" y2="30905"/>
+                        <a14:foregroundMark x1="30208" y1="50000" x2="32604" y2="34673"/>
+                        <a14:foregroundMark x1="32604" y1="34673" x2="34896" y2="39950"/>
+                        <a14:foregroundMark x1="36250" y1="27889" x2="38229" y2="41960"/>
+                        <a14:foregroundMark x1="26882" y1="21885" x2="25625" y2="22111"/>
+                        <a14:foregroundMark x1="32604" y1="20854" x2="27379" y2="21795"/>
+                        <a14:foregroundMark x1="24972" y1="22970" x2="24479" y2="23618"/>
+                        <a14:foregroundMark x1="33021" y1="21357" x2="29167" y2="18844"/>
+                        <a14:foregroundMark x1="25655" y1="19089" x2="25521" y2="19095"/>
+                        <a14:foregroundMark x1="31458" y1="18844" x2="26654" y2="19047"/>
+                        <a14:foregroundMark x1="31667" y1="19095" x2="34167" y2="20854"/>
+                        <a14:foregroundMark x1="45104" y1="38945" x2="45208" y2="27387"/>
+                        <a14:foregroundMark x1="53229" y1="51759" x2="52500" y2="56281"/>
+                        <a14:foregroundMark x1="64375" y1="40704" x2="64583" y2="24372"/>
+                        <a14:foregroundMark x1="64583" y1="24372" x2="64583" y2="24372"/>
+                        <a14:foregroundMark x1="61354" y1="59799" x2="62604" y2="59045"/>
+                        <a14:foregroundMark x1="76563" y1="25126" x2="76563" y2="23367"/>
+                        <a14:foregroundMark x1="83229" y1="43216" x2="86667" y2="27136"/>
+                        <a14:foregroundMark x1="86667" y1="27136" x2="94063" y2="36432"/>
+                        <a14:foregroundMark x1="94063" y1="36432" x2="89479" y2="36181"/>
+                        <a14:foregroundMark x1="25625" y1="21357" x2="26667" y2="20854"/>
+                        <a14:foregroundMark x1="33646" y1="55528" x2="35417" y2="52764"/>
+                        <a14:backgroundMark x1="25521" y1="19849" x2="26250" y2="18090"/>
+                      </a14:backgroundRemoval>
+                    </a14:imgEffect>
+                  </a14:imgLayer>
+                </a14:imgProps>
+              </a:ext>
+            </a:extLst>
+          </a:blip>
+          <a:srcRect l="-2" t="1" r="79272" b="32709"/>
+          <a:stretch/>
+        </p:blipFill>
+        <p:spPr>
+          <a:xfrm>
+            <a:off x="1586412" y="4322788"/>
+            <a:ext cx="323768" cy="435727"/>
+          </a:xfrm>
+          <a:prstGeom prst="rect">
+            <a:avLst/>
+          </a:prstGeom>
+        </p:spPr>
+      </p:pic>
+      <p:pic>
+        <p:nvPicPr>
+          <p:cNvPr id="155" name="Picture 71">
+            <a:extLst>
+              <a:ext uri="{FF2B5EF4-FFF2-40B4-BE49-F238E27FC236}">
+                <a16:creationId xmlns:a16="http://schemas.microsoft.com/office/drawing/2014/main" id="{5B4EE446-BA91-41AE-B6CD-9C908F9BB3B4}"/>
+              </a:ext>
+            </a:extLst>
+          </p:cNvPr>
+          <p:cNvPicPr>
+            <a:picLocks noChangeAspect="1"/>
+          </p:cNvPicPr>
+          <p:nvPr/>
+        </p:nvPicPr>
+        <p:blipFill>
+          <a:blip r:embed="rId36" cstate="hqprint">
+            <a:extLst>
+              <a:ext uri="{BEBA8EAE-BF5A-486C-A8C5-ECC9F3942E4B}">
+                <a14:imgProps xmlns:a14="http://schemas.microsoft.com/office/drawing/2010/main">
+                  <a14:imgLayer r:embed="rId37">
+                    <a14:imgEffect>
+                      <a14:backgroundRemoval t="4375" b="90000" l="10000" r="90000">
+                        <a14:foregroundMark x1="26250" y1="33125" x2="25833" y2="25750"/>
+                        <a14:foregroundMark x1="25833" y1="25750" x2="27833" y2="18500"/>
+                        <a14:foregroundMark x1="29917" y1="15500" x2="38083" y2="8000"/>
+                        <a14:foregroundMark x1="38083" y1="8000" x2="56917" y2="4375"/>
+                        <a14:foregroundMark x1="56917" y1="4375" x2="66000" y2="10000"/>
+                        <a14:foregroundMark x1="66000" y1="10000" x2="70500" y2="14125"/>
+                        <a14:foregroundMark x1="70500" y1="14125" x2="73250" y2="20375"/>
+                        <a14:foregroundMark x1="73250" y1="20375" x2="77000" y2="39750"/>
+                        <a14:foregroundMark x1="62333" y1="44875" x2="40250" y2="46250"/>
+                        <a14:foregroundMark x1="43583" y1="56375" x2="43583" y2="56375"/>
+                        <a14:foregroundMark x1="56167" y1="56750" x2="56167" y2="56750"/>
+                      </a14:backgroundRemoval>
+                    </a14:imgEffect>
+                  </a14:imgLayer>
+                </a14:imgProps>
+              </a:ext>
+              <a:ext uri="{28A0092B-C50C-407E-A947-70E740481C1C}">
+                <a14:useLocalDpi xmlns:a14="http://schemas.microsoft.com/office/drawing/2010/main" val="0"/>
+              </a:ext>
+            </a:extLst>
+          </a:blip>
+          <a:stretch>
+            <a:fillRect/>
+          </a:stretch>
+        </p:blipFill>
+        <p:spPr>
+          <a:xfrm>
+            <a:off x="1511142" y="4851021"/>
+            <a:ext cx="493179" cy="328786"/>
+          </a:xfrm>
+          <a:prstGeom prst="rect">
+            <a:avLst/>
+          </a:prstGeom>
+        </p:spPr>
+      </p:pic>
+      <p:pic>
+        <p:nvPicPr>
+          <p:cNvPr id="156" name="Picture 2" descr="Discord Logo - PNG e Vetor - Download de Logo">
+            <a:extLst>
+              <a:ext uri="{FF2B5EF4-FFF2-40B4-BE49-F238E27FC236}">
+                <a16:creationId xmlns:a16="http://schemas.microsoft.com/office/drawing/2014/main" id="{6FF3084F-AB8B-42A3-A44D-58D396861B9C}"/>
+              </a:ext>
+            </a:extLst>
+          </p:cNvPr>
+          <p:cNvPicPr>
+            <a:picLocks noChangeAspect="1" noChangeArrowheads="1"/>
+          </p:cNvPicPr>
+          <p:nvPr/>
+        </p:nvPicPr>
+        <p:blipFill>
+          <a:blip r:embed="rId28" cstate="hqprint">
+            <a:extLst>
+              <a:ext uri="{28A0092B-C50C-407E-A947-70E740481C1C}">
+                <a14:useLocalDpi xmlns:a14="http://schemas.microsoft.com/office/drawing/2010/main" val="0"/>
+              </a:ext>
+            </a:extLst>
+          </a:blip>
+          <a:srcRect/>
+          <a:stretch>
+            <a:fillRect/>
+          </a:stretch>
+        </p:blipFill>
+        <p:spPr bwMode="auto">
+          <a:xfrm>
+            <a:off x="794919" y="4904473"/>
+            <a:ext cx="308426" cy="221882"/>
+          </a:xfrm>
+          <a:prstGeom prst="rect">
+            <a:avLst/>
+          </a:prstGeom>
+          <a:noFill/>
+          <a:extLst>
+            <a:ext uri="{909E8E84-426E-40DD-AFC4-6F175D3DCCD1}">
+              <a14:hiddenFill xmlns:a14="http://schemas.microsoft.com/office/drawing/2010/main">
+                <a:solidFill>
+                  <a:srgbClr val="FFFFFF"/>
+                </a:solidFill>
+              </a14:hiddenFill>
+            </a:ext>
+          </a:extLst>
+        </p:spPr>
+      </p:pic>
+      <p:pic>
+        <p:nvPicPr>
+          <p:cNvPr id="103" name="Imagem 102"/>
+          <p:cNvPicPr>
+            <a:picLocks noChangeAspect="1"/>
+          </p:cNvPicPr>
+          <p:nvPr/>
+        </p:nvPicPr>
+        <p:blipFill>
+          <a:blip r:embed="rId42">
+            <a:extLst>
+              <a:ext uri="{BEBA8EAE-BF5A-486C-A8C5-ECC9F3942E4B}">
+                <a14:imgProps xmlns:a14="http://schemas.microsoft.com/office/drawing/2010/main">
+                  <a14:imgLayer r:embed="rId43">
+                    <a14:imgEffect>
+                      <a14:backgroundRemoval t="4231" b="98462" l="769" r="100000">
+                        <a14:foregroundMark x1="41538" y1="14615" x2="41538" y2="14615"/>
+                        <a14:foregroundMark x1="58077" y1="18077" x2="23462" y2="25000"/>
+                        <a14:foregroundMark x1="52308" y1="12308" x2="16154" y2="12308"/>
+                        <a14:foregroundMark x1="58077" y1="8077" x2="96923" y2="52308"/>
+                        <a14:foregroundMark x1="63077" y1="5769" x2="50385" y2="1154"/>
+                        <a14:foregroundMark x1="24231" y1="30000" x2="13077" y2="71154"/>
+                        <a14:foregroundMark x1="11154" y1="29231" x2="10000" y2="62692"/>
+                        <a14:foregroundMark x1="8846" y1="33462" x2="5000" y2="53846"/>
+                        <a14:foregroundMark x1="1923" y1="42692" x2="5769" y2="63462"/>
+                        <a14:foregroundMark x1="19231" y1="73077" x2="71154" y2="86538"/>
+                        <a14:foregroundMark x1="74231" y1="86538" x2="32308" y2="88846"/>
+                        <a14:foregroundMark x1="59231" y1="90769" x2="46154" y2="95769"/>
+                        <a14:foregroundMark x1="86923" y1="61538" x2="71154" y2="92308"/>
+                        <a14:foregroundMark x1="63077" y1="92692" x2="50769" y2="98462"/>
+                        <a14:foregroundMark x1="73077" y1="20769" x2="46923" y2="34231"/>
+                        <a14:foregroundMark x1="47308" y1="23077" x2="87308" y2="45769"/>
+                        <a14:foregroundMark x1="81923" y1="50000" x2="46538" y2="18846"/>
+                        <a14:foregroundMark x1="46923" y1="23077" x2="33077" y2="69615"/>
+                        <a14:foregroundMark x1="35000" y1="31538" x2="33462" y2="70769"/>
+                        <a14:foregroundMark x1="28077" y1="32692" x2="31923" y2="69231"/>
+                        <a14:foregroundMark x1="20385" y1="44615" x2="13077" y2="52692"/>
+                        <a14:foregroundMark x1="72308" y1="49231" x2="67308" y2="78462"/>
+                        <a14:foregroundMark x1="73462" y1="58462" x2="68846" y2="90769"/>
+                        <a14:foregroundMark x1="75769" y1="59615" x2="35000" y2="82692"/>
+                        <a14:foregroundMark x1="48077" y1="67692" x2="42692" y2="78462"/>
+                        <a14:foregroundMark x1="4231" y1="56538" x2="0" y2="50385"/>
+                        <a14:foregroundMark x1="1154" y1="55769" x2="769" y2="47308"/>
+                        <a14:foregroundMark x1="769" y1="54615" x2="15769" y2="31154"/>
+                        <a14:foregroundMark x1="769" y1="54231" x2="769" y2="45385"/>
+                      </a14:backgroundRemoval>
+                    </a14:imgEffect>
+                  </a14:imgLayer>
+                </a14:imgProps>
+              </a:ext>
+            </a:extLst>
+          </a:blip>
+          <a:stretch>
+            <a:fillRect/>
+          </a:stretch>
+        </p:blipFill>
+        <p:spPr>
+          <a:xfrm>
+            <a:off x="11089075" y="2192892"/>
+            <a:ext cx="365650" cy="365650"/>
+          </a:xfrm>
+          <a:prstGeom prst="rect">
+            <a:avLst/>
+          </a:prstGeom>
+        </p:spPr>
+      </p:pic>
+      <p:sp>
+        <p:nvSpPr>
+          <p:cNvPr id="78" name="CaixaDeTexto 77">
+            <a:extLst>
+              <a:ext uri="{FF2B5EF4-FFF2-40B4-BE49-F238E27FC236}">
+                <a16:creationId xmlns:a16="http://schemas.microsoft.com/office/drawing/2014/main" id="{493E6E1F-0E69-43E5-B36D-2B8F5592B318}"/>
+              </a:ext>
+            </a:extLst>
+          </p:cNvPr>
+          <p:cNvSpPr txBox="1"/>
+          <p:nvPr/>
+        </p:nvSpPr>
+        <p:spPr>
+          <a:xfrm>
+            <a:off x="2882688" y="2348933"/>
+            <a:ext cx="791996" cy="261610"/>
+          </a:xfrm>
+          <a:prstGeom prst="rect">
+            <a:avLst/>
+          </a:prstGeom>
+          <a:noFill/>
+        </p:spPr>
+        <p:txBody>
+          <a:bodyPr wrap="square" rtlCol="0">
+            <a:spAutoFit/>
+          </a:bodyPr>
+          <a:lstStyle/>
+          <a:p>
+            <a:pPr algn="ctr"/>
+            <a:r>
+              <a:rPr lang="pt-BR" sz="1100" dirty="0"/>
+              <a:t>Java Script</a:t>
+            </a:r>
+          </a:p>
+        </p:txBody>
+      </p:sp>
+      <p:sp>
+        <p:nvSpPr>
+          <p:cNvPr id="80" name="CaixaDeTexto 79">
+            <a:extLst>
+              <a:ext uri="{FF2B5EF4-FFF2-40B4-BE49-F238E27FC236}">
+                <a16:creationId xmlns:a16="http://schemas.microsoft.com/office/drawing/2014/main" id="{493E6E1F-0E69-43E5-B36D-2B8F5592B318}"/>
+              </a:ext>
+            </a:extLst>
+          </p:cNvPr>
+          <p:cNvSpPr txBox="1"/>
+          <p:nvPr/>
+        </p:nvSpPr>
+        <p:spPr>
+          <a:xfrm>
+            <a:off x="2867420" y="1864478"/>
+            <a:ext cx="725030" cy="261610"/>
+          </a:xfrm>
+          <a:prstGeom prst="rect">
+            <a:avLst/>
+          </a:prstGeom>
+          <a:noFill/>
+        </p:spPr>
+        <p:txBody>
+          <a:bodyPr wrap="square" rtlCol="0">
+            <a:spAutoFit/>
+          </a:bodyPr>
+          <a:lstStyle/>
+          <a:p>
+            <a:pPr algn="ctr"/>
+            <a:r>
+              <a:rPr lang="pt-BR" sz="1100" dirty="0"/>
+              <a:t>CSS</a:t>
+            </a:r>
+          </a:p>
+        </p:txBody>
+      </p:sp>
+      <p:sp>
+        <p:nvSpPr>
+          <p:cNvPr id="81" name="CaixaDeTexto 80">
+            <a:extLst>
+              <a:ext uri="{FF2B5EF4-FFF2-40B4-BE49-F238E27FC236}">
+                <a16:creationId xmlns:a16="http://schemas.microsoft.com/office/drawing/2014/main" id="{493E6E1F-0E69-43E5-B36D-2B8F5592B318}"/>
+              </a:ext>
+            </a:extLst>
+          </p:cNvPr>
+          <p:cNvSpPr txBox="1"/>
+          <p:nvPr/>
+        </p:nvSpPr>
+        <p:spPr>
+          <a:xfrm>
+            <a:off x="2848932" y="1376878"/>
+            <a:ext cx="725030" cy="261610"/>
+          </a:xfrm>
+          <a:prstGeom prst="rect">
+            <a:avLst/>
+          </a:prstGeom>
+          <a:noFill/>
+        </p:spPr>
+        <p:txBody>
+          <a:bodyPr wrap="square" rtlCol="0">
+            <a:spAutoFit/>
+          </a:bodyPr>
+          <a:lstStyle/>
+          <a:p>
+            <a:pPr algn="ctr"/>
+            <a:r>
+              <a:rPr lang="pt-BR" sz="1100" dirty="0"/>
+              <a:t>HTML</a:t>
+            </a:r>
+          </a:p>
+        </p:txBody>
+      </p:sp>
+      <p:sp>
+        <p:nvSpPr>
+          <p:cNvPr id="83" name="CaixaDeTexto 82">
+            <a:extLst>
+              <a:ext uri="{FF2B5EF4-FFF2-40B4-BE49-F238E27FC236}">
+                <a16:creationId xmlns:a16="http://schemas.microsoft.com/office/drawing/2014/main" id="{493E6E1F-0E69-43E5-B36D-2B8F5592B318}"/>
+              </a:ext>
+            </a:extLst>
+          </p:cNvPr>
+          <p:cNvSpPr txBox="1"/>
+          <p:nvPr/>
+        </p:nvSpPr>
+        <p:spPr>
+          <a:xfrm>
+            <a:off x="1407211" y="4634879"/>
+            <a:ext cx="725030" cy="261610"/>
+          </a:xfrm>
+          <a:prstGeom prst="rect">
+            <a:avLst/>
+          </a:prstGeom>
+          <a:noFill/>
+        </p:spPr>
+        <p:txBody>
+          <a:bodyPr wrap="square" rtlCol="0">
+            <a:spAutoFit/>
+          </a:bodyPr>
+          <a:lstStyle/>
+          <a:p>
+            <a:pPr algn="ctr"/>
+            <a:r>
+              <a:rPr lang="pt-BR" sz="1100" dirty="0"/>
+              <a:t>Chrome</a:t>
+            </a:r>
+          </a:p>
+        </p:txBody>
+      </p:sp>
+      <p:sp>
+        <p:nvSpPr>
+          <p:cNvPr id="85" name="CaixaDeTexto 84">
+            <a:extLst>
+              <a:ext uri="{FF2B5EF4-FFF2-40B4-BE49-F238E27FC236}">
+                <a16:creationId xmlns:a16="http://schemas.microsoft.com/office/drawing/2014/main" id="{493E6E1F-0E69-43E5-B36D-2B8F5592B318}"/>
+              </a:ext>
+            </a:extLst>
+          </p:cNvPr>
+          <p:cNvSpPr txBox="1"/>
+          <p:nvPr/>
+        </p:nvSpPr>
+        <p:spPr>
+          <a:xfrm>
+            <a:off x="3917962" y="1470421"/>
+            <a:ext cx="725030" cy="261610"/>
+          </a:xfrm>
+          <a:prstGeom prst="rect">
+            <a:avLst/>
+          </a:prstGeom>
+          <a:noFill/>
+        </p:spPr>
+        <p:txBody>
+          <a:bodyPr wrap="square" rtlCol="0">
+            <a:spAutoFit/>
+          </a:bodyPr>
+          <a:lstStyle/>
+          <a:p>
+            <a:pPr algn="ctr"/>
+            <a:r>
+              <a:rPr lang="pt-BR" sz="1100" dirty="0"/>
+              <a:t>Chart JS</a:t>
+            </a:r>
+          </a:p>
+        </p:txBody>
+      </p:sp>
+      <p:sp>
+        <p:nvSpPr>
+          <p:cNvPr id="86" name="CaixaDeTexto 85">
+            <a:extLst>
+              <a:ext uri="{FF2B5EF4-FFF2-40B4-BE49-F238E27FC236}">
+                <a16:creationId xmlns:a16="http://schemas.microsoft.com/office/drawing/2014/main" id="{493E6E1F-0E69-43E5-B36D-2B8F5592B318}"/>
+              </a:ext>
+            </a:extLst>
+          </p:cNvPr>
+          <p:cNvSpPr txBox="1"/>
+          <p:nvPr/>
+        </p:nvSpPr>
+        <p:spPr>
+          <a:xfrm>
+            <a:off x="3359671" y="1463286"/>
+            <a:ext cx="725030" cy="261610"/>
+          </a:xfrm>
+          <a:prstGeom prst="rect">
+            <a:avLst/>
+          </a:prstGeom>
+          <a:noFill/>
+        </p:spPr>
+        <p:txBody>
+          <a:bodyPr wrap="square" rtlCol="0">
+            <a:spAutoFit/>
+          </a:bodyPr>
+          <a:lstStyle/>
+          <a:p>
+            <a:pPr algn="ctr"/>
+            <a:r>
+              <a:rPr lang="pt-BR" sz="1100" dirty="0" err="1"/>
+              <a:t>Sequelize</a:t>
+            </a:r>
+            <a:endParaRPr lang="pt-BR" sz="1100" dirty="0"/>
+          </a:p>
+        </p:txBody>
+      </p:sp>
+      <p:sp>
+        <p:nvSpPr>
+          <p:cNvPr id="87" name="CaixaDeTexto 86">
+            <a:extLst>
+              <a:ext uri="{FF2B5EF4-FFF2-40B4-BE49-F238E27FC236}">
+                <a16:creationId xmlns:a16="http://schemas.microsoft.com/office/drawing/2014/main" id="{493E6E1F-0E69-43E5-B36D-2B8F5592B318}"/>
+              </a:ext>
+            </a:extLst>
+          </p:cNvPr>
+          <p:cNvSpPr txBox="1"/>
+          <p:nvPr/>
+        </p:nvSpPr>
+        <p:spPr>
+          <a:xfrm>
+            <a:off x="423905" y="4642863"/>
+            <a:ext cx="1139071" cy="261610"/>
+          </a:xfrm>
+          <a:prstGeom prst="rect">
+            <a:avLst/>
+          </a:prstGeom>
+          <a:noFill/>
+        </p:spPr>
+        <p:txBody>
+          <a:bodyPr wrap="square" rtlCol="0">
+            <a:spAutoFit/>
+          </a:bodyPr>
+          <a:lstStyle/>
+          <a:p>
+            <a:pPr algn="ctr"/>
+            <a:r>
+              <a:rPr lang="pt-BR" sz="1100" dirty="0"/>
+              <a:t>Microsoft Edge</a:t>
+            </a:r>
+          </a:p>
+        </p:txBody>
+      </p:sp>
+      <p:sp>
+        <p:nvSpPr>
+          <p:cNvPr id="90" name="CaixaDeTexto 89">
+            <a:extLst>
+              <a:ext uri="{FF2B5EF4-FFF2-40B4-BE49-F238E27FC236}">
+                <a16:creationId xmlns:a16="http://schemas.microsoft.com/office/drawing/2014/main" id="{493E6E1F-0E69-43E5-B36D-2B8F5592B318}"/>
+              </a:ext>
+            </a:extLst>
+          </p:cNvPr>
+          <p:cNvSpPr txBox="1"/>
+          <p:nvPr/>
+        </p:nvSpPr>
+        <p:spPr>
+          <a:xfrm>
+            <a:off x="10334003" y="2574257"/>
+            <a:ext cx="725030" cy="261610"/>
+          </a:xfrm>
+          <a:prstGeom prst="rect">
+            <a:avLst/>
+          </a:prstGeom>
+          <a:noFill/>
+        </p:spPr>
+        <p:txBody>
+          <a:bodyPr wrap="square" rtlCol="0">
+            <a:spAutoFit/>
+          </a:bodyPr>
+          <a:lstStyle/>
+          <a:p>
+            <a:pPr algn="ctr"/>
+            <a:r>
+              <a:rPr lang="pt-BR" sz="1100" dirty="0"/>
+              <a:t>OSHI</a:t>
+            </a:r>
+          </a:p>
+        </p:txBody>
+      </p:sp>
+      <p:sp>
+        <p:nvSpPr>
+          <p:cNvPr id="97" name="CaixaDeTexto 96">
+            <a:extLst>
+              <a:ext uri="{FF2B5EF4-FFF2-40B4-BE49-F238E27FC236}">
+                <a16:creationId xmlns:a16="http://schemas.microsoft.com/office/drawing/2014/main" id="{493E6E1F-0E69-43E5-B36D-2B8F5592B318}"/>
+              </a:ext>
+            </a:extLst>
+          </p:cNvPr>
+          <p:cNvSpPr txBox="1"/>
+          <p:nvPr/>
+        </p:nvSpPr>
+        <p:spPr>
+          <a:xfrm>
+            <a:off x="10905434" y="3083472"/>
+            <a:ext cx="725030" cy="261610"/>
+          </a:xfrm>
+          <a:prstGeom prst="rect">
+            <a:avLst/>
+          </a:prstGeom>
+          <a:noFill/>
+        </p:spPr>
+        <p:txBody>
+          <a:bodyPr wrap="square" rtlCol="0">
+            <a:spAutoFit/>
+          </a:bodyPr>
+          <a:lstStyle/>
+          <a:p>
+            <a:pPr algn="ctr"/>
+            <a:r>
+              <a:rPr lang="pt-BR" sz="1100" dirty="0"/>
+              <a:t>Java</a:t>
+            </a:r>
+          </a:p>
+        </p:txBody>
+      </p:sp>
+      <p:sp>
+        <p:nvSpPr>
+          <p:cNvPr id="98" name="CaixaDeTexto 97">
+            <a:extLst>
+              <a:ext uri="{FF2B5EF4-FFF2-40B4-BE49-F238E27FC236}">
+                <a16:creationId xmlns:a16="http://schemas.microsoft.com/office/drawing/2014/main" id="{493E6E1F-0E69-43E5-B36D-2B8F5592B318}"/>
+              </a:ext>
+            </a:extLst>
+          </p:cNvPr>
+          <p:cNvSpPr txBox="1"/>
+          <p:nvPr/>
+        </p:nvSpPr>
+        <p:spPr>
+          <a:xfrm>
+            <a:off x="10909385" y="2517508"/>
+            <a:ext cx="725030" cy="261610"/>
+          </a:xfrm>
+          <a:prstGeom prst="rect">
+            <a:avLst/>
+          </a:prstGeom>
+          <a:noFill/>
+        </p:spPr>
+        <p:txBody>
+          <a:bodyPr wrap="square" rtlCol="0">
+            <a:spAutoFit/>
+          </a:bodyPr>
+          <a:lstStyle/>
+          <a:p>
+            <a:pPr algn="ctr"/>
+            <a:r>
+              <a:rPr lang="pt-BR" sz="1100" dirty="0" err="1"/>
+              <a:t>Ubuntu</a:t>
+            </a:r>
+            <a:endParaRPr lang="pt-BR" sz="1100" dirty="0"/>
+          </a:p>
+        </p:txBody>
+      </p:sp>
+      <p:sp>
+        <p:nvSpPr>
+          <p:cNvPr id="99" name="CaixaDeTexto 98">
+            <a:extLst>
+              <a:ext uri="{FF2B5EF4-FFF2-40B4-BE49-F238E27FC236}">
+                <a16:creationId xmlns:a16="http://schemas.microsoft.com/office/drawing/2014/main" id="{493E6E1F-0E69-43E5-B36D-2B8F5592B318}"/>
+              </a:ext>
+            </a:extLst>
+          </p:cNvPr>
+          <p:cNvSpPr txBox="1"/>
+          <p:nvPr/>
+        </p:nvSpPr>
+        <p:spPr>
+          <a:xfrm>
+            <a:off x="7862691" y="2147335"/>
+            <a:ext cx="725030" cy="261610"/>
+          </a:xfrm>
+          <a:prstGeom prst="rect">
+            <a:avLst/>
+          </a:prstGeom>
+          <a:noFill/>
+        </p:spPr>
+        <p:txBody>
+          <a:bodyPr wrap="square" rtlCol="0">
+            <a:spAutoFit/>
+          </a:bodyPr>
+          <a:lstStyle/>
+          <a:p>
+            <a:pPr algn="ctr"/>
+            <a:r>
+              <a:rPr lang="pt-BR" sz="1100" dirty="0" err="1"/>
+              <a:t>Discord</a:t>
+            </a:r>
+            <a:endParaRPr lang="pt-BR" sz="1100" dirty="0"/>
+          </a:p>
+        </p:txBody>
+      </p:sp>
+      <p:sp>
+        <p:nvSpPr>
+          <p:cNvPr id="101" name="CaixaDeTexto 100">
+            <a:extLst>
+              <a:ext uri="{FF2B5EF4-FFF2-40B4-BE49-F238E27FC236}">
+                <a16:creationId xmlns:a16="http://schemas.microsoft.com/office/drawing/2014/main" id="{493E6E1F-0E69-43E5-B36D-2B8F5592B318}"/>
+              </a:ext>
+            </a:extLst>
+          </p:cNvPr>
+          <p:cNvSpPr txBox="1"/>
+          <p:nvPr/>
+        </p:nvSpPr>
+        <p:spPr>
+          <a:xfrm>
+            <a:off x="582214" y="5086167"/>
+            <a:ext cx="725030" cy="261610"/>
+          </a:xfrm>
+          <a:prstGeom prst="rect">
+            <a:avLst/>
+          </a:prstGeom>
+          <a:noFill/>
+        </p:spPr>
+        <p:txBody>
+          <a:bodyPr wrap="square" rtlCol="0">
+            <a:spAutoFit/>
+          </a:bodyPr>
+          <a:lstStyle/>
+          <a:p>
+            <a:pPr algn="ctr"/>
+            <a:r>
+              <a:rPr lang="pt-BR" sz="1100" dirty="0" err="1"/>
+              <a:t>Discord</a:t>
+            </a:r>
+            <a:endParaRPr lang="pt-BR" sz="1100" dirty="0"/>
+          </a:p>
+        </p:txBody>
+      </p:sp>
+      <p:sp>
+        <p:nvSpPr>
+          <p:cNvPr id="104" name="CaixaDeTexto 67">
+            <a:extLst>
+              <a:ext uri="{FF2B5EF4-FFF2-40B4-BE49-F238E27FC236}">
+                <a16:creationId xmlns:a16="http://schemas.microsoft.com/office/drawing/2014/main" id="{E12DD363-B278-4028-B311-35C528C5BD6E}"/>
+              </a:ext>
+            </a:extLst>
+          </p:cNvPr>
+          <p:cNvSpPr txBox="1"/>
+          <p:nvPr/>
+        </p:nvSpPr>
+        <p:spPr>
+          <a:xfrm>
+            <a:off x="1249666" y="5112331"/>
+            <a:ext cx="1005068" cy="261610"/>
+          </a:xfrm>
+          <a:prstGeom prst="rect">
+            <a:avLst/>
+          </a:prstGeom>
+          <a:noFill/>
+        </p:spPr>
+        <p:txBody>
+          <a:bodyPr wrap="square" rtlCol="0">
+            <a:spAutoFit/>
+          </a:bodyPr>
+          <a:lstStyle/>
+          <a:p>
+            <a:pPr algn="ctr"/>
+            <a:r>
+              <a:rPr lang="pt-BR" sz="1100" b="0" i="0" dirty="0">
+                <a:effectLst/>
+              </a:rPr>
+              <a:t>TeamViewer</a:t>
+            </a:r>
+            <a:endParaRPr lang="pt-BR" sz="1100" dirty="0"/>
+          </a:p>
+        </p:txBody>
+      </p:sp>
+      <p:sp>
+        <p:nvSpPr>
+          <p:cNvPr id="105" name="CaixaDeTexto 104">
+            <a:extLst>
+              <a:ext uri="{FF2B5EF4-FFF2-40B4-BE49-F238E27FC236}">
+                <a16:creationId xmlns:a16="http://schemas.microsoft.com/office/drawing/2014/main" id="{493E6E1F-0E69-43E5-B36D-2B8F5592B318}"/>
+              </a:ext>
+            </a:extLst>
+          </p:cNvPr>
+          <p:cNvSpPr txBox="1"/>
+          <p:nvPr/>
+        </p:nvSpPr>
+        <p:spPr>
+          <a:xfrm>
+            <a:off x="11176732" y="5071174"/>
+            <a:ext cx="725030" cy="261610"/>
+          </a:xfrm>
+          <a:prstGeom prst="rect">
+            <a:avLst/>
+          </a:prstGeom>
+          <a:noFill/>
+        </p:spPr>
+        <p:txBody>
+          <a:bodyPr wrap="square" rtlCol="0">
+            <a:spAutoFit/>
+          </a:bodyPr>
+          <a:lstStyle/>
+          <a:p>
+            <a:pPr algn="ctr"/>
+            <a:r>
+              <a:rPr lang="pt-BR" sz="1100" dirty="0" err="1"/>
+              <a:t>Discord</a:t>
+            </a:r>
+            <a:endParaRPr lang="pt-BR" sz="1100" dirty="0"/>
+          </a:p>
+        </p:txBody>
+      </p:sp>
+      <p:sp>
+        <p:nvSpPr>
+          <p:cNvPr id="110" name="CaixaDeTexto 109">
+            <a:extLst>
+              <a:ext uri="{FF2B5EF4-FFF2-40B4-BE49-F238E27FC236}">
+                <a16:creationId xmlns:a16="http://schemas.microsoft.com/office/drawing/2014/main" id="{493E6E1F-0E69-43E5-B36D-2B8F5592B318}"/>
+              </a:ext>
+            </a:extLst>
+          </p:cNvPr>
+          <p:cNvSpPr txBox="1"/>
+          <p:nvPr/>
+        </p:nvSpPr>
+        <p:spPr>
+          <a:xfrm>
+            <a:off x="11228147" y="4583581"/>
+            <a:ext cx="725030" cy="261610"/>
+          </a:xfrm>
+          <a:prstGeom prst="rect">
+            <a:avLst/>
+          </a:prstGeom>
+          <a:noFill/>
+        </p:spPr>
+        <p:txBody>
+          <a:bodyPr wrap="square" rtlCol="0">
+            <a:spAutoFit/>
+          </a:bodyPr>
+          <a:lstStyle/>
+          <a:p>
+            <a:pPr algn="ctr"/>
+            <a:r>
+              <a:rPr lang="pt-BR" sz="1100" dirty="0"/>
+              <a:t>Chrome</a:t>
+            </a:r>
+          </a:p>
+        </p:txBody>
+      </p:sp>
+      <p:sp>
+        <p:nvSpPr>
+          <p:cNvPr id="111" name="CaixaDeTexto 110">
+            <a:extLst>
+              <a:ext uri="{FF2B5EF4-FFF2-40B4-BE49-F238E27FC236}">
+                <a16:creationId xmlns:a16="http://schemas.microsoft.com/office/drawing/2014/main" id="{493E6E1F-0E69-43E5-B36D-2B8F5592B318}"/>
+              </a:ext>
+            </a:extLst>
+          </p:cNvPr>
+          <p:cNvSpPr txBox="1"/>
+          <p:nvPr/>
+        </p:nvSpPr>
+        <p:spPr>
+          <a:xfrm>
+            <a:off x="10064135" y="4615027"/>
+            <a:ext cx="725030" cy="261610"/>
+          </a:xfrm>
+          <a:prstGeom prst="rect">
+            <a:avLst/>
+          </a:prstGeom>
+          <a:noFill/>
+        </p:spPr>
+        <p:txBody>
+          <a:bodyPr wrap="square" rtlCol="0">
+            <a:spAutoFit/>
+          </a:bodyPr>
+          <a:lstStyle/>
+          <a:p>
+            <a:pPr algn="ctr"/>
+            <a:r>
+              <a:rPr lang="pt-BR" sz="1100" dirty="0"/>
+              <a:t>Java</a:t>
+            </a:r>
+          </a:p>
+        </p:txBody>
+      </p:sp>
+      <p:sp>
+        <p:nvSpPr>
+          <p:cNvPr id="112" name="CaixaDeTexto 111">
+            <a:extLst>
+              <a:ext uri="{FF2B5EF4-FFF2-40B4-BE49-F238E27FC236}">
+                <a16:creationId xmlns:a16="http://schemas.microsoft.com/office/drawing/2014/main" id="{493E6E1F-0E69-43E5-B36D-2B8F5592B318}"/>
+              </a:ext>
+            </a:extLst>
+          </p:cNvPr>
+          <p:cNvSpPr txBox="1"/>
+          <p:nvPr/>
+        </p:nvSpPr>
+        <p:spPr>
+          <a:xfrm>
+            <a:off x="10049723" y="5121264"/>
+            <a:ext cx="725030" cy="261610"/>
+          </a:xfrm>
+          <a:prstGeom prst="rect">
+            <a:avLst/>
+          </a:prstGeom>
+          <a:noFill/>
+        </p:spPr>
+        <p:txBody>
+          <a:bodyPr wrap="square" rtlCol="0">
+            <a:spAutoFit/>
+          </a:bodyPr>
+          <a:lstStyle/>
+          <a:p>
+            <a:pPr algn="ctr"/>
+            <a:r>
+              <a:rPr lang="pt-BR" sz="1100" dirty="0"/>
+              <a:t>OSHI</a:t>
+            </a:r>
+          </a:p>
+        </p:txBody>
+      </p:sp>
+      <p:sp>
+        <p:nvSpPr>
+          <p:cNvPr id="117" name="CaixaDeTexto 116">
+            <a:extLst>
+              <a:ext uri="{FF2B5EF4-FFF2-40B4-BE49-F238E27FC236}">
+                <a16:creationId xmlns:a16="http://schemas.microsoft.com/office/drawing/2014/main" id="{493E6E1F-0E69-43E5-B36D-2B8F5592B318}"/>
+              </a:ext>
+            </a:extLst>
+          </p:cNvPr>
+          <p:cNvSpPr txBox="1"/>
+          <p:nvPr/>
+        </p:nvSpPr>
+        <p:spPr>
+          <a:xfrm>
+            <a:off x="8146245" y="5480437"/>
+            <a:ext cx="725030" cy="261610"/>
+          </a:xfrm>
+          <a:prstGeom prst="rect">
+            <a:avLst/>
+          </a:prstGeom>
+          <a:noFill/>
+        </p:spPr>
+        <p:txBody>
+          <a:bodyPr wrap="square" rtlCol="0">
+            <a:spAutoFit/>
+          </a:bodyPr>
+          <a:lstStyle/>
+          <a:p>
+            <a:pPr algn="ctr"/>
+            <a:r>
+              <a:rPr lang="pt-BR" sz="1100" dirty="0" err="1"/>
+              <a:t>Discord</a:t>
+            </a:r>
+            <a:endParaRPr lang="pt-BR" sz="1100" dirty="0"/>
+          </a:p>
+        </p:txBody>
+      </p:sp>
+      <p:cxnSp>
+        <p:nvCxnSpPr>
+          <p:cNvPr id="23" name="Conector de Seta Reta 22"/>
+          <p:cNvCxnSpPr/>
+          <p:nvPr/>
+        </p:nvCxnSpPr>
+        <p:spPr>
+          <a:xfrm>
+            <a:off x="8710270" y="4994840"/>
+            <a:ext cx="672274" cy="846225"/>
+          </a:xfrm>
+          <a:prstGeom prst="straightConnector1">
+            <a:avLst/>
+          </a:prstGeom>
+          <a:ln>
+            <a:tailEnd type="triangle"/>
+          </a:ln>
+        </p:spPr>
+        <p:style>
+          <a:lnRef idx="3">
+            <a:schemeClr val="dk1"/>
+          </a:lnRef>
+          <a:fillRef idx="0">
+            <a:schemeClr val="dk1"/>
+          </a:fillRef>
+          <a:effectRef idx="2">
+            <a:schemeClr val="dk1"/>
+          </a:effectRef>
+          <a:fontRef idx="minor">
+            <a:schemeClr val="tx1"/>
+          </a:fontRef>
+        </p:style>
+      </p:cxnSp>
+      <p:cxnSp>
+        <p:nvCxnSpPr>
+          <p:cNvPr id="38" name="Conector de Seta Reta 37"/>
+          <p:cNvCxnSpPr/>
+          <p:nvPr/>
+        </p:nvCxnSpPr>
+        <p:spPr>
+          <a:xfrm flipH="1">
+            <a:off x="7622467" y="5003758"/>
+            <a:ext cx="696786" cy="849159"/>
+          </a:xfrm>
+          <a:prstGeom prst="straightConnector1">
+            <a:avLst/>
+          </a:prstGeom>
+          <a:ln>
+            <a:tailEnd type="triangle"/>
+          </a:ln>
+        </p:spPr>
+        <p:style>
+          <a:lnRef idx="3">
+            <a:schemeClr val="dk1"/>
+          </a:lnRef>
+          <a:fillRef idx="0">
+            <a:schemeClr val="dk1"/>
+          </a:fillRef>
+          <a:effectRef idx="2">
+            <a:schemeClr val="dk1"/>
+          </a:effectRef>
+          <a:fontRef idx="minor">
+            <a:schemeClr val="tx1"/>
+          </a:fontRef>
+        </p:style>
+      </p:cxnSp>
+      <p:sp>
+        <p:nvSpPr>
+          <p:cNvPr id="118" name="CaixaDeTexto 67">
+            <a:extLst>
+              <a:ext uri="{FF2B5EF4-FFF2-40B4-BE49-F238E27FC236}">
+                <a16:creationId xmlns:a16="http://schemas.microsoft.com/office/drawing/2014/main" id="{E12DD363-B278-4028-B311-35C528C5BD6E}"/>
+              </a:ext>
+            </a:extLst>
+          </p:cNvPr>
+          <p:cNvSpPr txBox="1"/>
+          <p:nvPr/>
+        </p:nvSpPr>
+        <p:spPr>
+          <a:xfrm>
+            <a:off x="7069416" y="5860808"/>
+            <a:ext cx="1005068" cy="261610"/>
+          </a:xfrm>
+          <a:prstGeom prst="rect">
+            <a:avLst/>
+          </a:prstGeom>
+          <a:noFill/>
+        </p:spPr>
+        <p:txBody>
+          <a:bodyPr wrap="square" rtlCol="0">
+            <a:spAutoFit/>
+          </a:bodyPr>
+          <a:lstStyle/>
+          <a:p>
+            <a:pPr algn="ctr"/>
+            <a:r>
+              <a:rPr lang="pt-BR" sz="1100" b="0" i="0" dirty="0" err="1">
+                <a:effectLst/>
+              </a:rPr>
+              <a:t>Android</a:t>
+            </a:r>
+            <a:endParaRPr lang="pt-BR" sz="1100" dirty="0"/>
+          </a:p>
+        </p:txBody>
+      </p:sp>
+      <p:sp>
+        <p:nvSpPr>
+          <p:cNvPr id="119" name="CaixaDeTexto 67">
+            <a:extLst>
+              <a:ext uri="{FF2B5EF4-FFF2-40B4-BE49-F238E27FC236}">
+                <a16:creationId xmlns:a16="http://schemas.microsoft.com/office/drawing/2014/main" id="{E12DD363-B278-4028-B311-35C528C5BD6E}"/>
+              </a:ext>
+            </a:extLst>
+          </p:cNvPr>
+          <p:cNvSpPr txBox="1"/>
+          <p:nvPr/>
+        </p:nvSpPr>
+        <p:spPr>
+          <a:xfrm>
+            <a:off x="8929558" y="5877537"/>
+            <a:ext cx="1005068" cy="261610"/>
+          </a:xfrm>
+          <a:prstGeom prst="rect">
+            <a:avLst/>
+          </a:prstGeom>
+          <a:noFill/>
+        </p:spPr>
+        <p:txBody>
+          <a:bodyPr wrap="square" rtlCol="0">
+            <a:spAutoFit/>
+          </a:bodyPr>
+          <a:lstStyle/>
+          <a:p>
+            <a:pPr algn="ctr"/>
+            <a:r>
+              <a:rPr lang="pt-BR" sz="1100" dirty="0"/>
+              <a:t>IOS</a:t>
+            </a:r>
+          </a:p>
+        </p:txBody>
+      </p:sp>
+      <p:sp>
+        <p:nvSpPr>
+          <p:cNvPr id="120" name="CaixaDeTexto 119">
+            <a:extLst>
+              <a:ext uri="{FF2B5EF4-FFF2-40B4-BE49-F238E27FC236}">
+                <a16:creationId xmlns:a16="http://schemas.microsoft.com/office/drawing/2014/main" id="{493E6E1F-0E69-43E5-B36D-2B8F5592B318}"/>
+              </a:ext>
+            </a:extLst>
+          </p:cNvPr>
+          <p:cNvSpPr txBox="1"/>
+          <p:nvPr/>
+        </p:nvSpPr>
+        <p:spPr>
+          <a:xfrm>
+            <a:off x="10637668" y="4589818"/>
+            <a:ext cx="795558" cy="430887"/>
+          </a:xfrm>
+          <a:prstGeom prst="rect">
+            <a:avLst/>
+          </a:prstGeom>
+          <a:noFill/>
+        </p:spPr>
+        <p:txBody>
+          <a:bodyPr wrap="square" rtlCol="0">
+            <a:spAutoFit/>
+          </a:bodyPr>
+          <a:lstStyle/>
+          <a:p>
+            <a:pPr algn="ctr"/>
+            <a:r>
+              <a:rPr lang="pt-BR" sz="1100" dirty="0"/>
+              <a:t>Microsoft Edge</a:t>
+            </a:r>
+          </a:p>
+        </p:txBody>
+      </p:sp>
+      <p:cxnSp>
+        <p:nvCxnSpPr>
+          <p:cNvPr id="37" name="Conector de Seta Reta 60">
+            <a:extLst>
+              <a:ext uri="{FF2B5EF4-FFF2-40B4-BE49-F238E27FC236}">
+                <a16:creationId xmlns:a16="http://schemas.microsoft.com/office/drawing/2014/main" id="{CD2ED603-115E-4301-980A-7B1C90C82A9C}"/>
+              </a:ext>
+            </a:extLst>
+          </p:cNvPr>
+          <p:cNvCxnSpPr>
+            <a:cxnSpLocks/>
+          </p:cNvCxnSpPr>
+          <p:nvPr/>
+        </p:nvCxnSpPr>
+        <p:spPr>
+          <a:xfrm flipH="1" flipV="1">
+            <a:off x="4882785" y="2416314"/>
+            <a:ext cx="5064955" cy="751877"/>
+          </a:xfrm>
+          <a:prstGeom prst="straightConnector1">
+            <a:avLst/>
+          </a:prstGeom>
+          <a:ln>
+            <a:tailEnd type="triangle"/>
+          </a:ln>
+        </p:spPr>
+        <p:style>
+          <a:lnRef idx="3">
+            <a:schemeClr val="dk1"/>
+          </a:lnRef>
+          <a:fillRef idx="0">
+            <a:schemeClr val="dk1"/>
+          </a:fillRef>
+          <a:effectRef idx="2">
+            <a:schemeClr val="dk1"/>
+          </a:effectRef>
+          <a:fontRef idx="minor">
+            <a:schemeClr val="tx1"/>
+          </a:fontRef>
+        </p:style>
+      </p:cxnSp>
+      <p:cxnSp>
+        <p:nvCxnSpPr>
+          <p:cNvPr id="42" name="Conector de Seta Reta 60">
+            <a:extLst>
+              <a:ext uri="{FF2B5EF4-FFF2-40B4-BE49-F238E27FC236}">
+                <a16:creationId xmlns:a16="http://schemas.microsoft.com/office/drawing/2014/main" id="{DFB1C252-DCFC-4FB4-83ED-3A6F30A51401}"/>
+              </a:ext>
+            </a:extLst>
+          </p:cNvPr>
+          <p:cNvCxnSpPr>
+            <a:cxnSpLocks/>
+            <a:endCxn id="20" idx="3"/>
+          </p:cNvCxnSpPr>
+          <p:nvPr/>
+        </p:nvCxnSpPr>
+        <p:spPr>
+          <a:xfrm flipV="1">
+            <a:off x="5010408" y="1584390"/>
+            <a:ext cx="793769" cy="1975340"/>
+          </a:xfrm>
+          <a:prstGeom prst="straightConnector1">
+            <a:avLst/>
+          </a:prstGeom>
+          <a:ln>
+            <a:tailEnd type="triangle"/>
+          </a:ln>
+        </p:spPr>
+        <p:style>
+          <a:lnRef idx="3">
+            <a:schemeClr val="dk1"/>
+          </a:lnRef>
+          <a:fillRef idx="0">
+            <a:schemeClr val="dk1"/>
+          </a:fillRef>
+          <a:effectRef idx="2">
+            <a:schemeClr val="dk1"/>
+          </a:effectRef>
+          <a:fontRef idx="minor">
+            <a:schemeClr val="tx1"/>
+          </a:fontRef>
+        </p:style>
+      </p:cxnSp>
+      <p:cxnSp>
+        <p:nvCxnSpPr>
+          <p:cNvPr id="45" name="Conector de Seta Reta 60">
+            <a:extLst>
+              <a:ext uri="{FF2B5EF4-FFF2-40B4-BE49-F238E27FC236}">
+                <a16:creationId xmlns:a16="http://schemas.microsoft.com/office/drawing/2014/main" id="{D04B996B-5D5A-4BB0-99A7-B8A2437CD088}"/>
+              </a:ext>
+            </a:extLst>
+          </p:cNvPr>
+          <p:cNvCxnSpPr>
+            <a:cxnSpLocks/>
+          </p:cNvCxnSpPr>
+          <p:nvPr/>
+        </p:nvCxnSpPr>
+        <p:spPr>
+          <a:xfrm flipV="1">
+            <a:off x="5060202" y="2348934"/>
+            <a:ext cx="1919947" cy="1368688"/>
+          </a:xfrm>
+          <a:prstGeom prst="straightConnector1">
+            <a:avLst/>
+          </a:prstGeom>
+          <a:ln>
+            <a:tailEnd type="triangle"/>
+          </a:ln>
+        </p:spPr>
+        <p:style>
+          <a:lnRef idx="3">
+            <a:schemeClr val="dk1"/>
+          </a:lnRef>
+          <a:fillRef idx="0">
+            <a:schemeClr val="dk1"/>
+          </a:fillRef>
+          <a:effectRef idx="2">
+            <a:schemeClr val="dk1"/>
+          </a:effectRef>
+          <a:fontRef idx="minor">
+            <a:schemeClr val="tx1"/>
+          </a:fontRef>
+        </p:style>
+      </p:cxnSp>
+      <p:cxnSp>
+        <p:nvCxnSpPr>
+          <p:cNvPr id="47" name="Conector de Seta Reta 60">
+            <a:extLst>
+              <a:ext uri="{FF2B5EF4-FFF2-40B4-BE49-F238E27FC236}">
+                <a16:creationId xmlns:a16="http://schemas.microsoft.com/office/drawing/2014/main" id="{F5B7B0E8-06FF-4CA0-8AF7-21CA7671D8F6}"/>
+              </a:ext>
+            </a:extLst>
+          </p:cNvPr>
+          <p:cNvCxnSpPr>
+            <a:cxnSpLocks/>
+          </p:cNvCxnSpPr>
+          <p:nvPr/>
+        </p:nvCxnSpPr>
+        <p:spPr>
+          <a:xfrm flipH="1" flipV="1">
+            <a:off x="4018568" y="2835867"/>
+            <a:ext cx="210739" cy="684723"/>
+          </a:xfrm>
+          <a:prstGeom prst="straightConnector1">
+            <a:avLst/>
+          </a:prstGeom>
+          <a:ln>
+            <a:tailEnd type="triangle"/>
+          </a:ln>
+        </p:spPr>
+        <p:style>
+          <a:lnRef idx="3">
+            <a:schemeClr val="dk1"/>
+          </a:lnRef>
+          <a:fillRef idx="0">
+            <a:schemeClr val="dk1"/>
+          </a:fillRef>
+          <a:effectRef idx="2">
+            <a:schemeClr val="dk1"/>
+          </a:effectRef>
+          <a:fontRef idx="minor">
+            <a:schemeClr val="tx1"/>
+          </a:fontRef>
+        </p:style>
+      </p:cxnSp>
+      <p:cxnSp>
+        <p:nvCxnSpPr>
+          <p:cNvPr id="52" name="Conector de Seta Reta 60">
+            <a:extLst>
+              <a:ext uri="{FF2B5EF4-FFF2-40B4-BE49-F238E27FC236}">
+                <a16:creationId xmlns:a16="http://schemas.microsoft.com/office/drawing/2014/main" id="{1DE22664-5C75-458A-AC9F-6FE4ED8C685A}"/>
+              </a:ext>
+            </a:extLst>
+          </p:cNvPr>
+          <p:cNvCxnSpPr>
+            <a:cxnSpLocks/>
+          </p:cNvCxnSpPr>
+          <p:nvPr/>
+        </p:nvCxnSpPr>
+        <p:spPr>
+          <a:xfrm flipH="1" flipV="1">
+            <a:off x="6096000" y="1594091"/>
+            <a:ext cx="1018278" cy="2171666"/>
+          </a:xfrm>
+          <a:prstGeom prst="straightConnector1">
+            <a:avLst/>
+          </a:prstGeom>
+          <a:ln>
+            <a:tailEnd type="triangle"/>
+          </a:ln>
+        </p:spPr>
+        <p:style>
+          <a:lnRef idx="3">
+            <a:schemeClr val="dk1"/>
+          </a:lnRef>
+          <a:fillRef idx="0">
+            <a:schemeClr val="dk1"/>
+          </a:fillRef>
+          <a:effectRef idx="2">
+            <a:schemeClr val="dk1"/>
+          </a:effectRef>
+          <a:fontRef idx="minor">
+            <a:schemeClr val="tx1"/>
+          </a:fontRef>
+        </p:style>
+      </p:cxnSp>
+    </p:spTree>
+    <p:extLst>
+      <p:ext uri="{BB962C8B-B14F-4D97-AF65-F5344CB8AC3E}">
+        <p14:creationId xmlns:p14="http://schemas.microsoft.com/office/powerpoint/2010/main" val="4247501309"/>
+      </p:ext>
+    </p:extLst>
+  </p:cSld>
+  <p:clrMapOvr>
+    <a:masterClrMapping/>
+  </p:clrMapOvr>
+</p:sld>
+</file>
+
 <file path=ppt/theme/theme1.xml><?xml version="1.0" encoding="utf-8"?>
 <a:theme xmlns:a="http://schemas.openxmlformats.org/drawingml/2006/main" name="Tema do Office">
   <a:themeElements>

--- a/Análise do sistema/LLD/LLD.pptx
+++ b/Análise do sistema/LLD/LLD.pptx
@@ -5,8 +5,7 @@
     <p:sldMasterId id="2147483648" r:id="rId1"/>
   </p:sldMasterIdLst>
   <p:sldIdLst>
-    <p:sldId id="261" r:id="rId2"/>
-    <p:sldId id="262" r:id="rId3"/>
+    <p:sldId id="263" r:id="rId2"/>
   </p:sldIdLst>
   <p:sldSz cx="12192000" cy="6858000"/>
   <p:notesSz cx="6858000" cy="9144000"/>
@@ -268,7 +267,7 @@
           <a:p>
             <a:fld id="{9124C99E-1E2C-46C7-9544-CFE55FE760E5}" type="datetimeFigureOut">
               <a:rPr lang="pt-BR" smtClean="0"/>
-              <a:t>12/11/2020</a:t>
+              <a:t>13/11/2020</a:t>
             </a:fld>
             <a:endParaRPr lang="pt-BR"/>
           </a:p>
@@ -322,7 +321,7 @@
           <a:p>
             <a:fld id="{C2EDBEC5-4D46-4D4C-AB80-816C94D07B20}" type="slidenum">
               <a:rPr lang="pt-BR" smtClean="0"/>
-              <a:t>‹nº›</a:t>
+              <a:t>‹#›</a:t>
             </a:fld>
             <a:endParaRPr lang="pt-BR"/>
           </a:p>
@@ -466,7 +465,7 @@
           <a:p>
             <a:fld id="{9124C99E-1E2C-46C7-9544-CFE55FE760E5}" type="datetimeFigureOut">
               <a:rPr lang="pt-BR" smtClean="0"/>
-              <a:t>12/11/2020</a:t>
+              <a:t>13/11/2020</a:t>
             </a:fld>
             <a:endParaRPr lang="pt-BR"/>
           </a:p>
@@ -520,7 +519,7 @@
           <a:p>
             <a:fld id="{C2EDBEC5-4D46-4D4C-AB80-816C94D07B20}" type="slidenum">
               <a:rPr lang="pt-BR" smtClean="0"/>
-              <a:t>‹nº›</a:t>
+              <a:t>‹#›</a:t>
             </a:fld>
             <a:endParaRPr lang="pt-BR"/>
           </a:p>
@@ -674,7 +673,7 @@
           <a:p>
             <a:fld id="{9124C99E-1E2C-46C7-9544-CFE55FE760E5}" type="datetimeFigureOut">
               <a:rPr lang="pt-BR" smtClean="0"/>
-              <a:t>12/11/2020</a:t>
+              <a:t>13/11/2020</a:t>
             </a:fld>
             <a:endParaRPr lang="pt-BR"/>
           </a:p>
@@ -728,7 +727,7 @@
           <a:p>
             <a:fld id="{C2EDBEC5-4D46-4D4C-AB80-816C94D07B20}" type="slidenum">
               <a:rPr lang="pt-BR" smtClean="0"/>
-              <a:t>‹nº›</a:t>
+              <a:t>‹#›</a:t>
             </a:fld>
             <a:endParaRPr lang="pt-BR"/>
           </a:p>
@@ -872,7 +871,7 @@
           <a:p>
             <a:fld id="{9124C99E-1E2C-46C7-9544-CFE55FE760E5}" type="datetimeFigureOut">
               <a:rPr lang="pt-BR" smtClean="0"/>
-              <a:t>12/11/2020</a:t>
+              <a:t>13/11/2020</a:t>
             </a:fld>
             <a:endParaRPr lang="pt-BR"/>
           </a:p>
@@ -926,7 +925,7 @@
           <a:p>
             <a:fld id="{C2EDBEC5-4D46-4D4C-AB80-816C94D07B20}" type="slidenum">
               <a:rPr lang="pt-BR" smtClean="0"/>
-              <a:t>‹nº›</a:t>
+              <a:t>‹#›</a:t>
             </a:fld>
             <a:endParaRPr lang="pt-BR"/>
           </a:p>
@@ -1147,7 +1146,7 @@
           <a:p>
             <a:fld id="{9124C99E-1E2C-46C7-9544-CFE55FE760E5}" type="datetimeFigureOut">
               <a:rPr lang="pt-BR" smtClean="0"/>
-              <a:t>12/11/2020</a:t>
+              <a:t>13/11/2020</a:t>
             </a:fld>
             <a:endParaRPr lang="pt-BR"/>
           </a:p>
@@ -1201,7 +1200,7 @@
           <a:p>
             <a:fld id="{C2EDBEC5-4D46-4D4C-AB80-816C94D07B20}" type="slidenum">
               <a:rPr lang="pt-BR" smtClean="0"/>
-              <a:t>‹nº›</a:t>
+              <a:t>‹#›</a:t>
             </a:fld>
             <a:endParaRPr lang="pt-BR"/>
           </a:p>
@@ -1412,7 +1411,7 @@
           <a:p>
             <a:fld id="{9124C99E-1E2C-46C7-9544-CFE55FE760E5}" type="datetimeFigureOut">
               <a:rPr lang="pt-BR" smtClean="0"/>
-              <a:t>12/11/2020</a:t>
+              <a:t>13/11/2020</a:t>
             </a:fld>
             <a:endParaRPr lang="pt-BR"/>
           </a:p>
@@ -1466,7 +1465,7 @@
           <a:p>
             <a:fld id="{C2EDBEC5-4D46-4D4C-AB80-816C94D07B20}" type="slidenum">
               <a:rPr lang="pt-BR" smtClean="0"/>
-              <a:t>‹nº›</a:t>
+              <a:t>‹#›</a:t>
             </a:fld>
             <a:endParaRPr lang="pt-BR"/>
           </a:p>
@@ -1824,7 +1823,7 @@
           <a:p>
             <a:fld id="{9124C99E-1E2C-46C7-9544-CFE55FE760E5}" type="datetimeFigureOut">
               <a:rPr lang="pt-BR" smtClean="0"/>
-              <a:t>12/11/2020</a:t>
+              <a:t>13/11/2020</a:t>
             </a:fld>
             <a:endParaRPr lang="pt-BR"/>
           </a:p>
@@ -1878,7 +1877,7 @@
           <a:p>
             <a:fld id="{C2EDBEC5-4D46-4D4C-AB80-816C94D07B20}" type="slidenum">
               <a:rPr lang="pt-BR" smtClean="0"/>
-              <a:t>‹nº›</a:t>
+              <a:t>‹#›</a:t>
             </a:fld>
             <a:endParaRPr lang="pt-BR"/>
           </a:p>
@@ -1965,7 +1964,7 @@
           <a:p>
             <a:fld id="{9124C99E-1E2C-46C7-9544-CFE55FE760E5}" type="datetimeFigureOut">
               <a:rPr lang="pt-BR" smtClean="0"/>
-              <a:t>12/11/2020</a:t>
+              <a:t>13/11/2020</a:t>
             </a:fld>
             <a:endParaRPr lang="pt-BR"/>
           </a:p>
@@ -2019,7 +2018,7 @@
           <a:p>
             <a:fld id="{C2EDBEC5-4D46-4D4C-AB80-816C94D07B20}" type="slidenum">
               <a:rPr lang="pt-BR" smtClean="0"/>
-              <a:t>‹nº›</a:t>
+              <a:t>‹#›</a:t>
             </a:fld>
             <a:endParaRPr lang="pt-BR"/>
           </a:p>
@@ -2078,7 +2077,7 @@
           <a:p>
             <a:fld id="{9124C99E-1E2C-46C7-9544-CFE55FE760E5}" type="datetimeFigureOut">
               <a:rPr lang="pt-BR" smtClean="0"/>
-              <a:t>12/11/2020</a:t>
+              <a:t>13/11/2020</a:t>
             </a:fld>
             <a:endParaRPr lang="pt-BR"/>
           </a:p>
@@ -2132,7 +2131,7 @@
           <a:p>
             <a:fld id="{C2EDBEC5-4D46-4D4C-AB80-816C94D07B20}" type="slidenum">
               <a:rPr lang="pt-BR" smtClean="0"/>
-              <a:t>‹nº›</a:t>
+              <a:t>‹#›</a:t>
             </a:fld>
             <a:endParaRPr lang="pt-BR"/>
           </a:p>
@@ -2389,7 +2388,7 @@
           <a:p>
             <a:fld id="{9124C99E-1E2C-46C7-9544-CFE55FE760E5}" type="datetimeFigureOut">
               <a:rPr lang="pt-BR" smtClean="0"/>
-              <a:t>12/11/2020</a:t>
+              <a:t>13/11/2020</a:t>
             </a:fld>
             <a:endParaRPr lang="pt-BR"/>
           </a:p>
@@ -2443,7 +2442,7 @@
           <a:p>
             <a:fld id="{C2EDBEC5-4D46-4D4C-AB80-816C94D07B20}" type="slidenum">
               <a:rPr lang="pt-BR" smtClean="0"/>
-              <a:t>‹nº›</a:t>
+              <a:t>‹#›</a:t>
             </a:fld>
             <a:endParaRPr lang="pt-BR"/>
           </a:p>
@@ -2677,7 +2676,7 @@
           <a:p>
             <a:fld id="{9124C99E-1E2C-46C7-9544-CFE55FE760E5}" type="datetimeFigureOut">
               <a:rPr lang="pt-BR" smtClean="0"/>
-              <a:t>12/11/2020</a:t>
+              <a:t>13/11/2020</a:t>
             </a:fld>
             <a:endParaRPr lang="pt-BR"/>
           </a:p>
@@ -2731,7 +2730,7 @@
           <a:p>
             <a:fld id="{C2EDBEC5-4D46-4D4C-AB80-816C94D07B20}" type="slidenum">
               <a:rPr lang="pt-BR" smtClean="0"/>
-              <a:t>‹nº›</a:t>
+              <a:t>‹#›</a:t>
             </a:fld>
             <a:endParaRPr lang="pt-BR"/>
           </a:p>
@@ -2918,7 +2917,7 @@
           <a:p>
             <a:fld id="{9124C99E-1E2C-46C7-9544-CFE55FE760E5}" type="datetimeFigureOut">
               <a:rPr lang="pt-BR" smtClean="0"/>
-              <a:t>12/11/2020</a:t>
+              <a:t>13/11/2020</a:t>
             </a:fld>
             <a:endParaRPr lang="pt-BR"/>
           </a:p>
@@ -3008,7 +3007,7 @@
           <a:p>
             <a:fld id="{C2EDBEC5-4D46-4D4C-AB80-816C94D07B20}" type="slidenum">
               <a:rPr lang="pt-BR" smtClean="0"/>
-              <a:t>‹nº›</a:t>
+              <a:t>‹#›</a:t>
             </a:fld>
             <a:endParaRPr lang="pt-BR"/>
           </a:p>
@@ -3337,10 +3336,10 @@
       </p:grpSpPr>
       <p:sp>
         <p:nvSpPr>
-          <p:cNvPr id="93" name="Nuvem 65">
-            <a:extLst>
-              <a:ext uri="{FF2B5EF4-FFF2-40B4-BE49-F238E27FC236}">
-                <a16:creationId xmlns:a16="http://schemas.microsoft.com/office/drawing/2014/main" id="{08D52291-CF3F-48FF-9288-9AADF4C09980}"/>
+          <p:cNvPr id="139" name="Nuvem 65">
+            <a:extLst>
+              <a:ext uri="{FF2B5EF4-FFF2-40B4-BE49-F238E27FC236}">
+                <a16:creationId xmlns:a16="http://schemas.microsoft.com/office/drawing/2014/main" id="{765DC3A0-C795-4DE4-B00E-E29F5E986958}"/>
               </a:ext>
             </a:extLst>
           </p:cNvPr>
@@ -3349,8 +3348,8 @@
         </p:nvSpPr>
         <p:spPr>
           <a:xfrm rot="11256504">
-            <a:off x="9894229" y="1252985"/>
-            <a:ext cx="2254156" cy="2377509"/>
+            <a:off x="5439039" y="39005"/>
+            <a:ext cx="1220440" cy="1227031"/>
           </a:xfrm>
           <a:prstGeom prst="cloud">
             <a:avLst/>
@@ -3387,6 +3386,56 @@
       </p:sp>
       <p:sp>
         <p:nvSpPr>
+          <p:cNvPr id="138" name="Nuvem 65">
+            <a:extLst>
+              <a:ext uri="{FF2B5EF4-FFF2-40B4-BE49-F238E27FC236}">
+                <a16:creationId xmlns:a16="http://schemas.microsoft.com/office/drawing/2014/main" id="{A7DF96B7-DAB1-4245-813B-8B475EC355EE}"/>
+              </a:ext>
+            </a:extLst>
+          </p:cNvPr>
+          <p:cNvSpPr/>
+          <p:nvPr/>
+        </p:nvSpPr>
+        <p:spPr>
+          <a:xfrm rot="11256504">
+            <a:off x="4905776" y="2839498"/>
+            <a:ext cx="2270453" cy="1634643"/>
+          </a:xfrm>
+          <a:prstGeom prst="cloud">
+            <a:avLst/>
+          </a:prstGeom>
+          <a:solidFill>
+            <a:schemeClr val="accent5">
+              <a:lumMod val="20000"/>
+              <a:lumOff val="80000"/>
+            </a:schemeClr>
+          </a:solidFill>
+        </p:spPr>
+        <p:style>
+          <a:lnRef idx="1">
+            <a:schemeClr val="accent5"/>
+          </a:lnRef>
+          <a:fillRef idx="2">
+            <a:schemeClr val="accent5"/>
+          </a:fillRef>
+          <a:effectRef idx="1">
+            <a:schemeClr val="accent5"/>
+          </a:effectRef>
+          <a:fontRef idx="minor">
+            <a:schemeClr val="dk1"/>
+          </a:fontRef>
+        </p:style>
+        <p:txBody>
+          <a:bodyPr rtlCol="0" anchor="ctr"/>
+          <a:lstStyle/>
+          <a:p>
+            <a:pPr algn="ctr"/>
+            <a:endParaRPr lang="pt-BR"/>
+          </a:p>
+        </p:txBody>
+      </p:sp>
+      <p:sp>
+        <p:nvSpPr>
           <p:cNvPr id="107" name="Retângulo 106">
             <a:extLst>
               <a:ext uri="{FF2B5EF4-FFF2-40B4-BE49-F238E27FC236}">
@@ -3399,8 +3448,8 @@
         </p:nvSpPr>
         <p:spPr>
           <a:xfrm>
-            <a:off x="10344318" y="2159773"/>
-            <a:ext cx="1358750" cy="1180302"/>
+            <a:off x="5291414" y="3589507"/>
+            <a:ext cx="1421305" cy="654553"/>
           </a:xfrm>
           <a:prstGeom prst="rect">
             <a:avLst/>
@@ -3442,10 +3491,10 @@
       </p:sp>
       <p:sp>
         <p:nvSpPr>
-          <p:cNvPr id="20" name="Nuvem 65">
-            <a:extLst>
-              <a:ext uri="{FF2B5EF4-FFF2-40B4-BE49-F238E27FC236}">
-                <a16:creationId xmlns:a16="http://schemas.microsoft.com/office/drawing/2014/main" id="{08D52291-CF3F-48FF-9288-9AADF4C09980}"/>
+          <p:cNvPr id="66" name="Nuvem 65">
+            <a:extLst>
+              <a:ext uri="{FF2B5EF4-FFF2-40B4-BE49-F238E27FC236}">
+                <a16:creationId xmlns:a16="http://schemas.microsoft.com/office/drawing/2014/main" id="{C75E96A7-432B-4D75-A941-A10D267ED158}"/>
               </a:ext>
             </a:extLst>
           </p:cNvPr>
@@ -3454,8 +3503,8 @@
         </p:nvSpPr>
         <p:spPr>
           <a:xfrm rot="11256504">
-            <a:off x="5140035" y="229697"/>
-            <a:ext cx="1497471" cy="1442812"/>
+            <a:off x="4922021" y="1331160"/>
+            <a:ext cx="2221953" cy="1441372"/>
           </a:xfrm>
           <a:prstGeom prst="cloud">
             <a:avLst/>
@@ -3492,10 +3541,10 @@
       </p:sp>
       <p:sp>
         <p:nvSpPr>
-          <p:cNvPr id="5" name="Retângulo 4">
-            <a:extLst>
-              <a:ext uri="{FF2B5EF4-FFF2-40B4-BE49-F238E27FC236}">
-                <a16:creationId xmlns:a16="http://schemas.microsoft.com/office/drawing/2014/main" id="{C13C096A-7414-4419-807A-C2068EAEE71D}"/>
+          <p:cNvPr id="33" name="Retângulo 32">
+            <a:extLst>
+              <a:ext uri="{FF2B5EF4-FFF2-40B4-BE49-F238E27FC236}">
+                <a16:creationId xmlns:a16="http://schemas.microsoft.com/office/drawing/2014/main" id="{60CACDFA-9B28-4334-A246-8BD0F6F09A61}"/>
               </a:ext>
             </a:extLst>
           </p:cNvPr>
@@ -3504,17 +3553,21 @@
         </p:nvSpPr>
         <p:spPr>
           <a:xfrm>
-            <a:off x="209767" y="3524610"/>
-            <a:ext cx="4869010" cy="3214527"/>
+            <a:off x="5632542" y="1914619"/>
+            <a:ext cx="754230" cy="713828"/>
           </a:xfrm>
           <a:prstGeom prst="rect">
             <a:avLst/>
           </a:prstGeom>
           <a:solidFill>
-            <a:schemeClr val="bg1">
-              <a:lumMod val="95000"/>
+            <a:schemeClr val="accent5">
+              <a:lumMod val="40000"/>
+              <a:lumOff val="60000"/>
             </a:schemeClr>
           </a:solidFill>
+          <a:effectLst>
+            <a:softEdge rad="31750"/>
+          </a:effectLst>
         </p:spPr>
         <p:style>
           <a:lnRef idx="2">
@@ -3543,10 +3596,10 @@
       </p:sp>
       <p:sp>
         <p:nvSpPr>
-          <p:cNvPr id="91" name="Retângulo: Único Canto Recortado 90">
-            <a:extLst>
-              <a:ext uri="{FF2B5EF4-FFF2-40B4-BE49-F238E27FC236}">
-                <a16:creationId xmlns:a16="http://schemas.microsoft.com/office/drawing/2014/main" id="{397F0654-A91A-4F2E-B6A6-2236EE14A546}"/>
+          <p:cNvPr id="13" name="Nuvem 12">
+            <a:extLst>
+              <a:ext uri="{FF2B5EF4-FFF2-40B4-BE49-F238E27FC236}">
+                <a16:creationId xmlns:a16="http://schemas.microsoft.com/office/drawing/2014/main" id="{11CE70A0-4E09-489F-A8B5-2FF904DDF62B}"/>
               </a:ext>
             </a:extLst>
           </p:cNvPr>
@@ -3554,19 +3607,72 @@
           <p:nvPr/>
         </p:nvSpPr>
         <p:spPr>
-          <a:xfrm>
-            <a:off x="2511272" y="4362226"/>
-            <a:ext cx="1625416" cy="1069261"/>
-          </a:xfrm>
-          <a:prstGeom prst="snip1Rect">
+          <a:xfrm rot="11256504">
+            <a:off x="3899351" y="4541967"/>
+            <a:ext cx="4145447" cy="2256289"/>
+          </a:xfrm>
+          <a:prstGeom prst="cloud">
             <a:avLst/>
           </a:prstGeom>
           <a:solidFill>
-            <a:schemeClr val="accent1">
-              <a:lumMod val="60000"/>
-              <a:lumOff val="40000"/>
+            <a:schemeClr val="accent5">
+              <a:lumMod val="20000"/>
+              <a:lumOff val="80000"/>
             </a:schemeClr>
           </a:solidFill>
+        </p:spPr>
+        <p:style>
+          <a:lnRef idx="1">
+            <a:schemeClr val="accent5"/>
+          </a:lnRef>
+          <a:fillRef idx="2">
+            <a:schemeClr val="accent5"/>
+          </a:fillRef>
+          <a:effectRef idx="1">
+            <a:schemeClr val="accent5"/>
+          </a:effectRef>
+          <a:fontRef idx="minor">
+            <a:schemeClr val="dk1"/>
+          </a:fontRef>
+        </p:style>
+        <p:txBody>
+          <a:bodyPr rtlCol="0" anchor="ctr"/>
+          <a:lstStyle/>
+          <a:p>
+            <a:pPr algn="ctr"/>
+            <a:endParaRPr lang="pt-BR"/>
+          </a:p>
+        </p:txBody>
+      </p:sp>
+      <p:sp>
+        <p:nvSpPr>
+          <p:cNvPr id="31" name="Retângulo 30">
+            <a:extLst>
+              <a:ext uri="{FF2B5EF4-FFF2-40B4-BE49-F238E27FC236}">
+                <a16:creationId xmlns:a16="http://schemas.microsoft.com/office/drawing/2014/main" id="{1DFD4028-EF29-4EC8-9538-927953410589}"/>
+              </a:ext>
+            </a:extLst>
+          </p:cNvPr>
+          <p:cNvSpPr/>
+          <p:nvPr/>
+        </p:nvSpPr>
+        <p:spPr>
+          <a:xfrm>
+            <a:off x="4406365" y="5252742"/>
+            <a:ext cx="1064495" cy="1268513"/>
+          </a:xfrm>
+          <a:prstGeom prst="rect">
+            <a:avLst/>
+          </a:prstGeom>
+          <a:solidFill>
+            <a:schemeClr val="accent5">
+              <a:lumMod val="40000"/>
+              <a:lumOff val="60000"/>
+            </a:schemeClr>
+          </a:solidFill>
+          <a:effectLst>
+            <a:softEdge rad="31750"/>
+          </a:effectLst>
         </p:spPr>
         <p:style>
           <a:lnRef idx="2">
@@ -3595,10 +3701,10 @@
       </p:sp>
       <p:sp>
         <p:nvSpPr>
-          <p:cNvPr id="66" name="Nuvem 65">
-            <a:extLst>
-              <a:ext uri="{FF2B5EF4-FFF2-40B4-BE49-F238E27FC236}">
-                <a16:creationId xmlns:a16="http://schemas.microsoft.com/office/drawing/2014/main" id="{C75E96A7-432B-4D75-A941-A10D267ED158}"/>
+          <p:cNvPr id="30" name="Retângulo 29">
+            <a:extLst>
+              <a:ext uri="{FF2B5EF4-FFF2-40B4-BE49-F238E27FC236}">
+                <a16:creationId xmlns:a16="http://schemas.microsoft.com/office/drawing/2014/main" id="{05D32B25-385C-4D1C-A7C9-56E0DD46888A}"/>
               </a:ext>
             </a:extLst>
           </p:cNvPr>
@@ -3606,59 +3712,9 @@
           <p:nvPr/>
         </p:nvSpPr>
         <p:spPr>
-          <a:xfrm rot="11256504">
-            <a:off x="6683463" y="566796"/>
-            <a:ext cx="3107092" cy="2249662"/>
-          </a:xfrm>
-          <a:prstGeom prst="cloud">
-            <a:avLst/>
-          </a:prstGeom>
-          <a:solidFill>
-            <a:schemeClr val="accent5">
-              <a:lumMod val="20000"/>
-              <a:lumOff val="80000"/>
-            </a:schemeClr>
-          </a:solidFill>
-        </p:spPr>
-        <p:style>
-          <a:lnRef idx="1">
-            <a:schemeClr val="accent5"/>
-          </a:lnRef>
-          <a:fillRef idx="2">
-            <a:schemeClr val="accent5"/>
-          </a:fillRef>
-          <a:effectRef idx="1">
-            <a:schemeClr val="accent5"/>
-          </a:effectRef>
-          <a:fontRef idx="minor">
-            <a:schemeClr val="dk1"/>
-          </a:fontRef>
-        </p:style>
-        <p:txBody>
-          <a:bodyPr rtlCol="0" anchor="ctr"/>
-          <a:lstStyle/>
-          <a:p>
-            <a:pPr algn="ctr"/>
-            <a:endParaRPr lang="pt-BR"/>
-          </a:p>
-        </p:txBody>
-      </p:sp>
-      <p:sp>
-        <p:nvSpPr>
-          <p:cNvPr id="33" name="Retângulo 32">
-            <a:extLst>
-              <a:ext uri="{FF2B5EF4-FFF2-40B4-BE49-F238E27FC236}">
-                <a16:creationId xmlns:a16="http://schemas.microsoft.com/office/drawing/2014/main" id="{60CACDFA-9B28-4334-A246-8BD0F6F09A61}"/>
-              </a:ext>
-            </a:extLst>
-          </p:cNvPr>
-          <p:cNvSpPr/>
-          <p:nvPr/>
-        </p:nvSpPr>
-        <p:spPr>
-          <a:xfrm>
-            <a:off x="7735542" y="1532300"/>
-            <a:ext cx="979329" cy="884828"/>
+          <a:xfrm>
+            <a:off x="5702210" y="5226018"/>
+            <a:ext cx="1814395" cy="1295237"/>
           </a:xfrm>
           <a:prstGeom prst="rect">
             <a:avLst/>
@@ -3700,10 +3756,10 @@
       </p:sp>
       <p:sp>
         <p:nvSpPr>
-          <p:cNvPr id="13" name="Nuvem 12">
-            <a:extLst>
-              <a:ext uri="{FF2B5EF4-FFF2-40B4-BE49-F238E27FC236}">
-                <a16:creationId xmlns:a16="http://schemas.microsoft.com/office/drawing/2014/main" id="{11CE70A0-4E09-489F-A8B5-2FF904DDF62B}"/>
+          <p:cNvPr id="15" name="Retângulo 14">
+            <a:extLst>
+              <a:ext uri="{FF2B5EF4-FFF2-40B4-BE49-F238E27FC236}">
+                <a16:creationId xmlns:a16="http://schemas.microsoft.com/office/drawing/2014/main" id="{E4AFB33D-FD87-433F-B41A-A60714A7325C}"/>
               </a:ext>
             </a:extLst>
           </p:cNvPr>
@@ -3711,72 +3767,18 @@
           <p:nvPr/>
         </p:nvSpPr>
         <p:spPr>
-          <a:xfrm rot="11256504">
-            <a:off x="388569" y="174476"/>
-            <a:ext cx="4684710" cy="3012397"/>
-          </a:xfrm>
-          <a:prstGeom prst="cloud">
+          <a:xfrm>
+            <a:off x="7457775" y="1503464"/>
+            <a:ext cx="4678691" cy="3035809"/>
+          </a:xfrm>
+          <a:prstGeom prst="rect">
             <a:avLst/>
           </a:prstGeom>
           <a:solidFill>
-            <a:schemeClr val="accent5">
-              <a:lumMod val="20000"/>
-              <a:lumOff val="80000"/>
+            <a:schemeClr val="bg1">
+              <a:lumMod val="95000"/>
             </a:schemeClr>
           </a:solidFill>
-        </p:spPr>
-        <p:style>
-          <a:lnRef idx="1">
-            <a:schemeClr val="accent5"/>
-          </a:lnRef>
-          <a:fillRef idx="2">
-            <a:schemeClr val="accent5"/>
-          </a:fillRef>
-          <a:effectRef idx="1">
-            <a:schemeClr val="accent5"/>
-          </a:effectRef>
-          <a:fontRef idx="minor">
-            <a:schemeClr val="dk1"/>
-          </a:fontRef>
-        </p:style>
-        <p:txBody>
-          <a:bodyPr rtlCol="0" anchor="ctr"/>
-          <a:lstStyle/>
-          <a:p>
-            <a:pPr algn="ctr"/>
-            <a:endParaRPr lang="pt-BR"/>
-          </a:p>
-        </p:txBody>
-      </p:sp>
-      <p:sp>
-        <p:nvSpPr>
-          <p:cNvPr id="31" name="Retângulo 30">
-            <a:extLst>
-              <a:ext uri="{FF2B5EF4-FFF2-40B4-BE49-F238E27FC236}">
-                <a16:creationId xmlns:a16="http://schemas.microsoft.com/office/drawing/2014/main" id="{1DFD4028-EF29-4EC8-9538-927953410589}"/>
-              </a:ext>
-            </a:extLst>
-          </p:cNvPr>
-          <p:cNvSpPr/>
-          <p:nvPr/>
-        </p:nvSpPr>
-        <p:spPr>
-          <a:xfrm>
-            <a:off x="1040311" y="1078309"/>
-            <a:ext cx="1493618" cy="1452353"/>
-          </a:xfrm>
-          <a:prstGeom prst="rect">
-            <a:avLst/>
-          </a:prstGeom>
-          <a:solidFill>
-            <a:schemeClr val="accent5">
-              <a:lumMod val="40000"/>
-              <a:lumOff val="60000"/>
-            </a:schemeClr>
-          </a:solidFill>
-          <a:effectLst>
-            <a:softEdge rad="31750"/>
-          </a:effectLst>
         </p:spPr>
         <p:style>
           <a:lnRef idx="2">
@@ -3805,116 +3807,82 @@
       </p:sp>
       <p:sp>
         <p:nvSpPr>
-          <p:cNvPr id="30" name="Retângulo 29">
-            <a:extLst>
-              <a:ext uri="{FF2B5EF4-FFF2-40B4-BE49-F238E27FC236}">
-                <a16:creationId xmlns:a16="http://schemas.microsoft.com/office/drawing/2014/main" id="{05D32B25-385C-4D1C-A7C9-56E0DD46888A}"/>
-              </a:ext>
-            </a:extLst>
-          </p:cNvPr>
-          <p:cNvSpPr/>
-          <p:nvPr/>
-        </p:nvSpPr>
-        <p:spPr>
-          <a:xfrm>
-            <a:off x="2859869" y="1078309"/>
-            <a:ext cx="1679632" cy="1502643"/>
+          <p:cNvPr id="34" name="CaixaDeTexto 33">
+            <a:extLst>
+              <a:ext uri="{FF2B5EF4-FFF2-40B4-BE49-F238E27FC236}">
+                <a16:creationId xmlns:a16="http://schemas.microsoft.com/office/drawing/2014/main" id="{B7B92D03-8C90-4E4F-981A-03A7CCFFE895}"/>
+              </a:ext>
+            </a:extLst>
+          </p:cNvPr>
+          <p:cNvSpPr txBox="1"/>
+          <p:nvPr/>
+        </p:nvSpPr>
+        <p:spPr>
+          <a:xfrm>
+            <a:off x="8568359" y="1554973"/>
+            <a:ext cx="2416570" cy="369332"/>
           </a:xfrm>
           <a:prstGeom prst="rect">
             <a:avLst/>
           </a:prstGeom>
-          <a:solidFill>
-            <a:schemeClr val="accent5">
-              <a:lumMod val="40000"/>
-              <a:lumOff val="60000"/>
-            </a:schemeClr>
-          </a:solidFill>
-          <a:effectLst>
-            <a:softEdge rad="31750"/>
-          </a:effectLst>
-        </p:spPr>
-        <p:style>
-          <a:lnRef idx="2">
-            <a:schemeClr val="accent1">
-              <a:shade val="50000"/>
-            </a:schemeClr>
-          </a:lnRef>
-          <a:fillRef idx="1">
-            <a:schemeClr val="accent1"/>
-          </a:fillRef>
-          <a:effectRef idx="0">
-            <a:schemeClr val="accent1"/>
-          </a:effectRef>
-          <a:fontRef idx="minor">
-            <a:schemeClr val="lt1"/>
-          </a:fontRef>
-        </p:style>
-        <p:txBody>
-          <a:bodyPr rtlCol="0" anchor="ctr"/>
+          <a:noFill/>
+        </p:spPr>
+        <p:txBody>
+          <a:bodyPr wrap="square" rtlCol="0">
+            <a:spAutoFit/>
+          </a:bodyPr>
           <a:lstStyle/>
           <a:p>
             <a:pPr algn="ctr"/>
-            <a:endParaRPr lang="pt-BR"/>
-          </a:p>
-        </p:txBody>
-      </p:sp>
-      <p:sp>
-        <p:nvSpPr>
-          <p:cNvPr id="15" name="Retângulo 14">
-            <a:extLst>
-              <a:ext uri="{FF2B5EF4-FFF2-40B4-BE49-F238E27FC236}">
-                <a16:creationId xmlns:a16="http://schemas.microsoft.com/office/drawing/2014/main" id="{E4AFB33D-FD87-433F-B41A-A60714A7325C}"/>
-              </a:ext>
-            </a:extLst>
-          </p:cNvPr>
-          <p:cNvSpPr/>
-          <p:nvPr/>
-        </p:nvSpPr>
-        <p:spPr>
-          <a:xfrm>
-            <a:off x="7113223" y="3703328"/>
-            <a:ext cx="4969920" cy="3035809"/>
+            <a:r>
+              <a:rPr lang="pt-BR" dirty="0"/>
+              <a:t>Camada do Usuário</a:t>
+            </a:r>
+          </a:p>
+        </p:txBody>
+      </p:sp>
+      <p:sp>
+        <p:nvSpPr>
+          <p:cNvPr id="36" name="CaixaDeTexto 35">
+            <a:extLst>
+              <a:ext uri="{FF2B5EF4-FFF2-40B4-BE49-F238E27FC236}">
+                <a16:creationId xmlns:a16="http://schemas.microsoft.com/office/drawing/2014/main" id="{D255E0C9-0ABC-43A4-AD49-BA2B33ACB6D9}"/>
+              </a:ext>
+            </a:extLst>
+          </p:cNvPr>
+          <p:cNvSpPr txBox="1"/>
+          <p:nvPr/>
+        </p:nvSpPr>
+        <p:spPr>
+          <a:xfrm>
+            <a:off x="4646119" y="4684952"/>
+            <a:ext cx="2210581" cy="461665"/>
           </a:xfrm>
           <a:prstGeom prst="rect">
             <a:avLst/>
           </a:prstGeom>
-          <a:solidFill>
-            <a:schemeClr val="bg1">
-              <a:lumMod val="95000"/>
-            </a:schemeClr>
-          </a:solidFill>
-        </p:spPr>
-        <p:style>
-          <a:lnRef idx="2">
-            <a:schemeClr val="accent1">
-              <a:shade val="50000"/>
-            </a:schemeClr>
-          </a:lnRef>
-          <a:fillRef idx="1">
-            <a:schemeClr val="accent1"/>
-          </a:fillRef>
-          <a:effectRef idx="0">
-            <a:schemeClr val="accent1"/>
-          </a:effectRef>
-          <a:fontRef idx="minor">
-            <a:schemeClr val="lt1"/>
-          </a:fontRef>
-        </p:style>
-        <p:txBody>
-          <a:bodyPr rtlCol="0" anchor="ctr"/>
+          <a:noFill/>
+        </p:spPr>
+        <p:txBody>
+          <a:bodyPr wrap="square" rtlCol="0">
+            <a:spAutoFit/>
+          </a:bodyPr>
           <a:lstStyle/>
           <a:p>
             <a:pPr algn="ctr"/>
-            <a:endParaRPr lang="pt-BR"/>
+            <a:r>
+              <a:rPr lang="pt-BR" sz="2400" dirty="0"/>
+              <a:t>Azure</a:t>
+            </a:r>
           </a:p>
         </p:txBody>
       </p:sp>
       <p:pic>
         <p:nvPicPr>
-          <p:cNvPr id="19" name="Imagem 18">
-            <a:extLst>
-              <a:ext uri="{FF2B5EF4-FFF2-40B4-BE49-F238E27FC236}">
-                <a16:creationId xmlns:a16="http://schemas.microsoft.com/office/drawing/2014/main" id="{62FF37EF-67AA-4FCB-A9B2-006711EA4165}"/>
+          <p:cNvPr id="51" name="Imagem 50">
+            <a:extLst>
+              <a:ext uri="{FF2B5EF4-FFF2-40B4-BE49-F238E27FC236}">
+                <a16:creationId xmlns:a16="http://schemas.microsoft.com/office/drawing/2014/main" id="{F5763FE3-0FC9-4422-92B1-5542BE16E2D4}"/>
               </a:ext>
             </a:extLst>
           </p:cNvPr>
@@ -3931,210 +3899,20 @@
         </p:blipFill>
         <p:spPr>
           <a:xfrm>
-            <a:off x="5777422" y="3594055"/>
-            <a:ext cx="619202" cy="606818"/>
+            <a:off x="9901790" y="1945897"/>
+            <a:ext cx="2234676" cy="2369891"/>
           </a:xfrm>
           <a:prstGeom prst="rect">
             <a:avLst/>
           </a:prstGeom>
         </p:spPr>
       </p:pic>
-      <p:cxnSp>
-        <p:nvCxnSpPr>
-          <p:cNvPr id="24" name="Conector de Seta Reta 23">
-            <a:extLst>
-              <a:ext uri="{FF2B5EF4-FFF2-40B4-BE49-F238E27FC236}">
-                <a16:creationId xmlns:a16="http://schemas.microsoft.com/office/drawing/2014/main" id="{7F9F3BB3-83E5-446A-A03F-ACCE67F2E825}"/>
-              </a:ext>
-            </a:extLst>
-          </p:cNvPr>
-          <p:cNvCxnSpPr>
-            <a:cxnSpLocks/>
-          </p:cNvCxnSpPr>
-          <p:nvPr/>
-        </p:nvCxnSpPr>
-        <p:spPr>
-          <a:xfrm>
-            <a:off x="6457098" y="4133432"/>
-            <a:ext cx="558021" cy="375769"/>
-          </a:xfrm>
-          <a:prstGeom prst="straightConnector1">
-            <a:avLst/>
-          </a:prstGeom>
-          <a:ln>
-            <a:tailEnd type="triangle"/>
-          </a:ln>
-        </p:spPr>
-        <p:style>
-          <a:lnRef idx="3">
-            <a:schemeClr val="dk1"/>
-          </a:lnRef>
-          <a:fillRef idx="0">
-            <a:schemeClr val="dk1"/>
-          </a:fillRef>
-          <a:effectRef idx="2">
-            <a:schemeClr val="dk1"/>
-          </a:effectRef>
-          <a:fontRef idx="minor">
-            <a:schemeClr val="tx1"/>
-          </a:fontRef>
-        </p:style>
-      </p:cxnSp>
-      <p:cxnSp>
-        <p:nvCxnSpPr>
-          <p:cNvPr id="27" name="Conector de Seta Reta 26">
-            <a:extLst>
-              <a:ext uri="{FF2B5EF4-FFF2-40B4-BE49-F238E27FC236}">
-                <a16:creationId xmlns:a16="http://schemas.microsoft.com/office/drawing/2014/main" id="{76F1719F-715A-45AF-B3F4-5804ACDE86B1}"/>
-              </a:ext>
-            </a:extLst>
-          </p:cNvPr>
-          <p:cNvCxnSpPr>
-            <a:cxnSpLocks/>
-          </p:cNvCxnSpPr>
-          <p:nvPr/>
-        </p:nvCxnSpPr>
-        <p:spPr>
-          <a:xfrm flipH="1">
-            <a:off x="5177798" y="4133432"/>
-            <a:ext cx="569205" cy="375769"/>
-          </a:xfrm>
-          <a:prstGeom prst="straightConnector1">
-            <a:avLst/>
-          </a:prstGeom>
-          <a:ln>
-            <a:tailEnd type="triangle"/>
-          </a:ln>
-        </p:spPr>
-        <p:style>
-          <a:lnRef idx="3">
-            <a:schemeClr val="dk1"/>
-          </a:lnRef>
-          <a:fillRef idx="0">
-            <a:schemeClr val="dk1"/>
-          </a:fillRef>
-          <a:effectRef idx="2">
-            <a:schemeClr val="dk1"/>
-          </a:effectRef>
-          <a:fontRef idx="minor">
-            <a:schemeClr val="tx1"/>
-          </a:fontRef>
-        </p:style>
-      </p:cxnSp>
-      <p:sp>
-        <p:nvSpPr>
-          <p:cNvPr id="32" name="CaixaDeTexto 31">
-            <a:extLst>
-              <a:ext uri="{FF2B5EF4-FFF2-40B4-BE49-F238E27FC236}">
-                <a16:creationId xmlns:a16="http://schemas.microsoft.com/office/drawing/2014/main" id="{D4C46B90-BC4F-4233-9E10-FB926E8C4403}"/>
-              </a:ext>
-            </a:extLst>
-          </p:cNvPr>
-          <p:cNvSpPr txBox="1"/>
-          <p:nvPr/>
-        </p:nvSpPr>
-        <p:spPr>
-          <a:xfrm>
-            <a:off x="1723295" y="3602815"/>
-            <a:ext cx="2416570" cy="369332"/>
-          </a:xfrm>
-          <a:prstGeom prst="rect">
-            <a:avLst/>
-          </a:prstGeom>
-          <a:noFill/>
-        </p:spPr>
-        <p:txBody>
-          <a:bodyPr wrap="square" rtlCol="0">
-            <a:spAutoFit/>
-          </a:bodyPr>
-          <a:lstStyle/>
-          <a:p>
-            <a:pPr algn="ctr"/>
-            <a:r>
-              <a:rPr lang="pt-BR" dirty="0"/>
-              <a:t>Camada do Suporte</a:t>
-            </a:r>
-          </a:p>
-        </p:txBody>
-      </p:sp>
-      <p:sp>
-        <p:nvSpPr>
-          <p:cNvPr id="34" name="CaixaDeTexto 33">
-            <a:extLst>
-              <a:ext uri="{FF2B5EF4-FFF2-40B4-BE49-F238E27FC236}">
-                <a16:creationId xmlns:a16="http://schemas.microsoft.com/office/drawing/2014/main" id="{B7B92D03-8C90-4E4F-981A-03A7CCFFE895}"/>
-              </a:ext>
-            </a:extLst>
-          </p:cNvPr>
-          <p:cNvSpPr txBox="1"/>
-          <p:nvPr/>
-        </p:nvSpPr>
-        <p:spPr>
-          <a:xfrm>
-            <a:off x="8518292" y="3833175"/>
-            <a:ext cx="2416570" cy="369332"/>
-          </a:xfrm>
-          <a:prstGeom prst="rect">
-            <a:avLst/>
-          </a:prstGeom>
-          <a:noFill/>
-        </p:spPr>
-        <p:txBody>
-          <a:bodyPr wrap="square" rtlCol="0">
-            <a:spAutoFit/>
-          </a:bodyPr>
-          <a:lstStyle/>
-          <a:p>
-            <a:pPr algn="ctr"/>
-            <a:r>
-              <a:rPr lang="pt-BR" dirty="0"/>
-              <a:t>Camada do Usuário</a:t>
-            </a:r>
-          </a:p>
-        </p:txBody>
-      </p:sp>
-      <p:sp>
-        <p:nvSpPr>
-          <p:cNvPr id="36" name="CaixaDeTexto 35">
-            <a:extLst>
-              <a:ext uri="{FF2B5EF4-FFF2-40B4-BE49-F238E27FC236}">
-                <a16:creationId xmlns:a16="http://schemas.microsoft.com/office/drawing/2014/main" id="{D255E0C9-0ABC-43A4-AD49-BA2B33ACB6D9}"/>
-              </a:ext>
-            </a:extLst>
-          </p:cNvPr>
-          <p:cNvSpPr txBox="1"/>
-          <p:nvPr/>
-        </p:nvSpPr>
-        <p:spPr>
-          <a:xfrm>
-            <a:off x="1300713" y="670376"/>
-            <a:ext cx="2416570" cy="461665"/>
-          </a:xfrm>
-          <a:prstGeom prst="rect">
-            <a:avLst/>
-          </a:prstGeom>
-          <a:noFill/>
-        </p:spPr>
-        <p:txBody>
-          <a:bodyPr wrap="square" rtlCol="0">
-            <a:spAutoFit/>
-          </a:bodyPr>
-          <a:lstStyle/>
-          <a:p>
-            <a:pPr algn="ctr"/>
-            <a:r>
-              <a:rPr lang="pt-BR" sz="2400" dirty="0"/>
-              <a:t>Azure</a:t>
-            </a:r>
-          </a:p>
-        </p:txBody>
-      </p:sp>
       <p:pic>
         <p:nvPicPr>
-          <p:cNvPr id="39" name="Imagem 38">
-            <a:extLst>
-              <a:ext uri="{FF2B5EF4-FFF2-40B4-BE49-F238E27FC236}">
-                <a16:creationId xmlns:a16="http://schemas.microsoft.com/office/drawing/2014/main" id="{83E7915B-A7AD-4A1F-9F12-45B511EAAF79}"/>
+          <p:cNvPr id="55" name="Imagem 54">
+            <a:extLst>
+              <a:ext uri="{FF2B5EF4-FFF2-40B4-BE49-F238E27FC236}">
+                <a16:creationId xmlns:a16="http://schemas.microsoft.com/office/drawing/2014/main" id="{27980C2D-8228-4655-A73E-87903645A8C8}"/>
               </a:ext>
             </a:extLst>
           </p:cNvPr>
@@ -4151,145 +3929,14 @@
         </p:blipFill>
         <p:spPr>
           <a:xfrm>
-            <a:off x="271924" y="4244052"/>
-            <a:ext cx="2201668" cy="2122310"/>
+            <a:off x="7515626" y="2403325"/>
+            <a:ext cx="419875" cy="417420"/>
           </a:xfrm>
           <a:prstGeom prst="rect">
             <a:avLst/>
           </a:prstGeom>
         </p:spPr>
       </p:pic>
-      <p:pic>
-        <p:nvPicPr>
-          <p:cNvPr id="51" name="Imagem 50">
-            <a:extLst>
-              <a:ext uri="{FF2B5EF4-FFF2-40B4-BE49-F238E27FC236}">
-                <a16:creationId xmlns:a16="http://schemas.microsoft.com/office/drawing/2014/main" id="{F5763FE3-0FC9-4422-92B1-5542BE16E2D4}"/>
-              </a:ext>
-            </a:extLst>
-          </p:cNvPr>
-          <p:cNvPicPr>
-            <a:picLocks noChangeAspect="1"/>
-          </p:cNvPicPr>
-          <p:nvPr/>
-        </p:nvPicPr>
-        <p:blipFill>
-          <a:blip r:embed="rId3"/>
-          <a:stretch>
-            <a:fillRect/>
-          </a:stretch>
-        </p:blipFill>
-        <p:spPr>
-          <a:xfrm>
-            <a:off x="9848785" y="4132509"/>
-            <a:ext cx="2234676" cy="2369891"/>
-          </a:xfrm>
-          <a:prstGeom prst="rect">
-            <a:avLst/>
-          </a:prstGeom>
-        </p:spPr>
-      </p:pic>
-      <p:pic>
-        <p:nvPicPr>
-          <p:cNvPr id="53" name="Imagem 52">
-            <a:extLst>
-              <a:ext uri="{FF2B5EF4-FFF2-40B4-BE49-F238E27FC236}">
-                <a16:creationId xmlns:a16="http://schemas.microsoft.com/office/drawing/2014/main" id="{0B4D6C52-77C5-4A57-A299-05AA26BEB359}"/>
-              </a:ext>
-            </a:extLst>
-          </p:cNvPr>
-          <p:cNvPicPr>
-            <a:picLocks noChangeAspect="1"/>
-          </p:cNvPicPr>
-          <p:nvPr/>
-        </p:nvPicPr>
-        <p:blipFill>
-          <a:blip r:embed="rId4"/>
-          <a:stretch>
-            <a:fillRect/>
-          </a:stretch>
-        </p:blipFill>
-        <p:spPr>
-          <a:xfrm>
-            <a:off x="4590533" y="4508464"/>
-            <a:ext cx="419875" cy="417420"/>
-          </a:xfrm>
-          <a:prstGeom prst="rect">
-            <a:avLst/>
-          </a:prstGeom>
-        </p:spPr>
-      </p:pic>
-      <p:pic>
-        <p:nvPicPr>
-          <p:cNvPr id="55" name="Imagem 54">
-            <a:extLst>
-              <a:ext uri="{FF2B5EF4-FFF2-40B4-BE49-F238E27FC236}">
-                <a16:creationId xmlns:a16="http://schemas.microsoft.com/office/drawing/2014/main" id="{27980C2D-8228-4655-A73E-87903645A8C8}"/>
-              </a:ext>
-            </a:extLst>
-          </p:cNvPr>
-          <p:cNvPicPr>
-            <a:picLocks noChangeAspect="1"/>
-          </p:cNvPicPr>
-          <p:nvPr/>
-        </p:nvPicPr>
-        <p:blipFill>
-          <a:blip r:embed="rId4"/>
-          <a:stretch>
-            <a:fillRect/>
-          </a:stretch>
-        </p:blipFill>
-        <p:spPr>
-          <a:xfrm>
-            <a:off x="7143959" y="4577420"/>
-            <a:ext cx="419875" cy="417420"/>
-          </a:xfrm>
-          <a:prstGeom prst="rect">
-            <a:avLst/>
-          </a:prstGeom>
-        </p:spPr>
-      </p:pic>
-      <p:cxnSp>
-        <p:nvCxnSpPr>
-          <p:cNvPr id="61" name="Conector de Seta Reta 60">
-            <a:extLst>
-              <a:ext uri="{FF2B5EF4-FFF2-40B4-BE49-F238E27FC236}">
-                <a16:creationId xmlns:a16="http://schemas.microsoft.com/office/drawing/2014/main" id="{666A7D21-505E-4FDD-BD7C-7AFEC123373A}"/>
-              </a:ext>
-            </a:extLst>
-          </p:cNvPr>
-          <p:cNvCxnSpPr>
-            <a:cxnSpLocks/>
-          </p:cNvCxnSpPr>
-          <p:nvPr/>
-        </p:nvCxnSpPr>
-        <p:spPr>
-          <a:xfrm flipH="1" flipV="1">
-            <a:off x="5684667" y="1718413"/>
-            <a:ext cx="352640" cy="1765332"/>
-          </a:xfrm>
-          <a:prstGeom prst="straightConnector1">
-            <a:avLst/>
-          </a:prstGeom>
-          <a:ln>
-            <a:tailEnd type="triangle"/>
-          </a:ln>
-        </p:spPr>
-        <p:style>
-          <a:lnRef idx="3">
-            <a:schemeClr val="dk1"/>
-          </a:lnRef>
-          <a:fillRef idx="0">
-            <a:schemeClr val="dk1"/>
-          </a:fillRef>
-          <a:effectRef idx="2">
-            <a:schemeClr val="dk1"/>
-          </a:effectRef>
-          <a:fontRef idx="minor">
-            <a:schemeClr val="tx1"/>
-          </a:fontRef>
-        </p:style>
-      </p:cxnSp>
       <p:sp>
         <p:nvSpPr>
           <p:cNvPr id="68" name="CaixaDeTexto 67">
@@ -4304,8 +3951,8 @@
         </p:nvSpPr>
         <p:spPr>
           <a:xfrm>
-            <a:off x="6774533" y="1114225"/>
-            <a:ext cx="2416570" cy="400110"/>
+            <a:off x="5111589" y="1514181"/>
+            <a:ext cx="1414494" cy="400110"/>
           </a:xfrm>
           <a:prstGeom prst="rect">
             <a:avLst/>
@@ -4344,7 +3991,7 @@
           <p:nvPr/>
         </p:nvPicPr>
         <p:blipFill>
-          <a:blip r:embed="rId5" cstate="hqprint">
+          <a:blip r:embed="rId4" cstate="hqprint">
             <a:extLst>
               <a:ext uri="{28A0092B-C50C-407E-A947-70E740481C1C}">
                 <a14:useLocalDpi xmlns:a14="http://schemas.microsoft.com/office/drawing/2010/main" val="0"/>
@@ -4358,8 +4005,8 @@
         </p:blipFill>
         <p:spPr bwMode="auto">
           <a:xfrm>
-            <a:off x="8568256" y="1169275"/>
-            <a:ext cx="467108" cy="280265"/>
+            <a:off x="6357723" y="1616893"/>
+            <a:ext cx="366481" cy="219889"/>
           </a:xfrm>
           <a:prstGeom prst="rect">
             <a:avLst/>
@@ -4391,7 +4038,7 @@
           <p:nvPr/>
         </p:nvPicPr>
         <p:blipFill>
-          <a:blip r:embed="rId6" cstate="hqprint">
+          <a:blip r:embed="rId5" cstate="hqprint">
             <a:extLst>
               <a:ext uri="{28A0092B-C50C-407E-A947-70E740481C1C}">
                 <a14:useLocalDpi xmlns:a14="http://schemas.microsoft.com/office/drawing/2010/main" val="0"/>
@@ -4405,8 +4052,8 @@
         </p:blipFill>
         <p:spPr bwMode="auto">
           <a:xfrm>
-            <a:off x="2812012" y="657957"/>
-            <a:ext cx="777018" cy="407934"/>
+            <a:off x="6027655" y="4700098"/>
+            <a:ext cx="712891" cy="374267"/>
           </a:xfrm>
           <a:prstGeom prst="rect">
             <a:avLst/>
@@ -4438,11 +4085,11 @@
           <p:nvPr/>
         </p:nvPicPr>
         <p:blipFill>
-          <a:blip r:embed="rId7">
+          <a:blip r:embed="rId6">
             <a:extLst>
               <a:ext uri="{BEBA8EAE-BF5A-486C-A8C5-ECC9F3942E4B}">
                 <a14:imgProps xmlns:a14="http://schemas.microsoft.com/office/drawing/2010/main">
-                  <a14:imgLayer r:embed="rId8">
+                  <a14:imgLayer r:embed="rId7">
                     <a14:imgEffect>
                       <a14:backgroundRemoval t="8661" b="89961" l="9843" r="89961">
                         <a14:foregroundMark x1="50394" y1="9449" x2="50394" y2="9449"/>
@@ -4463,8 +4110,8 @@
         </p:blipFill>
         <p:spPr>
           <a:xfrm>
-            <a:off x="1466738" y="1396793"/>
-            <a:ext cx="643236" cy="643236"/>
+            <a:off x="4690045" y="5456453"/>
+            <a:ext cx="509136" cy="509136"/>
           </a:xfrm>
           <a:prstGeom prst="rect">
             <a:avLst/>
@@ -4485,7 +4132,7 @@
         </p:nvSpPr>
         <p:spPr>
           <a:xfrm>
-            <a:off x="1309524" y="2066414"/>
+            <a:off x="4467862" y="5921367"/>
             <a:ext cx="941500" cy="430887"/>
           </a:xfrm>
           <a:prstGeom prst="rect">
@@ -4521,7 +4168,7 @@
         </p:nvSpPr>
         <p:spPr>
           <a:xfrm>
-            <a:off x="3622830" y="2282546"/>
+            <a:off x="6791575" y="6244256"/>
             <a:ext cx="725030" cy="276999"/>
           </a:xfrm>
           <a:prstGeom prst="rect">
@@ -4558,7 +4205,7 @@
           <p:nvPr/>
         </p:nvPicPr>
         <p:blipFill>
-          <a:blip r:embed="rId9" cstate="hqprint">
+          <a:blip r:embed="rId8" cstate="hqprint">
             <a:extLst>
               <a:ext uri="{28A0092B-C50C-407E-A947-70E740481C1C}">
                 <a14:useLocalDpi xmlns:a14="http://schemas.microsoft.com/office/drawing/2010/main" val="0"/>
@@ -4571,8 +4218,8 @@
         </p:blipFill>
         <p:spPr>
           <a:xfrm>
-            <a:off x="3730839" y="1791798"/>
-            <a:ext cx="538801" cy="482822"/>
+            <a:off x="6924435" y="5860788"/>
+            <a:ext cx="459311" cy="411591"/>
           </a:xfrm>
           <a:prstGeom prst="rect">
             <a:avLst/>
@@ -4594,14 +4241,14 @@
           <p:nvPr/>
         </p:nvPicPr>
         <p:blipFill>
-          <a:blip r:embed="rId10"/>
+          <a:blip r:embed="rId9"/>
           <a:stretch>
             <a:fillRect/>
           </a:stretch>
         </p:blipFill>
         <p:spPr>
           <a:xfrm>
-            <a:off x="10216938" y="4297786"/>
+            <a:off x="10269943" y="2111174"/>
             <a:ext cx="408111" cy="408111"/>
           </a:xfrm>
           <a:prstGeom prst="rect">
@@ -4624,11 +4271,11 @@
           <p:nvPr/>
         </p:nvPicPr>
         <p:blipFill rotWithShape="1">
-          <a:blip r:embed="rId11">
+          <a:blip r:embed="rId10">
             <a:extLst>
               <a:ext uri="{BEBA8EAE-BF5A-486C-A8C5-ECC9F3942E4B}">
                 <a14:imgProps xmlns:a14="http://schemas.microsoft.com/office/drawing/2010/main">
-                  <a14:imgLayer r:embed="rId12">
+                  <a14:imgLayer r:embed="rId11">
                     <a14:imgEffect>
                       <a14:backgroundRemoval t="9799" b="89950" l="2500" r="94063">
                         <a14:foregroundMark x1="10938" y1="20352" x2="10938" y2="20352"/>
@@ -4679,7 +4326,7 @@
         </p:blipFill>
         <p:spPr>
           <a:xfrm>
-            <a:off x="10859253" y="4257940"/>
+            <a:off x="10912258" y="2071328"/>
             <a:ext cx="273443" cy="500575"/>
           </a:xfrm>
           <a:prstGeom prst="rect">
@@ -4702,11 +4349,11 @@
           <p:nvPr/>
         </p:nvPicPr>
         <p:blipFill rotWithShape="1">
-          <a:blip r:embed="rId11">
+          <a:blip r:embed="rId10">
             <a:extLst>
               <a:ext uri="{BEBA8EAE-BF5A-486C-A8C5-ECC9F3942E4B}">
                 <a14:imgProps xmlns:a14="http://schemas.microsoft.com/office/drawing/2010/main">
-                  <a14:imgLayer r:embed="rId12">
+                  <a14:imgLayer r:embed="rId11">
                     <a14:imgEffect>
                       <a14:backgroundRemoval t="9799" b="89950" l="2500" r="94063">
                         <a14:foregroundMark x1="10938" y1="20352" x2="10938" y2="20352"/>
@@ -4757,7 +4404,7 @@
         </p:blipFill>
         <p:spPr>
           <a:xfrm>
-            <a:off x="11379300" y="4243776"/>
+            <a:off x="11432305" y="2057164"/>
             <a:ext cx="323768" cy="435727"/>
           </a:xfrm>
           <a:prstGeom prst="rect">
@@ -4780,11 +4427,11 @@
           <p:nvPr/>
         </p:nvPicPr>
         <p:blipFill>
-          <a:blip r:embed="rId13" cstate="hqprint">
+          <a:blip r:embed="rId12" cstate="hqprint">
             <a:extLst>
               <a:ext uri="{BEBA8EAE-BF5A-486C-A8C5-ECC9F3942E4B}">
                 <a14:imgProps xmlns:a14="http://schemas.microsoft.com/office/drawing/2010/main">
-                  <a14:imgLayer r:embed="rId14">
+                  <a14:imgLayer r:embed="rId13">
                     <a14:imgEffect>
                       <a14:backgroundRemoval t="4002" b="97110" l="2111" r="97953">
                         <a14:foregroundMark x1="45393" y1="34638" x2="45393" y2="34638"/>
@@ -4842,8 +4489,8 @@
         </p:blipFill>
         <p:spPr bwMode="auto">
           <a:xfrm>
-            <a:off x="8014086" y="1820633"/>
-            <a:ext cx="445846" cy="320742"/>
+            <a:off x="5803444" y="1991051"/>
+            <a:ext cx="411299" cy="295889"/>
           </a:xfrm>
           <a:prstGeom prst="rect">
             <a:avLst/>
@@ -4875,11 +4522,11 @@
           <p:nvPr/>
         </p:nvPicPr>
         <p:blipFill>
-          <a:blip r:embed="rId15">
+          <a:blip r:embed="rId14">
             <a:extLst>
               <a:ext uri="{BEBA8EAE-BF5A-486C-A8C5-ECC9F3942E4B}">
                 <a14:imgProps xmlns:a14="http://schemas.microsoft.com/office/drawing/2010/main">
-                  <a14:imgLayer r:embed="rId16">
+                  <a14:imgLayer r:embed="rId15">
                     <a14:imgEffect>
                       <a14:backgroundRemoval t="9778" b="94222" l="9778" r="89778">
                         <a14:foregroundMark x1="30667" y1="18667" x2="30667" y2="18667"/>
@@ -4905,7 +4552,7 @@
         </p:blipFill>
         <p:spPr>
           <a:xfrm>
-            <a:off x="3049132" y="1119174"/>
+            <a:off x="5845344" y="5863442"/>
             <a:ext cx="332437" cy="332437"/>
           </a:xfrm>
           <a:prstGeom prst="rect">
@@ -4928,11 +4575,11 @@
           <p:nvPr/>
         </p:nvPicPr>
         <p:blipFill>
-          <a:blip r:embed="rId17">
+          <a:blip r:embed="rId16">
             <a:extLst>
               <a:ext uri="{BEBA8EAE-BF5A-486C-A8C5-ECC9F3942E4B}">
                 <a14:imgProps xmlns:a14="http://schemas.microsoft.com/office/drawing/2010/main">
-                  <a14:imgLayer r:embed="rId18">
+                  <a14:imgLayer r:embed="rId17">
                     <a14:imgEffect>
                       <a14:backgroundRemoval t="9778" b="90222" l="9778" r="89778">
                         <a14:foregroundMark x1="56000" y1="11111" x2="56000" y2="11111"/>
@@ -4959,7 +4606,7 @@
         </p:blipFill>
         <p:spPr>
           <a:xfrm>
-            <a:off x="3051330" y="1599709"/>
+            <a:off x="6364373" y="5336812"/>
             <a:ext cx="342101" cy="342101"/>
           </a:xfrm>
           <a:prstGeom prst="rect">
@@ -4982,11 +4629,11 @@
           <p:nvPr/>
         </p:nvPicPr>
         <p:blipFill>
-          <a:blip r:embed="rId19">
+          <a:blip r:embed="rId18">
             <a:extLst>
               <a:ext uri="{BEBA8EAE-BF5A-486C-A8C5-ECC9F3942E4B}">
                 <a14:imgProps xmlns:a14="http://schemas.microsoft.com/office/drawing/2010/main">
-                  <a14:imgLayer r:embed="rId20">
+                  <a14:imgLayer r:embed="rId19">
                     <a14:imgEffect>
                       <a14:backgroundRemoval t="10000" b="90000" l="10000" r="90000">
                         <a14:foregroundMark x1="40741" y1="38750" x2="40741" y2="38750"/>
@@ -5005,7 +4652,7 @@
         </p:blipFill>
         <p:spPr>
           <a:xfrm>
-            <a:off x="3057381" y="2105276"/>
+            <a:off x="5827083" y="5338799"/>
             <a:ext cx="335004" cy="330869"/>
           </a:xfrm>
           <a:prstGeom prst="rect">
@@ -5028,11 +4675,11 @@
           <p:nvPr/>
         </p:nvPicPr>
         <p:blipFill rotWithShape="1">
-          <a:blip r:embed="rId21" cstate="hqprint">
+          <a:blip r:embed="rId20" cstate="hqprint">
             <a:extLst>
               <a:ext uri="{BEBA8EAE-BF5A-486C-A8C5-ECC9F3942E4B}">
                 <a14:imgProps xmlns:a14="http://schemas.microsoft.com/office/drawing/2010/main">
-                  <a14:imgLayer r:embed="rId22">
+                  <a14:imgLayer r:embed="rId21">
                     <a14:imgEffect>
                       <a14:backgroundRemoval t="21528" b="71528" l="36000" r="63500">
                         <a14:foregroundMark x1="43250" y1="50556" x2="41583" y2="43750"/>
@@ -5143,7 +4790,7 @@
         </p:blipFill>
         <p:spPr bwMode="auto">
           <a:xfrm>
-            <a:off x="4041766" y="1096383"/>
+            <a:off x="6347642" y="5761141"/>
             <a:ext cx="381308" cy="438006"/>
           </a:xfrm>
           <a:prstGeom prst="rect">
@@ -5176,11 +4823,11 @@
           <p:nvPr/>
         </p:nvPicPr>
         <p:blipFill>
-          <a:blip r:embed="rId23">
+          <a:blip r:embed="rId22">
             <a:extLst>
               <a:ext uri="{BEBA8EAE-BF5A-486C-A8C5-ECC9F3942E4B}">
                 <a14:imgProps xmlns:a14="http://schemas.microsoft.com/office/drawing/2010/main">
-                  <a14:imgLayer r:embed="rId24">
+                  <a14:imgLayer r:embed="rId23">
                     <a14:imgEffect>
                       <a14:backgroundRemoval t="3681" b="92025" l="10000" r="90000">
                         <a14:foregroundMark x1="39032" y1="6748" x2="39032" y2="6748"/>
@@ -5203,7 +4850,7 @@
         </p:blipFill>
         <p:spPr>
           <a:xfrm>
-            <a:off x="7073554" y="4470077"/>
+            <a:off x="7418106" y="2283465"/>
             <a:ext cx="2892477" cy="1493790"/>
           </a:xfrm>
           <a:prstGeom prst="rect">
@@ -5226,11 +4873,11 @@
           <p:nvPr/>
         </p:nvPicPr>
         <p:blipFill>
-          <a:blip r:embed="rId25">
+          <a:blip r:embed="rId24">
             <a:extLst>
               <a:ext uri="{BEBA8EAE-BF5A-486C-A8C5-ECC9F3942E4B}">
                 <a14:imgProps xmlns:a14="http://schemas.microsoft.com/office/drawing/2010/main">
-                  <a14:imgLayer r:embed="rId26">
+                  <a14:imgLayer r:embed="rId25">
                     <a14:imgEffect>
                       <a14:backgroundRemoval t="3556" b="99556" l="9778" r="89778">
                         <a14:foregroundMark x1="49333" y1="14667" x2="49333" y2="14667"/>
@@ -5254,7 +4901,7 @@
         </p:blipFill>
         <p:spPr>
           <a:xfrm>
-            <a:off x="8193741" y="4797491"/>
+            <a:off x="8538293" y="2610879"/>
             <a:ext cx="340496" cy="340496"/>
           </a:xfrm>
           <a:prstGeom prst="rect">
@@ -5277,11 +4924,11 @@
           <p:nvPr/>
         </p:nvPicPr>
         <p:blipFill>
-          <a:blip r:embed="rId27">
+          <a:blip r:embed="rId26">
             <a:extLst>
               <a:ext uri="{BEBA8EAE-BF5A-486C-A8C5-ECC9F3942E4B}">
                 <a14:imgProps xmlns:a14="http://schemas.microsoft.com/office/drawing/2010/main">
-                  <a14:imgLayer r:embed="rId28">
+                  <a14:imgLayer r:embed="rId27">
                     <a14:imgEffect>
                       <a14:backgroundRemoval t="408" b="98777" l="2239" r="95896">
                         <a14:foregroundMark x1="57338" y1="12538" x2="57338" y2="12538"/>
@@ -5356,7 +5003,7 @@
         </p:blipFill>
         <p:spPr>
           <a:xfrm>
-            <a:off x="8545388" y="4779632"/>
+            <a:off x="8889940" y="2593020"/>
             <a:ext cx="279061" cy="340496"/>
           </a:xfrm>
           <a:prstGeom prst="rect">
@@ -5379,7 +5026,7 @@
           <p:nvPr/>
         </p:nvPicPr>
         <p:blipFill>
-          <a:blip r:embed="rId29" cstate="hqprint">
+          <a:blip r:embed="rId28" cstate="hqprint">
             <a:extLst>
               <a:ext uri="{28A0092B-C50C-407E-A947-70E740481C1C}">
                 <a14:useLocalDpi xmlns:a14="http://schemas.microsoft.com/office/drawing/2010/main" val="0"/>
@@ -5393,7 +5040,7 @@
         </p:blipFill>
         <p:spPr bwMode="auto">
           <a:xfrm>
-            <a:off x="8307251" y="5243136"/>
+            <a:off x="8651803" y="3056524"/>
             <a:ext cx="403019" cy="289932"/>
           </a:xfrm>
           <a:prstGeom prst="rect">
@@ -5413,10 +5060,10 @@
       </p:pic>
       <p:cxnSp>
         <p:nvCxnSpPr>
-          <p:cNvPr id="40" name="Conector de Seta Reta 39">
-            <a:extLst>
-              <a:ext uri="{FF2B5EF4-FFF2-40B4-BE49-F238E27FC236}">
-                <a16:creationId xmlns:a16="http://schemas.microsoft.com/office/drawing/2014/main" id="{77476105-D5D1-4C62-BCF5-5FF18AAE0DCA}"/>
+          <p:cNvPr id="71" name="Conector: Angulado 70">
+            <a:extLst>
+              <a:ext uri="{FF2B5EF4-FFF2-40B4-BE49-F238E27FC236}">
+                <a16:creationId xmlns:a16="http://schemas.microsoft.com/office/drawing/2014/main" id="{ABBF1A07-B907-4365-A002-606827201A2D}"/>
               </a:ext>
             </a:extLst>
           </p:cNvPr>
@@ -5426,50 +5073,8 @@
           <p:nvPr/>
         </p:nvCxnSpPr>
         <p:spPr>
-          <a:xfrm flipH="1" flipV="1">
-            <a:off x="4669897" y="2580953"/>
-            <a:ext cx="1077106" cy="1114880"/>
-          </a:xfrm>
-          <a:prstGeom prst="straightConnector1">
-            <a:avLst/>
-          </a:prstGeom>
-          <a:ln>
-            <a:headEnd type="triangle"/>
-            <a:tailEnd type="triangle"/>
-          </a:ln>
-        </p:spPr>
-        <p:style>
-          <a:lnRef idx="3">
-            <a:schemeClr val="dk1"/>
-          </a:lnRef>
-          <a:fillRef idx="0">
-            <a:schemeClr val="dk1"/>
-          </a:fillRef>
-          <a:effectRef idx="2">
-            <a:schemeClr val="dk1"/>
-          </a:effectRef>
-          <a:fontRef idx="minor">
-            <a:schemeClr val="tx1"/>
-          </a:fontRef>
-        </p:style>
-      </p:cxnSp>
-      <p:cxnSp>
-        <p:nvCxnSpPr>
-          <p:cNvPr id="71" name="Conector: Angulado 70">
-            <a:extLst>
-              <a:ext uri="{FF2B5EF4-FFF2-40B4-BE49-F238E27FC236}">
-                <a16:creationId xmlns:a16="http://schemas.microsoft.com/office/drawing/2014/main" id="{ABBF1A07-B907-4365-A002-606827201A2D}"/>
-              </a:ext>
-            </a:extLst>
-          </p:cNvPr>
-          <p:cNvCxnSpPr>
-            <a:cxnSpLocks/>
-          </p:cNvCxnSpPr>
-          <p:nvPr/>
-        </p:nvCxnSpPr>
-        <p:spPr>
           <a:xfrm rot="10800000" flipV="1">
-            <a:off x="7597541" y="4283291"/>
+            <a:off x="7942093" y="2096679"/>
             <a:ext cx="1730945" cy="486589"/>
           </a:xfrm>
           <a:prstGeom prst="bentConnector3">
@@ -5513,7 +5118,7 @@
         </p:nvCxnSpPr>
         <p:spPr>
           <a:xfrm flipH="1">
-            <a:off x="9320651" y="4281055"/>
+            <a:off x="9665203" y="2094443"/>
             <a:ext cx="3458" cy="750926"/>
           </a:xfrm>
           <a:prstGeom prst="line">
@@ -5544,13 +5149,15 @@
               </a:ext>
             </a:extLst>
           </p:cNvPr>
-          <p:cNvCxnSpPr/>
+          <p:cNvCxnSpPr>
+            <a:cxnSpLocks/>
+          </p:cNvCxnSpPr>
           <p:nvPr/>
         </p:nvCxnSpPr>
         <p:spPr>
-          <a:xfrm flipV="1">
-            <a:off x="9049787" y="5027772"/>
-            <a:ext cx="916244" cy="4184"/>
+          <a:xfrm>
+            <a:off x="9288159" y="2844237"/>
+            <a:ext cx="780729" cy="25"/>
           </a:xfrm>
           <a:prstGeom prst="straightConnector1">
             <a:avLst/>
@@ -5577,62 +5184,82 @@
       </p:cxnSp>
       <p:sp>
         <p:nvSpPr>
-          <p:cNvPr id="89" name="Retângulo: Único Canto Recortado 88">
-            <a:extLst>
-              <a:ext uri="{FF2B5EF4-FFF2-40B4-BE49-F238E27FC236}">
-                <a16:creationId xmlns:a16="http://schemas.microsoft.com/office/drawing/2014/main" id="{D9A2AD79-591B-476B-9824-F5A3B3EA696C}"/>
-              </a:ext>
-            </a:extLst>
-          </p:cNvPr>
-          <p:cNvSpPr/>
-          <p:nvPr/>
-        </p:nvSpPr>
-        <p:spPr>
-          <a:xfrm>
-            <a:off x="2611568" y="4233274"/>
-            <a:ext cx="1725361" cy="1106784"/>
-          </a:xfrm>
-          <a:prstGeom prst="snip1Rect">
-            <a:avLst/>
-          </a:prstGeom>
-          <a:solidFill>
-            <a:schemeClr val="accent1">
-              <a:lumMod val="20000"/>
-              <a:lumOff val="80000"/>
-            </a:schemeClr>
-          </a:solidFill>
-        </p:spPr>
-        <p:style>
-          <a:lnRef idx="2">
-            <a:schemeClr val="accent1">
-              <a:shade val="50000"/>
-            </a:schemeClr>
-          </a:lnRef>
-          <a:fillRef idx="1">
-            <a:schemeClr val="accent1"/>
-          </a:fillRef>
-          <a:effectRef idx="0">
-            <a:schemeClr val="accent1"/>
-          </a:effectRef>
-          <a:fontRef idx="minor">
-            <a:schemeClr val="lt1"/>
-          </a:fontRef>
-        </p:style>
-        <p:txBody>
-          <a:bodyPr rtlCol="0" anchor="ctr"/>
+          <p:cNvPr id="113" name="CaixaDeTexto 112">
+            <a:extLst>
+              <a:ext uri="{FF2B5EF4-FFF2-40B4-BE49-F238E27FC236}">
+                <a16:creationId xmlns:a16="http://schemas.microsoft.com/office/drawing/2014/main" id="{A5160C37-7716-4652-AACD-171006D22C40}"/>
+              </a:ext>
+            </a:extLst>
+          </p:cNvPr>
+          <p:cNvSpPr txBox="1"/>
+          <p:nvPr/>
+        </p:nvSpPr>
+        <p:spPr>
+          <a:xfrm>
+            <a:off x="8180098" y="3768237"/>
+            <a:ext cx="1368492" cy="430887"/>
+          </a:xfrm>
+          <a:prstGeom prst="rect">
+            <a:avLst/>
+          </a:prstGeom>
+          <a:noFill/>
+        </p:spPr>
+        <p:txBody>
+          <a:bodyPr wrap="square" rtlCol="0">
+            <a:spAutoFit/>
+          </a:bodyPr>
           <a:lstStyle/>
           <a:p>
             <a:pPr algn="ctr"/>
-            <a:endParaRPr lang="pt-BR"/>
+            <a:r>
+              <a:rPr lang="pt-BR" sz="1100" dirty="0"/>
+              <a:t>Smartphone do usuário</a:t>
+            </a:r>
+          </a:p>
+        </p:txBody>
+      </p:sp>
+      <p:sp>
+        <p:nvSpPr>
+          <p:cNvPr id="114" name="CaixaDeTexto 113">
+            <a:extLst>
+              <a:ext uri="{FF2B5EF4-FFF2-40B4-BE49-F238E27FC236}">
+                <a16:creationId xmlns:a16="http://schemas.microsoft.com/office/drawing/2014/main" id="{CE531F70-EEF0-4D35-98EA-66420033469C}"/>
+              </a:ext>
+            </a:extLst>
+          </p:cNvPr>
+          <p:cNvSpPr txBox="1"/>
+          <p:nvPr/>
+        </p:nvSpPr>
+        <p:spPr>
+          <a:xfrm>
+            <a:off x="10070195" y="4232546"/>
+            <a:ext cx="1998878" cy="261610"/>
+          </a:xfrm>
+          <a:prstGeom prst="rect">
+            <a:avLst/>
+          </a:prstGeom>
+          <a:noFill/>
+        </p:spPr>
+        <p:txBody>
+          <a:bodyPr wrap="square" rtlCol="0">
+            <a:spAutoFit/>
+          </a:bodyPr>
+          <a:lstStyle/>
+          <a:p>
+            <a:pPr algn="ctr"/>
+            <a:r>
+              <a:rPr lang="pt-BR" sz="1100" dirty="0"/>
+              <a:t>Notebook/ Desktop do usuário</a:t>
+            </a:r>
           </a:p>
         </p:txBody>
       </p:sp>
       <p:pic>
         <p:nvPicPr>
-          <p:cNvPr id="43" name="Imagem 42">
-            <a:extLst>
-              <a:ext uri="{FF2B5EF4-FFF2-40B4-BE49-F238E27FC236}">
-                <a16:creationId xmlns:a16="http://schemas.microsoft.com/office/drawing/2014/main" id="{115C59E7-4D15-4556-BB99-CFBA62CD2500}"/>
+          <p:cNvPr id="57" name="Picture 56">
+            <a:extLst>
+              <a:ext uri="{FF2B5EF4-FFF2-40B4-BE49-F238E27FC236}">
+                <a16:creationId xmlns:a16="http://schemas.microsoft.com/office/drawing/2014/main" id="{FFF1996B-58A2-4D48-B37F-AD863C15B6EC}"/>
               </a:ext>
             </a:extLst>
           </p:cNvPr>
@@ -5642,383 +5269,11 @@
           <p:nvPr/>
         </p:nvPicPr>
         <p:blipFill>
-          <a:blip r:embed="rId30">
+          <a:blip r:embed="rId29" cstate="hqprint">
             <a:extLst>
               <a:ext uri="{BEBA8EAE-BF5A-486C-A8C5-ECC9F3942E4B}">
                 <a14:imgProps xmlns:a14="http://schemas.microsoft.com/office/drawing/2010/main">
-                  <a14:imgLayer r:embed="rId31">
-                    <a14:imgEffect>
-                      <a14:backgroundRemoval t="6180" b="89888" l="1685" r="98876">
-                        <a14:foregroundMark x1="86517" y1="40449" x2="86517" y2="40449"/>
-                        <a14:foregroundMark x1="94382" y1="51124" x2="94382" y2="51124"/>
-                        <a14:foregroundMark x1="8427" y1="37079" x2="8427" y2="37079"/>
-                        <a14:foregroundMark x1="26966" y1="70225" x2="26966" y2="70225"/>
-                        <a14:foregroundMark x1="24157" y1="70225" x2="24157" y2="70225"/>
-                        <a14:foregroundMark x1="24157" y1="70225" x2="24157" y2="70225"/>
-                        <a14:foregroundMark x1="24157" y1="84270" x2="25281" y2="64045"/>
-                        <a14:foregroundMark x1="3371" y1="71348" x2="2247" y2="49438"/>
-                        <a14:foregroundMark x1="42697" y1="85955" x2="41011" y2="80899"/>
-                        <a14:foregroundMark x1="88202" y1="51124" x2="78652" y2="43258"/>
-                        <a14:foregroundMark x1="92697" y1="65169" x2="98876" y2="68539"/>
-                        <a14:foregroundMark x1="6742" y1="74719" x2="6742" y2="30899"/>
-                        <a14:foregroundMark x1="30337" y1="20225" x2="31403" y2="20140"/>
-                        <a14:foregroundMark x1="72472" y1="40449" x2="84831" y2="44944"/>
-                        <a14:foregroundMark x1="58427" y1="82584" x2="60112" y2="60674"/>
-                        <a14:backgroundMark x1="33146" y1="18539" x2="47191" y2="16854"/>
-                        <a14:backgroundMark x1="86517" y1="13483" x2="46067" y2="12360"/>
-                        <a14:backgroundMark x1="70787" y1="16854" x2="31461" y2="20225"/>
-                        <a14:backgroundMark x1="39326" y1="29213" x2="33146" y2="15169"/>
-                        <a14:backgroundMark x1="25281" y1="34270" x2="30337" y2="13483"/>
-                      </a14:backgroundRemoval>
-                    </a14:imgEffect>
-                  </a14:imgLayer>
-                </a14:imgProps>
-              </a:ext>
-            </a:extLst>
-          </a:blip>
-          <a:stretch>
-            <a:fillRect/>
-          </a:stretch>
-        </p:blipFill>
-        <p:spPr>
-          <a:xfrm>
-            <a:off x="2866576" y="4458454"/>
-            <a:ext cx="646261" cy="646261"/>
-          </a:xfrm>
-          <a:prstGeom prst="rect">
-            <a:avLst/>
-          </a:prstGeom>
-        </p:spPr>
-      </p:pic>
-      <p:pic>
-        <p:nvPicPr>
-          <p:cNvPr id="92" name="Imagem 91">
-            <a:extLst>
-              <a:ext uri="{FF2B5EF4-FFF2-40B4-BE49-F238E27FC236}">
-                <a16:creationId xmlns:a16="http://schemas.microsoft.com/office/drawing/2014/main" id="{C0C95EA8-5A76-454B-8BA7-3E5DD91A8EB1}"/>
-              </a:ext>
-            </a:extLst>
-          </p:cNvPr>
-          <p:cNvPicPr>
-            <a:picLocks noChangeAspect="1"/>
-          </p:cNvPicPr>
-          <p:nvPr/>
-        </p:nvPicPr>
-        <p:blipFill>
-          <a:blip r:embed="rId32">
-            <a:extLst>
-              <a:ext uri="{BEBA8EAE-BF5A-486C-A8C5-ECC9F3942E4B}">
-                <a14:imgProps xmlns:a14="http://schemas.microsoft.com/office/drawing/2010/main">
-                  <a14:imgLayer r:embed="rId33">
-                    <a14:imgEffect>
-                      <a14:backgroundRemoval t="9778" b="89778" l="9778" r="95111">
-                        <a14:foregroundMark x1="47946" y1="21313" x2="24444" y2="34222"/>
-                        <a14:backgroundMark x1="69778" y1="15111" x2="51111" y2="20000"/>
-                        <a14:backgroundMark x1="98222" y1="48000" x2="85778" y2="28000"/>
-                        <a14:backgroundMark x1="87111" y1="31111" x2="69778" y2="18222"/>
-                        <a14:backgroundMark x1="57333" y1="12000" x2="37333" y2="15111"/>
-                      </a14:backgroundRemoval>
-                    </a14:imgEffect>
-                  </a14:imgLayer>
-                </a14:imgProps>
-              </a:ext>
-            </a:extLst>
-          </a:blip>
-          <a:stretch>
-            <a:fillRect/>
-          </a:stretch>
-        </p:blipFill>
-        <p:spPr>
-          <a:xfrm>
-            <a:off x="3510028" y="4540377"/>
-            <a:ext cx="700315" cy="672521"/>
-          </a:xfrm>
-          <a:prstGeom prst="rect">
-            <a:avLst/>
-          </a:prstGeom>
-        </p:spPr>
-      </p:pic>
-      <p:cxnSp>
-        <p:nvCxnSpPr>
-          <p:cNvPr id="94" name="Conector reto 93">
-            <a:extLst>
-              <a:ext uri="{FF2B5EF4-FFF2-40B4-BE49-F238E27FC236}">
-                <a16:creationId xmlns:a16="http://schemas.microsoft.com/office/drawing/2014/main" id="{CF35D557-D2C5-45DD-B0CD-EE916C065BF6}"/>
-              </a:ext>
-            </a:extLst>
-          </p:cNvPr>
-          <p:cNvCxnSpPr>
-            <a:cxnSpLocks/>
-          </p:cNvCxnSpPr>
-          <p:nvPr/>
-        </p:nvCxnSpPr>
-        <p:spPr>
-          <a:xfrm flipV="1">
-            <a:off x="2254060" y="4388312"/>
-            <a:ext cx="251762" cy="204299"/>
-          </a:xfrm>
-          <a:prstGeom prst="line">
-            <a:avLst/>
-          </a:prstGeom>
-        </p:spPr>
-        <p:style>
-          <a:lnRef idx="3">
-            <a:schemeClr val="accent1"/>
-          </a:lnRef>
-          <a:fillRef idx="0">
-            <a:schemeClr val="accent1"/>
-          </a:fillRef>
-          <a:effectRef idx="2">
-            <a:schemeClr val="accent1"/>
-          </a:effectRef>
-          <a:fontRef idx="minor">
-            <a:schemeClr val="tx1"/>
-          </a:fontRef>
-        </p:style>
-      </p:cxnSp>
-      <p:cxnSp>
-        <p:nvCxnSpPr>
-          <p:cNvPr id="95" name="Conector reto 94">
-            <a:extLst>
-              <a:ext uri="{FF2B5EF4-FFF2-40B4-BE49-F238E27FC236}">
-                <a16:creationId xmlns:a16="http://schemas.microsoft.com/office/drawing/2014/main" id="{33C5EAF3-5A22-4B97-B07A-C6C8F19F601A}"/>
-              </a:ext>
-            </a:extLst>
-          </p:cNvPr>
-          <p:cNvCxnSpPr>
-            <a:cxnSpLocks/>
-          </p:cNvCxnSpPr>
-          <p:nvPr/>
-        </p:nvCxnSpPr>
-        <p:spPr>
-          <a:xfrm>
-            <a:off x="2268696" y="5295821"/>
-            <a:ext cx="237126" cy="130880"/>
-          </a:xfrm>
-          <a:prstGeom prst="line">
-            <a:avLst/>
-          </a:prstGeom>
-        </p:spPr>
-        <p:style>
-          <a:lnRef idx="3">
-            <a:schemeClr val="accent1"/>
-          </a:lnRef>
-          <a:fillRef idx="0">
-            <a:schemeClr val="accent1"/>
-          </a:fillRef>
-          <a:effectRef idx="2">
-            <a:schemeClr val="accent1"/>
-          </a:effectRef>
-          <a:fontRef idx="minor">
-            <a:schemeClr val="tx1"/>
-          </a:fontRef>
-        </p:style>
-      </p:cxnSp>
-      <p:sp>
-        <p:nvSpPr>
-          <p:cNvPr id="113" name="CaixaDeTexto 112">
-            <a:extLst>
-              <a:ext uri="{FF2B5EF4-FFF2-40B4-BE49-F238E27FC236}">
-                <a16:creationId xmlns:a16="http://schemas.microsoft.com/office/drawing/2014/main" id="{A5160C37-7716-4652-AACD-171006D22C40}"/>
-              </a:ext>
-            </a:extLst>
-          </p:cNvPr>
-          <p:cNvSpPr txBox="1"/>
-          <p:nvPr/>
-        </p:nvSpPr>
-        <p:spPr>
-          <a:xfrm>
-            <a:off x="7835546" y="5954849"/>
-            <a:ext cx="1368492" cy="430887"/>
-          </a:xfrm>
-          <a:prstGeom prst="rect">
-            <a:avLst/>
-          </a:prstGeom>
-          <a:noFill/>
-        </p:spPr>
-        <p:txBody>
-          <a:bodyPr wrap="square" rtlCol="0">
-            <a:spAutoFit/>
-          </a:bodyPr>
-          <a:lstStyle/>
-          <a:p>
-            <a:pPr algn="ctr"/>
-            <a:r>
-              <a:rPr lang="pt-BR" sz="1100" dirty="0"/>
-              <a:t>Smartphone do usuário</a:t>
-            </a:r>
-          </a:p>
-        </p:txBody>
-      </p:sp>
-      <p:sp>
-        <p:nvSpPr>
-          <p:cNvPr id="114" name="CaixaDeTexto 113">
-            <a:extLst>
-              <a:ext uri="{FF2B5EF4-FFF2-40B4-BE49-F238E27FC236}">
-                <a16:creationId xmlns:a16="http://schemas.microsoft.com/office/drawing/2014/main" id="{CE531F70-EEF0-4D35-98EA-66420033469C}"/>
-              </a:ext>
-            </a:extLst>
-          </p:cNvPr>
-          <p:cNvSpPr txBox="1"/>
-          <p:nvPr/>
-        </p:nvSpPr>
-        <p:spPr>
-          <a:xfrm>
-            <a:off x="10017190" y="6419158"/>
-            <a:ext cx="1998878" cy="261610"/>
-          </a:xfrm>
-          <a:prstGeom prst="rect">
-            <a:avLst/>
-          </a:prstGeom>
-          <a:noFill/>
-        </p:spPr>
-        <p:txBody>
-          <a:bodyPr wrap="square" rtlCol="0">
-            <a:spAutoFit/>
-          </a:bodyPr>
-          <a:lstStyle/>
-          <a:p>
-            <a:pPr algn="ctr"/>
-            <a:r>
-              <a:rPr lang="pt-BR" sz="1100" dirty="0"/>
-              <a:t>Notebook/ Desktop do usuário</a:t>
-            </a:r>
-          </a:p>
-        </p:txBody>
-      </p:sp>
-      <p:sp>
-        <p:nvSpPr>
-          <p:cNvPr id="115" name="CaixaDeTexto 114">
-            <a:extLst>
-              <a:ext uri="{FF2B5EF4-FFF2-40B4-BE49-F238E27FC236}">
-                <a16:creationId xmlns:a16="http://schemas.microsoft.com/office/drawing/2014/main" id="{48369ADC-024D-437E-BA9F-CBE55A3D27EF}"/>
-              </a:ext>
-            </a:extLst>
-          </p:cNvPr>
-          <p:cNvSpPr txBox="1"/>
-          <p:nvPr/>
-        </p:nvSpPr>
-        <p:spPr>
-          <a:xfrm>
-            <a:off x="495652" y="6279194"/>
-            <a:ext cx="1755372" cy="430887"/>
-          </a:xfrm>
-          <a:prstGeom prst="rect">
-            <a:avLst/>
-          </a:prstGeom>
-          <a:noFill/>
-        </p:spPr>
-        <p:txBody>
-          <a:bodyPr wrap="square" rtlCol="0">
-            <a:spAutoFit/>
-          </a:bodyPr>
-          <a:lstStyle/>
-          <a:p>
-            <a:pPr algn="ctr"/>
-            <a:r>
-              <a:rPr lang="pt-BR" sz="1100" dirty="0"/>
-              <a:t>Notebook / Desktop do técnico</a:t>
-            </a:r>
-          </a:p>
-        </p:txBody>
-      </p:sp>
-      <p:sp>
-        <p:nvSpPr>
-          <p:cNvPr id="116" name="CaixaDeTexto 115">
-            <a:extLst>
-              <a:ext uri="{FF2B5EF4-FFF2-40B4-BE49-F238E27FC236}">
-                <a16:creationId xmlns:a16="http://schemas.microsoft.com/office/drawing/2014/main" id="{29B54554-E565-4680-AA99-2FF397EBD566}"/>
-              </a:ext>
-            </a:extLst>
-          </p:cNvPr>
-          <p:cNvSpPr txBox="1"/>
-          <p:nvPr/>
-        </p:nvSpPr>
-        <p:spPr>
-          <a:xfrm>
-            <a:off x="5408711" y="4220052"/>
-            <a:ext cx="1368492" cy="261610"/>
-          </a:xfrm>
-          <a:prstGeom prst="rect">
-            <a:avLst/>
-          </a:prstGeom>
-          <a:noFill/>
-        </p:spPr>
-        <p:txBody>
-          <a:bodyPr wrap="square" rtlCol="0">
-            <a:spAutoFit/>
-          </a:bodyPr>
-          <a:lstStyle/>
-          <a:p>
-            <a:pPr algn="ctr"/>
-            <a:r>
-              <a:rPr lang="pt-BR" sz="1100" dirty="0"/>
-              <a:t>Internet</a:t>
-            </a:r>
-          </a:p>
-        </p:txBody>
-      </p:sp>
-      <p:cxnSp>
-        <p:nvCxnSpPr>
-          <p:cNvPr id="69" name="Conector de Seta Reta 60">
-            <a:extLst>
-              <a:ext uri="{FF2B5EF4-FFF2-40B4-BE49-F238E27FC236}">
-                <a16:creationId xmlns:a16="http://schemas.microsoft.com/office/drawing/2014/main" id="{A5C5030C-2D18-4A6F-BB1E-7E5CF5C2CABA}"/>
-              </a:ext>
-            </a:extLst>
-          </p:cNvPr>
-          <p:cNvCxnSpPr>
-            <a:cxnSpLocks/>
-          </p:cNvCxnSpPr>
-          <p:nvPr/>
-        </p:nvCxnSpPr>
-        <p:spPr>
-          <a:xfrm flipV="1">
-            <a:off x="6318336" y="2667238"/>
-            <a:ext cx="696783" cy="879244"/>
-          </a:xfrm>
-          <a:prstGeom prst="straightConnector1">
-            <a:avLst/>
-          </a:prstGeom>
-          <a:ln>
-            <a:tailEnd type="triangle"/>
-          </a:ln>
-        </p:spPr>
-        <p:style>
-          <a:lnRef idx="3">
-            <a:schemeClr val="dk1"/>
-          </a:lnRef>
-          <a:fillRef idx="0">
-            <a:schemeClr val="dk1"/>
-          </a:fillRef>
-          <a:effectRef idx="2">
-            <a:schemeClr val="dk1"/>
-          </a:effectRef>
-          <a:fontRef idx="minor">
-            <a:schemeClr val="tx1"/>
-          </a:fontRef>
-        </p:style>
-      </p:cxnSp>
-      <p:pic>
-        <p:nvPicPr>
-          <p:cNvPr id="57" name="Picture 56">
-            <a:extLst>
-              <a:ext uri="{FF2B5EF4-FFF2-40B4-BE49-F238E27FC236}">
-                <a16:creationId xmlns:a16="http://schemas.microsoft.com/office/drawing/2014/main" id="{FFF1996B-58A2-4D48-B37F-AD863C15B6EC}"/>
-              </a:ext>
-            </a:extLst>
-          </p:cNvPr>
-          <p:cNvPicPr>
-            <a:picLocks noChangeAspect="1"/>
-          </p:cNvPicPr>
-          <p:nvPr/>
-        </p:nvPicPr>
-        <p:blipFill>
-          <a:blip r:embed="rId34" cstate="hqprint">
-            <a:extLst>
-              <a:ext uri="{BEBA8EAE-BF5A-486C-A8C5-ECC9F3942E4B}">
-                <a14:imgProps xmlns:a14="http://schemas.microsoft.com/office/drawing/2010/main">
-                  <a14:imgLayer r:embed="rId35">
+                  <a14:imgLayer r:embed="rId30">
                     <a14:imgEffect>
                       <a14:backgroundRemoval t="4375" b="90000" l="10000" r="90000">
                         <a14:foregroundMark x1="26250" y1="33125" x2="25833" y2="25750"/>
@@ -6048,7 +5303,7 @@
         </p:blipFill>
         <p:spPr>
           <a:xfrm>
-            <a:off x="5559970" y="646401"/>
+            <a:off x="5708088" y="382907"/>
             <a:ext cx="707211" cy="471474"/>
           </a:xfrm>
           <a:prstGeom prst="rect">
@@ -6070,7 +5325,7 @@
         </p:nvSpPr>
         <p:spPr>
           <a:xfrm>
-            <a:off x="5434777" y="1078309"/>
+            <a:off x="5586669" y="802702"/>
             <a:ext cx="1005068" cy="261610"/>
           </a:xfrm>
           <a:prstGeom prst="rect">
@@ -6110,7 +5365,7 @@
           <p:nvPr/>
         </p:nvPicPr>
         <p:blipFill rotWithShape="1">
-          <a:blip r:embed="rId36" cstate="hqprint">
+          <a:blip r:embed="rId31" cstate="hqprint">
             <a:extLst>
               <a:ext uri="{28A0092B-C50C-407E-A947-70E740481C1C}">
                 <a14:useLocalDpi xmlns:a14="http://schemas.microsoft.com/office/drawing/2010/main" val="0"/>
@@ -6122,7 +5377,7 @@
         </p:blipFill>
         <p:spPr bwMode="auto">
           <a:xfrm>
-            <a:off x="10489609" y="2285525"/>
+            <a:off x="5407460" y="3715241"/>
             <a:ext cx="390393" cy="294629"/>
           </a:xfrm>
           <a:prstGeom prst="rect">
@@ -6155,11 +5410,11 @@
           <p:nvPr/>
         </p:nvPicPr>
         <p:blipFill>
-          <a:blip r:embed="rId37" cstate="hqprint">
+          <a:blip r:embed="rId32" cstate="hqprint">
             <a:extLst>
               <a:ext uri="{BEBA8EAE-BF5A-486C-A8C5-ECC9F3942E4B}">
                 <a14:imgProps xmlns:a14="http://schemas.microsoft.com/office/drawing/2010/main">
-                  <a14:imgLayer r:embed="rId38">
+                  <a14:imgLayer r:embed="rId33">
                     <a14:imgEffect>
                       <a14:backgroundRemoval t="4375" b="90000" l="10000" r="90000">
                         <a14:foregroundMark x1="26250" y1="33125" x2="25833" y2="25750"/>
@@ -6189,7 +5444,7 @@
         </p:blipFill>
         <p:spPr>
           <a:xfrm>
-            <a:off x="10755937" y="5018991"/>
+            <a:off x="11100489" y="2832379"/>
             <a:ext cx="493179" cy="328786"/>
           </a:xfrm>
           <a:prstGeom prst="rect">
@@ -6212,7 +5467,7 @@
           <p:nvPr/>
         </p:nvPicPr>
         <p:blipFill>
-          <a:blip r:embed="rId29" cstate="hqprint">
+          <a:blip r:embed="rId28" cstate="hqprint">
             <a:extLst>
               <a:ext uri="{28A0092B-C50C-407E-A947-70E740481C1C}">
                 <a14:useLocalDpi xmlns:a14="http://schemas.microsoft.com/office/drawing/2010/main" val="0"/>
@@ -6226,7 +5481,7 @@
         </p:blipFill>
         <p:spPr bwMode="auto">
           <a:xfrm>
-            <a:off x="11385034" y="4881944"/>
+            <a:off x="11438039" y="2695332"/>
             <a:ext cx="308426" cy="221882"/>
           </a:xfrm>
           <a:prstGeom prst="rect">
@@ -6246,10 +5501,10 @@
       </p:pic>
       <p:sp>
         <p:nvSpPr>
-          <p:cNvPr id="29" name="CaixaDeTexto 114">
-            <a:extLst>
-              <a:ext uri="{FF2B5EF4-FFF2-40B4-BE49-F238E27FC236}">
-                <a16:creationId xmlns:a16="http://schemas.microsoft.com/office/drawing/2014/main" id="{AA3AC8FA-19F1-4CFD-AD1D-B2E8C21A52A9}"/>
+          <p:cNvPr id="35" name="CaixaDeTexto 114">
+            <a:extLst>
+              <a:ext uri="{FF2B5EF4-FFF2-40B4-BE49-F238E27FC236}">
+                <a16:creationId xmlns:a16="http://schemas.microsoft.com/office/drawing/2014/main" id="{40337C02-410E-4ABC-8BFD-E7D6E98D56D9}"/>
               </a:ext>
             </a:extLst>
           </p:cNvPr>
@@ -6258,7 +5513,7 @@
         </p:nvSpPr>
         <p:spPr>
           <a:xfrm>
-            <a:off x="4401091" y="4928837"/>
+            <a:off x="7379531" y="2798280"/>
             <a:ext cx="772449" cy="261610"/>
           </a:xfrm>
           <a:prstGeom prst="rect">
@@ -6280,42 +5535,6 @@
           </a:p>
         </p:txBody>
       </p:sp>
-      <p:sp>
-        <p:nvSpPr>
-          <p:cNvPr id="35" name="CaixaDeTexto 114">
-            <a:extLst>
-              <a:ext uri="{FF2B5EF4-FFF2-40B4-BE49-F238E27FC236}">
-                <a16:creationId xmlns:a16="http://schemas.microsoft.com/office/drawing/2014/main" id="{40337C02-410E-4ABC-8BFD-E7D6E98D56D9}"/>
-              </a:ext>
-            </a:extLst>
-          </p:cNvPr>
-          <p:cNvSpPr txBox="1"/>
-          <p:nvPr/>
-        </p:nvSpPr>
-        <p:spPr>
-          <a:xfrm>
-            <a:off x="7022128" y="4984495"/>
-            <a:ext cx="772449" cy="261610"/>
-          </a:xfrm>
-          <a:prstGeom prst="rect">
-            <a:avLst/>
-          </a:prstGeom>
-          <a:noFill/>
-        </p:spPr>
-        <p:txBody>
-          <a:bodyPr wrap="square" rtlCol="0">
-            <a:spAutoFit/>
-          </a:bodyPr>
-          <a:lstStyle/>
-          <a:p>
-            <a:pPr algn="ctr"/>
-            <a:r>
-              <a:rPr lang="pt-BR" sz="1100" dirty="0"/>
-              <a:t>Roteador</a:t>
-            </a:r>
-          </a:p>
-        </p:txBody>
-      </p:sp>
       <p:pic>
         <p:nvPicPr>
           <p:cNvPr id="22" name="Imagem 21" descr="Ícone&#10;&#10;Descrição gerada automaticamente">
@@ -6331,11 +5550,11 @@
           <p:nvPr/>
         </p:nvPicPr>
         <p:blipFill rotWithShape="1">
-          <a:blip r:embed="rId39" cstate="hqprint">
+          <a:blip r:embed="rId34" cstate="hqprint">
             <a:extLst>
               <a:ext uri="{BEBA8EAE-BF5A-486C-A8C5-ECC9F3942E4B}">
                 <a14:imgProps xmlns:a14="http://schemas.microsoft.com/office/drawing/2010/main">
-                  <a14:imgLayer r:embed="rId40">
+                  <a14:imgLayer r:embed="rId35">
                     <a14:imgEffect>
                       <a14:backgroundRemoval t="3125" b="95508" l="8594" r="89648">
                         <a14:foregroundMark x1="48828" y1="17969" x2="41016" y2="23828"/>
@@ -6502,55 +5721,14 @@
         </p:blipFill>
         <p:spPr>
           <a:xfrm>
-            <a:off x="3543821" y="1125163"/>
-            <a:ext cx="349320" cy="399346"/>
+            <a:off x="6962559" y="5294633"/>
+            <a:ext cx="342101" cy="391093"/>
           </a:xfrm>
           <a:prstGeom prst="rect">
             <a:avLst/>
           </a:prstGeom>
         </p:spPr>
       </p:pic>
-      <p:cxnSp>
-        <p:nvCxnSpPr>
-          <p:cNvPr id="102" name="Conector de Seta Reta 60">
-            <a:extLst>
-              <a:ext uri="{FF2B5EF4-FFF2-40B4-BE49-F238E27FC236}">
-                <a16:creationId xmlns:a16="http://schemas.microsoft.com/office/drawing/2014/main" id="{A5C5030C-2D18-4A6F-BB1E-7E5CF5C2CABA}"/>
-              </a:ext>
-            </a:extLst>
-          </p:cNvPr>
-          <p:cNvCxnSpPr>
-            <a:cxnSpLocks/>
-          </p:cNvCxnSpPr>
-          <p:nvPr/>
-        </p:nvCxnSpPr>
-        <p:spPr>
-          <a:xfrm flipV="1">
-            <a:off x="6469893" y="2981062"/>
-            <a:ext cx="3310624" cy="781701"/>
-          </a:xfrm>
-          <a:prstGeom prst="straightConnector1">
-            <a:avLst/>
-          </a:prstGeom>
-          <a:ln>
-            <a:tailEnd type="triangle"/>
-          </a:ln>
-        </p:spPr>
-        <p:style>
-          <a:lnRef idx="3">
-            <a:schemeClr val="dk1"/>
-          </a:lnRef>
-          <a:fillRef idx="0">
-            <a:schemeClr val="dk1"/>
-          </a:fillRef>
-          <a:effectRef idx="2">
-            <a:schemeClr val="dk1"/>
-          </a:effectRef>
-          <a:fontRef idx="minor">
-            <a:schemeClr val="tx1"/>
-          </a:fontRef>
-        </p:style>
-      </p:cxnSp>
       <p:pic>
         <p:nvPicPr>
           <p:cNvPr id="96" name="Imagem 95"/>
@@ -6560,11 +5738,11 @@
           <p:nvPr/>
         </p:nvPicPr>
         <p:blipFill>
-          <a:blip r:embed="rId41">
+          <a:blip r:embed="rId36">
             <a:extLst>
               <a:ext uri="{BEBA8EAE-BF5A-486C-A8C5-ECC9F3942E4B}">
                 <a14:imgProps xmlns:a14="http://schemas.microsoft.com/office/drawing/2010/main">
-                  <a14:imgLayer r:embed="rId42">
+                  <a14:imgLayer r:embed="rId37">
                     <a14:imgEffect>
                       <a14:backgroundRemoval t="4598" b="98851" l="1034" r="99655">
                         <a14:foregroundMark x1="24483" y1="27011" x2="24483" y2="27011"/>
@@ -6597,7 +5775,7 @@
         </p:blipFill>
         <p:spPr>
           <a:xfrm>
-            <a:off x="10675703" y="1712407"/>
+            <a:off x="5742426" y="3129474"/>
             <a:ext cx="681853" cy="409112"/>
           </a:xfrm>
           <a:prstGeom prst="rect">
@@ -6620,7 +5798,7 @@
           <p:nvPr/>
         </p:nvPicPr>
         <p:blipFill rotWithShape="1">
-          <a:blip r:embed="rId36" cstate="hqprint">
+          <a:blip r:embed="rId31" cstate="hqprint">
             <a:extLst>
               <a:ext uri="{28A0092B-C50C-407E-A947-70E740481C1C}">
                 <a14:useLocalDpi xmlns:a14="http://schemas.microsoft.com/office/drawing/2010/main" val="0"/>
@@ -6632,7 +5810,7 @@
         </p:blipFill>
         <p:spPr bwMode="auto">
           <a:xfrm>
-            <a:off x="10229627" y="4850768"/>
+            <a:off x="10282632" y="2664156"/>
             <a:ext cx="390393" cy="294629"/>
           </a:xfrm>
           <a:prstGeom prst="rect">
@@ -6665,14 +5843,14 @@
           <p:nvPr/>
         </p:nvPicPr>
         <p:blipFill>
-          <a:blip r:embed="rId10"/>
+          <a:blip r:embed="rId9"/>
           <a:stretch>
             <a:fillRect/>
           </a:stretch>
         </p:blipFill>
         <p:spPr>
           <a:xfrm>
-            <a:off x="11042490" y="2719210"/>
+            <a:off x="6229571" y="3620559"/>
             <a:ext cx="408111" cy="408111"/>
           </a:xfrm>
           <a:prstGeom prst="rect">
@@ -6688,7 +5866,7 @@
         </p:nvCxnSpPr>
         <p:spPr>
           <a:xfrm>
-            <a:off x="10701573" y="4321316"/>
+            <a:off x="11002541" y="2305351"/>
             <a:ext cx="0" cy="706456"/>
           </a:xfrm>
           <a:prstGeom prst="line">
@@ -6712,266 +5890,6 @@
       </p:cxnSp>
       <p:pic>
         <p:nvPicPr>
-          <p:cNvPr id="153" name="Imagem 152">
-            <a:extLst>
-              <a:ext uri="{FF2B5EF4-FFF2-40B4-BE49-F238E27FC236}">
-                <a16:creationId xmlns:a16="http://schemas.microsoft.com/office/drawing/2014/main" id="{5B8E73A8-691E-43EC-B096-5A63DB3160FB}"/>
-              </a:ext>
-            </a:extLst>
-          </p:cNvPr>
-          <p:cNvPicPr>
-            <a:picLocks noChangeAspect="1"/>
-          </p:cNvPicPr>
-          <p:nvPr/>
-        </p:nvPicPr>
-        <p:blipFill rotWithShape="1">
-          <a:blip r:embed="rId11">
-            <a:extLst>
-              <a:ext uri="{BEBA8EAE-BF5A-486C-A8C5-ECC9F3942E4B}">
-                <a14:imgProps xmlns:a14="http://schemas.microsoft.com/office/drawing/2010/main">
-                  <a14:imgLayer r:embed="rId12">
-                    <a14:imgEffect>
-                      <a14:backgroundRemoval t="9799" b="89950" l="2500" r="94063">
-                        <a14:foregroundMark x1="10938" y1="20352" x2="10938" y2="20352"/>
-                        <a14:foregroundMark x1="16042" y1="34422" x2="16042" y2="34422"/>
-                        <a14:foregroundMark x1="12292" y1="36181" x2="12292" y2="36181"/>
-                        <a14:foregroundMark x1="14271" y1="32915" x2="14271" y2="32915"/>
-                        <a14:foregroundMark x1="11979" y1="28392" x2="16875" y2="41457"/>
-                        <a14:foregroundMark x1="16875" y1="41457" x2="10104" y2="45729"/>
-                        <a14:foregroundMark x1="10104" y1="45729" x2="7500" y2="27638"/>
-                        <a14:foregroundMark x1="7500" y1="27638" x2="7708" y2="25879"/>
-                        <a14:foregroundMark x1="11146" y1="28643" x2="6250" y2="41960"/>
-                        <a14:foregroundMark x1="6250" y1="41960" x2="8438" y2="49246"/>
-                        <a14:foregroundMark x1="13021" y1="50754" x2="8542" y2="42965"/>
-                        <a14:foregroundMark x1="3958" y1="39196" x2="2500" y2="35930"/>
-                        <a14:foregroundMark x1="23021" y1="36432" x2="29271" y2="27638"/>
-                        <a14:foregroundMark x1="29271" y1="27638" x2="29479" y2="30905"/>
-                        <a14:foregroundMark x1="30208" y1="50000" x2="32604" y2="34673"/>
-                        <a14:foregroundMark x1="32604" y1="34673" x2="34896" y2="39950"/>
-                        <a14:foregroundMark x1="36250" y1="27889" x2="38229" y2="41960"/>
-                        <a14:foregroundMark x1="26882" y1="21885" x2="25625" y2="22111"/>
-                        <a14:foregroundMark x1="32604" y1="20854" x2="27379" y2="21795"/>
-                        <a14:foregroundMark x1="24972" y1="22970" x2="24479" y2="23618"/>
-                        <a14:foregroundMark x1="33021" y1="21357" x2="29167" y2="18844"/>
-                        <a14:foregroundMark x1="25655" y1="19089" x2="25521" y2="19095"/>
-                        <a14:foregroundMark x1="31458" y1="18844" x2="26654" y2="19047"/>
-                        <a14:foregroundMark x1="31667" y1="19095" x2="34167" y2="20854"/>
-                        <a14:foregroundMark x1="45104" y1="38945" x2="45208" y2="27387"/>
-                        <a14:foregroundMark x1="53229" y1="51759" x2="52500" y2="56281"/>
-                        <a14:foregroundMark x1="64375" y1="40704" x2="64583" y2="24372"/>
-                        <a14:foregroundMark x1="64583" y1="24372" x2="64583" y2="24372"/>
-                        <a14:foregroundMark x1="61354" y1="59799" x2="62604" y2="59045"/>
-                        <a14:foregroundMark x1="76563" y1="25126" x2="76563" y2="23367"/>
-                        <a14:foregroundMark x1="83229" y1="43216" x2="86667" y2="27136"/>
-                        <a14:foregroundMark x1="86667" y1="27136" x2="94063" y2="36432"/>
-                        <a14:foregroundMark x1="94063" y1="36432" x2="89479" y2="36181"/>
-                        <a14:foregroundMark x1="25625" y1="21357" x2="26667" y2="20854"/>
-                        <a14:foregroundMark x1="33646" y1="55528" x2="35417" y2="52764"/>
-                        <a14:backgroundMark x1="25521" y1="19849" x2="26250" y2="18090"/>
-                      </a14:backgroundRemoval>
-                    </a14:imgEffect>
-                  </a14:imgLayer>
-                </a14:imgProps>
-              </a:ext>
-            </a:extLst>
-          </a:blip>
-          <a:srcRect l="58695" t="-1359" r="22613" b="18821"/>
-          <a:stretch/>
-        </p:blipFill>
-        <p:spPr>
-          <a:xfrm>
-            <a:off x="792417" y="4294465"/>
-            <a:ext cx="273443" cy="500575"/>
-          </a:xfrm>
-          <a:prstGeom prst="rect">
-            <a:avLst/>
-          </a:prstGeom>
-        </p:spPr>
-      </p:pic>
-      <p:pic>
-        <p:nvPicPr>
-          <p:cNvPr id="154" name="Imagem 153">
-            <a:extLst>
-              <a:ext uri="{FF2B5EF4-FFF2-40B4-BE49-F238E27FC236}">
-                <a16:creationId xmlns:a16="http://schemas.microsoft.com/office/drawing/2014/main" id="{AE8FDB0B-4F93-44C8-B4CD-64F86FB6EB51}"/>
-              </a:ext>
-            </a:extLst>
-          </p:cNvPr>
-          <p:cNvPicPr>
-            <a:picLocks noChangeAspect="1"/>
-          </p:cNvPicPr>
-          <p:nvPr/>
-        </p:nvPicPr>
-        <p:blipFill rotWithShape="1">
-          <a:blip r:embed="rId11">
-            <a:extLst>
-              <a:ext uri="{BEBA8EAE-BF5A-486C-A8C5-ECC9F3942E4B}">
-                <a14:imgProps xmlns:a14="http://schemas.microsoft.com/office/drawing/2010/main">
-                  <a14:imgLayer r:embed="rId12">
-                    <a14:imgEffect>
-                      <a14:backgroundRemoval t="9799" b="89950" l="2500" r="94063">
-                        <a14:foregroundMark x1="10938" y1="20352" x2="10938" y2="20352"/>
-                        <a14:foregroundMark x1="16042" y1="34422" x2="16042" y2="34422"/>
-                        <a14:foregroundMark x1="12292" y1="36181" x2="12292" y2="36181"/>
-                        <a14:foregroundMark x1="14271" y1="32915" x2="14271" y2="32915"/>
-                        <a14:foregroundMark x1="11979" y1="28392" x2="16875" y2="41457"/>
-                        <a14:foregroundMark x1="16875" y1="41457" x2="10104" y2="45729"/>
-                        <a14:foregroundMark x1="10104" y1="45729" x2="7500" y2="27638"/>
-                        <a14:foregroundMark x1="7500" y1="27638" x2="7708" y2="25879"/>
-                        <a14:foregroundMark x1="11146" y1="28643" x2="6250" y2="41960"/>
-                        <a14:foregroundMark x1="6250" y1="41960" x2="8438" y2="49246"/>
-                        <a14:foregroundMark x1="13021" y1="50754" x2="8542" y2="42965"/>
-                        <a14:foregroundMark x1="3958" y1="39196" x2="2500" y2="35930"/>
-                        <a14:foregroundMark x1="23021" y1="36432" x2="29271" y2="27638"/>
-                        <a14:foregroundMark x1="29271" y1="27638" x2="29479" y2="30905"/>
-                        <a14:foregroundMark x1="30208" y1="50000" x2="32604" y2="34673"/>
-                        <a14:foregroundMark x1="32604" y1="34673" x2="34896" y2="39950"/>
-                        <a14:foregroundMark x1="36250" y1="27889" x2="38229" y2="41960"/>
-                        <a14:foregroundMark x1="26882" y1="21885" x2="25625" y2="22111"/>
-                        <a14:foregroundMark x1="32604" y1="20854" x2="27379" y2="21795"/>
-                        <a14:foregroundMark x1="24972" y1="22970" x2="24479" y2="23618"/>
-                        <a14:foregroundMark x1="33021" y1="21357" x2="29167" y2="18844"/>
-                        <a14:foregroundMark x1="25655" y1="19089" x2="25521" y2="19095"/>
-                        <a14:foregroundMark x1="31458" y1="18844" x2="26654" y2="19047"/>
-                        <a14:foregroundMark x1="31667" y1="19095" x2="34167" y2="20854"/>
-                        <a14:foregroundMark x1="45104" y1="38945" x2="45208" y2="27387"/>
-                        <a14:foregroundMark x1="53229" y1="51759" x2="52500" y2="56281"/>
-                        <a14:foregroundMark x1="64375" y1="40704" x2="64583" y2="24372"/>
-                        <a14:foregroundMark x1="64583" y1="24372" x2="64583" y2="24372"/>
-                        <a14:foregroundMark x1="61354" y1="59799" x2="62604" y2="59045"/>
-                        <a14:foregroundMark x1="76563" y1="25126" x2="76563" y2="23367"/>
-                        <a14:foregroundMark x1="83229" y1="43216" x2="86667" y2="27136"/>
-                        <a14:foregroundMark x1="86667" y1="27136" x2="94063" y2="36432"/>
-                        <a14:foregroundMark x1="94063" y1="36432" x2="89479" y2="36181"/>
-                        <a14:foregroundMark x1="25625" y1="21357" x2="26667" y2="20854"/>
-                        <a14:foregroundMark x1="33646" y1="55528" x2="35417" y2="52764"/>
-                        <a14:backgroundMark x1="25521" y1="19849" x2="26250" y2="18090"/>
-                      </a14:backgroundRemoval>
-                    </a14:imgEffect>
-                  </a14:imgLayer>
-                </a14:imgProps>
-              </a:ext>
-            </a:extLst>
-          </a:blip>
-          <a:srcRect l="-2" t="1" r="79272" b="32709"/>
-          <a:stretch/>
-        </p:blipFill>
-        <p:spPr>
-          <a:xfrm>
-            <a:off x="1586412" y="4322788"/>
-            <a:ext cx="323768" cy="435727"/>
-          </a:xfrm>
-          <a:prstGeom prst="rect">
-            <a:avLst/>
-          </a:prstGeom>
-        </p:spPr>
-      </p:pic>
-      <p:pic>
-        <p:nvPicPr>
-          <p:cNvPr id="155" name="Picture 71">
-            <a:extLst>
-              <a:ext uri="{FF2B5EF4-FFF2-40B4-BE49-F238E27FC236}">
-                <a16:creationId xmlns:a16="http://schemas.microsoft.com/office/drawing/2014/main" id="{5B4EE446-BA91-41AE-B6CD-9C908F9BB3B4}"/>
-              </a:ext>
-            </a:extLst>
-          </p:cNvPr>
-          <p:cNvPicPr>
-            <a:picLocks noChangeAspect="1"/>
-          </p:cNvPicPr>
-          <p:nvPr/>
-        </p:nvPicPr>
-        <p:blipFill>
-          <a:blip r:embed="rId37" cstate="hqprint">
-            <a:extLst>
-              <a:ext uri="{BEBA8EAE-BF5A-486C-A8C5-ECC9F3942E4B}">
-                <a14:imgProps xmlns:a14="http://schemas.microsoft.com/office/drawing/2010/main">
-                  <a14:imgLayer r:embed="rId38">
-                    <a14:imgEffect>
-                      <a14:backgroundRemoval t="4375" b="90000" l="10000" r="90000">
-                        <a14:foregroundMark x1="26250" y1="33125" x2="25833" y2="25750"/>
-                        <a14:foregroundMark x1="25833" y1="25750" x2="27833" y2="18500"/>
-                        <a14:foregroundMark x1="29917" y1="15500" x2="38083" y2="8000"/>
-                        <a14:foregroundMark x1="38083" y1="8000" x2="56917" y2="4375"/>
-                        <a14:foregroundMark x1="56917" y1="4375" x2="66000" y2="10000"/>
-                        <a14:foregroundMark x1="66000" y1="10000" x2="70500" y2="14125"/>
-                        <a14:foregroundMark x1="70500" y1="14125" x2="73250" y2="20375"/>
-                        <a14:foregroundMark x1="73250" y1="20375" x2="77000" y2="39750"/>
-                        <a14:foregroundMark x1="62333" y1="44875" x2="40250" y2="46250"/>
-                        <a14:foregroundMark x1="43583" y1="56375" x2="43583" y2="56375"/>
-                        <a14:foregroundMark x1="56167" y1="56750" x2="56167" y2="56750"/>
-                      </a14:backgroundRemoval>
-                    </a14:imgEffect>
-                  </a14:imgLayer>
-                </a14:imgProps>
-              </a:ext>
-              <a:ext uri="{28A0092B-C50C-407E-A947-70E740481C1C}">
-                <a14:useLocalDpi xmlns:a14="http://schemas.microsoft.com/office/drawing/2010/main" val="0"/>
-              </a:ext>
-            </a:extLst>
-          </a:blip>
-          <a:stretch>
-            <a:fillRect/>
-          </a:stretch>
-        </p:blipFill>
-        <p:spPr>
-          <a:xfrm>
-            <a:off x="1511142" y="4851021"/>
-            <a:ext cx="493179" cy="328786"/>
-          </a:xfrm>
-          <a:prstGeom prst="rect">
-            <a:avLst/>
-          </a:prstGeom>
-        </p:spPr>
-      </p:pic>
-      <p:pic>
-        <p:nvPicPr>
-          <p:cNvPr id="156" name="Picture 2" descr="Discord Logo - PNG e Vetor - Download de Logo">
-            <a:extLst>
-              <a:ext uri="{FF2B5EF4-FFF2-40B4-BE49-F238E27FC236}">
-                <a16:creationId xmlns:a16="http://schemas.microsoft.com/office/drawing/2014/main" id="{6FF3084F-AB8B-42A3-A44D-58D396861B9C}"/>
-              </a:ext>
-            </a:extLst>
-          </p:cNvPr>
-          <p:cNvPicPr>
-            <a:picLocks noChangeAspect="1" noChangeArrowheads="1"/>
-          </p:cNvPicPr>
-          <p:nvPr/>
-        </p:nvPicPr>
-        <p:blipFill>
-          <a:blip r:embed="rId29" cstate="hqprint">
-            <a:extLst>
-              <a:ext uri="{28A0092B-C50C-407E-A947-70E740481C1C}">
-                <a14:useLocalDpi xmlns:a14="http://schemas.microsoft.com/office/drawing/2010/main" val="0"/>
-              </a:ext>
-            </a:extLst>
-          </a:blip>
-          <a:srcRect/>
-          <a:stretch>
-            <a:fillRect/>
-          </a:stretch>
-        </p:blipFill>
-        <p:spPr bwMode="auto">
-          <a:xfrm>
-            <a:off x="794919" y="4904473"/>
-            <a:ext cx="308426" cy="221882"/>
-          </a:xfrm>
-          <a:prstGeom prst="rect">
-            <a:avLst/>
-          </a:prstGeom>
-          <a:noFill/>
-          <a:extLst>
-            <a:ext uri="{909E8E84-426E-40DD-AFC4-6F175D3DCCD1}">
-              <a14:hiddenFill xmlns:a14="http://schemas.microsoft.com/office/drawing/2010/main">
-                <a:solidFill>
-                  <a:srgbClr val="FFFFFF"/>
-                </a:solidFill>
-              </a14:hiddenFill>
-            </a:ext>
-          </a:extLst>
-        </p:spPr>
-      </p:pic>
-      <p:pic>
-        <p:nvPicPr>
           <p:cNvPr id="103" name="Imagem 102"/>
           <p:cNvPicPr>
             <a:picLocks noChangeAspect="1"/>
@@ -6979,11 +5897,11 @@
           <p:nvPr/>
         </p:nvPicPr>
         <p:blipFill>
-          <a:blip r:embed="rId43">
+          <a:blip r:embed="rId38">
             <a:extLst>
               <a:ext uri="{BEBA8EAE-BF5A-486C-A8C5-ECC9F3942E4B}">
                 <a14:imgProps xmlns:a14="http://schemas.microsoft.com/office/drawing/2010/main">
-                  <a14:imgLayer r:embed="rId44">
+                  <a14:imgLayer r:embed="rId39">
                     <a14:imgEffect>
                       <a14:backgroundRemoval t="4231" b="98462" l="769" r="100000">
                         <a14:foregroundMark x1="41538" y1="14615" x2="41538" y2="14615"/>
@@ -7028,7 +5946,7 @@
         </p:blipFill>
         <p:spPr>
           <a:xfrm>
-            <a:off x="11089075" y="2192892"/>
+            <a:off x="5856419" y="3663398"/>
             <a:ext cx="365650" cy="365650"/>
           </a:xfrm>
           <a:prstGeom prst="rect">
@@ -7050,7 +5968,7 @@
         </p:nvSpPr>
         <p:spPr>
           <a:xfrm>
-            <a:off x="2882688" y="2348933"/>
+            <a:off x="5652390" y="5582456"/>
             <a:ext cx="791996" cy="261610"/>
           </a:xfrm>
           <a:prstGeom prst="rect">
@@ -7086,7 +6004,7 @@
         </p:nvSpPr>
         <p:spPr>
           <a:xfrm>
-            <a:off x="2867420" y="1864478"/>
+            <a:off x="6180463" y="5601581"/>
             <a:ext cx="725030" cy="261610"/>
           </a:xfrm>
           <a:prstGeom prst="rect">
@@ -7122,7 +6040,7 @@
         </p:nvSpPr>
         <p:spPr>
           <a:xfrm>
-            <a:off x="2848932" y="1376878"/>
+            <a:off x="5645144" y="6121146"/>
             <a:ext cx="725030" cy="261610"/>
           </a:xfrm>
           <a:prstGeom prst="rect">
@@ -7146,7 +6064,7 @@
       </p:sp>
       <p:sp>
         <p:nvSpPr>
-          <p:cNvPr id="83" name="CaixaDeTexto 82">
+          <p:cNvPr id="85" name="CaixaDeTexto 84">
             <a:extLst>
               <a:ext uri="{FF2B5EF4-FFF2-40B4-BE49-F238E27FC236}">
                 <a16:creationId xmlns:a16="http://schemas.microsoft.com/office/drawing/2014/main" id="{493E6E1F-0E69-43E5-B36D-2B8F5592B318}"/>
@@ -7158,7 +6076,7 @@
         </p:nvSpPr>
         <p:spPr>
           <a:xfrm>
-            <a:off x="1407211" y="4634879"/>
+            <a:off x="6223838" y="6135179"/>
             <a:ext cx="725030" cy="261610"/>
           </a:xfrm>
           <a:prstGeom prst="rect">
@@ -7175,14 +6093,14 @@
             <a:pPr algn="ctr"/>
             <a:r>
               <a:rPr lang="pt-BR" sz="1100" dirty="0"/>
-              <a:t>Chrome</a:t>
-            </a:r>
-          </a:p>
-        </p:txBody>
-      </p:sp>
-      <p:sp>
-        <p:nvSpPr>
-          <p:cNvPr id="85" name="CaixaDeTexto 84">
+              <a:t>Chart JS</a:t>
+            </a:r>
+          </a:p>
+        </p:txBody>
+      </p:sp>
+      <p:sp>
+        <p:nvSpPr>
+          <p:cNvPr id="86" name="CaixaDeTexto 85">
             <a:extLst>
               <a:ext uri="{FF2B5EF4-FFF2-40B4-BE49-F238E27FC236}">
                 <a16:creationId xmlns:a16="http://schemas.microsoft.com/office/drawing/2014/main" id="{493E6E1F-0E69-43E5-B36D-2B8F5592B318}"/>
@@ -7194,7 +6112,7 @@
         </p:nvSpPr>
         <p:spPr>
           <a:xfrm>
-            <a:off x="3917962" y="1470421"/>
+            <a:off x="6778732" y="5597956"/>
             <a:ext cx="725030" cy="261610"/>
           </a:xfrm>
           <a:prstGeom prst="rect">
@@ -7210,15 +6128,16 @@
           <a:p>
             <a:pPr algn="ctr"/>
             <a:r>
-              <a:rPr lang="pt-BR" sz="1100" dirty="0"/>
-              <a:t>Chart JS</a:t>
-            </a:r>
-          </a:p>
-        </p:txBody>
-      </p:sp>
-      <p:sp>
-        <p:nvSpPr>
-          <p:cNvPr id="86" name="CaixaDeTexto 85">
+              <a:rPr lang="pt-BR" sz="1100" dirty="0" err="1"/>
+              <a:t>Sequelize</a:t>
+            </a:r>
+            <a:endParaRPr lang="pt-BR" sz="1100" dirty="0"/>
+          </a:p>
+        </p:txBody>
+      </p:sp>
+      <p:sp>
+        <p:nvSpPr>
+          <p:cNvPr id="90" name="CaixaDeTexto 89">
             <a:extLst>
               <a:ext uri="{FF2B5EF4-FFF2-40B4-BE49-F238E27FC236}">
                 <a16:creationId xmlns:a16="http://schemas.microsoft.com/office/drawing/2014/main" id="{493E6E1F-0E69-43E5-B36D-2B8F5592B318}"/>
@@ -7230,7 +6149,7 @@
         </p:nvSpPr>
         <p:spPr>
           <a:xfrm>
-            <a:off x="3359671" y="1463286"/>
+            <a:off x="5233686" y="3978044"/>
             <a:ext cx="725030" cy="261610"/>
           </a:xfrm>
           <a:prstGeom prst="rect">
@@ -7246,16 +6165,15 @@
           <a:p>
             <a:pPr algn="ctr"/>
             <a:r>
-              <a:rPr lang="pt-BR" sz="1100" dirty="0" err="1"/>
-              <a:t>Sequelize</a:t>
-            </a:r>
-            <a:endParaRPr lang="pt-BR" sz="1100" dirty="0"/>
-          </a:p>
-        </p:txBody>
-      </p:sp>
-      <p:sp>
-        <p:nvSpPr>
-          <p:cNvPr id="87" name="CaixaDeTexto 86">
+              <a:rPr lang="pt-BR" sz="1100" dirty="0"/>
+              <a:t>OSHI</a:t>
+            </a:r>
+          </a:p>
+        </p:txBody>
+      </p:sp>
+      <p:sp>
+        <p:nvSpPr>
+          <p:cNvPr id="97" name="CaixaDeTexto 96">
             <a:extLst>
               <a:ext uri="{FF2B5EF4-FFF2-40B4-BE49-F238E27FC236}">
                 <a16:creationId xmlns:a16="http://schemas.microsoft.com/office/drawing/2014/main" id="{493E6E1F-0E69-43E5-B36D-2B8F5592B318}"/>
@@ -7267,8 +6185,8 @@
         </p:nvSpPr>
         <p:spPr>
           <a:xfrm>
-            <a:off x="423905" y="4642863"/>
-            <a:ext cx="1139071" cy="261610"/>
+            <a:off x="6075352" y="3984519"/>
+            <a:ext cx="725030" cy="261610"/>
           </a:xfrm>
           <a:prstGeom prst="rect">
             <a:avLst/>
@@ -7284,14 +6202,14 @@
             <a:pPr algn="ctr"/>
             <a:r>
               <a:rPr lang="pt-BR" sz="1100" dirty="0"/>
-              <a:t>Microsoft Edge</a:t>
-            </a:r>
-          </a:p>
-        </p:txBody>
-      </p:sp>
-      <p:sp>
-        <p:nvSpPr>
-          <p:cNvPr id="90" name="CaixaDeTexto 89">
+              <a:t>Java</a:t>
+            </a:r>
+          </a:p>
+        </p:txBody>
+      </p:sp>
+      <p:sp>
+        <p:nvSpPr>
+          <p:cNvPr id="98" name="CaixaDeTexto 97">
             <a:extLst>
               <a:ext uri="{FF2B5EF4-FFF2-40B4-BE49-F238E27FC236}">
                 <a16:creationId xmlns:a16="http://schemas.microsoft.com/office/drawing/2014/main" id="{493E6E1F-0E69-43E5-B36D-2B8F5592B318}"/>
@@ -7303,7 +6221,7 @@
         </p:nvSpPr>
         <p:spPr>
           <a:xfrm>
-            <a:off x="10334003" y="2574257"/>
+            <a:off x="5672825" y="3985642"/>
             <a:ext cx="725030" cy="261610"/>
           </a:xfrm>
           <a:prstGeom prst="rect">
@@ -7319,15 +6237,16 @@
           <a:p>
             <a:pPr algn="ctr"/>
             <a:r>
-              <a:rPr lang="pt-BR" sz="1100" dirty="0"/>
-              <a:t>OSHI</a:t>
-            </a:r>
-          </a:p>
-        </p:txBody>
-      </p:sp>
-      <p:sp>
-        <p:nvSpPr>
-          <p:cNvPr id="97" name="CaixaDeTexto 96">
+              <a:rPr lang="pt-BR" sz="1100" dirty="0" err="1"/>
+              <a:t>Ubuntu</a:t>
+            </a:r>
+            <a:endParaRPr lang="pt-BR" sz="1100" dirty="0"/>
+          </a:p>
+        </p:txBody>
+      </p:sp>
+      <p:sp>
+        <p:nvSpPr>
+          <p:cNvPr id="99" name="CaixaDeTexto 98">
             <a:extLst>
               <a:ext uri="{FF2B5EF4-FFF2-40B4-BE49-F238E27FC236}">
                 <a16:creationId xmlns:a16="http://schemas.microsoft.com/office/drawing/2014/main" id="{493E6E1F-0E69-43E5-B36D-2B8F5592B318}"/>
@@ -7339,8 +6258,8 @@
         </p:nvSpPr>
         <p:spPr>
           <a:xfrm>
-            <a:off x="10905434" y="3083472"/>
-            <a:ext cx="725030" cy="261610"/>
+            <a:off x="5699337" y="2305823"/>
+            <a:ext cx="618701" cy="261610"/>
           </a:xfrm>
           <a:prstGeom prst="rect">
             <a:avLst/>
@@ -7355,15 +6274,16 @@
           <a:p>
             <a:pPr algn="ctr"/>
             <a:r>
-              <a:rPr lang="pt-BR" sz="1100" dirty="0"/>
-              <a:t>Java</a:t>
-            </a:r>
-          </a:p>
-        </p:txBody>
-      </p:sp>
-      <p:sp>
-        <p:nvSpPr>
-          <p:cNvPr id="98" name="CaixaDeTexto 97">
+              <a:rPr lang="pt-BR" sz="1100" dirty="0" err="1"/>
+              <a:t>Discord</a:t>
+            </a:r>
+            <a:endParaRPr lang="pt-BR" sz="1100" dirty="0"/>
+          </a:p>
+        </p:txBody>
+      </p:sp>
+      <p:sp>
+        <p:nvSpPr>
+          <p:cNvPr id="105" name="CaixaDeTexto 104">
             <a:extLst>
               <a:ext uri="{FF2B5EF4-FFF2-40B4-BE49-F238E27FC236}">
                 <a16:creationId xmlns:a16="http://schemas.microsoft.com/office/drawing/2014/main" id="{493E6E1F-0E69-43E5-B36D-2B8F5592B318}"/>
@@ -7375,7 +6295,7 @@
         </p:nvSpPr>
         <p:spPr>
           <a:xfrm>
-            <a:off x="10909385" y="2517508"/>
+            <a:off x="11229737" y="2884562"/>
             <a:ext cx="725030" cy="261610"/>
           </a:xfrm>
           <a:prstGeom prst="rect">
@@ -7392,7 +6312,7 @@
             <a:pPr algn="ctr"/>
             <a:r>
               <a:rPr lang="pt-BR" sz="1100" dirty="0" err="1"/>
-              <a:t>Ubuntu</a:t>
+              <a:t>Discord</a:t>
             </a:r>
             <a:endParaRPr lang="pt-BR" sz="1100" dirty="0"/>
           </a:p>
@@ -7400,7 +6320,7 @@
       </p:sp>
       <p:sp>
         <p:nvSpPr>
-          <p:cNvPr id="99" name="CaixaDeTexto 98">
+          <p:cNvPr id="110" name="CaixaDeTexto 109">
             <a:extLst>
               <a:ext uri="{FF2B5EF4-FFF2-40B4-BE49-F238E27FC236}">
                 <a16:creationId xmlns:a16="http://schemas.microsoft.com/office/drawing/2014/main" id="{493E6E1F-0E69-43E5-B36D-2B8F5592B318}"/>
@@ -7412,7 +6332,7 @@
         </p:nvSpPr>
         <p:spPr>
           <a:xfrm>
-            <a:off x="7862691" y="2147335"/>
+            <a:off x="11281152" y="2396969"/>
             <a:ext cx="725030" cy="261610"/>
           </a:xfrm>
           <a:prstGeom prst="rect">
@@ -7428,16 +6348,15 @@
           <a:p>
             <a:pPr algn="ctr"/>
             <a:r>
-              <a:rPr lang="pt-BR" sz="1100" dirty="0" err="1"/>
-              <a:t>Discord</a:t>
-            </a:r>
-            <a:endParaRPr lang="pt-BR" sz="1100" dirty="0"/>
-          </a:p>
-        </p:txBody>
-      </p:sp>
-      <p:sp>
-        <p:nvSpPr>
-          <p:cNvPr id="101" name="CaixaDeTexto 100">
+              <a:rPr lang="pt-BR" sz="1100" dirty="0"/>
+              <a:t>Chrome</a:t>
+            </a:r>
+          </a:p>
+        </p:txBody>
+      </p:sp>
+      <p:sp>
+        <p:nvSpPr>
+          <p:cNvPr id="111" name="CaixaDeTexto 110">
             <a:extLst>
               <a:ext uri="{FF2B5EF4-FFF2-40B4-BE49-F238E27FC236}">
                 <a16:creationId xmlns:a16="http://schemas.microsoft.com/office/drawing/2014/main" id="{493E6E1F-0E69-43E5-B36D-2B8F5592B318}"/>
@@ -7449,7 +6368,7 @@
         </p:nvSpPr>
         <p:spPr>
           <a:xfrm>
-            <a:off x="582214" y="5086167"/>
+            <a:off x="10117140" y="2428415"/>
             <a:ext cx="725030" cy="261610"/>
           </a:xfrm>
           <a:prstGeom prst="rect">
@@ -7465,19 +6384,18 @@
           <a:p>
             <a:pPr algn="ctr"/>
             <a:r>
-              <a:rPr lang="pt-BR" sz="1100" dirty="0" err="1"/>
-              <a:t>Discord</a:t>
-            </a:r>
-            <a:endParaRPr lang="pt-BR" sz="1100" dirty="0"/>
-          </a:p>
-        </p:txBody>
-      </p:sp>
-      <p:sp>
-        <p:nvSpPr>
-          <p:cNvPr id="104" name="CaixaDeTexto 67">
-            <a:extLst>
-              <a:ext uri="{FF2B5EF4-FFF2-40B4-BE49-F238E27FC236}">
-                <a16:creationId xmlns:a16="http://schemas.microsoft.com/office/drawing/2014/main" id="{E12DD363-B278-4028-B311-35C528C5BD6E}"/>
+              <a:rPr lang="pt-BR" sz="1100" dirty="0"/>
+              <a:t>Java</a:t>
+            </a:r>
+          </a:p>
+        </p:txBody>
+      </p:sp>
+      <p:sp>
+        <p:nvSpPr>
+          <p:cNvPr id="112" name="CaixaDeTexto 111">
+            <a:extLst>
+              <a:ext uri="{FF2B5EF4-FFF2-40B4-BE49-F238E27FC236}">
+                <a16:creationId xmlns:a16="http://schemas.microsoft.com/office/drawing/2014/main" id="{493E6E1F-0E69-43E5-B36D-2B8F5592B318}"/>
               </a:ext>
             </a:extLst>
           </p:cNvPr>
@@ -7486,8 +6404,8 @@
         </p:nvSpPr>
         <p:spPr>
           <a:xfrm>
-            <a:off x="1249666" y="5112331"/>
-            <a:ext cx="1005068" cy="261610"/>
+            <a:off x="10102728" y="2934652"/>
+            <a:ext cx="725030" cy="261610"/>
           </a:xfrm>
           <a:prstGeom prst="rect">
             <a:avLst/>
@@ -7502,154 +6420,6 @@
           <a:p>
             <a:pPr algn="ctr"/>
             <a:r>
-              <a:rPr lang="pt-BR" sz="1100" b="0" i="0" dirty="0">
-                <a:effectLst/>
-              </a:rPr>
-              <a:t>TeamViewer</a:t>
-            </a:r>
-            <a:endParaRPr lang="pt-BR" sz="1100" dirty="0"/>
-          </a:p>
-        </p:txBody>
-      </p:sp>
-      <p:sp>
-        <p:nvSpPr>
-          <p:cNvPr id="105" name="CaixaDeTexto 104">
-            <a:extLst>
-              <a:ext uri="{FF2B5EF4-FFF2-40B4-BE49-F238E27FC236}">
-                <a16:creationId xmlns:a16="http://schemas.microsoft.com/office/drawing/2014/main" id="{493E6E1F-0E69-43E5-B36D-2B8F5592B318}"/>
-              </a:ext>
-            </a:extLst>
-          </p:cNvPr>
-          <p:cNvSpPr txBox="1"/>
-          <p:nvPr/>
-        </p:nvSpPr>
-        <p:spPr>
-          <a:xfrm>
-            <a:off x="11176732" y="5071174"/>
-            <a:ext cx="725030" cy="261610"/>
-          </a:xfrm>
-          <a:prstGeom prst="rect">
-            <a:avLst/>
-          </a:prstGeom>
-          <a:noFill/>
-        </p:spPr>
-        <p:txBody>
-          <a:bodyPr wrap="square" rtlCol="0">
-            <a:spAutoFit/>
-          </a:bodyPr>
-          <a:lstStyle/>
-          <a:p>
-            <a:pPr algn="ctr"/>
-            <a:r>
-              <a:rPr lang="pt-BR" sz="1100" dirty="0" err="1"/>
-              <a:t>Discord</a:t>
-            </a:r>
-            <a:endParaRPr lang="pt-BR" sz="1100" dirty="0"/>
-          </a:p>
-        </p:txBody>
-      </p:sp>
-      <p:sp>
-        <p:nvSpPr>
-          <p:cNvPr id="110" name="CaixaDeTexto 109">
-            <a:extLst>
-              <a:ext uri="{FF2B5EF4-FFF2-40B4-BE49-F238E27FC236}">
-                <a16:creationId xmlns:a16="http://schemas.microsoft.com/office/drawing/2014/main" id="{493E6E1F-0E69-43E5-B36D-2B8F5592B318}"/>
-              </a:ext>
-            </a:extLst>
-          </p:cNvPr>
-          <p:cNvSpPr txBox="1"/>
-          <p:nvPr/>
-        </p:nvSpPr>
-        <p:spPr>
-          <a:xfrm>
-            <a:off x="11228147" y="4583581"/>
-            <a:ext cx="725030" cy="261610"/>
-          </a:xfrm>
-          <a:prstGeom prst="rect">
-            <a:avLst/>
-          </a:prstGeom>
-          <a:noFill/>
-        </p:spPr>
-        <p:txBody>
-          <a:bodyPr wrap="square" rtlCol="0">
-            <a:spAutoFit/>
-          </a:bodyPr>
-          <a:lstStyle/>
-          <a:p>
-            <a:pPr algn="ctr"/>
-            <a:r>
-              <a:rPr lang="pt-BR" sz="1100" dirty="0"/>
-              <a:t>Chrome</a:t>
-            </a:r>
-          </a:p>
-        </p:txBody>
-      </p:sp>
-      <p:sp>
-        <p:nvSpPr>
-          <p:cNvPr id="111" name="CaixaDeTexto 110">
-            <a:extLst>
-              <a:ext uri="{FF2B5EF4-FFF2-40B4-BE49-F238E27FC236}">
-                <a16:creationId xmlns:a16="http://schemas.microsoft.com/office/drawing/2014/main" id="{493E6E1F-0E69-43E5-B36D-2B8F5592B318}"/>
-              </a:ext>
-            </a:extLst>
-          </p:cNvPr>
-          <p:cNvSpPr txBox="1"/>
-          <p:nvPr/>
-        </p:nvSpPr>
-        <p:spPr>
-          <a:xfrm>
-            <a:off x="10064135" y="4615027"/>
-            <a:ext cx="725030" cy="261610"/>
-          </a:xfrm>
-          <a:prstGeom prst="rect">
-            <a:avLst/>
-          </a:prstGeom>
-          <a:noFill/>
-        </p:spPr>
-        <p:txBody>
-          <a:bodyPr wrap="square" rtlCol="0">
-            <a:spAutoFit/>
-          </a:bodyPr>
-          <a:lstStyle/>
-          <a:p>
-            <a:pPr algn="ctr"/>
-            <a:r>
-              <a:rPr lang="pt-BR" sz="1100" dirty="0"/>
-              <a:t>Java</a:t>
-            </a:r>
-          </a:p>
-        </p:txBody>
-      </p:sp>
-      <p:sp>
-        <p:nvSpPr>
-          <p:cNvPr id="112" name="CaixaDeTexto 111">
-            <a:extLst>
-              <a:ext uri="{FF2B5EF4-FFF2-40B4-BE49-F238E27FC236}">
-                <a16:creationId xmlns:a16="http://schemas.microsoft.com/office/drawing/2014/main" id="{493E6E1F-0E69-43E5-B36D-2B8F5592B318}"/>
-              </a:ext>
-            </a:extLst>
-          </p:cNvPr>
-          <p:cNvSpPr txBox="1"/>
-          <p:nvPr/>
-        </p:nvSpPr>
-        <p:spPr>
-          <a:xfrm>
-            <a:off x="10049723" y="5121264"/>
-            <a:ext cx="725030" cy="261610"/>
-          </a:xfrm>
-          <a:prstGeom prst="rect">
-            <a:avLst/>
-          </a:prstGeom>
-          <a:noFill/>
-        </p:spPr>
-        <p:txBody>
-          <a:bodyPr wrap="square" rtlCol="0">
-            <a:spAutoFit/>
-          </a:bodyPr>
-          <a:lstStyle/>
-          <a:p>
-            <a:pPr algn="ctr"/>
-            <a:r>
               <a:rPr lang="pt-BR" sz="1100" dirty="0"/>
               <a:t>OSHI</a:t>
             </a:r>
@@ -7670,7 +6440,7 @@
         </p:nvSpPr>
         <p:spPr>
           <a:xfrm>
-            <a:off x="8146245" y="5480437"/>
+            <a:off x="8490797" y="3293825"/>
             <a:ext cx="725030" cy="261610"/>
           </a:xfrm>
           <a:prstGeom prst="rect">
@@ -7701,7 +6471,7 @@
         </p:nvCxnSpPr>
         <p:spPr>
           <a:xfrm>
-            <a:off x="8710270" y="4994840"/>
+            <a:off x="9054822" y="2808228"/>
             <a:ext cx="672274" cy="846225"/>
           </a:xfrm>
           <a:prstGeom prst="straightConnector1">
@@ -7734,7 +6504,7 @@
         </p:nvCxnSpPr>
         <p:spPr>
           <a:xfrm flipH="1">
-            <a:off x="7622467" y="5003758"/>
+            <a:off x="7967019" y="2817146"/>
             <a:ext cx="696786" cy="849159"/>
           </a:xfrm>
           <a:prstGeom prst="straightConnector1">
@@ -7773,7 +6543,7 @@
         </p:nvSpPr>
         <p:spPr>
           <a:xfrm>
-            <a:off x="7069416" y="5860808"/>
+            <a:off x="7413968" y="3674196"/>
             <a:ext cx="1005068" cy="261610"/>
           </a:xfrm>
           <a:prstGeom prst="rect">
@@ -7812,7 +6582,7 @@
         </p:nvSpPr>
         <p:spPr>
           <a:xfrm>
-            <a:off x="8929558" y="5877537"/>
+            <a:off x="9274110" y="3690925"/>
             <a:ext cx="1005068" cy="261610"/>
           </a:xfrm>
           <a:prstGeom prst="rect">
@@ -7848,7 +6618,7 @@
         </p:nvSpPr>
         <p:spPr>
           <a:xfrm>
-            <a:off x="10637668" y="4589818"/>
+            <a:off x="10690673" y="2403206"/>
             <a:ext cx="795558" cy="430887"/>
           </a:xfrm>
           <a:prstGeom prst="rect">
@@ -7870,42 +6640,12 @@
           </a:p>
         </p:txBody>
       </p:sp>
-    </p:spTree>
-    <p:extLst>
-      <p:ext uri="{BB962C8B-B14F-4D97-AF65-F5344CB8AC3E}">
-        <p14:creationId xmlns:p14="http://schemas.microsoft.com/office/powerpoint/2010/main" val="470251281"/>
-      </p:ext>
-    </p:extLst>
-  </p:cSld>
-  <p:clrMapOvr>
-    <a:masterClrMapping/>
-  </p:clrMapOvr>
-</p:sld>
-</file>
-
-<file path=ppt/slides/slide2.xml><?xml version="1.0" encoding="utf-8"?>
-<p:sld xmlns:a="http://schemas.openxmlformats.org/drawingml/2006/main" xmlns:r="http://schemas.openxmlformats.org/officeDocument/2006/relationships" xmlns:p="http://schemas.openxmlformats.org/presentationml/2006/main">
-  <p:cSld>
-    <p:spTree>
-      <p:nvGrpSpPr>
-        <p:cNvPr id="1" name=""/>
-        <p:cNvGrpSpPr/>
-        <p:nvPr/>
-      </p:nvGrpSpPr>
-      <p:grpSpPr>
-        <a:xfrm>
-          <a:off x="0" y="0"/>
-          <a:ext cx="0" cy="0"/>
-          <a:chOff x="0" y="0"/>
-          <a:chExt cx="0" cy="0"/>
-        </a:xfrm>
-      </p:grpSpPr>
-      <p:sp>
-        <p:nvSpPr>
-          <p:cNvPr id="93" name="Nuvem 65">
-            <a:extLst>
-              <a:ext uri="{FF2B5EF4-FFF2-40B4-BE49-F238E27FC236}">
-                <a16:creationId xmlns:a16="http://schemas.microsoft.com/office/drawing/2014/main" id="{08D52291-CF3F-48FF-9288-9AADF4C09980}"/>
+      <p:sp>
+        <p:nvSpPr>
+          <p:cNvPr id="152" name="Retângulo 4">
+            <a:extLst>
+              <a:ext uri="{FF2B5EF4-FFF2-40B4-BE49-F238E27FC236}">
+                <a16:creationId xmlns:a16="http://schemas.microsoft.com/office/drawing/2014/main" id="{6ABF6B95-BE9C-4E54-BCF9-F8F611C3B276}"/>
               </a:ext>
             </a:extLst>
           </p:cNvPr>
@@ -7913,72 +6653,18 @@
           <p:nvPr/>
         </p:nvSpPr>
         <p:spPr>
-          <a:xfrm rot="11256504">
-            <a:off x="9894229" y="1252985"/>
-            <a:ext cx="2254156" cy="2377509"/>
-          </a:xfrm>
-          <a:prstGeom prst="cloud">
+          <a:xfrm>
+            <a:off x="51002" y="1503464"/>
+            <a:ext cx="4561663" cy="3035809"/>
+          </a:xfrm>
+          <a:prstGeom prst="rect">
             <a:avLst/>
           </a:prstGeom>
           <a:solidFill>
-            <a:schemeClr val="accent5">
-              <a:lumMod val="20000"/>
-              <a:lumOff val="80000"/>
+            <a:schemeClr val="bg1">
+              <a:lumMod val="95000"/>
             </a:schemeClr>
           </a:solidFill>
-        </p:spPr>
-        <p:style>
-          <a:lnRef idx="1">
-            <a:schemeClr val="accent5"/>
-          </a:lnRef>
-          <a:fillRef idx="2">
-            <a:schemeClr val="accent5"/>
-          </a:fillRef>
-          <a:effectRef idx="1">
-            <a:schemeClr val="accent5"/>
-          </a:effectRef>
-          <a:fontRef idx="minor">
-            <a:schemeClr val="dk1"/>
-          </a:fontRef>
-        </p:style>
-        <p:txBody>
-          <a:bodyPr rtlCol="0" anchor="ctr"/>
-          <a:lstStyle/>
-          <a:p>
-            <a:pPr algn="ctr"/>
-            <a:endParaRPr lang="pt-BR"/>
-          </a:p>
-        </p:txBody>
-      </p:sp>
-      <p:sp>
-        <p:nvSpPr>
-          <p:cNvPr id="107" name="Retângulo 106">
-            <a:extLst>
-              <a:ext uri="{FF2B5EF4-FFF2-40B4-BE49-F238E27FC236}">
-                <a16:creationId xmlns:a16="http://schemas.microsoft.com/office/drawing/2014/main" id="{60CACDFA-9B28-4334-A246-8BD0F6F09A61}"/>
-              </a:ext>
-            </a:extLst>
-          </p:cNvPr>
-          <p:cNvSpPr/>
-          <p:nvPr/>
-        </p:nvSpPr>
-        <p:spPr>
-          <a:xfrm>
-            <a:off x="10344318" y="2159773"/>
-            <a:ext cx="1358750" cy="1180302"/>
-          </a:xfrm>
-          <a:prstGeom prst="rect">
-            <a:avLst/>
-          </a:prstGeom>
-          <a:solidFill>
-            <a:schemeClr val="accent5">
-              <a:lumMod val="40000"/>
-              <a:lumOff val="60000"/>
-            </a:schemeClr>
-          </a:solidFill>
-          <a:effectLst>
-            <a:softEdge rad="31750"/>
-          </a:effectLst>
         </p:spPr>
         <p:style>
           <a:lnRef idx="2">
@@ -8007,479 +6693,10 @@
       </p:sp>
       <p:sp>
         <p:nvSpPr>
-          <p:cNvPr id="20" name="Nuvem 65">
-            <a:extLst>
-              <a:ext uri="{FF2B5EF4-FFF2-40B4-BE49-F238E27FC236}">
-                <a16:creationId xmlns:a16="http://schemas.microsoft.com/office/drawing/2014/main" id="{08D52291-CF3F-48FF-9288-9AADF4C09980}"/>
-              </a:ext>
-            </a:extLst>
-          </p:cNvPr>
-          <p:cNvSpPr/>
-          <p:nvPr/>
-        </p:nvSpPr>
-        <p:spPr>
-          <a:xfrm rot="11256504">
-            <a:off x="5140035" y="229697"/>
-            <a:ext cx="1497471" cy="1442812"/>
-          </a:xfrm>
-          <a:prstGeom prst="cloud">
-            <a:avLst/>
-          </a:prstGeom>
-          <a:solidFill>
-            <a:schemeClr val="accent5">
-              <a:lumMod val="20000"/>
-              <a:lumOff val="80000"/>
-            </a:schemeClr>
-          </a:solidFill>
-        </p:spPr>
-        <p:style>
-          <a:lnRef idx="1">
-            <a:schemeClr val="accent5"/>
-          </a:lnRef>
-          <a:fillRef idx="2">
-            <a:schemeClr val="accent5"/>
-          </a:fillRef>
-          <a:effectRef idx="1">
-            <a:schemeClr val="accent5"/>
-          </a:effectRef>
-          <a:fontRef idx="minor">
-            <a:schemeClr val="dk1"/>
-          </a:fontRef>
-        </p:style>
-        <p:txBody>
-          <a:bodyPr rtlCol="0" anchor="ctr"/>
-          <a:lstStyle/>
-          <a:p>
-            <a:pPr algn="ctr"/>
-            <a:endParaRPr lang="pt-BR"/>
-          </a:p>
-        </p:txBody>
-      </p:sp>
-      <p:sp>
-        <p:nvSpPr>
-          <p:cNvPr id="5" name="Retângulo 4">
-            <a:extLst>
-              <a:ext uri="{FF2B5EF4-FFF2-40B4-BE49-F238E27FC236}">
-                <a16:creationId xmlns:a16="http://schemas.microsoft.com/office/drawing/2014/main" id="{C13C096A-7414-4419-807A-C2068EAEE71D}"/>
-              </a:ext>
-            </a:extLst>
-          </p:cNvPr>
-          <p:cNvSpPr/>
-          <p:nvPr/>
-        </p:nvSpPr>
-        <p:spPr>
-          <a:xfrm>
-            <a:off x="209767" y="3524610"/>
-            <a:ext cx="4869010" cy="3214527"/>
-          </a:xfrm>
-          <a:prstGeom prst="rect">
-            <a:avLst/>
-          </a:prstGeom>
-          <a:solidFill>
-            <a:schemeClr val="bg1">
-              <a:lumMod val="95000"/>
-            </a:schemeClr>
-          </a:solidFill>
-        </p:spPr>
-        <p:style>
-          <a:lnRef idx="2">
-            <a:schemeClr val="accent1">
-              <a:shade val="50000"/>
-            </a:schemeClr>
-          </a:lnRef>
-          <a:fillRef idx="1">
-            <a:schemeClr val="accent1"/>
-          </a:fillRef>
-          <a:effectRef idx="0">
-            <a:schemeClr val="accent1"/>
-          </a:effectRef>
-          <a:fontRef idx="minor">
-            <a:schemeClr val="lt1"/>
-          </a:fontRef>
-        </p:style>
-        <p:txBody>
-          <a:bodyPr rtlCol="0" anchor="ctr"/>
-          <a:lstStyle/>
-          <a:p>
-            <a:pPr algn="ctr"/>
-            <a:endParaRPr lang="pt-BR"/>
-          </a:p>
-        </p:txBody>
-      </p:sp>
-      <p:sp>
-        <p:nvSpPr>
-          <p:cNvPr id="91" name="Retângulo: Único Canto Recortado 90">
-            <a:extLst>
-              <a:ext uri="{FF2B5EF4-FFF2-40B4-BE49-F238E27FC236}">
-                <a16:creationId xmlns:a16="http://schemas.microsoft.com/office/drawing/2014/main" id="{397F0654-A91A-4F2E-B6A6-2236EE14A546}"/>
-              </a:ext>
-            </a:extLst>
-          </p:cNvPr>
-          <p:cNvSpPr/>
-          <p:nvPr/>
-        </p:nvSpPr>
-        <p:spPr>
-          <a:xfrm>
-            <a:off x="2511272" y="4362226"/>
-            <a:ext cx="1625416" cy="1069261"/>
-          </a:xfrm>
-          <a:prstGeom prst="snip1Rect">
-            <a:avLst/>
-          </a:prstGeom>
-          <a:solidFill>
-            <a:schemeClr val="accent1">
-              <a:lumMod val="60000"/>
-              <a:lumOff val="40000"/>
-            </a:schemeClr>
-          </a:solidFill>
-        </p:spPr>
-        <p:style>
-          <a:lnRef idx="2">
-            <a:schemeClr val="accent1">
-              <a:shade val="50000"/>
-            </a:schemeClr>
-          </a:lnRef>
-          <a:fillRef idx="1">
-            <a:schemeClr val="accent1"/>
-          </a:fillRef>
-          <a:effectRef idx="0">
-            <a:schemeClr val="accent1"/>
-          </a:effectRef>
-          <a:fontRef idx="minor">
-            <a:schemeClr val="lt1"/>
-          </a:fontRef>
-        </p:style>
-        <p:txBody>
-          <a:bodyPr rtlCol="0" anchor="ctr"/>
-          <a:lstStyle/>
-          <a:p>
-            <a:pPr algn="ctr"/>
-            <a:endParaRPr lang="pt-BR"/>
-          </a:p>
-        </p:txBody>
-      </p:sp>
-      <p:sp>
-        <p:nvSpPr>
-          <p:cNvPr id="66" name="Nuvem 65">
-            <a:extLst>
-              <a:ext uri="{FF2B5EF4-FFF2-40B4-BE49-F238E27FC236}">
-                <a16:creationId xmlns:a16="http://schemas.microsoft.com/office/drawing/2014/main" id="{C75E96A7-432B-4D75-A941-A10D267ED158}"/>
-              </a:ext>
-            </a:extLst>
-          </p:cNvPr>
-          <p:cNvSpPr/>
-          <p:nvPr/>
-        </p:nvSpPr>
-        <p:spPr>
-          <a:xfrm rot="11256504">
-            <a:off x="6683463" y="566796"/>
-            <a:ext cx="3107092" cy="2249662"/>
-          </a:xfrm>
-          <a:prstGeom prst="cloud">
-            <a:avLst/>
-          </a:prstGeom>
-          <a:solidFill>
-            <a:schemeClr val="accent5">
-              <a:lumMod val="20000"/>
-              <a:lumOff val="80000"/>
-            </a:schemeClr>
-          </a:solidFill>
-        </p:spPr>
-        <p:style>
-          <a:lnRef idx="1">
-            <a:schemeClr val="accent5"/>
-          </a:lnRef>
-          <a:fillRef idx="2">
-            <a:schemeClr val="accent5"/>
-          </a:fillRef>
-          <a:effectRef idx="1">
-            <a:schemeClr val="accent5"/>
-          </a:effectRef>
-          <a:fontRef idx="minor">
-            <a:schemeClr val="dk1"/>
-          </a:fontRef>
-        </p:style>
-        <p:txBody>
-          <a:bodyPr rtlCol="0" anchor="ctr"/>
-          <a:lstStyle/>
-          <a:p>
-            <a:pPr algn="ctr"/>
-            <a:endParaRPr lang="pt-BR"/>
-          </a:p>
-        </p:txBody>
-      </p:sp>
-      <p:sp>
-        <p:nvSpPr>
-          <p:cNvPr id="33" name="Retângulo 32">
-            <a:extLst>
-              <a:ext uri="{FF2B5EF4-FFF2-40B4-BE49-F238E27FC236}">
-                <a16:creationId xmlns:a16="http://schemas.microsoft.com/office/drawing/2014/main" id="{60CACDFA-9B28-4334-A246-8BD0F6F09A61}"/>
-              </a:ext>
-            </a:extLst>
-          </p:cNvPr>
-          <p:cNvSpPr/>
-          <p:nvPr/>
-        </p:nvSpPr>
-        <p:spPr>
-          <a:xfrm>
-            <a:off x="7735542" y="1532300"/>
-            <a:ext cx="979329" cy="884828"/>
-          </a:xfrm>
-          <a:prstGeom prst="rect">
-            <a:avLst/>
-          </a:prstGeom>
-          <a:solidFill>
-            <a:schemeClr val="accent5">
-              <a:lumMod val="40000"/>
-              <a:lumOff val="60000"/>
-            </a:schemeClr>
-          </a:solidFill>
-          <a:effectLst>
-            <a:softEdge rad="31750"/>
-          </a:effectLst>
-        </p:spPr>
-        <p:style>
-          <a:lnRef idx="2">
-            <a:schemeClr val="accent1">
-              <a:shade val="50000"/>
-            </a:schemeClr>
-          </a:lnRef>
-          <a:fillRef idx="1">
-            <a:schemeClr val="accent1"/>
-          </a:fillRef>
-          <a:effectRef idx="0">
-            <a:schemeClr val="accent1"/>
-          </a:effectRef>
-          <a:fontRef idx="minor">
-            <a:schemeClr val="lt1"/>
-          </a:fontRef>
-        </p:style>
-        <p:txBody>
-          <a:bodyPr rtlCol="0" anchor="ctr"/>
-          <a:lstStyle/>
-          <a:p>
-            <a:pPr algn="ctr"/>
-            <a:endParaRPr lang="pt-BR"/>
-          </a:p>
-        </p:txBody>
-      </p:sp>
-      <p:sp>
-        <p:nvSpPr>
-          <p:cNvPr id="13" name="Nuvem 12">
-            <a:extLst>
-              <a:ext uri="{FF2B5EF4-FFF2-40B4-BE49-F238E27FC236}">
-                <a16:creationId xmlns:a16="http://schemas.microsoft.com/office/drawing/2014/main" id="{11CE70A0-4E09-489F-A8B5-2FF904DDF62B}"/>
-              </a:ext>
-            </a:extLst>
-          </p:cNvPr>
-          <p:cNvSpPr/>
-          <p:nvPr/>
-        </p:nvSpPr>
-        <p:spPr>
-          <a:xfrm rot="11256504">
-            <a:off x="388569" y="174476"/>
-            <a:ext cx="4684710" cy="3012397"/>
-          </a:xfrm>
-          <a:prstGeom prst="cloud">
-            <a:avLst/>
-          </a:prstGeom>
-          <a:solidFill>
-            <a:schemeClr val="accent5">
-              <a:lumMod val="20000"/>
-              <a:lumOff val="80000"/>
-            </a:schemeClr>
-          </a:solidFill>
-        </p:spPr>
-        <p:style>
-          <a:lnRef idx="1">
-            <a:schemeClr val="accent5"/>
-          </a:lnRef>
-          <a:fillRef idx="2">
-            <a:schemeClr val="accent5"/>
-          </a:fillRef>
-          <a:effectRef idx="1">
-            <a:schemeClr val="accent5"/>
-          </a:effectRef>
-          <a:fontRef idx="minor">
-            <a:schemeClr val="dk1"/>
-          </a:fontRef>
-        </p:style>
-        <p:txBody>
-          <a:bodyPr rtlCol="0" anchor="ctr"/>
-          <a:lstStyle/>
-          <a:p>
-            <a:pPr algn="ctr"/>
-            <a:endParaRPr lang="pt-BR"/>
-          </a:p>
-        </p:txBody>
-      </p:sp>
-      <p:sp>
-        <p:nvSpPr>
-          <p:cNvPr id="31" name="Retângulo 30">
-            <a:extLst>
-              <a:ext uri="{FF2B5EF4-FFF2-40B4-BE49-F238E27FC236}">
-                <a16:creationId xmlns:a16="http://schemas.microsoft.com/office/drawing/2014/main" id="{1DFD4028-EF29-4EC8-9538-927953410589}"/>
-              </a:ext>
-            </a:extLst>
-          </p:cNvPr>
-          <p:cNvSpPr/>
-          <p:nvPr/>
-        </p:nvSpPr>
-        <p:spPr>
-          <a:xfrm>
-            <a:off x="1040311" y="1078309"/>
-            <a:ext cx="1493618" cy="1452353"/>
-          </a:xfrm>
-          <a:prstGeom prst="rect">
-            <a:avLst/>
-          </a:prstGeom>
-          <a:solidFill>
-            <a:schemeClr val="accent5">
-              <a:lumMod val="40000"/>
-              <a:lumOff val="60000"/>
-            </a:schemeClr>
-          </a:solidFill>
-          <a:effectLst>
-            <a:softEdge rad="31750"/>
-          </a:effectLst>
-        </p:spPr>
-        <p:style>
-          <a:lnRef idx="2">
-            <a:schemeClr val="accent1">
-              <a:shade val="50000"/>
-            </a:schemeClr>
-          </a:lnRef>
-          <a:fillRef idx="1">
-            <a:schemeClr val="accent1"/>
-          </a:fillRef>
-          <a:effectRef idx="0">
-            <a:schemeClr val="accent1"/>
-          </a:effectRef>
-          <a:fontRef idx="minor">
-            <a:schemeClr val="lt1"/>
-          </a:fontRef>
-        </p:style>
-        <p:txBody>
-          <a:bodyPr rtlCol="0" anchor="ctr"/>
-          <a:lstStyle/>
-          <a:p>
-            <a:pPr algn="ctr"/>
-            <a:endParaRPr lang="pt-BR"/>
-          </a:p>
-        </p:txBody>
-      </p:sp>
-      <p:sp>
-        <p:nvSpPr>
-          <p:cNvPr id="30" name="Retângulo 29">
-            <a:extLst>
-              <a:ext uri="{FF2B5EF4-FFF2-40B4-BE49-F238E27FC236}">
-                <a16:creationId xmlns:a16="http://schemas.microsoft.com/office/drawing/2014/main" id="{05D32B25-385C-4D1C-A7C9-56E0DD46888A}"/>
-              </a:ext>
-            </a:extLst>
-          </p:cNvPr>
-          <p:cNvSpPr/>
-          <p:nvPr/>
-        </p:nvSpPr>
-        <p:spPr>
-          <a:xfrm>
-            <a:off x="2859869" y="1078309"/>
-            <a:ext cx="1679632" cy="1502643"/>
-          </a:xfrm>
-          <a:prstGeom prst="rect">
-            <a:avLst/>
-          </a:prstGeom>
-          <a:solidFill>
-            <a:schemeClr val="accent5">
-              <a:lumMod val="40000"/>
-              <a:lumOff val="60000"/>
-            </a:schemeClr>
-          </a:solidFill>
-          <a:effectLst>
-            <a:softEdge rad="31750"/>
-          </a:effectLst>
-        </p:spPr>
-        <p:style>
-          <a:lnRef idx="2">
-            <a:schemeClr val="accent1">
-              <a:shade val="50000"/>
-            </a:schemeClr>
-          </a:lnRef>
-          <a:fillRef idx="1">
-            <a:schemeClr val="accent1"/>
-          </a:fillRef>
-          <a:effectRef idx="0">
-            <a:schemeClr val="accent1"/>
-          </a:effectRef>
-          <a:fontRef idx="minor">
-            <a:schemeClr val="lt1"/>
-          </a:fontRef>
-        </p:style>
-        <p:txBody>
-          <a:bodyPr rtlCol="0" anchor="ctr"/>
-          <a:lstStyle/>
-          <a:p>
-            <a:pPr algn="ctr"/>
-            <a:endParaRPr lang="pt-BR"/>
-          </a:p>
-        </p:txBody>
-      </p:sp>
-      <p:sp>
-        <p:nvSpPr>
-          <p:cNvPr id="15" name="Retângulo 14">
-            <a:extLst>
-              <a:ext uri="{FF2B5EF4-FFF2-40B4-BE49-F238E27FC236}">
-                <a16:creationId xmlns:a16="http://schemas.microsoft.com/office/drawing/2014/main" id="{E4AFB33D-FD87-433F-B41A-A60714A7325C}"/>
-              </a:ext>
-            </a:extLst>
-          </p:cNvPr>
-          <p:cNvSpPr/>
-          <p:nvPr/>
-        </p:nvSpPr>
-        <p:spPr>
-          <a:xfrm>
-            <a:off x="7113223" y="3703328"/>
-            <a:ext cx="4969920" cy="3035809"/>
-          </a:xfrm>
-          <a:prstGeom prst="rect">
-            <a:avLst/>
-          </a:prstGeom>
-          <a:solidFill>
-            <a:schemeClr val="bg1">
-              <a:lumMod val="95000"/>
-            </a:schemeClr>
-          </a:solidFill>
-        </p:spPr>
-        <p:style>
-          <a:lnRef idx="2">
-            <a:schemeClr val="accent1">
-              <a:shade val="50000"/>
-            </a:schemeClr>
-          </a:lnRef>
-          <a:fillRef idx="1">
-            <a:schemeClr val="accent1"/>
-          </a:fillRef>
-          <a:effectRef idx="0">
-            <a:schemeClr val="accent1"/>
-          </a:effectRef>
-          <a:fontRef idx="minor">
-            <a:schemeClr val="lt1"/>
-          </a:fontRef>
-        </p:style>
-        <p:txBody>
-          <a:bodyPr rtlCol="0" anchor="ctr"/>
-          <a:lstStyle/>
-          <a:p>
-            <a:pPr algn="ctr"/>
-            <a:endParaRPr lang="pt-BR"/>
-          </a:p>
-        </p:txBody>
-      </p:sp>
-      <p:sp>
-        <p:nvSpPr>
-          <p:cNvPr id="32" name="CaixaDeTexto 31">
-            <a:extLst>
-              <a:ext uri="{FF2B5EF4-FFF2-40B4-BE49-F238E27FC236}">
-                <a16:creationId xmlns:a16="http://schemas.microsoft.com/office/drawing/2014/main" id="{D4C46B90-BC4F-4233-9E10-FB926E8C4403}"/>
+          <p:cNvPr id="157" name="CaixaDeTexto 31">
+            <a:extLst>
+              <a:ext uri="{FF2B5EF4-FFF2-40B4-BE49-F238E27FC236}">
+                <a16:creationId xmlns:a16="http://schemas.microsoft.com/office/drawing/2014/main" id="{78AC03AD-B422-4D67-8F65-74E43B441AE2}"/>
               </a:ext>
             </a:extLst>
           </p:cNvPr>
@@ -8488,7 +6705,7 @@
         </p:nvSpPr>
         <p:spPr>
           <a:xfrm>
-            <a:off x="1325644" y="3627601"/>
+            <a:off x="1068009" y="1552197"/>
             <a:ext cx="2416570" cy="369332"/>
           </a:xfrm>
           <a:prstGeom prst="rect">
@@ -8510,84 +6727,12 @@
           </a:p>
         </p:txBody>
       </p:sp>
-      <p:sp>
-        <p:nvSpPr>
-          <p:cNvPr id="34" name="CaixaDeTexto 33">
-            <a:extLst>
-              <a:ext uri="{FF2B5EF4-FFF2-40B4-BE49-F238E27FC236}">
-                <a16:creationId xmlns:a16="http://schemas.microsoft.com/office/drawing/2014/main" id="{B7B92D03-8C90-4E4F-981A-03A7CCFFE895}"/>
-              </a:ext>
-            </a:extLst>
-          </p:cNvPr>
-          <p:cNvSpPr txBox="1"/>
-          <p:nvPr/>
-        </p:nvSpPr>
-        <p:spPr>
-          <a:xfrm>
-            <a:off x="8518292" y="3833175"/>
-            <a:ext cx="2416570" cy="369332"/>
-          </a:xfrm>
-          <a:prstGeom prst="rect">
-            <a:avLst/>
-          </a:prstGeom>
-          <a:noFill/>
-        </p:spPr>
-        <p:txBody>
-          <a:bodyPr wrap="square" rtlCol="0">
-            <a:spAutoFit/>
-          </a:bodyPr>
-          <a:lstStyle/>
-          <a:p>
-            <a:pPr algn="ctr"/>
-            <a:r>
-              <a:rPr lang="pt-BR" dirty="0"/>
-              <a:t>Camada do Usuário</a:t>
-            </a:r>
-          </a:p>
-        </p:txBody>
-      </p:sp>
-      <p:sp>
-        <p:nvSpPr>
-          <p:cNvPr id="36" name="CaixaDeTexto 35">
-            <a:extLst>
-              <a:ext uri="{FF2B5EF4-FFF2-40B4-BE49-F238E27FC236}">
-                <a16:creationId xmlns:a16="http://schemas.microsoft.com/office/drawing/2014/main" id="{D255E0C9-0ABC-43A4-AD49-BA2B33ACB6D9}"/>
-              </a:ext>
-            </a:extLst>
-          </p:cNvPr>
-          <p:cNvSpPr txBox="1"/>
-          <p:nvPr/>
-        </p:nvSpPr>
-        <p:spPr>
-          <a:xfrm>
-            <a:off x="1300713" y="670376"/>
-            <a:ext cx="2416570" cy="461665"/>
-          </a:xfrm>
-          <a:prstGeom prst="rect">
-            <a:avLst/>
-          </a:prstGeom>
-          <a:noFill/>
-        </p:spPr>
-        <p:txBody>
-          <a:bodyPr wrap="square" rtlCol="0">
-            <a:spAutoFit/>
-          </a:bodyPr>
-          <a:lstStyle/>
-          <a:p>
-            <a:pPr algn="ctr"/>
-            <a:r>
-              <a:rPr lang="pt-BR" sz="2400" dirty="0"/>
-              <a:t>Azure</a:t>
-            </a:r>
-          </a:p>
-        </p:txBody>
-      </p:sp>
       <p:pic>
         <p:nvPicPr>
-          <p:cNvPr id="39" name="Imagem 38">
-            <a:extLst>
-              <a:ext uri="{FF2B5EF4-FFF2-40B4-BE49-F238E27FC236}">
-                <a16:creationId xmlns:a16="http://schemas.microsoft.com/office/drawing/2014/main" id="{83E7915B-A7AD-4A1F-9F12-45B511EAAF79}"/>
+          <p:cNvPr id="158" name="Imagem 38">
+            <a:extLst>
+              <a:ext uri="{FF2B5EF4-FFF2-40B4-BE49-F238E27FC236}">
+                <a16:creationId xmlns:a16="http://schemas.microsoft.com/office/drawing/2014/main" id="{18A12F80-88DD-41F8-B4AB-4A0CCBF5D833}"/>
               </a:ext>
             </a:extLst>
           </p:cNvPr>
@@ -8604,8 +6749,8 @@
         </p:blipFill>
         <p:spPr>
           <a:xfrm>
-            <a:off x="271924" y="4244052"/>
-            <a:ext cx="2201668" cy="2122310"/>
+            <a:off x="46625" y="2142855"/>
+            <a:ext cx="2141244" cy="2064064"/>
           </a:xfrm>
           <a:prstGeom prst="rect">
             <a:avLst/>
@@ -8614,40 +6759,10 @@
       </p:pic>
       <p:pic>
         <p:nvPicPr>
-          <p:cNvPr id="51" name="Imagem 50">
-            <a:extLst>
-              <a:ext uri="{FF2B5EF4-FFF2-40B4-BE49-F238E27FC236}">
-                <a16:creationId xmlns:a16="http://schemas.microsoft.com/office/drawing/2014/main" id="{F5763FE3-0FC9-4422-92B1-5542BE16E2D4}"/>
-              </a:ext>
-            </a:extLst>
-          </p:cNvPr>
-          <p:cNvPicPr>
-            <a:picLocks noChangeAspect="1"/>
-          </p:cNvPicPr>
-          <p:nvPr/>
-        </p:nvPicPr>
-        <p:blipFill>
-          <a:blip r:embed="rId2"/>
-          <a:stretch>
-            <a:fillRect/>
-          </a:stretch>
-        </p:blipFill>
-        <p:spPr>
-          <a:xfrm>
-            <a:off x="9848785" y="4132509"/>
-            <a:ext cx="2234676" cy="2369891"/>
-          </a:xfrm>
-          <a:prstGeom prst="rect">
-            <a:avLst/>
-          </a:prstGeom>
-        </p:spPr>
-      </p:pic>
-      <p:pic>
-        <p:nvPicPr>
-          <p:cNvPr id="53" name="Imagem 52">
-            <a:extLst>
-              <a:ext uri="{FF2B5EF4-FFF2-40B4-BE49-F238E27FC236}">
-                <a16:creationId xmlns:a16="http://schemas.microsoft.com/office/drawing/2014/main" id="{0B4D6C52-77C5-4A57-A299-05AA26BEB359}"/>
+          <p:cNvPr id="159" name="Imagem 52">
+            <a:extLst>
+              <a:ext uri="{FF2B5EF4-FFF2-40B4-BE49-F238E27FC236}">
+                <a16:creationId xmlns:a16="http://schemas.microsoft.com/office/drawing/2014/main" id="{A2788DE9-66EA-4002-946F-87334B78EFF9}"/>
               </a:ext>
             </a:extLst>
           </p:cNvPr>
@@ -8664,37 +6779,7 @@
         </p:blipFill>
         <p:spPr>
           <a:xfrm>
-            <a:off x="4590533" y="4508464"/>
-            <a:ext cx="419875" cy="417420"/>
-          </a:xfrm>
-          <a:prstGeom prst="rect">
-            <a:avLst/>
-          </a:prstGeom>
-        </p:spPr>
-      </p:pic>
-      <p:pic>
-        <p:nvPicPr>
-          <p:cNvPr id="55" name="Imagem 54">
-            <a:extLst>
-              <a:ext uri="{FF2B5EF4-FFF2-40B4-BE49-F238E27FC236}">
-                <a16:creationId xmlns:a16="http://schemas.microsoft.com/office/drawing/2014/main" id="{27980C2D-8228-4655-A73E-87903645A8C8}"/>
-              </a:ext>
-            </a:extLst>
-          </p:cNvPr>
-          <p:cNvPicPr>
-            <a:picLocks noChangeAspect="1"/>
-          </p:cNvPicPr>
-          <p:nvPr/>
-        </p:nvPicPr>
-        <p:blipFill>
-          <a:blip r:embed="rId3"/>
-          <a:stretch>
-            <a:fillRect/>
-          </a:stretch>
-        </p:blipFill>
-        <p:spPr>
-          <a:xfrm>
-            <a:off x="7143959" y="4577420"/>
+            <a:off x="4155839" y="3346456"/>
             <a:ext cx="419875" cy="417420"/>
           </a:xfrm>
           <a:prstGeom prst="rect">
@@ -8704,10 +6789,10 @@
       </p:pic>
       <p:cxnSp>
         <p:nvCxnSpPr>
-          <p:cNvPr id="61" name="Conector de Seta Reta 60">
-            <a:extLst>
-              <a:ext uri="{FF2B5EF4-FFF2-40B4-BE49-F238E27FC236}">
-                <a16:creationId xmlns:a16="http://schemas.microsoft.com/office/drawing/2014/main" id="{666A7D21-505E-4FDD-BD7C-7AFEC123373A}"/>
+          <p:cNvPr id="160" name="Conector reto 93">
+            <a:extLst>
+              <a:ext uri="{FF2B5EF4-FFF2-40B4-BE49-F238E27FC236}">
+                <a16:creationId xmlns:a16="http://schemas.microsoft.com/office/drawing/2014/main" id="{396FA1CB-5B20-487F-B6BE-4AE859B00300}"/>
               </a:ext>
             </a:extLst>
           </p:cNvPr>
@@ -8717,38 +6802,73 @@
           <p:nvPr/>
         </p:nvCxnSpPr>
         <p:spPr>
-          <a:xfrm flipH="1" flipV="1">
-            <a:off x="4669579" y="2396700"/>
-            <a:ext cx="2461460" cy="1965526"/>
-          </a:xfrm>
-          <a:prstGeom prst="straightConnector1">
-            <a:avLst/>
-          </a:prstGeom>
-          <a:ln>
-            <a:tailEnd type="triangle"/>
-          </a:ln>
+          <a:xfrm flipV="1">
+            <a:off x="1988433" y="2223456"/>
+            <a:ext cx="239054" cy="163300"/>
+          </a:xfrm>
+          <a:prstGeom prst="line">
+            <a:avLst/>
+          </a:prstGeom>
         </p:spPr>
         <p:style>
           <a:lnRef idx="3">
-            <a:schemeClr val="dk1"/>
+            <a:schemeClr val="accent1"/>
           </a:lnRef>
           <a:fillRef idx="0">
-            <a:schemeClr val="dk1"/>
+            <a:schemeClr val="accent1"/>
           </a:fillRef>
           <a:effectRef idx="2">
-            <a:schemeClr val="dk1"/>
+            <a:schemeClr val="accent1"/>
           </a:effectRef>
           <a:fontRef idx="minor">
             <a:schemeClr val="tx1"/>
           </a:fontRef>
         </p:style>
       </p:cxnSp>
-      <p:sp>
-        <p:nvSpPr>
-          <p:cNvPr id="68" name="CaixaDeTexto 67">
-            <a:extLst>
-              <a:ext uri="{FF2B5EF4-FFF2-40B4-BE49-F238E27FC236}">
-                <a16:creationId xmlns:a16="http://schemas.microsoft.com/office/drawing/2014/main" id="{F611572D-B54F-4E36-B062-379FBAC6FE2E}"/>
+      <p:cxnSp>
+        <p:nvCxnSpPr>
+          <p:cNvPr id="161" name="Conector reto 94">
+            <a:extLst>
+              <a:ext uri="{FF2B5EF4-FFF2-40B4-BE49-F238E27FC236}">
+                <a16:creationId xmlns:a16="http://schemas.microsoft.com/office/drawing/2014/main" id="{4D944A5F-ADAB-4B3C-B8C3-2D2C55C83D6F}"/>
+              </a:ext>
+            </a:extLst>
+          </p:cNvPr>
+          <p:cNvCxnSpPr>
+            <a:cxnSpLocks/>
+          </p:cNvCxnSpPr>
+          <p:nvPr/>
+        </p:nvCxnSpPr>
+        <p:spPr>
+          <a:xfrm>
+            <a:off x="1977439" y="3095511"/>
+            <a:ext cx="237126" cy="130880"/>
+          </a:xfrm>
+          <a:prstGeom prst="line">
+            <a:avLst/>
+          </a:prstGeom>
+        </p:spPr>
+        <p:style>
+          <a:lnRef idx="3">
+            <a:schemeClr val="accent1"/>
+          </a:lnRef>
+          <a:fillRef idx="0">
+            <a:schemeClr val="accent1"/>
+          </a:fillRef>
+          <a:effectRef idx="2">
+            <a:schemeClr val="accent1"/>
+          </a:effectRef>
+          <a:fontRef idx="minor">
+            <a:schemeClr val="tx1"/>
+          </a:fontRef>
+        </p:style>
+      </p:cxnSp>
+      <p:sp>
+        <p:nvSpPr>
+          <p:cNvPr id="162" name="CaixaDeTexto 114">
+            <a:extLst>
+              <a:ext uri="{FF2B5EF4-FFF2-40B4-BE49-F238E27FC236}">
+                <a16:creationId xmlns:a16="http://schemas.microsoft.com/office/drawing/2014/main" id="{AD9C3EC0-C9F7-48B2-82F4-F2CA3B54884E}"/>
               </a:ext>
             </a:extLst>
           </p:cNvPr>
@@ -8757,8 +6877,8 @@
         </p:nvSpPr>
         <p:spPr>
           <a:xfrm>
-            <a:off x="6774533" y="1114225"/>
-            <a:ext cx="2416570" cy="400110"/>
+            <a:off x="290290" y="4100344"/>
+            <a:ext cx="1755372" cy="430887"/>
           </a:xfrm>
           <a:prstGeom prst="rect">
             <a:avLst/>
@@ -8773,163 +6893,18 @@
           <a:p>
             <a:pPr algn="ctr"/>
             <a:r>
-              <a:rPr lang="pt-BR" sz="2000" b="0" i="0" dirty="0">
-                <a:effectLst/>
-              </a:rPr>
-              <a:t>Cloudflare</a:t>
-            </a:r>
-            <a:endParaRPr lang="pt-BR" sz="2000" dirty="0"/>
-          </a:p>
-        </p:txBody>
-      </p:sp>
-      <p:pic>
-        <p:nvPicPr>
-          <p:cNvPr id="1026" name="Picture 2" descr="cloudflare - BOM DIA Luxemburgo">
-            <a:extLst>
-              <a:ext uri="{FF2B5EF4-FFF2-40B4-BE49-F238E27FC236}">
-                <a16:creationId xmlns:a16="http://schemas.microsoft.com/office/drawing/2014/main" id="{4845BB18-939C-44C2-84E0-E85EC35D13D2}"/>
-              </a:ext>
-            </a:extLst>
-          </p:cNvPr>
-          <p:cNvPicPr>
-            <a:picLocks noChangeAspect="1" noChangeArrowheads="1"/>
-          </p:cNvPicPr>
-          <p:nvPr/>
-        </p:nvPicPr>
-        <p:blipFill>
-          <a:blip r:embed="rId4" cstate="hqprint">
-            <a:extLst>
-              <a:ext uri="{28A0092B-C50C-407E-A947-70E740481C1C}">
-                <a14:useLocalDpi xmlns:a14="http://schemas.microsoft.com/office/drawing/2010/main" val="0"/>
-              </a:ext>
-            </a:extLst>
-          </a:blip>
-          <a:srcRect/>
-          <a:stretch>
-            <a:fillRect/>
-          </a:stretch>
-        </p:blipFill>
-        <p:spPr bwMode="auto">
-          <a:xfrm>
-            <a:off x="8568256" y="1169275"/>
-            <a:ext cx="467108" cy="280265"/>
-          </a:xfrm>
-          <a:prstGeom prst="rect">
-            <a:avLst/>
-          </a:prstGeom>
-          <a:noFill/>
-          <a:extLst>
-            <a:ext uri="{909E8E84-426E-40DD-AFC4-6F175D3DCCD1}">
-              <a14:hiddenFill xmlns:a14="http://schemas.microsoft.com/office/drawing/2010/main">
-                <a:solidFill>
-                  <a:srgbClr val="FFFFFF"/>
-                </a:solidFill>
-              </a14:hiddenFill>
-            </a:ext>
-          </a:extLst>
-        </p:spPr>
-      </p:pic>
-      <p:pic>
-        <p:nvPicPr>
-          <p:cNvPr id="4098" name="Picture 2" descr="Proteção de Informações do Azure | Microsoft Azure">
-            <a:extLst>
-              <a:ext uri="{FF2B5EF4-FFF2-40B4-BE49-F238E27FC236}">
-                <a16:creationId xmlns:a16="http://schemas.microsoft.com/office/drawing/2014/main" id="{58AD377F-A798-482C-B73C-89A474A7068E}"/>
-              </a:ext>
-            </a:extLst>
-          </p:cNvPr>
-          <p:cNvPicPr>
-            <a:picLocks noChangeAspect="1" noChangeArrowheads="1"/>
-          </p:cNvPicPr>
-          <p:nvPr/>
-        </p:nvPicPr>
-        <p:blipFill>
-          <a:blip r:embed="rId5" cstate="hqprint">
-            <a:extLst>
-              <a:ext uri="{28A0092B-C50C-407E-A947-70E740481C1C}">
-                <a14:useLocalDpi xmlns:a14="http://schemas.microsoft.com/office/drawing/2010/main" val="0"/>
-              </a:ext>
-            </a:extLst>
-          </a:blip>
-          <a:srcRect/>
-          <a:stretch>
-            <a:fillRect/>
-          </a:stretch>
-        </p:blipFill>
-        <p:spPr bwMode="auto">
-          <a:xfrm>
-            <a:off x="2812012" y="657957"/>
-            <a:ext cx="777018" cy="407934"/>
-          </a:xfrm>
-          <a:prstGeom prst="rect">
-            <a:avLst/>
-          </a:prstGeom>
-          <a:noFill/>
-          <a:extLst>
-            <a:ext uri="{909E8E84-426E-40DD-AFC4-6F175D3DCCD1}">
-              <a14:hiddenFill xmlns:a14="http://schemas.microsoft.com/office/drawing/2010/main">
-                <a:solidFill>
-                  <a:srgbClr val="FFFFFF"/>
-                </a:solidFill>
-              </a14:hiddenFill>
-            </a:ext>
-          </a:extLst>
-        </p:spPr>
-      </p:pic>
-      <p:pic>
-        <p:nvPicPr>
-          <p:cNvPr id="2" name="Imagem 1">
-            <a:extLst>
-              <a:ext uri="{FF2B5EF4-FFF2-40B4-BE49-F238E27FC236}">
-                <a16:creationId xmlns:a16="http://schemas.microsoft.com/office/drawing/2014/main" id="{4359EF88-CC54-4811-BD08-A2292D8CE65D}"/>
-              </a:ext>
-            </a:extLst>
-          </p:cNvPr>
-          <p:cNvPicPr>
-            <a:picLocks noChangeAspect="1"/>
-          </p:cNvPicPr>
-          <p:nvPr/>
-        </p:nvPicPr>
-        <p:blipFill>
-          <a:blip r:embed="rId6">
-            <a:extLst>
-              <a:ext uri="{BEBA8EAE-BF5A-486C-A8C5-ECC9F3942E4B}">
-                <a14:imgProps xmlns:a14="http://schemas.microsoft.com/office/drawing/2010/main">
-                  <a14:imgLayer r:embed="rId7">
-                    <a14:imgEffect>
-                      <a14:backgroundRemoval t="8661" b="89961" l="9843" r="89961">
-                        <a14:foregroundMark x1="50394" y1="9449" x2="50394" y2="9449"/>
-                        <a14:foregroundMark x1="49606" y1="8661" x2="49606" y2="8661"/>
-                        <a14:foregroundMark x1="52165" y1="51969" x2="52165" y2="51969"/>
-                        <a14:foregroundMark x1="56299" y1="63386" x2="56299" y2="63386"/>
-                        <a14:foregroundMark x1="61220" y1="88780" x2="61220" y2="88780"/>
-                      </a14:backgroundRemoval>
-                    </a14:imgEffect>
-                  </a14:imgLayer>
-                </a14:imgProps>
-              </a:ext>
-            </a:extLst>
-          </a:blip>
-          <a:stretch>
-            <a:fillRect/>
-          </a:stretch>
-        </p:blipFill>
-        <p:spPr>
-          <a:xfrm>
-            <a:off x="1466738" y="1396793"/>
-            <a:ext cx="643236" cy="643236"/>
-          </a:xfrm>
-          <a:prstGeom prst="rect">
-            <a:avLst/>
-          </a:prstGeom>
-        </p:spPr>
-      </p:pic>
-      <p:sp>
-        <p:nvSpPr>
-          <p:cNvPr id="3" name="CaixaDeTexto 2">
-            <a:extLst>
-              <a:ext uri="{FF2B5EF4-FFF2-40B4-BE49-F238E27FC236}">
-                <a16:creationId xmlns:a16="http://schemas.microsoft.com/office/drawing/2014/main" id="{5A51FD71-FB82-4F2D-BEDB-CCA54CA4C8BD}"/>
+              <a:rPr lang="pt-BR" sz="1100" dirty="0"/>
+              <a:t>Notebook / Desktop do técnico</a:t>
+            </a:r>
+          </a:p>
+        </p:txBody>
+      </p:sp>
+      <p:sp>
+        <p:nvSpPr>
+          <p:cNvPr id="163" name="CaixaDeTexto 114">
+            <a:extLst>
+              <a:ext uri="{FF2B5EF4-FFF2-40B4-BE49-F238E27FC236}">
+                <a16:creationId xmlns:a16="http://schemas.microsoft.com/office/drawing/2014/main" id="{96A530A5-EBAE-4C86-9D3B-097E9387572F}"/>
               </a:ext>
             </a:extLst>
           </p:cNvPr>
@@ -8938,8 +6913,8 @@
         </p:nvSpPr>
         <p:spPr>
           <a:xfrm>
-            <a:off x="1309524" y="2066414"/>
-            <a:ext cx="941500" cy="430887"/>
+            <a:off x="3909975" y="3713998"/>
+            <a:ext cx="772449" cy="261610"/>
           </a:xfrm>
           <a:prstGeom prst="rect">
             <a:avLst/>
@@ -8955,119 +6930,17 @@
             <a:pPr algn="ctr"/>
             <a:r>
               <a:rPr lang="pt-BR" sz="1100" dirty="0"/>
-              <a:t>Banco de dados</a:t>
-            </a:r>
-          </a:p>
-        </p:txBody>
-      </p:sp>
-      <p:sp>
-        <p:nvSpPr>
-          <p:cNvPr id="6" name="CaixaDeTexto 5">
-            <a:extLst>
-              <a:ext uri="{FF2B5EF4-FFF2-40B4-BE49-F238E27FC236}">
-                <a16:creationId xmlns:a16="http://schemas.microsoft.com/office/drawing/2014/main" id="{493E6E1F-0E69-43E5-B36D-2B8F5592B318}"/>
-              </a:ext>
-            </a:extLst>
-          </p:cNvPr>
-          <p:cNvSpPr txBox="1"/>
-          <p:nvPr/>
-        </p:nvSpPr>
-        <p:spPr>
-          <a:xfrm>
-            <a:off x="3622830" y="2282546"/>
-            <a:ext cx="725030" cy="276999"/>
-          </a:xfrm>
-          <a:prstGeom prst="rect">
-            <a:avLst/>
-          </a:prstGeom>
-          <a:noFill/>
-        </p:spPr>
-        <p:txBody>
-          <a:bodyPr wrap="square" rtlCol="0">
-            <a:spAutoFit/>
-          </a:bodyPr>
-          <a:lstStyle/>
-          <a:p>
-            <a:pPr algn="ctr"/>
-            <a:r>
-              <a:rPr lang="pt-BR" sz="1200" dirty="0"/>
-              <a:t>Site</a:t>
+              <a:t>Roteador</a:t>
             </a:r>
           </a:p>
         </p:txBody>
       </p:sp>
       <p:pic>
         <p:nvPicPr>
-          <p:cNvPr id="7" name="Imagem 6" descr="Logotipo, Ícone&#10;&#10;Descrição gerada automaticamente">
-            <a:extLst>
-              <a:ext uri="{FF2B5EF4-FFF2-40B4-BE49-F238E27FC236}">
-                <a16:creationId xmlns:a16="http://schemas.microsoft.com/office/drawing/2014/main" id="{BA2B6DA2-01E1-4110-A97F-F9DF431230AB}"/>
-              </a:ext>
-            </a:extLst>
-          </p:cNvPr>
-          <p:cNvPicPr>
-            <a:picLocks noChangeAspect="1"/>
-          </p:cNvPicPr>
-          <p:nvPr/>
-        </p:nvPicPr>
-        <p:blipFill>
-          <a:blip r:embed="rId8" cstate="hqprint">
-            <a:extLst>
-              <a:ext uri="{28A0092B-C50C-407E-A947-70E740481C1C}">
-                <a14:useLocalDpi xmlns:a14="http://schemas.microsoft.com/office/drawing/2010/main" val="0"/>
-              </a:ext>
-            </a:extLst>
-          </a:blip>
-          <a:stretch>
-            <a:fillRect/>
-          </a:stretch>
-        </p:blipFill>
-        <p:spPr>
-          <a:xfrm>
-            <a:off x="3730839" y="1791798"/>
-            <a:ext cx="538801" cy="482822"/>
-          </a:xfrm>
-          <a:prstGeom prst="rect">
-            <a:avLst/>
-          </a:prstGeom>
-        </p:spPr>
-      </p:pic>
-      <p:pic>
-        <p:nvPicPr>
-          <p:cNvPr id="8" name="Imagem 7">
-            <a:extLst>
-              <a:ext uri="{FF2B5EF4-FFF2-40B4-BE49-F238E27FC236}">
-                <a16:creationId xmlns:a16="http://schemas.microsoft.com/office/drawing/2014/main" id="{F4892A92-ABD7-4F2A-AD6B-EFC108078BFE}"/>
-              </a:ext>
-            </a:extLst>
-          </p:cNvPr>
-          <p:cNvPicPr>
-            <a:picLocks noChangeAspect="1"/>
-          </p:cNvPicPr>
-          <p:nvPr/>
-        </p:nvPicPr>
-        <p:blipFill>
-          <a:blip r:embed="rId9"/>
-          <a:stretch>
-            <a:fillRect/>
-          </a:stretch>
-        </p:blipFill>
-        <p:spPr>
-          <a:xfrm>
-            <a:off x="10216938" y="4297786"/>
-            <a:ext cx="408111" cy="408111"/>
-          </a:xfrm>
-          <a:prstGeom prst="rect">
-            <a:avLst/>
-          </a:prstGeom>
-        </p:spPr>
-      </p:pic>
-      <p:pic>
-        <p:nvPicPr>
-          <p:cNvPr id="9" name="Imagem 8">
-            <a:extLst>
-              <a:ext uri="{FF2B5EF4-FFF2-40B4-BE49-F238E27FC236}">
-                <a16:creationId xmlns:a16="http://schemas.microsoft.com/office/drawing/2014/main" id="{5B8E73A8-691E-43EC-B096-5A63DB3160FB}"/>
+          <p:cNvPr id="164" name="Imagem 152">
+            <a:extLst>
+              <a:ext uri="{FF2B5EF4-FFF2-40B4-BE49-F238E27FC236}">
+                <a16:creationId xmlns:a16="http://schemas.microsoft.com/office/drawing/2014/main" id="{CAD68466-A541-42BC-8B34-090205FA8905}"/>
               </a:ext>
             </a:extLst>
           </p:cNvPr>
@@ -9132,7 +7005,7 @@
         </p:blipFill>
         <p:spPr>
           <a:xfrm>
-            <a:off x="10859253" y="4257940"/>
+            <a:off x="553182" y="2179380"/>
             <a:ext cx="273443" cy="500575"/>
           </a:xfrm>
           <a:prstGeom prst="rect">
@@ -9142,10 +7015,10 @@
       </p:pic>
       <p:pic>
         <p:nvPicPr>
-          <p:cNvPr id="10" name="Imagem 9">
-            <a:extLst>
-              <a:ext uri="{FF2B5EF4-FFF2-40B4-BE49-F238E27FC236}">
-                <a16:creationId xmlns:a16="http://schemas.microsoft.com/office/drawing/2014/main" id="{AE8FDB0B-4F93-44C8-B4CD-64F86FB6EB51}"/>
+          <p:cNvPr id="165" name="Imagem 153">
+            <a:extLst>
+              <a:ext uri="{FF2B5EF4-FFF2-40B4-BE49-F238E27FC236}">
+                <a16:creationId xmlns:a16="http://schemas.microsoft.com/office/drawing/2014/main" id="{FBBEFE79-B87C-4A21-AAD7-C68F2300DC87}"/>
               </a:ext>
             </a:extLst>
           </p:cNvPr>
@@ -9210,7 +7083,7 @@
         </p:blipFill>
         <p:spPr>
           <a:xfrm>
-            <a:off x="11379300" y="4243776"/>
+            <a:off x="1347177" y="2207703"/>
             <a:ext cx="323768" cy="435727"/>
           </a:xfrm>
           <a:prstGeom prst="rect">
@@ -9220,69 +7093,78 @@
       </p:pic>
       <p:pic>
         <p:nvPicPr>
-          <p:cNvPr id="6146" name="Picture 2" descr="Discord Logo - PNG e Vetor - Download de Logo">
-            <a:extLst>
-              <a:ext uri="{FF2B5EF4-FFF2-40B4-BE49-F238E27FC236}">
-                <a16:creationId xmlns:a16="http://schemas.microsoft.com/office/drawing/2014/main" id="{C6688D34-1A55-49B9-AAEB-48C82FA565BD}"/>
+          <p:cNvPr id="166" name="Picture 71">
+            <a:extLst>
+              <a:ext uri="{FF2B5EF4-FFF2-40B4-BE49-F238E27FC236}">
+                <a16:creationId xmlns:a16="http://schemas.microsoft.com/office/drawing/2014/main" id="{7B233103-3D42-4613-9C69-27FB1D27987E}"/>
               </a:ext>
             </a:extLst>
           </p:cNvPr>
           <p:cNvPicPr>
-            <a:picLocks noChangeAspect="1" noChangeArrowheads="1"/>
+            <a:picLocks noChangeAspect="1"/>
           </p:cNvPicPr>
           <p:nvPr/>
         </p:nvPicPr>
         <p:blipFill>
-          <a:blip r:embed="rId12" cstate="hqprint">
+          <a:blip r:embed="rId32" cstate="hqprint">
             <a:extLst>
               <a:ext uri="{BEBA8EAE-BF5A-486C-A8C5-ECC9F3942E4B}">
                 <a14:imgProps xmlns:a14="http://schemas.microsoft.com/office/drawing/2010/main">
-                  <a14:imgLayer r:embed="rId13">
+                  <a14:imgLayer r:embed="rId33">
                     <a14:imgEffect>
-                      <a14:backgroundRemoval t="4002" b="97110" l="2111" r="97953">
-                        <a14:foregroundMark x1="45393" y1="34638" x2="45393" y2="34638"/>
-                        <a14:foregroundMark x1="78791" y1="31747" x2="78791" y2="31747"/>
-                        <a14:foregroundMark x1="57901" y1="17252" x2="57901" y2="17252"/>
-                        <a14:foregroundMark x1="47473" y1="46243" x2="47473" y2="46243"/>
-                        <a14:foregroundMark x1="47473" y1="46243" x2="47473" y2="46243"/>
-                        <a14:foregroundMark x1="47473" y1="46243" x2="47473" y2="46243"/>
-                        <a14:foregroundMark x1="47473" y1="46243" x2="47473" y2="46243"/>
-                        <a14:foregroundMark x1="47473" y1="46243" x2="47473" y2="46243"/>
-                        <a14:foregroundMark x1="47473" y1="46243" x2="47473" y2="46243"/>
-                        <a14:foregroundMark x1="47473" y1="46243" x2="47473" y2="46243"/>
-                        <a14:foregroundMark x1="26615" y1="20142" x2="55822" y2="28857"/>
-                        <a14:foregroundMark x1="30998" y1="22988" x2="30998" y2="22988"/>
-                        <a14:foregroundMark x1="20122" y1="29035" x2="18490" y2="37350"/>
-                        <a14:foregroundMark x1="26104" y1="25256" x2="12508" y2="38106"/>
-                        <a14:foregroundMark x1="44594" y1="19164" x2="82182" y2="32059"/>
-                        <a14:foregroundMark x1="48433" y1="75189" x2="48433" y2="59271"/>
-                        <a14:foregroundMark x1="13596" y1="51712" x2="22841" y2="92574"/>
-                        <a14:foregroundMark x1="77255" y1="95598" x2="82182" y2="10093"/>
-                        <a14:foregroundMark x1="82182" y1="10093" x2="88708" y2="45665"/>
-                        <a14:foregroundMark x1="89251" y1="50956" x2="82182" y2="70654"/>
-                        <a14:foregroundMark x1="81094" y1="72165" x2="77255" y2="83504"/>
-                        <a14:foregroundMark x1="75080" y1="88039" x2="72361" y2="93330"/>
-                        <a14:foregroundMark x1="71273" y1="94842" x2="84901" y2="76701"/>
-                        <a14:foregroundMark x1="66923" y1="4802" x2="65291" y2="6314"/>
-                        <a14:foregroundMark x1="93058" y1="41885" x2="97953" y2="82748"/>
-                        <a14:foregroundMark x1="97953" y1="82748" x2="97953" y2="85016"/>
-                        <a14:foregroundMark x1="69098" y1="4046" x2="75624" y2="7070"/>
-                        <a14:foregroundMark x1="27191" y1="4046" x2="28279" y2="4802"/>
-                        <a14:foregroundMark x1="9213" y1="30547" x2="2143" y2="70654"/>
-                        <a14:foregroundMark x1="2143" y1="76701" x2="2143" y2="76701"/>
-                        <a14:foregroundMark x1="2143" y1="77457" x2="2143" y2="77457"/>
-                        <a14:foregroundMark x1="2143" y1="78968" x2="13052" y2="91063"/>
-                        <a14:foregroundMark x1="7038" y1="84260" x2="8125" y2="97110"/>
-                        <a14:foregroundMark x1="14139" y1="97110" x2="14139" y2="97110"/>
-                        <a14:foregroundMark x1="30998" y1="94842" x2="30998" y2="94842"/>
-                        <a14:backgroundMark x1="62092" y1="54958" x2="62092" y2="54958"/>
-                        <a14:backgroundMark x1="34965" y1="46243" x2="34965" y2="46243"/>
-                        <a14:backgroundMark x1="68362" y1="49177" x2="68362" y2="49177"/>
+                      <a14:backgroundRemoval t="4375" b="90000" l="10000" r="90000">
+                        <a14:foregroundMark x1="26250" y1="33125" x2="25833" y2="25750"/>
+                        <a14:foregroundMark x1="25833" y1="25750" x2="27833" y2="18500"/>
+                        <a14:foregroundMark x1="29917" y1="15500" x2="38083" y2="8000"/>
+                        <a14:foregroundMark x1="38083" y1="8000" x2="56917" y2="4375"/>
+                        <a14:foregroundMark x1="56917" y1="4375" x2="66000" y2="10000"/>
+                        <a14:foregroundMark x1="66000" y1="10000" x2="70500" y2="14125"/>
+                        <a14:foregroundMark x1="70500" y1="14125" x2="73250" y2="20375"/>
+                        <a14:foregroundMark x1="73250" y1="20375" x2="77000" y2="39750"/>
+                        <a14:foregroundMark x1="62333" y1="44875" x2="40250" y2="46250"/>
+                        <a14:foregroundMark x1="43583" y1="56375" x2="43583" y2="56375"/>
+                        <a14:foregroundMark x1="56167" y1="56750" x2="56167" y2="56750"/>
                       </a14:backgroundRemoval>
                     </a14:imgEffect>
                   </a14:imgLayer>
                 </a14:imgProps>
               </a:ext>
+              <a:ext uri="{28A0092B-C50C-407E-A947-70E740481C1C}">
+                <a14:useLocalDpi xmlns:a14="http://schemas.microsoft.com/office/drawing/2010/main" val="0"/>
+              </a:ext>
+            </a:extLst>
+          </a:blip>
+          <a:stretch>
+            <a:fillRect/>
+          </a:stretch>
+        </p:blipFill>
+        <p:spPr>
+          <a:xfrm>
+            <a:off x="1271907" y="2735936"/>
+            <a:ext cx="493179" cy="328786"/>
+          </a:xfrm>
+          <a:prstGeom prst="rect">
+            <a:avLst/>
+          </a:prstGeom>
+        </p:spPr>
+      </p:pic>
+      <p:pic>
+        <p:nvPicPr>
+          <p:cNvPr id="167" name="Picture 2" descr="Discord Logo - PNG e Vetor - Download de Logo">
+            <a:extLst>
+              <a:ext uri="{FF2B5EF4-FFF2-40B4-BE49-F238E27FC236}">
+                <a16:creationId xmlns:a16="http://schemas.microsoft.com/office/drawing/2014/main" id="{67213843-F058-46C4-B70C-6454F4B3C120}"/>
+              </a:ext>
+            </a:extLst>
+          </p:cNvPr>
+          <p:cNvPicPr>
+            <a:picLocks noChangeAspect="1" noChangeArrowheads="1"/>
+          </p:cNvPicPr>
+          <p:nvPr/>
+        </p:nvPicPr>
+        <p:blipFill>
+          <a:blip r:embed="rId28" cstate="hqprint">
+            <a:extLst>
               <a:ext uri="{28A0092B-C50C-407E-A947-70E740481C1C}">
                 <a14:useLocalDpi xmlns:a14="http://schemas.microsoft.com/office/drawing/2010/main" val="0"/>
               </a:ext>
@@ -9295,8 +7177,8 @@
         </p:blipFill>
         <p:spPr bwMode="auto">
           <a:xfrm>
-            <a:off x="8014086" y="1820633"/>
-            <a:ext cx="445846" cy="320742"/>
+            <a:off x="555684" y="2789388"/>
+            <a:ext cx="308426" cy="221882"/>
           </a:xfrm>
           <a:prstGeom prst="rect">
             <a:avLst/>
@@ -9313,685 +7195,160 @@
           </a:extLst>
         </p:spPr>
       </p:pic>
-      <p:pic>
-        <p:nvPicPr>
-          <p:cNvPr id="11" name="Imagem 10">
-            <a:extLst>
-              <a:ext uri="{FF2B5EF4-FFF2-40B4-BE49-F238E27FC236}">
-                <a16:creationId xmlns:a16="http://schemas.microsoft.com/office/drawing/2014/main" id="{E5F2742D-DA39-4951-A0ED-10ADB747C873}"/>
-              </a:ext>
-            </a:extLst>
-          </p:cNvPr>
-          <p:cNvPicPr>
-            <a:picLocks noChangeAspect="1"/>
-          </p:cNvPicPr>
-          <p:nvPr/>
-        </p:nvPicPr>
-        <p:blipFill>
-          <a:blip r:embed="rId14">
-            <a:extLst>
-              <a:ext uri="{BEBA8EAE-BF5A-486C-A8C5-ECC9F3942E4B}">
-                <a14:imgProps xmlns:a14="http://schemas.microsoft.com/office/drawing/2010/main">
-                  <a14:imgLayer r:embed="rId15">
-                    <a14:imgEffect>
-                      <a14:backgroundRemoval t="9778" b="94222" l="9778" r="89778">
-                        <a14:foregroundMark x1="30667" y1="18667" x2="30667" y2="18667"/>
-                        <a14:foregroundMark x1="51111" y1="11111" x2="51111" y2="11111"/>
-                        <a14:foregroundMark x1="51111" y1="9778" x2="51111" y2="9778"/>
-                        <a14:foregroundMark x1="48000" y1="52000" x2="48000" y2="52000"/>
-                        <a14:foregroundMark x1="32889" y1="46667" x2="64000" y2="44444"/>
-                        <a14:foregroundMark x1="65333" y1="52000" x2="65333" y2="84444"/>
-                        <a14:foregroundMark x1="63111" y1="69333" x2="20000" y2="69333"/>
-                        <a14:foregroundMark x1="33778" y1="45778" x2="30667" y2="23111"/>
-                        <a14:foregroundMark x1="38222" y1="26222" x2="79111" y2="32444"/>
-                        <a14:foregroundMark x1="50222" y1="94222" x2="50222" y2="94222"/>
-                      </a14:backgroundRemoval>
-                    </a14:imgEffect>
-                  </a14:imgLayer>
-                </a14:imgProps>
-              </a:ext>
-            </a:extLst>
-          </a:blip>
-          <a:stretch>
-            <a:fillRect/>
-          </a:stretch>
-        </p:blipFill>
-        <p:spPr>
-          <a:xfrm>
-            <a:off x="3049132" y="1119174"/>
-            <a:ext cx="332437" cy="332437"/>
+      <p:sp>
+        <p:nvSpPr>
+          <p:cNvPr id="168" name="CaixaDeTexto 82">
+            <a:extLst>
+              <a:ext uri="{FF2B5EF4-FFF2-40B4-BE49-F238E27FC236}">
+                <a16:creationId xmlns:a16="http://schemas.microsoft.com/office/drawing/2014/main" id="{9A013465-2E5A-43C5-9AF3-C8FD060833C7}"/>
+              </a:ext>
+            </a:extLst>
+          </p:cNvPr>
+          <p:cNvSpPr txBox="1"/>
+          <p:nvPr/>
+        </p:nvSpPr>
+        <p:spPr>
+          <a:xfrm>
+            <a:off x="1167976" y="2519794"/>
+            <a:ext cx="725030" cy="261610"/>
           </a:xfrm>
           <a:prstGeom prst="rect">
             <a:avLst/>
           </a:prstGeom>
-        </p:spPr>
-      </p:pic>
-      <p:pic>
-        <p:nvPicPr>
-          <p:cNvPr id="12" name="Imagem 11">
-            <a:extLst>
-              <a:ext uri="{FF2B5EF4-FFF2-40B4-BE49-F238E27FC236}">
-                <a16:creationId xmlns:a16="http://schemas.microsoft.com/office/drawing/2014/main" id="{0B705967-F97F-4126-BFBC-C7BE04667FF3}"/>
-              </a:ext>
-            </a:extLst>
-          </p:cNvPr>
-          <p:cNvPicPr>
-            <a:picLocks noChangeAspect="1"/>
-          </p:cNvPicPr>
-          <p:nvPr/>
-        </p:nvPicPr>
-        <p:blipFill>
-          <a:blip r:embed="rId16">
-            <a:extLst>
-              <a:ext uri="{BEBA8EAE-BF5A-486C-A8C5-ECC9F3942E4B}">
-                <a14:imgProps xmlns:a14="http://schemas.microsoft.com/office/drawing/2010/main">
-                  <a14:imgLayer r:embed="rId17">
-                    <a14:imgEffect>
-                      <a14:backgroundRemoval t="9778" b="90222" l="9778" r="89778">
-                        <a14:foregroundMark x1="56000" y1="11111" x2="56000" y2="11111"/>
-                        <a14:foregroundMark x1="63556" y1="47556" x2="63556" y2="47556"/>
-                        <a14:foregroundMark x1="64889" y1="36000" x2="64889" y2="36000"/>
-                        <a14:foregroundMark x1="68444" y1="34667" x2="68444" y2="34667"/>
-                        <a14:foregroundMark x1="32000" y1="27111" x2="68444" y2="27111"/>
-                        <a14:foregroundMark x1="43556" y1="47556" x2="64889" y2="47556"/>
-                        <a14:foregroundMark x1="67111" y1="36000" x2="67111" y2="63556"/>
-                        <a14:foregroundMark x1="65778" y1="64889" x2="48444" y2="64889"/>
-                        <a14:foregroundMark x1="33333" y1="58667" x2="40889" y2="71111"/>
-                        <a14:foregroundMark x1="49778" y1="90222" x2="49778" y2="90222"/>
-                        <a14:foregroundMark x1="47111" y1="71111" x2="65778" y2="75111"/>
-                      </a14:backgroundRemoval>
-                    </a14:imgEffect>
-                  </a14:imgLayer>
-                </a14:imgProps>
-              </a:ext>
-            </a:extLst>
-          </a:blip>
-          <a:stretch>
-            <a:fillRect/>
-          </a:stretch>
-        </p:blipFill>
-        <p:spPr>
-          <a:xfrm>
-            <a:off x="3051330" y="1599709"/>
-            <a:ext cx="342101" cy="342101"/>
+          <a:noFill/>
+        </p:spPr>
+        <p:txBody>
+          <a:bodyPr wrap="square" rtlCol="0">
+            <a:spAutoFit/>
+          </a:bodyPr>
+          <a:lstStyle/>
+          <a:p>
+            <a:pPr algn="ctr"/>
+            <a:r>
+              <a:rPr lang="pt-BR" sz="1100" dirty="0"/>
+              <a:t>Chrome</a:t>
+            </a:r>
+          </a:p>
+        </p:txBody>
+      </p:sp>
+      <p:sp>
+        <p:nvSpPr>
+          <p:cNvPr id="169" name="CaixaDeTexto 86">
+            <a:extLst>
+              <a:ext uri="{FF2B5EF4-FFF2-40B4-BE49-F238E27FC236}">
+                <a16:creationId xmlns:a16="http://schemas.microsoft.com/office/drawing/2014/main" id="{7C73E0EE-7542-4090-8822-851DB862AB6D}"/>
+              </a:ext>
+            </a:extLst>
+          </p:cNvPr>
+          <p:cNvSpPr txBox="1"/>
+          <p:nvPr/>
+        </p:nvSpPr>
+        <p:spPr>
+          <a:xfrm>
+            <a:off x="184670" y="2527778"/>
+            <a:ext cx="1139071" cy="261610"/>
           </a:xfrm>
           <a:prstGeom prst="rect">
             <a:avLst/>
           </a:prstGeom>
-        </p:spPr>
-      </p:pic>
-      <p:pic>
-        <p:nvPicPr>
-          <p:cNvPr id="14" name="Imagem 13">
-            <a:extLst>
-              <a:ext uri="{FF2B5EF4-FFF2-40B4-BE49-F238E27FC236}">
-                <a16:creationId xmlns:a16="http://schemas.microsoft.com/office/drawing/2014/main" id="{ABBE5691-7723-42C4-B379-D27873D71065}"/>
-              </a:ext>
-            </a:extLst>
-          </p:cNvPr>
-          <p:cNvPicPr>
-            <a:picLocks noChangeAspect="1"/>
-          </p:cNvPicPr>
-          <p:nvPr/>
-        </p:nvPicPr>
-        <p:blipFill>
-          <a:blip r:embed="rId18">
-            <a:extLst>
-              <a:ext uri="{BEBA8EAE-BF5A-486C-A8C5-ECC9F3942E4B}">
-                <a14:imgProps xmlns:a14="http://schemas.microsoft.com/office/drawing/2010/main">
-                  <a14:imgLayer r:embed="rId19">
-                    <a14:imgEffect>
-                      <a14:backgroundRemoval t="10000" b="90000" l="10000" r="90000">
-                        <a14:foregroundMark x1="40741" y1="38750" x2="40741" y2="38750"/>
-                        <a14:foregroundMark x1="16049" y1="18750" x2="16049" y2="18750"/>
-                        <a14:foregroundMark x1="59259" y1="35000" x2="59259" y2="35000"/>
-                      </a14:backgroundRemoval>
-                    </a14:imgEffect>
-                  </a14:imgLayer>
-                </a14:imgProps>
-              </a:ext>
-            </a:extLst>
-          </a:blip>
-          <a:stretch>
-            <a:fillRect/>
-          </a:stretch>
-        </p:blipFill>
-        <p:spPr>
-          <a:xfrm>
-            <a:off x="3057381" y="2105276"/>
-            <a:ext cx="335004" cy="330869"/>
+          <a:noFill/>
+        </p:spPr>
+        <p:txBody>
+          <a:bodyPr wrap="square" rtlCol="0">
+            <a:spAutoFit/>
+          </a:bodyPr>
+          <a:lstStyle/>
+          <a:p>
+            <a:pPr algn="ctr"/>
+            <a:r>
+              <a:rPr lang="pt-BR" sz="1100" dirty="0"/>
+              <a:t>Microsoft Edge</a:t>
+            </a:r>
+          </a:p>
+        </p:txBody>
+      </p:sp>
+      <p:sp>
+        <p:nvSpPr>
+          <p:cNvPr id="170" name="CaixaDeTexto 100">
+            <a:extLst>
+              <a:ext uri="{FF2B5EF4-FFF2-40B4-BE49-F238E27FC236}">
+                <a16:creationId xmlns:a16="http://schemas.microsoft.com/office/drawing/2014/main" id="{68DF7615-44D7-4BA7-8D2E-12413F881D8E}"/>
+              </a:ext>
+            </a:extLst>
+          </p:cNvPr>
+          <p:cNvSpPr txBox="1"/>
+          <p:nvPr/>
+        </p:nvSpPr>
+        <p:spPr>
+          <a:xfrm>
+            <a:off x="342979" y="2971082"/>
+            <a:ext cx="725030" cy="261610"/>
           </a:xfrm>
           <a:prstGeom prst="rect">
             <a:avLst/>
           </a:prstGeom>
-        </p:spPr>
-      </p:pic>
-      <p:pic>
-        <p:nvPicPr>
-          <p:cNvPr id="18434" name="Picture 2" descr="Vue Chart Component with Chart.js | by Risan Bagja Pradana | risan | Medium">
-            <a:extLst>
-              <a:ext uri="{FF2B5EF4-FFF2-40B4-BE49-F238E27FC236}">
-                <a16:creationId xmlns:a16="http://schemas.microsoft.com/office/drawing/2014/main" id="{CD07421A-561F-4F3D-8E14-00D47B43B62C}"/>
-              </a:ext>
-            </a:extLst>
-          </p:cNvPr>
-          <p:cNvPicPr>
-            <a:picLocks noChangeAspect="1" noChangeArrowheads="1"/>
-          </p:cNvPicPr>
-          <p:nvPr/>
-        </p:nvPicPr>
-        <p:blipFill rotWithShape="1">
-          <a:blip r:embed="rId20" cstate="hqprint">
-            <a:extLst>
-              <a:ext uri="{BEBA8EAE-BF5A-486C-A8C5-ECC9F3942E4B}">
-                <a14:imgProps xmlns:a14="http://schemas.microsoft.com/office/drawing/2010/main">
-                  <a14:imgLayer r:embed="rId21">
-                    <a14:imgEffect>
-                      <a14:backgroundRemoval t="21528" b="71528" l="36000" r="63500">
-                        <a14:foregroundMark x1="43250" y1="50556" x2="41583" y2="43750"/>
-                        <a14:foregroundMark x1="41583" y1="43750" x2="43917" y2="50694"/>
-                        <a14:foregroundMark x1="43917" y1="50694" x2="40833" y2="45694"/>
-                        <a14:foregroundMark x1="40833" y1="45694" x2="42000" y2="52778"/>
-                        <a14:foregroundMark x1="42000" y1="52778" x2="39833" y2="55694"/>
-                        <a14:foregroundMark x1="39833" y1="55694" x2="40167" y2="45833"/>
-                        <a14:foregroundMark x1="40167" y1="45833" x2="39250" y2="52639"/>
-                        <a14:foregroundMark x1="39250" y1="52639" x2="38417" y2="45694"/>
-                        <a14:foregroundMark x1="38417" y1="45694" x2="38750" y2="38056"/>
-                        <a14:foregroundMark x1="38750" y1="38056" x2="40583" y2="31667"/>
-                        <a14:foregroundMark x1="40583" y1="31667" x2="48833" y2="25139"/>
-                        <a14:foregroundMark x1="48833" y1="25139" x2="62141" y2="33181"/>
-                        <a14:foregroundMark x1="62638" y1="50265" x2="61750" y2="55417"/>
-                        <a14:foregroundMark x1="61750" y1="55417" x2="49333" y2="67361"/>
-                        <a14:foregroundMark x1="49333" y1="67361" x2="37704" y2="56268"/>
-                        <a14:foregroundMark x1="38333" y1="40139" x2="38167" y2="52083"/>
-                        <a14:foregroundMark x1="38167" y1="52083" x2="37833" y2="43889"/>
-                        <a14:foregroundMark x1="37833" y1="43889" x2="37417" y2="50972"/>
-                        <a14:foregroundMark x1="37417" y1="50972" x2="37417" y2="50972"/>
-                        <a14:foregroundMark x1="37170" y1="56444" x2="37417" y2="57778"/>
-                        <a14:foregroundMark x1="37417" y1="57917" x2="40303" y2="61089"/>
-                        <a14:foregroundMark x1="42351" y1="62736" x2="49583" y2="66389"/>
-                        <a14:foregroundMark x1="49583" y1="66389" x2="41333" y2="59861"/>
-                        <a14:foregroundMark x1="41333" y1="59861" x2="44667" y2="64583"/>
-                        <a14:foregroundMark x1="44667" y1="64583" x2="49500" y2="68056"/>
-                        <a14:foregroundMark x1="50917" y1="22222" x2="51917" y2="23889"/>
-                        <a14:foregroundMark x1="49167" y1="21806" x2="49165" y2="21807"/>
-                        <a14:foregroundMark x1="61739" y1="43193" x2="61083" y2="40694"/>
-                        <a14:foregroundMark x1="61083" y1="40694" x2="61583" y2="36806"/>
-                        <a14:foregroundMark x1="62500" y1="53194" x2="62500" y2="56806"/>
-                        <a14:foregroundMark x1="49417" y1="33194" x2="45417" y2="36528"/>
-                        <a14:foregroundMark x1="45417" y1="36528" x2="41250" y2="36528"/>
-                        <a14:foregroundMark x1="41250" y1="36528" x2="42000" y2="40694"/>
-                        <a14:foregroundMark x1="42167" y1="41111" x2="53333" y2="31250"/>
-                        <a14:foregroundMark x1="53333" y1="31250" x2="53667" y2="34583"/>
-                        <a14:foregroundMark x1="53667" y1="35694" x2="52750" y2="38611"/>
-                        <a14:foregroundMark x1="52667" y1="38889" x2="53833" y2="36389"/>
-                        <a14:foregroundMark x1="54417" y1="37361" x2="54917" y2="39028"/>
-                        <a14:foregroundMark x1="54917" y1="39028" x2="54917" y2="39028"/>
-                        <a14:foregroundMark x1="54583" y1="38333" x2="47250" y2="31250"/>
-                        <a14:foregroundMark x1="47250" y1="31250" x2="47833" y2="27917"/>
-                        <a14:foregroundMark x1="49667" y1="26806" x2="42000" y2="33889"/>
-                        <a14:foregroundMark x1="42000" y1="33889" x2="45333" y2="30139"/>
-                        <a14:foregroundMark x1="41417" y1="32778" x2="40083" y2="39167"/>
-                        <a14:foregroundMark x1="40250" y1="37500" x2="39583" y2="39861"/>
-                        <a14:foregroundMark x1="39583" y1="40139" x2="38833" y2="43889"/>
-                        <a14:foregroundMark x1="47583" y1="38333" x2="51833" y2="38611"/>
-                        <a14:foregroundMark x1="51833" y1="38611" x2="53833" y2="44861"/>
-                        <a14:foregroundMark x1="53833" y1="45278" x2="53833" y2="45556"/>
-                        <a14:foregroundMark x1="53833" y1="45556" x2="53833" y2="45556"/>
-                        <a14:foregroundMark x1="53750" y1="45833" x2="53750" y2="45833"/>
-                        <a14:foregroundMark x1="45417" y1="39167" x2="46917" y2="40694"/>
-                        <a14:foregroundMark x1="53667" y1="33056" x2="60750" y2="41250"/>
-                        <a14:foregroundMark x1="60750" y1="41250" x2="60750" y2="42639"/>
-                        <a14:foregroundMark x1="60417" y1="38333" x2="57250" y2="33750"/>
-                        <a14:foregroundMark x1="57250" y1="33750" x2="49333" y2="29167"/>
-                        <a14:backgroundMark x1="38583" y1="25278" x2="38333" y2="23750"/>
-                        <a14:backgroundMark x1="38167" y1="24583" x2="38083" y2="25556"/>
-                        <a14:backgroundMark x1="37833" y1="26667" x2="37667" y2="27222"/>
-                        <a14:backgroundMark x1="37583" y1="27500" x2="41917" y2="23611"/>
-                        <a14:backgroundMark x1="41917" y1="23611" x2="37333" y2="28889"/>
-                        <a14:backgroundMark x1="37333" y1="28889" x2="41917" y2="26250"/>
-                        <a14:backgroundMark x1="41917" y1="26250" x2="44833" y2="21250"/>
-                        <a14:backgroundMark x1="44833" y1="21250" x2="41833" y2="28194"/>
-                        <a14:backgroundMark x1="41833" y1="28194" x2="41000" y2="25000"/>
-                        <a14:backgroundMark x1="36750" y1="26111" x2="37417" y2="23056"/>
-                        <a14:backgroundMark x1="37417" y1="23056" x2="37250" y2="22917"/>
-                        <a14:backgroundMark x1="37333" y1="23472" x2="41417" y2="21944"/>
-                        <a14:backgroundMark x1="41417" y1="21944" x2="38417" y2="26806"/>
-                        <a14:backgroundMark x1="38417" y1="26806" x2="38333" y2="26806"/>
-                        <a14:backgroundMark x1="38417" y1="26111" x2="42417" y2="21111"/>
-                        <a14:backgroundMark x1="42417" y1="21111" x2="39500" y2="26806"/>
-                        <a14:backgroundMark x1="39500" y1="26806" x2="39500" y2="26806"/>
-                        <a14:backgroundMark x1="38250" y1="28333" x2="36083" y2="30972"/>
-                        <a14:backgroundMark x1="36083" y1="30972" x2="39833" y2="26111"/>
-                        <a14:backgroundMark x1="39833" y1="26111" x2="39833" y2="26111"/>
-                        <a14:backgroundMark x1="41083" y1="24583" x2="42667" y2="25833"/>
-                        <a14:backgroundMark x1="39750" y1="28750" x2="47583" y2="20000"/>
-                        <a14:backgroundMark x1="48750" y1="21667" x2="49333" y2="21528"/>
-                        <a14:backgroundMark x1="36750" y1="55139" x2="36917" y2="56528"/>
-                        <a14:backgroundMark x1="36083" y1="55139" x2="36917" y2="54444"/>
-                        <a14:backgroundMark x1="36750" y1="55833" x2="37000" y2="56389"/>
-                        <a14:backgroundMark x1="40333" y1="61944" x2="41667" y2="63750"/>
-                        <a14:backgroundMark x1="39917" y1="61667" x2="40333" y2="62222"/>
-                        <a14:backgroundMark x1="48583" y1="71389" x2="49333" y2="70694"/>
-                        <a14:backgroundMark x1="49083" y1="70972" x2="50000" y2="71806"/>
-                        <a14:backgroundMark x1="63250" y1="34167" x2="63083" y2="50278"/>
-                        <a14:backgroundMark x1="63083" y1="33750" x2="63167" y2="35000"/>
-                        <a14:backgroundMark x1="62833" y1="32778" x2="63167" y2="34306"/>
-                        <a14:backgroundMark x1="48917" y1="21944" x2="49333" y2="21528"/>
-                        <a14:backgroundMark x1="50667" y1="21111" x2="51167" y2="22083"/>
-                        <a14:backgroundMark x1="50583" y1="21250" x2="51167" y2="21944"/>
-                        <a14:backgroundMark x1="50667" y1="21528" x2="51083" y2="21806"/>
-                      </a14:backgroundRemoval>
-                    </a14:imgEffect>
-                  </a14:imgLayer>
-                </a14:imgProps>
-              </a:ext>
-              <a:ext uri="{28A0092B-C50C-407E-A947-70E740481C1C}">
-                <a14:useLocalDpi xmlns:a14="http://schemas.microsoft.com/office/drawing/2010/main" val="0"/>
-              </a:ext>
-            </a:extLst>
-          </a:blip>
-          <a:srcRect l="36758" t="20720" r="36671" b="28410"/>
-          <a:stretch/>
-        </p:blipFill>
-        <p:spPr bwMode="auto">
-          <a:xfrm>
-            <a:off x="4041766" y="1096383"/>
-            <a:ext cx="381308" cy="438006"/>
+          <a:noFill/>
+        </p:spPr>
+        <p:txBody>
+          <a:bodyPr wrap="square" rtlCol="0">
+            <a:spAutoFit/>
+          </a:bodyPr>
+          <a:lstStyle/>
+          <a:p>
+            <a:pPr algn="ctr"/>
+            <a:r>
+              <a:rPr lang="pt-BR" sz="1100" dirty="0" err="1"/>
+              <a:t>Discord</a:t>
+            </a:r>
+            <a:endParaRPr lang="pt-BR" sz="1100" dirty="0"/>
+          </a:p>
+        </p:txBody>
+      </p:sp>
+      <p:sp>
+        <p:nvSpPr>
+          <p:cNvPr id="171" name="CaixaDeTexto 67">
+            <a:extLst>
+              <a:ext uri="{FF2B5EF4-FFF2-40B4-BE49-F238E27FC236}">
+                <a16:creationId xmlns:a16="http://schemas.microsoft.com/office/drawing/2014/main" id="{78B268A6-6899-4654-88C3-D7B28A68C026}"/>
+              </a:ext>
+            </a:extLst>
+          </p:cNvPr>
+          <p:cNvSpPr txBox="1"/>
+          <p:nvPr/>
+        </p:nvSpPr>
+        <p:spPr>
+          <a:xfrm>
+            <a:off x="1010431" y="2997246"/>
+            <a:ext cx="1005068" cy="261610"/>
           </a:xfrm>
           <a:prstGeom prst="rect">
             <a:avLst/>
           </a:prstGeom>
           <a:noFill/>
-          <a:extLst>
-            <a:ext uri="{909E8E84-426E-40DD-AFC4-6F175D3DCCD1}">
-              <a14:hiddenFill xmlns:a14="http://schemas.microsoft.com/office/drawing/2010/main">
-                <a:solidFill>
-                  <a:srgbClr val="FFFFFF"/>
-                </a:solidFill>
-              </a14:hiddenFill>
-            </a:ext>
-          </a:extLst>
-        </p:spPr>
-      </p:pic>
-      <p:pic>
-        <p:nvPicPr>
-          <p:cNvPr id="25" name="Imagem 24">
-            <a:extLst>
-              <a:ext uri="{FF2B5EF4-FFF2-40B4-BE49-F238E27FC236}">
-                <a16:creationId xmlns:a16="http://schemas.microsoft.com/office/drawing/2014/main" id="{FA13268A-FD92-4356-8B29-60248622F8E1}"/>
-              </a:ext>
-            </a:extLst>
-          </p:cNvPr>
-          <p:cNvPicPr>
-            <a:picLocks noChangeAspect="1"/>
-          </p:cNvPicPr>
-          <p:nvPr/>
-        </p:nvPicPr>
-        <p:blipFill>
-          <a:blip r:embed="rId22">
-            <a:extLst>
-              <a:ext uri="{BEBA8EAE-BF5A-486C-A8C5-ECC9F3942E4B}">
-                <a14:imgProps xmlns:a14="http://schemas.microsoft.com/office/drawing/2010/main">
-                  <a14:imgLayer r:embed="rId23">
-                    <a14:imgEffect>
-                      <a14:backgroundRemoval t="3681" b="92025" l="10000" r="90000">
-                        <a14:foregroundMark x1="39032" y1="6748" x2="39032" y2="6748"/>
-                        <a14:foregroundMark x1="46129" y1="4294" x2="46129" y2="4294"/>
-                        <a14:foregroundMark x1="49677" y1="7975" x2="49677" y2="7975"/>
-                        <a14:foregroundMark x1="55806" y1="89571" x2="55806" y2="89571"/>
-                        <a14:foregroundMark x1="50000" y1="92025" x2="50000" y2="92025"/>
-                        <a14:foregroundMark x1="55484" y1="70552" x2="55484" y2="70552"/>
-                        <a14:foregroundMark x1="46129" y1="34969" x2="51935" y2="55828"/>
-                      </a14:backgroundRemoval>
-                    </a14:imgEffect>
-                  </a14:imgLayer>
-                </a14:imgProps>
-              </a:ext>
-            </a:extLst>
-          </a:blip>
-          <a:stretch>
-            <a:fillRect/>
-          </a:stretch>
-        </p:blipFill>
-        <p:spPr>
-          <a:xfrm>
-            <a:off x="7073554" y="4470077"/>
-            <a:ext cx="2892477" cy="1493790"/>
-          </a:xfrm>
-          <a:prstGeom prst="rect">
-            <a:avLst/>
-          </a:prstGeom>
-        </p:spPr>
-      </p:pic>
-      <p:pic>
-        <p:nvPicPr>
-          <p:cNvPr id="26" name="Imagem 25">
-            <a:extLst>
-              <a:ext uri="{FF2B5EF4-FFF2-40B4-BE49-F238E27FC236}">
-                <a16:creationId xmlns:a16="http://schemas.microsoft.com/office/drawing/2014/main" id="{2A2F382C-FEAF-4865-87D6-F55129C96A4F}"/>
-              </a:ext>
-            </a:extLst>
-          </p:cNvPr>
-          <p:cNvPicPr>
-            <a:picLocks noChangeAspect="1"/>
-          </p:cNvPicPr>
-          <p:nvPr/>
-        </p:nvPicPr>
-        <p:blipFill>
-          <a:blip r:embed="rId24">
-            <a:extLst>
-              <a:ext uri="{BEBA8EAE-BF5A-486C-A8C5-ECC9F3942E4B}">
-                <a14:imgProps xmlns:a14="http://schemas.microsoft.com/office/drawing/2010/main">
-                  <a14:imgLayer r:embed="rId25">
-                    <a14:imgEffect>
-                      <a14:backgroundRemoval t="3556" b="99556" l="9778" r="89778">
-                        <a14:foregroundMark x1="49333" y1="14667" x2="49333" y2="14667"/>
-                        <a14:foregroundMark x1="65778" y1="3556" x2="65778" y2="3556"/>
-                        <a14:foregroundMark x1="17778" y1="46222" x2="17778" y2="46222"/>
-                        <a14:foregroundMark x1="85778" y1="47111" x2="85778" y2="47111"/>
-                        <a14:foregroundMark x1="61333" y1="93778" x2="61333" y2="93778"/>
-                        <a14:foregroundMark x1="42222" y1="96889" x2="42222" y2="96889"/>
-                        <a14:foregroundMark x1="60889" y1="98667" x2="60889" y2="98667"/>
-                        <a14:foregroundMark x1="60000" y1="99556" x2="60000" y2="99556"/>
-                      </a14:backgroundRemoval>
-                    </a14:imgEffect>
-                  </a14:imgLayer>
-                </a14:imgProps>
-              </a:ext>
-            </a:extLst>
-          </a:blip>
-          <a:stretch>
-            <a:fillRect/>
-          </a:stretch>
-        </p:blipFill>
-        <p:spPr>
-          <a:xfrm>
-            <a:off x="8193741" y="4797491"/>
-            <a:ext cx="340496" cy="340496"/>
-          </a:xfrm>
-          <a:prstGeom prst="rect">
-            <a:avLst/>
-          </a:prstGeom>
-        </p:spPr>
-      </p:pic>
-      <p:pic>
-        <p:nvPicPr>
-          <p:cNvPr id="28" name="Imagem 27">
-            <a:extLst>
-              <a:ext uri="{FF2B5EF4-FFF2-40B4-BE49-F238E27FC236}">
-                <a16:creationId xmlns:a16="http://schemas.microsoft.com/office/drawing/2014/main" id="{E59DC741-FD25-444C-B28B-3F73B3489573}"/>
-              </a:ext>
-            </a:extLst>
-          </p:cNvPr>
-          <p:cNvPicPr>
-            <a:picLocks noChangeAspect="1"/>
-          </p:cNvPicPr>
-          <p:nvPr/>
-        </p:nvPicPr>
-        <p:blipFill>
-          <a:blip r:embed="rId26">
-            <a:extLst>
-              <a:ext uri="{BEBA8EAE-BF5A-486C-A8C5-ECC9F3942E4B}">
-                <a14:imgProps xmlns:a14="http://schemas.microsoft.com/office/drawing/2010/main">
-                  <a14:imgLayer r:embed="rId27">
-                    <a14:imgEffect>
-                      <a14:backgroundRemoval t="408" b="98777" l="2239" r="95896">
-                        <a14:foregroundMark x1="57338" y1="12538" x2="57338" y2="12538"/>
-                        <a14:foregroundMark x1="57836" y1="18349" x2="68159" y2="5912"/>
-                        <a14:foregroundMark x1="68159" y1="5912" x2="68159" y2="5810"/>
-                        <a14:foregroundMark x1="54975" y1="16922" x2="60945" y2="10703"/>
-                        <a14:foregroundMark x1="60945" y1="10703" x2="57960" y2="12946"/>
-                        <a14:foregroundMark x1="69652" y1="2039" x2="71393" y2="1121"/>
-                        <a14:foregroundMark x1="65547" y1="3976" x2="71642" y2="408"/>
-                        <a14:foregroundMark x1="57960" y1="46483" x2="31965" y2="45464"/>
-                        <a14:foregroundMark x1="31965" y1="45464" x2="24502" y2="41386"/>
-                        <a14:foregroundMark x1="24502" y1="41386" x2="29851" y2="35576"/>
-                        <a14:foregroundMark x1="29851" y1="35576" x2="41915" y2="33028"/>
-                        <a14:foregroundMark x1="41915" y1="33028" x2="60075" y2="34659"/>
-                        <a14:foregroundMark x1="60075" y1="34659" x2="69776" y2="39551"/>
-                        <a14:foregroundMark x1="69776" y1="39551" x2="64925" y2="60856"/>
-                        <a14:foregroundMark x1="27363" y1="65545" x2="27114" y2="42610"/>
-                        <a14:foregroundMark x1="27114" y1="42610" x2="30970" y2="63609"/>
-                        <a14:foregroundMark x1="30970" y1="63609" x2="35075" y2="70948"/>
-                        <a14:foregroundMark x1="35075" y1="70948" x2="44030" y2="69113"/>
-                        <a14:foregroundMark x1="44030" y1="69113" x2="27363" y2="72477"/>
-                        <a14:foregroundMark x1="27363" y1="72477" x2="18657" y2="71050"/>
-                        <a14:foregroundMark x1="18657" y1="71050" x2="12438" y2="38940"/>
-                        <a14:foregroundMark x1="73881" y1="68400" x2="80721" y2="73089"/>
-                        <a14:foregroundMark x1="80721" y1="73089" x2="83706" y2="81549"/>
-                        <a14:foregroundMark x1="83706" y1="81549" x2="71766" y2="88583"/>
-                        <a14:foregroundMark x1="71766" y1="88583" x2="60945" y2="86952"/>
-                        <a14:foregroundMark x1="60945" y1="86952" x2="44279" y2="80836"/>
-                        <a14:foregroundMark x1="44279" y1="80836" x2="35697" y2="85321"/>
-                        <a14:foregroundMark x1="35697" y1="85321" x2="26866" y2="84404"/>
-                        <a14:foregroundMark x1="26866" y1="84404" x2="2239" y2="53517"/>
-                        <a14:foregroundMark x1="2239" y1="53517" x2="3607" y2="47910"/>
-                        <a14:foregroundMark x1="7090" y1="42304" x2="13433" y2="65240"/>
-                        <a14:foregroundMark x1="13433" y1="65240" x2="13433" y2="65240"/>
-                        <a14:foregroundMark x1="59328" y1="33231" x2="77363" y2="27421"/>
-                        <a14:foregroundMark x1="77363" y1="27421" x2="82587" y2="34455"/>
-                        <a14:foregroundMark x1="82587" y1="34455" x2="83582" y2="56779"/>
-                        <a14:foregroundMark x1="92910" y1="34353" x2="95896" y2="34353"/>
-                        <a14:foregroundMark x1="93905" y1="32518" x2="95896" y2="33231"/>
-                        <a14:foregroundMark x1="28358" y1="93578" x2="50746" y2="85933"/>
-                        <a14:foregroundMark x1="50746" y1="85933" x2="63557" y2="85831"/>
-                        <a14:foregroundMark x1="63557" y1="85831" x2="72886" y2="89093"/>
-                        <a14:foregroundMark x1="72886" y1="89093" x2="62935" y2="90928"/>
-                        <a14:foregroundMark x1="62935" y1="90928" x2="52488" y2="89908"/>
-                        <a14:foregroundMark x1="52488" y1="89908" x2="44403" y2="93578"/>
-                        <a14:foregroundMark x1="44403" y1="93578" x2="35075" y2="93476"/>
-                        <a14:foregroundMark x1="35075" y1="93476" x2="34080" y2="91539"/>
-                        <a14:foregroundMark x1="81219" y1="90316" x2="75124" y2="96330"/>
-                        <a14:foregroundMark x1="75124" y1="96330" x2="70647" y2="98471"/>
-                        <a14:foregroundMark x1="72139" y1="98777" x2="67413" y2="96942"/>
-                        <a14:backgroundMark x1="5100" y1="10092" x2="7711" y2="17941"/>
-                        <a14:backgroundMark x1="7711" y1="17941" x2="12065" y2="10398"/>
-                        <a14:backgroundMark x1="12065" y1="10398" x2="20522" y2="12029"/>
-                        <a14:backgroundMark x1="46517" y1="26809" x2="58085" y2="25178"/>
-                        <a14:backgroundMark x1="58085" y1="25178" x2="79726" y2="18552"/>
-                        <a14:backgroundMark x1="95522" y1="41182" x2="93159" y2="49337"/>
-                        <a14:backgroundMark x1="93159" y1="49337" x2="95025" y2="54740"/>
-                        <a14:backgroundMark x1="90547" y1="97248" x2="93781" y2="90622"/>
-                        <a14:backgroundMark x1="93781" y1="90622" x2="93781" y2="90622"/>
-                        <a14:backgroundMark x1="50746" y1="98879" x2="54602" y2="98369"/>
-                        <a14:backgroundMark x1="12313" y1="96738" x2="1617" y2="84506"/>
-                      </a14:backgroundRemoval>
-                    </a14:imgEffect>
-                  </a14:imgLayer>
-                </a14:imgProps>
-              </a:ext>
-            </a:extLst>
-          </a:blip>
-          <a:stretch>
-            <a:fillRect/>
-          </a:stretch>
-        </p:blipFill>
-        <p:spPr>
-          <a:xfrm>
-            <a:off x="8545388" y="4779632"/>
-            <a:ext cx="279061" cy="340496"/>
-          </a:xfrm>
-          <a:prstGeom prst="rect">
-            <a:avLst/>
-          </a:prstGeom>
-        </p:spPr>
-      </p:pic>
-      <p:pic>
-        <p:nvPicPr>
-          <p:cNvPr id="19458" name="Picture 2" descr="Discord Logo - PNG e Vetor - Download de Logo">
-            <a:extLst>
-              <a:ext uri="{FF2B5EF4-FFF2-40B4-BE49-F238E27FC236}">
-                <a16:creationId xmlns:a16="http://schemas.microsoft.com/office/drawing/2014/main" id="{3B0C7090-A9E9-4699-9BB3-C75EAEA2A0DE}"/>
-              </a:ext>
-            </a:extLst>
-          </p:cNvPr>
-          <p:cNvPicPr>
-            <a:picLocks noChangeAspect="1" noChangeArrowheads="1"/>
-          </p:cNvPicPr>
-          <p:nvPr/>
-        </p:nvPicPr>
-        <p:blipFill>
-          <a:blip r:embed="rId28" cstate="hqprint">
-            <a:extLst>
-              <a:ext uri="{28A0092B-C50C-407E-A947-70E740481C1C}">
-                <a14:useLocalDpi xmlns:a14="http://schemas.microsoft.com/office/drawing/2010/main" val="0"/>
-              </a:ext>
-            </a:extLst>
-          </a:blip>
-          <a:srcRect/>
-          <a:stretch>
-            <a:fillRect/>
-          </a:stretch>
-        </p:blipFill>
-        <p:spPr bwMode="auto">
-          <a:xfrm>
-            <a:off x="8307251" y="5243136"/>
-            <a:ext cx="403019" cy="289932"/>
-          </a:xfrm>
-          <a:prstGeom prst="rect">
-            <a:avLst/>
-          </a:prstGeom>
-          <a:noFill/>
-          <a:extLst>
-            <a:ext uri="{909E8E84-426E-40DD-AFC4-6F175D3DCCD1}">
-              <a14:hiddenFill xmlns:a14="http://schemas.microsoft.com/office/drawing/2010/main">
-                <a:solidFill>
-                  <a:srgbClr val="FFFFFF"/>
-                </a:solidFill>
-              </a14:hiddenFill>
-            </a:ext>
-          </a:extLst>
-        </p:spPr>
-      </p:pic>
-      <p:cxnSp>
-        <p:nvCxnSpPr>
-          <p:cNvPr id="71" name="Conector: Angulado 70">
-            <a:extLst>
-              <a:ext uri="{FF2B5EF4-FFF2-40B4-BE49-F238E27FC236}">
-                <a16:creationId xmlns:a16="http://schemas.microsoft.com/office/drawing/2014/main" id="{ABBF1A07-B907-4365-A002-606827201A2D}"/>
-              </a:ext>
-            </a:extLst>
-          </p:cNvPr>
-          <p:cNvCxnSpPr>
-            <a:cxnSpLocks/>
-          </p:cNvCxnSpPr>
-          <p:nvPr/>
-        </p:nvCxnSpPr>
-        <p:spPr>
-          <a:xfrm rot="10800000" flipV="1">
-            <a:off x="7597541" y="4283291"/>
-            <a:ext cx="1730945" cy="486589"/>
-          </a:xfrm>
-          <a:prstGeom prst="bentConnector3">
-            <a:avLst>
-              <a:gd name="adj1" fmla="val 78510"/>
-            </a:avLst>
-          </a:prstGeom>
-          <a:ln>
-            <a:headEnd type="triangle"/>
-            <a:tailEnd type="triangle"/>
-          </a:ln>
-        </p:spPr>
-        <p:style>
-          <a:lnRef idx="3">
-            <a:schemeClr val="dk1"/>
-          </a:lnRef>
-          <a:fillRef idx="0">
-            <a:schemeClr val="dk1"/>
-          </a:fillRef>
-          <a:effectRef idx="2">
-            <a:schemeClr val="dk1"/>
-          </a:effectRef>
-          <a:fontRef idx="minor">
-            <a:schemeClr val="tx1"/>
-          </a:fontRef>
-        </p:style>
-      </p:cxnSp>
-      <p:cxnSp>
-        <p:nvCxnSpPr>
-          <p:cNvPr id="79" name="Conector reto 78">
-            <a:extLst>
-              <a:ext uri="{FF2B5EF4-FFF2-40B4-BE49-F238E27FC236}">
-                <a16:creationId xmlns:a16="http://schemas.microsoft.com/office/drawing/2014/main" id="{C308D66D-4E57-47B3-9D79-B96CE048AFD2}"/>
-              </a:ext>
-            </a:extLst>
-          </p:cNvPr>
-          <p:cNvCxnSpPr>
-            <a:cxnSpLocks/>
-          </p:cNvCxnSpPr>
-          <p:nvPr/>
-        </p:nvCxnSpPr>
-        <p:spPr>
-          <a:xfrm flipH="1">
-            <a:off x="9320651" y="4281055"/>
-            <a:ext cx="3458" cy="750926"/>
-          </a:xfrm>
-          <a:prstGeom prst="line">
-            <a:avLst/>
-          </a:prstGeom>
-        </p:spPr>
-        <p:style>
-          <a:lnRef idx="3">
-            <a:schemeClr val="dk1"/>
-          </a:lnRef>
-          <a:fillRef idx="0">
-            <a:schemeClr val="dk1"/>
-          </a:fillRef>
-          <a:effectRef idx="2">
-            <a:schemeClr val="dk1"/>
-          </a:effectRef>
-          <a:fontRef idx="minor">
-            <a:schemeClr val="tx1"/>
-          </a:fontRef>
-        </p:style>
-      </p:cxnSp>
-      <p:cxnSp>
-        <p:nvCxnSpPr>
-          <p:cNvPr id="88" name="Conector de Seta Reta 87">
-            <a:extLst>
-              <a:ext uri="{FF2B5EF4-FFF2-40B4-BE49-F238E27FC236}">
-                <a16:creationId xmlns:a16="http://schemas.microsoft.com/office/drawing/2014/main" id="{59E3203E-B9B6-40D3-837D-C0B300D144B0}"/>
-              </a:ext>
-            </a:extLst>
-          </p:cNvPr>
-          <p:cNvCxnSpPr/>
-          <p:nvPr/>
-        </p:nvCxnSpPr>
-        <p:spPr>
-          <a:xfrm flipV="1">
-            <a:off x="9049787" y="5027772"/>
-            <a:ext cx="916244" cy="4184"/>
-          </a:xfrm>
-          <a:prstGeom prst="straightConnector1">
-            <a:avLst/>
-          </a:prstGeom>
-          <a:ln>
-            <a:headEnd type="triangle"/>
-            <a:tailEnd type="triangle"/>
-          </a:ln>
-        </p:spPr>
-        <p:style>
-          <a:lnRef idx="3">
-            <a:schemeClr val="dk1"/>
-          </a:lnRef>
-          <a:fillRef idx="0">
-            <a:schemeClr val="dk1"/>
-          </a:fillRef>
-          <a:effectRef idx="2">
-            <a:schemeClr val="dk1"/>
-          </a:effectRef>
-          <a:fontRef idx="minor">
-            <a:schemeClr val="tx1"/>
-          </a:fontRef>
-        </p:style>
-      </p:cxnSp>
-      <p:sp>
-        <p:nvSpPr>
-          <p:cNvPr id="89" name="Retângulo: Único Canto Recortado 88">
-            <a:extLst>
-              <a:ext uri="{FF2B5EF4-FFF2-40B4-BE49-F238E27FC236}">
-                <a16:creationId xmlns:a16="http://schemas.microsoft.com/office/drawing/2014/main" id="{D9A2AD79-591B-476B-9824-F5A3B3EA696C}"/>
+        </p:spPr>
+        <p:txBody>
+          <a:bodyPr wrap="square" rtlCol="0">
+            <a:spAutoFit/>
+          </a:bodyPr>
+          <a:lstStyle/>
+          <a:p>
+            <a:pPr algn="ctr"/>
+            <a:r>
+              <a:rPr lang="pt-BR" sz="1100" b="0" i="0" dirty="0">
+                <a:effectLst/>
+              </a:rPr>
+              <a:t>TeamViewer</a:t>
+            </a:r>
+            <a:endParaRPr lang="pt-BR" sz="1100" dirty="0"/>
+          </a:p>
+        </p:txBody>
+      </p:sp>
+      <p:sp>
+        <p:nvSpPr>
+          <p:cNvPr id="172" name="Retângulo: Único Canto Recortado 90">
+            <a:extLst>
+              <a:ext uri="{FF2B5EF4-FFF2-40B4-BE49-F238E27FC236}">
+                <a16:creationId xmlns:a16="http://schemas.microsoft.com/office/drawing/2014/main" id="{F8F1109D-B5C1-40CD-9E80-5F254B4E573B}"/>
               </a:ext>
             </a:extLst>
           </p:cNvPr>
@@ -10000,16 +7357,16 @@
         </p:nvSpPr>
         <p:spPr>
           <a:xfrm>
-            <a:off x="2611568" y="4233274"/>
-            <a:ext cx="1725361" cy="1106784"/>
+            <a:off x="2208958" y="2219855"/>
+            <a:ext cx="1553734" cy="1037190"/>
           </a:xfrm>
           <a:prstGeom prst="snip1Rect">
             <a:avLst/>
           </a:prstGeom>
           <a:solidFill>
             <a:schemeClr val="accent1">
-              <a:lumMod val="20000"/>
-              <a:lumOff val="80000"/>
+              <a:lumMod val="60000"/>
+              <a:lumOff val="40000"/>
             </a:schemeClr>
           </a:solidFill>
         </p:spPr>
@@ -10038,12 +7395,64 @@
           </a:p>
         </p:txBody>
       </p:sp>
+      <p:sp>
+        <p:nvSpPr>
+          <p:cNvPr id="173" name="Retângulo: Único Canto Recortado 88">
+            <a:extLst>
+              <a:ext uri="{FF2B5EF4-FFF2-40B4-BE49-F238E27FC236}">
+                <a16:creationId xmlns:a16="http://schemas.microsoft.com/office/drawing/2014/main" id="{4ABEA06F-2C66-4D57-AEEE-E6ED165ACA67}"/>
+              </a:ext>
+            </a:extLst>
+          </p:cNvPr>
+          <p:cNvSpPr/>
+          <p:nvPr/>
+        </p:nvSpPr>
+        <p:spPr>
+          <a:xfrm>
+            <a:off x="2372244" y="2027532"/>
+            <a:ext cx="1586607" cy="1037190"/>
+          </a:xfrm>
+          <a:prstGeom prst="snip1Rect">
+            <a:avLst/>
+          </a:prstGeom>
+          <a:solidFill>
+            <a:schemeClr val="accent1">
+              <a:lumMod val="20000"/>
+              <a:lumOff val="80000"/>
+            </a:schemeClr>
+          </a:solidFill>
+        </p:spPr>
+        <p:style>
+          <a:lnRef idx="2">
+            <a:schemeClr val="accent1">
+              <a:shade val="50000"/>
+            </a:schemeClr>
+          </a:lnRef>
+          <a:fillRef idx="1">
+            <a:schemeClr val="accent1"/>
+          </a:fillRef>
+          <a:effectRef idx="0">
+            <a:schemeClr val="accent1"/>
+          </a:effectRef>
+          <a:fontRef idx="minor">
+            <a:schemeClr val="lt1"/>
+          </a:fontRef>
+        </p:style>
+        <p:txBody>
+          <a:bodyPr rtlCol="0" anchor="ctr"/>
+          <a:lstStyle/>
+          <a:p>
+            <a:pPr algn="ctr"/>
+            <a:endParaRPr lang="pt-BR"/>
+          </a:p>
+        </p:txBody>
+      </p:sp>
       <p:pic>
         <p:nvPicPr>
-          <p:cNvPr id="43" name="Imagem 42">
-            <a:extLst>
-              <a:ext uri="{FF2B5EF4-FFF2-40B4-BE49-F238E27FC236}">
-                <a16:creationId xmlns:a16="http://schemas.microsoft.com/office/drawing/2014/main" id="{115C59E7-4D15-4556-BB99-CFBA62CD2500}"/>
+          <p:cNvPr id="174" name="Imagem 91">
+            <a:extLst>
+              <a:ext uri="{FF2B5EF4-FFF2-40B4-BE49-F238E27FC236}">
+                <a16:creationId xmlns:a16="http://schemas.microsoft.com/office/drawing/2014/main" id="{645C313A-0FC0-4CA6-94FE-44042229AD21}"/>
               </a:ext>
             </a:extLst>
           </p:cNvPr>
@@ -10053,11 +7462,59 @@
           <p:nvPr/>
         </p:nvPicPr>
         <p:blipFill>
-          <a:blip r:embed="rId29">
+          <a:blip r:embed="rId40">
             <a:extLst>
               <a:ext uri="{BEBA8EAE-BF5A-486C-A8C5-ECC9F3942E4B}">
                 <a14:imgProps xmlns:a14="http://schemas.microsoft.com/office/drawing/2010/main">
-                  <a14:imgLayer r:embed="rId30">
+                  <a14:imgLayer r:embed="rId41">
+                    <a14:imgEffect>
+                      <a14:backgroundRemoval t="9778" b="89778" l="9778" r="95111">
+                        <a14:foregroundMark x1="47946" y1="21313" x2="24444" y2="34222"/>
+                        <a14:backgroundMark x1="69778" y1="15111" x2="51111" y2="20000"/>
+                        <a14:backgroundMark x1="98222" y1="48000" x2="85778" y2="28000"/>
+                        <a14:backgroundMark x1="87111" y1="31111" x2="69778" y2="18222"/>
+                        <a14:backgroundMark x1="57333" y1="12000" x2="37333" y2="15111"/>
+                      </a14:backgroundRemoval>
+                    </a14:imgEffect>
+                  </a14:imgLayer>
+                </a14:imgProps>
+              </a:ext>
+            </a:extLst>
+          </a:blip>
+          <a:stretch>
+            <a:fillRect/>
+          </a:stretch>
+        </p:blipFill>
+        <p:spPr>
+          <a:xfrm>
+            <a:off x="3254846" y="2263040"/>
+            <a:ext cx="700315" cy="672521"/>
+          </a:xfrm>
+          <a:prstGeom prst="rect">
+            <a:avLst/>
+          </a:prstGeom>
+        </p:spPr>
+      </p:pic>
+      <p:pic>
+        <p:nvPicPr>
+          <p:cNvPr id="175" name="Imagem 42">
+            <a:extLst>
+              <a:ext uri="{FF2B5EF4-FFF2-40B4-BE49-F238E27FC236}">
+                <a16:creationId xmlns:a16="http://schemas.microsoft.com/office/drawing/2014/main" id="{86C49AC7-0E33-46D5-A012-AE98E0BA49E1}"/>
+              </a:ext>
+            </a:extLst>
+          </p:cNvPr>
+          <p:cNvPicPr>
+            <a:picLocks noChangeAspect="1"/>
+          </p:cNvPicPr>
+          <p:nvPr/>
+        </p:nvPicPr>
+        <p:blipFill>
+          <a:blip r:embed="rId42">
+            <a:extLst>
+              <a:ext uri="{BEBA8EAE-BF5A-486C-A8C5-ECC9F3942E4B}">
+                <a14:imgProps xmlns:a14="http://schemas.microsoft.com/office/drawing/2010/main">
+                  <a14:imgLayer r:embed="rId43">
                     <a14:imgEffect>
                       <a14:backgroundRemoval t="6180" b="89888" l="1685" r="98876">
                         <a14:foregroundMark x1="86517" y1="40449" x2="86517" y2="40449"/>
@@ -10093,56 +7550,8 @@
         </p:blipFill>
         <p:spPr>
           <a:xfrm>
-            <a:off x="2866576" y="4458454"/>
+            <a:off x="2544313" y="2206393"/>
             <a:ext cx="646261" cy="646261"/>
-          </a:xfrm>
-          <a:prstGeom prst="rect">
-            <a:avLst/>
-          </a:prstGeom>
-        </p:spPr>
-      </p:pic>
-      <p:pic>
-        <p:nvPicPr>
-          <p:cNvPr id="92" name="Imagem 91">
-            <a:extLst>
-              <a:ext uri="{FF2B5EF4-FFF2-40B4-BE49-F238E27FC236}">
-                <a16:creationId xmlns:a16="http://schemas.microsoft.com/office/drawing/2014/main" id="{C0C95EA8-5A76-454B-8BA7-3E5DD91A8EB1}"/>
-              </a:ext>
-            </a:extLst>
-          </p:cNvPr>
-          <p:cNvPicPr>
-            <a:picLocks noChangeAspect="1"/>
-          </p:cNvPicPr>
-          <p:nvPr/>
-        </p:nvPicPr>
-        <p:blipFill>
-          <a:blip r:embed="rId31">
-            <a:extLst>
-              <a:ext uri="{BEBA8EAE-BF5A-486C-A8C5-ECC9F3942E4B}">
-                <a14:imgProps xmlns:a14="http://schemas.microsoft.com/office/drawing/2010/main">
-                  <a14:imgLayer r:embed="rId32">
-                    <a14:imgEffect>
-                      <a14:backgroundRemoval t="9778" b="89778" l="9778" r="95111">
-                        <a14:foregroundMark x1="47946" y1="21313" x2="24444" y2="34222"/>
-                        <a14:backgroundMark x1="69778" y1="15111" x2="51111" y2="20000"/>
-                        <a14:backgroundMark x1="98222" y1="48000" x2="85778" y2="28000"/>
-                        <a14:backgroundMark x1="87111" y1="31111" x2="69778" y2="18222"/>
-                        <a14:backgroundMark x1="57333" y1="12000" x2="37333" y2="15111"/>
-                      </a14:backgroundRemoval>
-                    </a14:imgEffect>
-                  </a14:imgLayer>
-                </a14:imgProps>
-              </a:ext>
-            </a:extLst>
-          </a:blip>
-          <a:stretch>
-            <a:fillRect/>
-          </a:stretch>
-        </p:blipFill>
-        <p:spPr>
-          <a:xfrm>
-            <a:off x="3510028" y="4540377"/>
-            <a:ext cx="700315" cy="672521"/>
           </a:xfrm>
           <a:prstGeom prst="rect">
             <a:avLst/>
@@ -10151,10 +7560,10 @@
       </p:pic>
       <p:cxnSp>
         <p:nvCxnSpPr>
-          <p:cNvPr id="94" name="Conector reto 93">
-            <a:extLst>
-              <a:ext uri="{FF2B5EF4-FFF2-40B4-BE49-F238E27FC236}">
-                <a16:creationId xmlns:a16="http://schemas.microsoft.com/office/drawing/2014/main" id="{CF35D557-D2C5-45DD-B0CD-EE916C065BF6}"/>
+          <p:cNvPr id="176" name="Conector de Seta Reta 60">
+            <a:extLst>
+              <a:ext uri="{FF2B5EF4-FFF2-40B4-BE49-F238E27FC236}">
+                <a16:creationId xmlns:a16="http://schemas.microsoft.com/office/drawing/2014/main" id="{5765C8C7-4278-49D0-A23B-0CEFCC6886E6}"/>
               </a:ext>
             </a:extLst>
           </p:cNvPr>
@@ -10165,1919 +7574,8 @@
         </p:nvCxnSpPr>
         <p:spPr>
           <a:xfrm flipV="1">
-            <a:off x="2254060" y="4388312"/>
-            <a:ext cx="251762" cy="204299"/>
-          </a:xfrm>
-          <a:prstGeom prst="line">
-            <a:avLst/>
-          </a:prstGeom>
-        </p:spPr>
-        <p:style>
-          <a:lnRef idx="3">
-            <a:schemeClr val="accent1"/>
-          </a:lnRef>
-          <a:fillRef idx="0">
-            <a:schemeClr val="accent1"/>
-          </a:fillRef>
-          <a:effectRef idx="2">
-            <a:schemeClr val="accent1"/>
-          </a:effectRef>
-          <a:fontRef idx="minor">
-            <a:schemeClr val="tx1"/>
-          </a:fontRef>
-        </p:style>
-      </p:cxnSp>
-      <p:cxnSp>
-        <p:nvCxnSpPr>
-          <p:cNvPr id="95" name="Conector reto 94">
-            <a:extLst>
-              <a:ext uri="{FF2B5EF4-FFF2-40B4-BE49-F238E27FC236}">
-                <a16:creationId xmlns:a16="http://schemas.microsoft.com/office/drawing/2014/main" id="{33C5EAF3-5A22-4B97-B07A-C6C8F19F601A}"/>
-              </a:ext>
-            </a:extLst>
-          </p:cNvPr>
-          <p:cNvCxnSpPr>
-            <a:cxnSpLocks/>
-          </p:cNvCxnSpPr>
-          <p:nvPr/>
-        </p:nvCxnSpPr>
-        <p:spPr>
-          <a:xfrm>
-            <a:off x="2268696" y="5295821"/>
-            <a:ext cx="237126" cy="130880"/>
-          </a:xfrm>
-          <a:prstGeom prst="line">
-            <a:avLst/>
-          </a:prstGeom>
-        </p:spPr>
-        <p:style>
-          <a:lnRef idx="3">
-            <a:schemeClr val="accent1"/>
-          </a:lnRef>
-          <a:fillRef idx="0">
-            <a:schemeClr val="accent1"/>
-          </a:fillRef>
-          <a:effectRef idx="2">
-            <a:schemeClr val="accent1"/>
-          </a:effectRef>
-          <a:fontRef idx="minor">
-            <a:schemeClr val="tx1"/>
-          </a:fontRef>
-        </p:style>
-      </p:cxnSp>
-      <p:sp>
-        <p:nvSpPr>
-          <p:cNvPr id="113" name="CaixaDeTexto 112">
-            <a:extLst>
-              <a:ext uri="{FF2B5EF4-FFF2-40B4-BE49-F238E27FC236}">
-                <a16:creationId xmlns:a16="http://schemas.microsoft.com/office/drawing/2014/main" id="{A5160C37-7716-4652-AACD-171006D22C40}"/>
-              </a:ext>
-            </a:extLst>
-          </p:cNvPr>
-          <p:cNvSpPr txBox="1"/>
-          <p:nvPr/>
-        </p:nvSpPr>
-        <p:spPr>
-          <a:xfrm>
-            <a:off x="7835546" y="5954849"/>
-            <a:ext cx="1368492" cy="430887"/>
-          </a:xfrm>
-          <a:prstGeom prst="rect">
-            <a:avLst/>
-          </a:prstGeom>
-          <a:noFill/>
-        </p:spPr>
-        <p:txBody>
-          <a:bodyPr wrap="square" rtlCol="0">
-            <a:spAutoFit/>
-          </a:bodyPr>
-          <a:lstStyle/>
-          <a:p>
-            <a:pPr algn="ctr"/>
-            <a:r>
-              <a:rPr lang="pt-BR" sz="1100" dirty="0"/>
-              <a:t>Smartphone do usuário</a:t>
-            </a:r>
-          </a:p>
-        </p:txBody>
-      </p:sp>
-      <p:sp>
-        <p:nvSpPr>
-          <p:cNvPr id="114" name="CaixaDeTexto 113">
-            <a:extLst>
-              <a:ext uri="{FF2B5EF4-FFF2-40B4-BE49-F238E27FC236}">
-                <a16:creationId xmlns:a16="http://schemas.microsoft.com/office/drawing/2014/main" id="{CE531F70-EEF0-4D35-98EA-66420033469C}"/>
-              </a:ext>
-            </a:extLst>
-          </p:cNvPr>
-          <p:cNvSpPr txBox="1"/>
-          <p:nvPr/>
-        </p:nvSpPr>
-        <p:spPr>
-          <a:xfrm>
-            <a:off x="10017190" y="6419158"/>
-            <a:ext cx="1998878" cy="261610"/>
-          </a:xfrm>
-          <a:prstGeom prst="rect">
-            <a:avLst/>
-          </a:prstGeom>
-          <a:noFill/>
-        </p:spPr>
-        <p:txBody>
-          <a:bodyPr wrap="square" rtlCol="0">
-            <a:spAutoFit/>
-          </a:bodyPr>
-          <a:lstStyle/>
-          <a:p>
-            <a:pPr algn="ctr"/>
-            <a:r>
-              <a:rPr lang="pt-BR" sz="1100" dirty="0"/>
-              <a:t>Notebook/ Desktop do usuário</a:t>
-            </a:r>
-          </a:p>
-        </p:txBody>
-      </p:sp>
-      <p:sp>
-        <p:nvSpPr>
-          <p:cNvPr id="115" name="CaixaDeTexto 114">
-            <a:extLst>
-              <a:ext uri="{FF2B5EF4-FFF2-40B4-BE49-F238E27FC236}">
-                <a16:creationId xmlns:a16="http://schemas.microsoft.com/office/drawing/2014/main" id="{48369ADC-024D-437E-BA9F-CBE55A3D27EF}"/>
-              </a:ext>
-            </a:extLst>
-          </p:cNvPr>
-          <p:cNvSpPr txBox="1"/>
-          <p:nvPr/>
-        </p:nvSpPr>
-        <p:spPr>
-          <a:xfrm>
-            <a:off x="495652" y="6279194"/>
-            <a:ext cx="1755372" cy="430887"/>
-          </a:xfrm>
-          <a:prstGeom prst="rect">
-            <a:avLst/>
-          </a:prstGeom>
-          <a:noFill/>
-        </p:spPr>
-        <p:txBody>
-          <a:bodyPr wrap="square" rtlCol="0">
-            <a:spAutoFit/>
-          </a:bodyPr>
-          <a:lstStyle/>
-          <a:p>
-            <a:pPr algn="ctr"/>
-            <a:r>
-              <a:rPr lang="pt-BR" sz="1100" dirty="0"/>
-              <a:t>Notebook / Desktop do técnico</a:t>
-            </a:r>
-          </a:p>
-        </p:txBody>
-      </p:sp>
-      <p:cxnSp>
-        <p:nvCxnSpPr>
-          <p:cNvPr id="69" name="Conector de Seta Reta 60">
-            <a:extLst>
-              <a:ext uri="{FF2B5EF4-FFF2-40B4-BE49-F238E27FC236}">
-                <a16:creationId xmlns:a16="http://schemas.microsoft.com/office/drawing/2014/main" id="{A5C5030C-2D18-4A6F-BB1E-7E5CF5C2CABA}"/>
-              </a:ext>
-            </a:extLst>
-          </p:cNvPr>
-          <p:cNvCxnSpPr>
-            <a:cxnSpLocks/>
-          </p:cNvCxnSpPr>
-          <p:nvPr/>
-        </p:nvCxnSpPr>
-        <p:spPr>
-          <a:xfrm flipH="1" flipV="1">
-            <a:off x="9320651" y="2574257"/>
-            <a:ext cx="553161" cy="295929"/>
-          </a:xfrm>
-          <a:prstGeom prst="straightConnector1">
-            <a:avLst/>
-          </a:prstGeom>
-          <a:ln>
-            <a:tailEnd type="triangle"/>
-          </a:ln>
-        </p:spPr>
-        <p:style>
-          <a:lnRef idx="3">
-            <a:schemeClr val="dk1"/>
-          </a:lnRef>
-          <a:fillRef idx="0">
-            <a:schemeClr val="dk1"/>
-          </a:fillRef>
-          <a:effectRef idx="2">
-            <a:schemeClr val="dk1"/>
-          </a:effectRef>
-          <a:fontRef idx="minor">
-            <a:schemeClr val="tx1"/>
-          </a:fontRef>
-        </p:style>
-      </p:cxnSp>
-      <p:pic>
-        <p:nvPicPr>
-          <p:cNvPr id="57" name="Picture 56">
-            <a:extLst>
-              <a:ext uri="{FF2B5EF4-FFF2-40B4-BE49-F238E27FC236}">
-                <a16:creationId xmlns:a16="http://schemas.microsoft.com/office/drawing/2014/main" id="{FFF1996B-58A2-4D48-B37F-AD863C15B6EC}"/>
-              </a:ext>
-            </a:extLst>
-          </p:cNvPr>
-          <p:cNvPicPr>
-            <a:picLocks noChangeAspect="1"/>
-          </p:cNvPicPr>
-          <p:nvPr/>
-        </p:nvPicPr>
-        <p:blipFill>
-          <a:blip r:embed="rId33" cstate="hqprint">
-            <a:extLst>
-              <a:ext uri="{BEBA8EAE-BF5A-486C-A8C5-ECC9F3942E4B}">
-                <a14:imgProps xmlns:a14="http://schemas.microsoft.com/office/drawing/2010/main">
-                  <a14:imgLayer r:embed="rId34">
-                    <a14:imgEffect>
-                      <a14:backgroundRemoval t="4375" b="90000" l="10000" r="90000">
-                        <a14:foregroundMark x1="26250" y1="33125" x2="25833" y2="25750"/>
-                        <a14:foregroundMark x1="25833" y1="25750" x2="27833" y2="18500"/>
-                        <a14:foregroundMark x1="29917" y1="15500" x2="38083" y2="8000"/>
-                        <a14:foregroundMark x1="38083" y1="8000" x2="56917" y2="4375"/>
-                        <a14:foregroundMark x1="56917" y1="4375" x2="66000" y2="10000"/>
-                        <a14:foregroundMark x1="66000" y1="10000" x2="70500" y2="14125"/>
-                        <a14:foregroundMark x1="70500" y1="14125" x2="73250" y2="20375"/>
-                        <a14:foregroundMark x1="73250" y1="20375" x2="77000" y2="39750"/>
-                        <a14:foregroundMark x1="62333" y1="44875" x2="40250" y2="46250"/>
-                        <a14:foregroundMark x1="43583" y1="56375" x2="43583" y2="56375"/>
-                        <a14:foregroundMark x1="56167" y1="56750" x2="56167" y2="56750"/>
-                      </a14:backgroundRemoval>
-                    </a14:imgEffect>
-                  </a14:imgLayer>
-                </a14:imgProps>
-              </a:ext>
-              <a:ext uri="{28A0092B-C50C-407E-A947-70E740481C1C}">
-                <a14:useLocalDpi xmlns:a14="http://schemas.microsoft.com/office/drawing/2010/main" val="0"/>
-              </a:ext>
-            </a:extLst>
-          </a:blip>
-          <a:stretch>
-            <a:fillRect/>
-          </a:stretch>
-        </p:blipFill>
-        <p:spPr>
-          <a:xfrm>
-            <a:off x="5559970" y="646401"/>
-            <a:ext cx="707211" cy="471474"/>
-          </a:xfrm>
-          <a:prstGeom prst="rect">
-            <a:avLst/>
-          </a:prstGeom>
-        </p:spPr>
-      </p:pic>
-      <p:sp>
-        <p:nvSpPr>
-          <p:cNvPr id="58" name="CaixaDeTexto 67">
-            <a:extLst>
-              <a:ext uri="{FF2B5EF4-FFF2-40B4-BE49-F238E27FC236}">
-                <a16:creationId xmlns:a16="http://schemas.microsoft.com/office/drawing/2014/main" id="{E12DD363-B278-4028-B311-35C528C5BD6E}"/>
-              </a:ext>
-            </a:extLst>
-          </p:cNvPr>
-          <p:cNvSpPr txBox="1"/>
-          <p:nvPr/>
-        </p:nvSpPr>
-        <p:spPr>
-          <a:xfrm>
-            <a:off x="5434777" y="1078309"/>
-            <a:ext cx="1005068" cy="261610"/>
-          </a:xfrm>
-          <a:prstGeom prst="rect">
-            <a:avLst/>
-          </a:prstGeom>
-          <a:noFill/>
-        </p:spPr>
-        <p:txBody>
-          <a:bodyPr wrap="square" rtlCol="0">
-            <a:spAutoFit/>
-          </a:bodyPr>
-          <a:lstStyle/>
-          <a:p>
-            <a:pPr algn="ctr"/>
-            <a:r>
-              <a:rPr lang="pt-BR" sz="1100" b="0" i="0" dirty="0">
-                <a:effectLst/>
-              </a:rPr>
-              <a:t>TeamViewer</a:t>
-            </a:r>
-            <a:endParaRPr lang="pt-BR" sz="1100" dirty="0"/>
-          </a:p>
-        </p:txBody>
-      </p:sp>
-      <p:pic>
-        <p:nvPicPr>
-          <p:cNvPr id="63" name="Picture 2" descr="GitHub - oshi/oshi: Native Operating System and Hardware Information">
-            <a:extLst>
-              <a:ext uri="{FF2B5EF4-FFF2-40B4-BE49-F238E27FC236}">
-                <a16:creationId xmlns:a16="http://schemas.microsoft.com/office/drawing/2014/main" id="{AC6A7A05-9FD3-4161-8CE3-031324CA48A9}"/>
-              </a:ext>
-            </a:extLst>
-          </p:cNvPr>
-          <p:cNvPicPr>
-            <a:picLocks noChangeAspect="1" noChangeArrowheads="1"/>
-          </p:cNvPicPr>
-          <p:nvPr/>
-        </p:nvPicPr>
-        <p:blipFill rotWithShape="1">
-          <a:blip r:embed="rId35" cstate="hqprint">
-            <a:extLst>
-              <a:ext uri="{28A0092B-C50C-407E-A947-70E740481C1C}">
-                <a14:useLocalDpi xmlns:a14="http://schemas.microsoft.com/office/drawing/2010/main" val="0"/>
-              </a:ext>
-            </a:extLst>
-          </a:blip>
-          <a:srcRect r="72464"/>
-          <a:stretch/>
-        </p:blipFill>
-        <p:spPr bwMode="auto">
-          <a:xfrm>
-            <a:off x="10489609" y="2285525"/>
-            <a:ext cx="390393" cy="294629"/>
-          </a:xfrm>
-          <a:prstGeom prst="rect">
-            <a:avLst/>
-          </a:prstGeom>
-          <a:noFill/>
-          <a:extLst>
-            <a:ext uri="{909E8E84-426E-40DD-AFC4-6F175D3DCCD1}">
-              <a14:hiddenFill xmlns:a14="http://schemas.microsoft.com/office/drawing/2010/main">
-                <a:solidFill>
-                  <a:srgbClr val="FFFFFF"/>
-                </a:solidFill>
-              </a14:hiddenFill>
-            </a:ext>
-          </a:extLst>
-        </p:spPr>
-      </p:pic>
-      <p:pic>
-        <p:nvPicPr>
-          <p:cNvPr id="72" name="Picture 71">
-            <a:extLst>
-              <a:ext uri="{FF2B5EF4-FFF2-40B4-BE49-F238E27FC236}">
-                <a16:creationId xmlns:a16="http://schemas.microsoft.com/office/drawing/2014/main" id="{5B4EE446-BA91-41AE-B6CD-9C908F9BB3B4}"/>
-              </a:ext>
-            </a:extLst>
-          </p:cNvPr>
-          <p:cNvPicPr>
-            <a:picLocks noChangeAspect="1"/>
-          </p:cNvPicPr>
-          <p:nvPr/>
-        </p:nvPicPr>
-        <p:blipFill>
-          <a:blip r:embed="rId36" cstate="hqprint">
-            <a:extLst>
-              <a:ext uri="{BEBA8EAE-BF5A-486C-A8C5-ECC9F3942E4B}">
-                <a14:imgProps xmlns:a14="http://schemas.microsoft.com/office/drawing/2010/main">
-                  <a14:imgLayer r:embed="rId37">
-                    <a14:imgEffect>
-                      <a14:backgroundRemoval t="4375" b="90000" l="10000" r="90000">
-                        <a14:foregroundMark x1="26250" y1="33125" x2="25833" y2="25750"/>
-                        <a14:foregroundMark x1="25833" y1="25750" x2="27833" y2="18500"/>
-                        <a14:foregroundMark x1="29917" y1="15500" x2="38083" y2="8000"/>
-                        <a14:foregroundMark x1="38083" y1="8000" x2="56917" y2="4375"/>
-                        <a14:foregroundMark x1="56917" y1="4375" x2="66000" y2="10000"/>
-                        <a14:foregroundMark x1="66000" y1="10000" x2="70500" y2="14125"/>
-                        <a14:foregroundMark x1="70500" y1="14125" x2="73250" y2="20375"/>
-                        <a14:foregroundMark x1="73250" y1="20375" x2="77000" y2="39750"/>
-                        <a14:foregroundMark x1="62333" y1="44875" x2="40250" y2="46250"/>
-                        <a14:foregroundMark x1="43583" y1="56375" x2="43583" y2="56375"/>
-                        <a14:foregroundMark x1="56167" y1="56750" x2="56167" y2="56750"/>
-                      </a14:backgroundRemoval>
-                    </a14:imgEffect>
-                  </a14:imgLayer>
-                </a14:imgProps>
-              </a:ext>
-              <a:ext uri="{28A0092B-C50C-407E-A947-70E740481C1C}">
-                <a14:useLocalDpi xmlns:a14="http://schemas.microsoft.com/office/drawing/2010/main" val="0"/>
-              </a:ext>
-            </a:extLst>
-          </a:blip>
-          <a:stretch>
-            <a:fillRect/>
-          </a:stretch>
-        </p:blipFill>
-        <p:spPr>
-          <a:xfrm>
-            <a:off x="10755937" y="5018991"/>
-            <a:ext cx="493179" cy="328786"/>
-          </a:xfrm>
-          <a:prstGeom prst="rect">
-            <a:avLst/>
-          </a:prstGeom>
-        </p:spPr>
-      </p:pic>
-      <p:pic>
-        <p:nvPicPr>
-          <p:cNvPr id="18" name="Picture 2" descr="Discord Logo - PNG e Vetor - Download de Logo">
-            <a:extLst>
-              <a:ext uri="{FF2B5EF4-FFF2-40B4-BE49-F238E27FC236}">
-                <a16:creationId xmlns:a16="http://schemas.microsoft.com/office/drawing/2014/main" id="{6FF3084F-AB8B-42A3-A44D-58D396861B9C}"/>
-              </a:ext>
-            </a:extLst>
-          </p:cNvPr>
-          <p:cNvPicPr>
-            <a:picLocks noChangeAspect="1" noChangeArrowheads="1"/>
-          </p:cNvPicPr>
-          <p:nvPr/>
-        </p:nvPicPr>
-        <p:blipFill>
-          <a:blip r:embed="rId28" cstate="hqprint">
-            <a:extLst>
-              <a:ext uri="{28A0092B-C50C-407E-A947-70E740481C1C}">
-                <a14:useLocalDpi xmlns:a14="http://schemas.microsoft.com/office/drawing/2010/main" val="0"/>
-              </a:ext>
-            </a:extLst>
-          </a:blip>
-          <a:srcRect/>
-          <a:stretch>
-            <a:fillRect/>
-          </a:stretch>
-        </p:blipFill>
-        <p:spPr bwMode="auto">
-          <a:xfrm>
-            <a:off x="11385034" y="4881944"/>
-            <a:ext cx="308426" cy="221882"/>
-          </a:xfrm>
-          <a:prstGeom prst="rect">
-            <a:avLst/>
-          </a:prstGeom>
-          <a:noFill/>
-          <a:extLst>
-            <a:ext uri="{909E8E84-426E-40DD-AFC4-6F175D3DCCD1}">
-              <a14:hiddenFill xmlns:a14="http://schemas.microsoft.com/office/drawing/2010/main">
-                <a:solidFill>
-                  <a:srgbClr val="FFFFFF"/>
-                </a:solidFill>
-              </a14:hiddenFill>
-            </a:ext>
-          </a:extLst>
-        </p:spPr>
-      </p:pic>
-      <p:sp>
-        <p:nvSpPr>
-          <p:cNvPr id="29" name="CaixaDeTexto 114">
-            <a:extLst>
-              <a:ext uri="{FF2B5EF4-FFF2-40B4-BE49-F238E27FC236}">
-                <a16:creationId xmlns:a16="http://schemas.microsoft.com/office/drawing/2014/main" id="{AA3AC8FA-19F1-4CFD-AD1D-B2E8C21A52A9}"/>
-              </a:ext>
-            </a:extLst>
-          </p:cNvPr>
-          <p:cNvSpPr txBox="1"/>
-          <p:nvPr/>
-        </p:nvSpPr>
-        <p:spPr>
-          <a:xfrm>
-            <a:off x="4401091" y="4928837"/>
-            <a:ext cx="772449" cy="261610"/>
-          </a:xfrm>
-          <a:prstGeom prst="rect">
-            <a:avLst/>
-          </a:prstGeom>
-          <a:noFill/>
-        </p:spPr>
-        <p:txBody>
-          <a:bodyPr wrap="square" rtlCol="0">
-            <a:spAutoFit/>
-          </a:bodyPr>
-          <a:lstStyle/>
-          <a:p>
-            <a:pPr algn="ctr"/>
-            <a:r>
-              <a:rPr lang="pt-BR" sz="1100" dirty="0"/>
-              <a:t>Roteador</a:t>
-            </a:r>
-          </a:p>
-        </p:txBody>
-      </p:sp>
-      <p:sp>
-        <p:nvSpPr>
-          <p:cNvPr id="35" name="CaixaDeTexto 114">
-            <a:extLst>
-              <a:ext uri="{FF2B5EF4-FFF2-40B4-BE49-F238E27FC236}">
-                <a16:creationId xmlns:a16="http://schemas.microsoft.com/office/drawing/2014/main" id="{40337C02-410E-4ABC-8BFD-E7D6E98D56D9}"/>
-              </a:ext>
-            </a:extLst>
-          </p:cNvPr>
-          <p:cNvSpPr txBox="1"/>
-          <p:nvPr/>
-        </p:nvSpPr>
-        <p:spPr>
-          <a:xfrm>
-            <a:off x="7022128" y="4984495"/>
-            <a:ext cx="772449" cy="261610"/>
-          </a:xfrm>
-          <a:prstGeom prst="rect">
-            <a:avLst/>
-          </a:prstGeom>
-          <a:noFill/>
-        </p:spPr>
-        <p:txBody>
-          <a:bodyPr wrap="square" rtlCol="0">
-            <a:spAutoFit/>
-          </a:bodyPr>
-          <a:lstStyle/>
-          <a:p>
-            <a:pPr algn="ctr"/>
-            <a:r>
-              <a:rPr lang="pt-BR" sz="1100" dirty="0"/>
-              <a:t>Roteador</a:t>
-            </a:r>
-          </a:p>
-        </p:txBody>
-      </p:sp>
-      <p:pic>
-        <p:nvPicPr>
-          <p:cNvPr id="22" name="Imagem 21" descr="Ícone&#10;&#10;Descrição gerada automaticamente">
-            <a:extLst>
-              <a:ext uri="{FF2B5EF4-FFF2-40B4-BE49-F238E27FC236}">
-                <a16:creationId xmlns:a16="http://schemas.microsoft.com/office/drawing/2014/main" id="{B974360D-12AC-48B5-B9CE-E1A02FE57552}"/>
-              </a:ext>
-            </a:extLst>
-          </p:cNvPr>
-          <p:cNvPicPr>
-            <a:picLocks noChangeAspect="1"/>
-          </p:cNvPicPr>
-          <p:nvPr/>
-        </p:nvPicPr>
-        <p:blipFill rotWithShape="1">
-          <a:blip r:embed="rId38" cstate="hqprint">
-            <a:extLst>
-              <a:ext uri="{BEBA8EAE-BF5A-486C-A8C5-ECC9F3942E4B}">
-                <a14:imgProps xmlns:a14="http://schemas.microsoft.com/office/drawing/2010/main">
-                  <a14:imgLayer r:embed="rId39">
-                    <a14:imgEffect>
-                      <a14:backgroundRemoval t="3125" b="95508" l="8594" r="89648">
-                        <a14:foregroundMark x1="48828" y1="17969" x2="41016" y2="23828"/>
-                        <a14:foregroundMark x1="41016" y1="23828" x2="48828" y2="31250"/>
-                        <a14:foregroundMark x1="48828" y1="31250" x2="57422" y2="25586"/>
-                        <a14:foregroundMark x1="57422" y1="25586" x2="49219" y2="18555"/>
-                        <a14:foregroundMark x1="48633" y1="16602" x2="49219" y2="16602"/>
-                        <a14:foregroundMark x1="50781" y1="2734" x2="88477" y2="25781"/>
-                        <a14:foregroundMark x1="88477" y1="25781" x2="91602" y2="57813"/>
-                        <a14:foregroundMark x1="91602" y1="57813" x2="89648" y2="68750"/>
-                        <a14:foregroundMark x1="89648" y1="68750" x2="84961" y2="78125"/>
-                        <a14:foregroundMark x1="84961" y1="78125" x2="75195" y2="81836"/>
-                        <a14:foregroundMark x1="75195" y1="81836" x2="59570" y2="94922"/>
-                        <a14:foregroundMark x1="59570" y1="94922" x2="48633" y2="97461"/>
-                        <a14:foregroundMark x1="48633" y1="97461" x2="10352" y2="74609"/>
-                        <a14:foregroundMark x1="10352" y1="74609" x2="5664" y2="63867"/>
-                        <a14:foregroundMark x1="5664" y1="63867" x2="4688" y2="54102"/>
-                        <a14:foregroundMark x1="4688" y1="54102" x2="8594" y2="33203"/>
-                        <a14:foregroundMark x1="8594" y1="33203" x2="50195" y2="3320"/>
-                        <a14:foregroundMark x1="86133" y1="24805" x2="90625" y2="34180"/>
-                        <a14:foregroundMark x1="90625" y1="34180" x2="90820" y2="69336"/>
-                        <a14:foregroundMark x1="90820" y1="69336" x2="80664" y2="70313"/>
-                        <a14:foregroundMark x1="80664" y1="70313" x2="78906" y2="28906"/>
-                        <a14:foregroundMark x1="78906" y1="28906" x2="85938" y2="25586"/>
-                        <a14:foregroundMark x1="77734" y1="32227" x2="60938" y2="18750"/>
-                        <a14:foregroundMark x1="60938" y1="18750" x2="51758" y2="15234"/>
-                        <a14:foregroundMark x1="51758" y1="15234" x2="40039" y2="15430"/>
-                        <a14:foregroundMark x1="40039" y1="15430" x2="29492" y2="34961"/>
-                        <a14:foregroundMark x1="29492" y1="34961" x2="19531" y2="41406"/>
-                        <a14:foregroundMark x1="19531" y1="41406" x2="16797" y2="52734"/>
-                        <a14:foregroundMark x1="16797" y1="52734" x2="30273" y2="72656"/>
-                        <a14:foregroundMark x1="30273" y1="72656" x2="40625" y2="79297"/>
-                        <a14:foregroundMark x1="40625" y1="79297" x2="51367" y2="80469"/>
-                        <a14:foregroundMark x1="51367" y1="80469" x2="61719" y2="79102"/>
-                        <a14:foregroundMark x1="61719" y1="79102" x2="70508" y2="71875"/>
-                        <a14:foregroundMark x1="70508" y1="71875" x2="80859" y2="49414"/>
-                        <a14:foregroundMark x1="80859" y1="49414" x2="80469" y2="37500"/>
-                        <a14:foregroundMark x1="80469" y1="37500" x2="77734" y2="30273"/>
-                        <a14:foregroundMark x1="81445" y1="38672" x2="66992" y2="22656"/>
-                        <a14:foregroundMark x1="66992" y1="22656" x2="46680" y2="16016"/>
-                        <a14:foregroundMark x1="46680" y1="16016" x2="36523" y2="18750"/>
-                        <a14:foregroundMark x1="36523" y1="18750" x2="28320" y2="25000"/>
-                        <a14:foregroundMark x1="28320" y1="25000" x2="17773" y2="58398"/>
-                        <a14:foregroundMark x1="17773" y1="58398" x2="18359" y2="68750"/>
-                        <a14:foregroundMark x1="18359" y1="68750" x2="25586" y2="78906"/>
-                        <a14:foregroundMark x1="25586" y1="78906" x2="37891" y2="85156"/>
-                        <a14:foregroundMark x1="37891" y1="85156" x2="59766" y2="88086"/>
-                        <a14:foregroundMark x1="59766" y1="88086" x2="69727" y2="84375"/>
-                        <a14:foregroundMark x1="69727" y1="84375" x2="75391" y2="75781"/>
-                        <a14:foregroundMark x1="75391" y1="75781" x2="81836" y2="43359"/>
-                        <a14:foregroundMark x1="81836" y1="43359" x2="78320" y2="31250"/>
-                        <a14:foregroundMark x1="79883" y1="53906" x2="72852" y2="45703"/>
-                        <a14:foregroundMark x1="72852" y1="45703" x2="61523" y2="45508"/>
-                        <a14:foregroundMark x1="61523" y1="45508" x2="48242" y2="50195"/>
-                        <a14:foregroundMark x1="48242" y1="50195" x2="42578" y2="58398"/>
-                        <a14:foregroundMark x1="42578" y1="58398" x2="48828" y2="67969"/>
-                        <a14:foregroundMark x1="48828" y1="67969" x2="61914" y2="69727"/>
-                        <a14:foregroundMark x1="61914" y1="69727" x2="72461" y2="64844"/>
-                        <a14:foregroundMark x1="72461" y1="64844" x2="79883" y2="55859"/>
-                        <a14:foregroundMark x1="79883" y1="55859" x2="77148" y2="51172"/>
-                        <a14:foregroundMark x1="58398" y1="70703" x2="70898" y2="67578"/>
-                        <a14:foregroundMark x1="70898" y1="67578" x2="78711" y2="57227"/>
-                        <a14:foregroundMark x1="78711" y1="57227" x2="75000" y2="47656"/>
-                        <a14:foregroundMark x1="75000" y1="47656" x2="56445" y2="34570"/>
-                        <a14:foregroundMark x1="56445" y1="34570" x2="41992" y2="38086"/>
-                        <a14:foregroundMark x1="41992" y1="38086" x2="38086" y2="50391"/>
-                        <a14:foregroundMark x1="38086" y1="50391" x2="50195" y2="69531"/>
-                        <a14:foregroundMark x1="50195" y1="69531" x2="59180" y2="74805"/>
-                        <a14:foregroundMark x1="59180" y1="74805" x2="61719" y2="72266"/>
-                        <a14:foregroundMark x1="63086" y1="71484" x2="75781" y2="50000"/>
-                        <a14:foregroundMark x1="75781" y1="50000" x2="68359" y2="42188"/>
-                        <a14:foregroundMark x1="68359" y1="42188" x2="47266" y2="41797"/>
-                        <a14:foregroundMark x1="47266" y1="41797" x2="38672" y2="55859"/>
-                        <a14:foregroundMark x1="38672" y1="55859" x2="38672" y2="66211"/>
-                        <a14:foregroundMark x1="38672" y1="66211" x2="53516" y2="72852"/>
-                        <a14:foregroundMark x1="53516" y1="72852" x2="64063" y2="67969"/>
-                        <a14:foregroundMark x1="57422" y1="74805" x2="61328" y2="28320"/>
-                        <a14:foregroundMark x1="61328" y1="28320" x2="51758" y2="17578"/>
-                        <a14:foregroundMark x1="51758" y1="17578" x2="37305" y2="14453"/>
-                        <a14:foregroundMark x1="37305" y1="14453" x2="16016" y2="49414"/>
-                        <a14:foregroundMark x1="16016" y1="49414" x2="13867" y2="60547"/>
-                        <a14:foregroundMark x1="13867" y1="60547" x2="17969" y2="70703"/>
-                        <a14:foregroundMark x1="17969" y1="70703" x2="38281" y2="72266"/>
-                        <a14:foregroundMark x1="38281" y1="72266" x2="56836" y2="69141"/>
-                        <a14:foregroundMark x1="63281" y1="37500" x2="57031" y2="25977"/>
-                        <a14:foregroundMark x1="57031" y1="25977" x2="47266" y2="20117"/>
-                        <a14:foregroundMark x1="47266" y1="20117" x2="33398" y2="20703"/>
-                        <a14:foregroundMark x1="33398" y1="20703" x2="27930" y2="29883"/>
-                        <a14:foregroundMark x1="27930" y1="29883" x2="36133" y2="38672"/>
-                        <a14:foregroundMark x1="36133" y1="38672" x2="45508" y2="41992"/>
-                        <a14:foregroundMark x1="45508" y1="41992" x2="58984" y2="33398"/>
-                        <a14:foregroundMark x1="54297" y1="33789" x2="51172" y2="20898"/>
-                        <a14:foregroundMark x1="51172" y1="20898" x2="28125" y2="19531"/>
-                        <a14:foregroundMark x1="28125" y1="19531" x2="30469" y2="31055"/>
-                        <a14:foregroundMark x1="30469" y1="31055" x2="51563" y2="37305"/>
-                        <a14:foregroundMark x1="51563" y1="37305" x2="54102" y2="33008"/>
-                        <a14:foregroundMark x1="37695" y1="58789" x2="33984" y2="44336"/>
-                        <a14:foregroundMark x1="33984" y1="44336" x2="20703" y2="42773"/>
-                        <a14:foregroundMark x1="20703" y1="42773" x2="17188" y2="52148"/>
-                        <a14:foregroundMark x1="17188" y1="52148" x2="24609" y2="60742"/>
-                        <a14:foregroundMark x1="24609" y1="60742" x2="33594" y2="65039"/>
-                        <a14:foregroundMark x1="33594" y1="65039" x2="39063" y2="57617"/>
-                        <a14:foregroundMark x1="66211" y1="43750" x2="55469" y2="50586"/>
-                        <a14:foregroundMark x1="55469" y1="50586" x2="54883" y2="62695"/>
-                        <a14:foregroundMark x1="54883" y1="62695" x2="63086" y2="69141"/>
-                        <a14:foregroundMark x1="63086" y1="69141" x2="73242" y2="71484"/>
-                        <a14:foregroundMark x1="73242" y1="71484" x2="74805" y2="52539"/>
-                        <a14:foregroundMark x1="76367" y1="50586" x2="66797" y2="44922"/>
-                        <a14:foregroundMark x1="66797" y1="44922" x2="58008" y2="50977"/>
-                        <a14:foregroundMark x1="58008" y1="50977" x2="60352" y2="61523"/>
-                        <a14:foregroundMark x1="60352" y1="61523" x2="71094" y2="65039"/>
-                        <a14:foregroundMark x1="71094" y1="65039" x2="76172" y2="50586"/>
-                        <a14:foregroundMark x1="73828" y1="59766" x2="70703" y2="48242"/>
-                        <a14:foregroundMark x1="70703" y1="48242" x2="60547" y2="45703"/>
-                        <a14:foregroundMark x1="60547" y1="45703" x2="54102" y2="54297"/>
-                        <a14:foregroundMark x1="54102" y1="54297" x2="64258" y2="61523"/>
-                        <a14:foregroundMark x1="64258" y1="61523" x2="72461" y2="58008"/>
-                        <a14:foregroundMark x1="48438" y1="33398" x2="48828" y2="23242"/>
-                        <a14:foregroundMark x1="48828" y1="23242" x2="38672" y2="19531"/>
-                        <a14:foregroundMark x1="38672" y1="19531" x2="33008" y2="29297"/>
-                        <a14:foregroundMark x1="33008" y1="29297" x2="42969" y2="33789"/>
-                        <a14:foregroundMark x1="42969" y1="33789" x2="48633" y2="32617"/>
-                        <a14:foregroundMark x1="45313" y1="41016" x2="48047" y2="29492"/>
-                        <a14:foregroundMark x1="48047" y1="29492" x2="41406" y2="20898"/>
-                        <a14:foregroundMark x1="41406" y1="20898" x2="33398" y2="29297"/>
-                        <a14:foregroundMark x1="33398" y1="29297" x2="46484" y2="38086"/>
-                        <a14:foregroundMark x1="38867" y1="56250" x2="35547" y2="46680"/>
-                        <a14:foregroundMark x1="35547" y1="46680" x2="25195" y2="42969"/>
-                        <a14:foregroundMark x1="25195" y1="42969" x2="16992" y2="48242"/>
-                        <a14:foregroundMark x1="16992" y1="48242" x2="23242" y2="57031"/>
-                        <a14:foregroundMark x1="23242" y1="57031" x2="32813" y2="60742"/>
-                        <a14:foregroundMark x1="32813" y1="60742" x2="37500" y2="55469"/>
-                        <a14:foregroundMark x1="33984" y1="59766" x2="37109" y2="47852"/>
-                        <a14:foregroundMark x1="37109" y1="47852" x2="28125" y2="44141"/>
-                        <a14:foregroundMark x1="28125" y1="44141" x2="18359" y2="47656"/>
-                        <a14:foregroundMark x1="18359" y1="47656" x2="23633" y2="57617"/>
-                        <a14:foregroundMark x1="23633" y1="57617" x2="33984" y2="59570"/>
-                        <a14:foregroundMark x1="33984" y1="59570" x2="34180" y2="60938"/>
-                        <a14:foregroundMark x1="36328" y1="65625" x2="37305" y2="55273"/>
-                        <a14:foregroundMark x1="37305" y1="55273" x2="34570" y2="45703"/>
-                        <a14:foregroundMark x1="34570" y1="45703" x2="24023" y2="43945"/>
-                        <a14:foregroundMark x1="24023" y1="43945" x2="18359" y2="53516"/>
-                        <a14:foregroundMark x1="18359" y1="53516" x2="36328" y2="61133"/>
-                        <a14:foregroundMark x1="59766" y1="92188" x2="50977" y2="97266"/>
-                        <a14:foregroundMark x1="50977" y1="97266" x2="41797" y2="92773"/>
-                        <a14:foregroundMark x1="41797" y1="92773" x2="51758" y2="90625"/>
-                        <a14:foregroundMark x1="51758" y1="90625" x2="59570" y2="91992"/>
-                        <a14:foregroundMark x1="54883" y1="95508" x2="52930" y2="94922"/>
-                        <a14:foregroundMark x1="88672" y1="25586" x2="89258" y2="68164"/>
-                        <a14:foregroundMark x1="89258" y1="68164" x2="89648" y2="35938"/>
-                        <a14:foregroundMark x1="89648" y1="35938" x2="89453" y2="57227"/>
-                      </a14:backgroundRemoval>
-                    </a14:imgEffect>
-                  </a14:imgLayer>
-                </a14:imgProps>
-              </a:ext>
-              <a:ext uri="{28A0092B-C50C-407E-A947-70E740481C1C}">
-                <a14:useLocalDpi xmlns:a14="http://schemas.microsoft.com/office/drawing/2010/main" val="0"/>
-              </a:ext>
-            </a:extLst>
-          </a:blip>
-          <a:srcRect l="7307" t="1338" r="7559" b="1338"/>
-          <a:stretch/>
-        </p:blipFill>
-        <p:spPr>
-          <a:xfrm>
-            <a:off x="3543821" y="1125163"/>
-            <a:ext cx="349320" cy="399346"/>
-          </a:xfrm>
-          <a:prstGeom prst="rect">
-            <a:avLst/>
-          </a:prstGeom>
-        </p:spPr>
-      </p:pic>
-      <p:cxnSp>
-        <p:nvCxnSpPr>
-          <p:cNvPr id="102" name="Conector de Seta Reta 60">
-            <a:extLst>
-              <a:ext uri="{FF2B5EF4-FFF2-40B4-BE49-F238E27FC236}">
-                <a16:creationId xmlns:a16="http://schemas.microsoft.com/office/drawing/2014/main" id="{A5C5030C-2D18-4A6F-BB1E-7E5CF5C2CABA}"/>
-              </a:ext>
-            </a:extLst>
-          </p:cNvPr>
-          <p:cNvCxnSpPr>
-            <a:cxnSpLocks/>
-          </p:cNvCxnSpPr>
-          <p:nvPr/>
-        </p:nvCxnSpPr>
-        <p:spPr>
-          <a:xfrm flipV="1">
-            <a:off x="7733698" y="2622660"/>
-            <a:ext cx="0" cy="1094962"/>
-          </a:xfrm>
-          <a:prstGeom prst="straightConnector1">
-            <a:avLst/>
-          </a:prstGeom>
-          <a:ln>
-            <a:tailEnd type="triangle"/>
-          </a:ln>
-        </p:spPr>
-        <p:style>
-          <a:lnRef idx="3">
-            <a:schemeClr val="dk1"/>
-          </a:lnRef>
-          <a:fillRef idx="0">
-            <a:schemeClr val="dk1"/>
-          </a:fillRef>
-          <a:effectRef idx="2">
-            <a:schemeClr val="dk1"/>
-          </a:effectRef>
-          <a:fontRef idx="minor">
-            <a:schemeClr val="tx1"/>
-          </a:fontRef>
-        </p:style>
-      </p:cxnSp>
-      <p:pic>
-        <p:nvPicPr>
-          <p:cNvPr id="96" name="Imagem 95"/>
-          <p:cNvPicPr>
-            <a:picLocks noChangeAspect="1"/>
-          </p:cNvPicPr>
-          <p:nvPr/>
-        </p:nvPicPr>
-        <p:blipFill>
-          <a:blip r:embed="rId40">
-            <a:extLst>
-              <a:ext uri="{BEBA8EAE-BF5A-486C-A8C5-ECC9F3942E4B}">
-                <a14:imgProps xmlns:a14="http://schemas.microsoft.com/office/drawing/2010/main">
-                  <a14:imgLayer r:embed="rId41">
-                    <a14:imgEffect>
-                      <a14:backgroundRemoval t="4598" b="98851" l="1034" r="99655">
-                        <a14:foregroundMark x1="24483" y1="27011" x2="24483" y2="27011"/>
-                        <a14:foregroundMark x1="25517" y1="22414" x2="25517" y2="22414"/>
-                        <a14:foregroundMark x1="24828" y1="17241" x2="25862" y2="30460"/>
-                        <a14:foregroundMark x1="25862" y1="39080" x2="23793" y2="5172"/>
-                        <a14:foregroundMark x1="83448" y1="26437" x2="77931" y2="10920"/>
-                        <a14:foregroundMark x1="91724" y1="34483" x2="94828" y2="37931"/>
-                        <a14:foregroundMark x1="6552" y1="38506" x2="5517" y2="35632"/>
-                        <a14:foregroundMark x1="11034" y1="78161" x2="51724" y2="91954"/>
-                        <a14:foregroundMark x1="88621" y1="66092" x2="95862" y2="66667"/>
-                        <a14:foregroundMark x1="52759" y1="98851" x2="47931" y2="98851"/>
-                        <a14:foregroundMark x1="6897" y1="72414" x2="1379" y2="65517"/>
-                        <a14:foregroundMark x1="98966" y1="72414" x2="99655" y2="63793"/>
-                        <a14:foregroundMark x1="26897" y1="48851" x2="24138" y2="8621"/>
-                        <a14:foregroundMark x1="41379" y1="39080" x2="37586" y2="10920"/>
-                        <a14:foregroundMark x1="46207" y1="36782" x2="48966" y2="14368"/>
-                        <a14:foregroundMark x1="58276" y1="36782" x2="51034" y2="4598"/>
-                        <a14:foregroundMark x1="60000" y1="41379" x2="67586" y2="8621"/>
-                      </a14:backgroundRemoval>
-                    </a14:imgEffect>
-                  </a14:imgLayer>
-                </a14:imgProps>
-              </a:ext>
-            </a:extLst>
-          </a:blip>
-          <a:stretch>
-            <a:fillRect/>
-          </a:stretch>
-        </p:blipFill>
-        <p:spPr>
-          <a:xfrm>
-            <a:off x="10675703" y="1712407"/>
-            <a:ext cx="681853" cy="409112"/>
-          </a:xfrm>
-          <a:prstGeom prst="rect">
-            <a:avLst/>
-          </a:prstGeom>
-        </p:spPr>
-      </p:pic>
-      <p:pic>
-        <p:nvPicPr>
-          <p:cNvPr id="108" name="Picture 2" descr="GitHub - oshi/oshi: Native Operating System and Hardware Information">
-            <a:extLst>
-              <a:ext uri="{FF2B5EF4-FFF2-40B4-BE49-F238E27FC236}">
-                <a16:creationId xmlns:a16="http://schemas.microsoft.com/office/drawing/2014/main" id="{AC6A7A05-9FD3-4161-8CE3-031324CA48A9}"/>
-              </a:ext>
-            </a:extLst>
-          </p:cNvPr>
-          <p:cNvPicPr>
-            <a:picLocks noChangeAspect="1" noChangeArrowheads="1"/>
-          </p:cNvPicPr>
-          <p:nvPr/>
-        </p:nvPicPr>
-        <p:blipFill rotWithShape="1">
-          <a:blip r:embed="rId35" cstate="hqprint">
-            <a:extLst>
-              <a:ext uri="{28A0092B-C50C-407E-A947-70E740481C1C}">
-                <a14:useLocalDpi xmlns:a14="http://schemas.microsoft.com/office/drawing/2010/main" val="0"/>
-              </a:ext>
-            </a:extLst>
-          </a:blip>
-          <a:srcRect r="72464"/>
-          <a:stretch/>
-        </p:blipFill>
-        <p:spPr bwMode="auto">
-          <a:xfrm>
-            <a:off x="10229627" y="4850768"/>
-            <a:ext cx="390393" cy="294629"/>
-          </a:xfrm>
-          <a:prstGeom prst="rect">
-            <a:avLst/>
-          </a:prstGeom>
-          <a:noFill/>
-          <a:extLst>
-            <a:ext uri="{909E8E84-426E-40DD-AFC4-6F175D3DCCD1}">
-              <a14:hiddenFill xmlns:a14="http://schemas.microsoft.com/office/drawing/2010/main">
-                <a:solidFill>
-                  <a:srgbClr val="FFFFFF"/>
-                </a:solidFill>
-              </a14:hiddenFill>
-            </a:ext>
-          </a:extLst>
-        </p:spPr>
-      </p:pic>
-      <p:pic>
-        <p:nvPicPr>
-          <p:cNvPr id="109" name="Imagem 108">
-            <a:extLst>
-              <a:ext uri="{FF2B5EF4-FFF2-40B4-BE49-F238E27FC236}">
-                <a16:creationId xmlns:a16="http://schemas.microsoft.com/office/drawing/2014/main" id="{F4892A92-ABD7-4F2A-AD6B-EFC108078BFE}"/>
-              </a:ext>
-            </a:extLst>
-          </p:cNvPr>
-          <p:cNvPicPr>
-            <a:picLocks noChangeAspect="1"/>
-          </p:cNvPicPr>
-          <p:nvPr/>
-        </p:nvPicPr>
-        <p:blipFill>
-          <a:blip r:embed="rId9"/>
-          <a:stretch>
-            <a:fillRect/>
-          </a:stretch>
-        </p:blipFill>
-        <p:spPr>
-          <a:xfrm>
-            <a:off x="11042490" y="2719210"/>
-            <a:ext cx="408111" cy="408111"/>
-          </a:xfrm>
-          <a:prstGeom prst="rect">
-            <a:avLst/>
-          </a:prstGeom>
-        </p:spPr>
-      </p:pic>
-      <p:cxnSp>
-        <p:nvCxnSpPr>
-          <p:cNvPr id="100" name="Conector reto 99"/>
-          <p:cNvCxnSpPr/>
-          <p:nvPr/>
-        </p:nvCxnSpPr>
-        <p:spPr>
-          <a:xfrm>
-            <a:off x="10701573" y="4321316"/>
-            <a:ext cx="0" cy="706456"/>
-          </a:xfrm>
-          <a:prstGeom prst="line">
-            <a:avLst/>
-          </a:prstGeom>
-        </p:spPr>
-        <p:style>
-          <a:lnRef idx="3">
-            <a:schemeClr val="dk1"/>
-          </a:lnRef>
-          <a:fillRef idx="0">
-            <a:schemeClr val="dk1"/>
-          </a:fillRef>
-          <a:effectRef idx="2">
-            <a:schemeClr val="dk1"/>
-          </a:effectRef>
-          <a:fontRef idx="minor">
-            <a:schemeClr val="tx1"/>
-          </a:fontRef>
-        </p:style>
-      </p:cxnSp>
-      <p:pic>
-        <p:nvPicPr>
-          <p:cNvPr id="153" name="Imagem 152">
-            <a:extLst>
-              <a:ext uri="{FF2B5EF4-FFF2-40B4-BE49-F238E27FC236}">
-                <a16:creationId xmlns:a16="http://schemas.microsoft.com/office/drawing/2014/main" id="{5B8E73A8-691E-43EC-B096-5A63DB3160FB}"/>
-              </a:ext>
-            </a:extLst>
-          </p:cNvPr>
-          <p:cNvPicPr>
-            <a:picLocks noChangeAspect="1"/>
-          </p:cNvPicPr>
-          <p:nvPr/>
-        </p:nvPicPr>
-        <p:blipFill rotWithShape="1">
-          <a:blip r:embed="rId10">
-            <a:extLst>
-              <a:ext uri="{BEBA8EAE-BF5A-486C-A8C5-ECC9F3942E4B}">
-                <a14:imgProps xmlns:a14="http://schemas.microsoft.com/office/drawing/2010/main">
-                  <a14:imgLayer r:embed="rId11">
-                    <a14:imgEffect>
-                      <a14:backgroundRemoval t="9799" b="89950" l="2500" r="94063">
-                        <a14:foregroundMark x1="10938" y1="20352" x2="10938" y2="20352"/>
-                        <a14:foregroundMark x1="16042" y1="34422" x2="16042" y2="34422"/>
-                        <a14:foregroundMark x1="12292" y1="36181" x2="12292" y2="36181"/>
-                        <a14:foregroundMark x1="14271" y1="32915" x2="14271" y2="32915"/>
-                        <a14:foregroundMark x1="11979" y1="28392" x2="16875" y2="41457"/>
-                        <a14:foregroundMark x1="16875" y1="41457" x2="10104" y2="45729"/>
-                        <a14:foregroundMark x1="10104" y1="45729" x2="7500" y2="27638"/>
-                        <a14:foregroundMark x1="7500" y1="27638" x2="7708" y2="25879"/>
-                        <a14:foregroundMark x1="11146" y1="28643" x2="6250" y2="41960"/>
-                        <a14:foregroundMark x1="6250" y1="41960" x2="8438" y2="49246"/>
-                        <a14:foregroundMark x1="13021" y1="50754" x2="8542" y2="42965"/>
-                        <a14:foregroundMark x1="3958" y1="39196" x2="2500" y2="35930"/>
-                        <a14:foregroundMark x1="23021" y1="36432" x2="29271" y2="27638"/>
-                        <a14:foregroundMark x1="29271" y1="27638" x2="29479" y2="30905"/>
-                        <a14:foregroundMark x1="30208" y1="50000" x2="32604" y2="34673"/>
-                        <a14:foregroundMark x1="32604" y1="34673" x2="34896" y2="39950"/>
-                        <a14:foregroundMark x1="36250" y1="27889" x2="38229" y2="41960"/>
-                        <a14:foregroundMark x1="26882" y1="21885" x2="25625" y2="22111"/>
-                        <a14:foregroundMark x1="32604" y1="20854" x2="27379" y2="21795"/>
-                        <a14:foregroundMark x1="24972" y1="22970" x2="24479" y2="23618"/>
-                        <a14:foregroundMark x1="33021" y1="21357" x2="29167" y2="18844"/>
-                        <a14:foregroundMark x1="25655" y1="19089" x2="25521" y2="19095"/>
-                        <a14:foregroundMark x1="31458" y1="18844" x2="26654" y2="19047"/>
-                        <a14:foregroundMark x1="31667" y1="19095" x2="34167" y2="20854"/>
-                        <a14:foregroundMark x1="45104" y1="38945" x2="45208" y2="27387"/>
-                        <a14:foregroundMark x1="53229" y1="51759" x2="52500" y2="56281"/>
-                        <a14:foregroundMark x1="64375" y1="40704" x2="64583" y2="24372"/>
-                        <a14:foregroundMark x1="64583" y1="24372" x2="64583" y2="24372"/>
-                        <a14:foregroundMark x1="61354" y1="59799" x2="62604" y2="59045"/>
-                        <a14:foregroundMark x1="76563" y1="25126" x2="76563" y2="23367"/>
-                        <a14:foregroundMark x1="83229" y1="43216" x2="86667" y2="27136"/>
-                        <a14:foregroundMark x1="86667" y1="27136" x2="94063" y2="36432"/>
-                        <a14:foregroundMark x1="94063" y1="36432" x2="89479" y2="36181"/>
-                        <a14:foregroundMark x1="25625" y1="21357" x2="26667" y2="20854"/>
-                        <a14:foregroundMark x1="33646" y1="55528" x2="35417" y2="52764"/>
-                        <a14:backgroundMark x1="25521" y1="19849" x2="26250" y2="18090"/>
-                      </a14:backgroundRemoval>
-                    </a14:imgEffect>
-                  </a14:imgLayer>
-                </a14:imgProps>
-              </a:ext>
-            </a:extLst>
-          </a:blip>
-          <a:srcRect l="58695" t="-1359" r="22613" b="18821"/>
-          <a:stretch/>
-        </p:blipFill>
-        <p:spPr>
-          <a:xfrm>
-            <a:off x="792417" y="4294465"/>
-            <a:ext cx="273443" cy="500575"/>
-          </a:xfrm>
-          <a:prstGeom prst="rect">
-            <a:avLst/>
-          </a:prstGeom>
-        </p:spPr>
-      </p:pic>
-      <p:pic>
-        <p:nvPicPr>
-          <p:cNvPr id="154" name="Imagem 153">
-            <a:extLst>
-              <a:ext uri="{FF2B5EF4-FFF2-40B4-BE49-F238E27FC236}">
-                <a16:creationId xmlns:a16="http://schemas.microsoft.com/office/drawing/2014/main" id="{AE8FDB0B-4F93-44C8-B4CD-64F86FB6EB51}"/>
-              </a:ext>
-            </a:extLst>
-          </p:cNvPr>
-          <p:cNvPicPr>
-            <a:picLocks noChangeAspect="1"/>
-          </p:cNvPicPr>
-          <p:nvPr/>
-        </p:nvPicPr>
-        <p:blipFill rotWithShape="1">
-          <a:blip r:embed="rId10">
-            <a:extLst>
-              <a:ext uri="{BEBA8EAE-BF5A-486C-A8C5-ECC9F3942E4B}">
-                <a14:imgProps xmlns:a14="http://schemas.microsoft.com/office/drawing/2010/main">
-                  <a14:imgLayer r:embed="rId11">
-                    <a14:imgEffect>
-                      <a14:backgroundRemoval t="9799" b="89950" l="2500" r="94063">
-                        <a14:foregroundMark x1="10938" y1="20352" x2="10938" y2="20352"/>
-                        <a14:foregroundMark x1="16042" y1="34422" x2="16042" y2="34422"/>
-                        <a14:foregroundMark x1="12292" y1="36181" x2="12292" y2="36181"/>
-                        <a14:foregroundMark x1="14271" y1="32915" x2="14271" y2="32915"/>
-                        <a14:foregroundMark x1="11979" y1="28392" x2="16875" y2="41457"/>
-                        <a14:foregroundMark x1="16875" y1="41457" x2="10104" y2="45729"/>
-                        <a14:foregroundMark x1="10104" y1="45729" x2="7500" y2="27638"/>
-                        <a14:foregroundMark x1="7500" y1="27638" x2="7708" y2="25879"/>
-                        <a14:foregroundMark x1="11146" y1="28643" x2="6250" y2="41960"/>
-                        <a14:foregroundMark x1="6250" y1="41960" x2="8438" y2="49246"/>
-                        <a14:foregroundMark x1="13021" y1="50754" x2="8542" y2="42965"/>
-                        <a14:foregroundMark x1="3958" y1="39196" x2="2500" y2="35930"/>
-                        <a14:foregroundMark x1="23021" y1="36432" x2="29271" y2="27638"/>
-                        <a14:foregroundMark x1="29271" y1="27638" x2="29479" y2="30905"/>
-                        <a14:foregroundMark x1="30208" y1="50000" x2="32604" y2="34673"/>
-                        <a14:foregroundMark x1="32604" y1="34673" x2="34896" y2="39950"/>
-                        <a14:foregroundMark x1="36250" y1="27889" x2="38229" y2="41960"/>
-                        <a14:foregroundMark x1="26882" y1="21885" x2="25625" y2="22111"/>
-                        <a14:foregroundMark x1="32604" y1="20854" x2="27379" y2="21795"/>
-                        <a14:foregroundMark x1="24972" y1="22970" x2="24479" y2="23618"/>
-                        <a14:foregroundMark x1="33021" y1="21357" x2="29167" y2="18844"/>
-                        <a14:foregroundMark x1="25655" y1="19089" x2="25521" y2="19095"/>
-                        <a14:foregroundMark x1="31458" y1="18844" x2="26654" y2="19047"/>
-                        <a14:foregroundMark x1="31667" y1="19095" x2="34167" y2="20854"/>
-                        <a14:foregroundMark x1="45104" y1="38945" x2="45208" y2="27387"/>
-                        <a14:foregroundMark x1="53229" y1="51759" x2="52500" y2="56281"/>
-                        <a14:foregroundMark x1="64375" y1="40704" x2="64583" y2="24372"/>
-                        <a14:foregroundMark x1="64583" y1="24372" x2="64583" y2="24372"/>
-                        <a14:foregroundMark x1="61354" y1="59799" x2="62604" y2="59045"/>
-                        <a14:foregroundMark x1="76563" y1="25126" x2="76563" y2="23367"/>
-                        <a14:foregroundMark x1="83229" y1="43216" x2="86667" y2="27136"/>
-                        <a14:foregroundMark x1="86667" y1="27136" x2="94063" y2="36432"/>
-                        <a14:foregroundMark x1="94063" y1="36432" x2="89479" y2="36181"/>
-                        <a14:foregroundMark x1="25625" y1="21357" x2="26667" y2="20854"/>
-                        <a14:foregroundMark x1="33646" y1="55528" x2="35417" y2="52764"/>
-                        <a14:backgroundMark x1="25521" y1="19849" x2="26250" y2="18090"/>
-                      </a14:backgroundRemoval>
-                    </a14:imgEffect>
-                  </a14:imgLayer>
-                </a14:imgProps>
-              </a:ext>
-            </a:extLst>
-          </a:blip>
-          <a:srcRect l="-2" t="1" r="79272" b="32709"/>
-          <a:stretch/>
-        </p:blipFill>
-        <p:spPr>
-          <a:xfrm>
-            <a:off x="1586412" y="4322788"/>
-            <a:ext cx="323768" cy="435727"/>
-          </a:xfrm>
-          <a:prstGeom prst="rect">
-            <a:avLst/>
-          </a:prstGeom>
-        </p:spPr>
-      </p:pic>
-      <p:pic>
-        <p:nvPicPr>
-          <p:cNvPr id="155" name="Picture 71">
-            <a:extLst>
-              <a:ext uri="{FF2B5EF4-FFF2-40B4-BE49-F238E27FC236}">
-                <a16:creationId xmlns:a16="http://schemas.microsoft.com/office/drawing/2014/main" id="{5B4EE446-BA91-41AE-B6CD-9C908F9BB3B4}"/>
-              </a:ext>
-            </a:extLst>
-          </p:cNvPr>
-          <p:cNvPicPr>
-            <a:picLocks noChangeAspect="1"/>
-          </p:cNvPicPr>
-          <p:nvPr/>
-        </p:nvPicPr>
-        <p:blipFill>
-          <a:blip r:embed="rId36" cstate="hqprint">
-            <a:extLst>
-              <a:ext uri="{BEBA8EAE-BF5A-486C-A8C5-ECC9F3942E4B}">
-                <a14:imgProps xmlns:a14="http://schemas.microsoft.com/office/drawing/2010/main">
-                  <a14:imgLayer r:embed="rId37">
-                    <a14:imgEffect>
-                      <a14:backgroundRemoval t="4375" b="90000" l="10000" r="90000">
-                        <a14:foregroundMark x1="26250" y1="33125" x2="25833" y2="25750"/>
-                        <a14:foregroundMark x1="25833" y1="25750" x2="27833" y2="18500"/>
-                        <a14:foregroundMark x1="29917" y1="15500" x2="38083" y2="8000"/>
-                        <a14:foregroundMark x1="38083" y1="8000" x2="56917" y2="4375"/>
-                        <a14:foregroundMark x1="56917" y1="4375" x2="66000" y2="10000"/>
-                        <a14:foregroundMark x1="66000" y1="10000" x2="70500" y2="14125"/>
-                        <a14:foregroundMark x1="70500" y1="14125" x2="73250" y2="20375"/>
-                        <a14:foregroundMark x1="73250" y1="20375" x2="77000" y2="39750"/>
-                        <a14:foregroundMark x1="62333" y1="44875" x2="40250" y2="46250"/>
-                        <a14:foregroundMark x1="43583" y1="56375" x2="43583" y2="56375"/>
-                        <a14:foregroundMark x1="56167" y1="56750" x2="56167" y2="56750"/>
-                      </a14:backgroundRemoval>
-                    </a14:imgEffect>
-                  </a14:imgLayer>
-                </a14:imgProps>
-              </a:ext>
-              <a:ext uri="{28A0092B-C50C-407E-A947-70E740481C1C}">
-                <a14:useLocalDpi xmlns:a14="http://schemas.microsoft.com/office/drawing/2010/main" val="0"/>
-              </a:ext>
-            </a:extLst>
-          </a:blip>
-          <a:stretch>
-            <a:fillRect/>
-          </a:stretch>
-        </p:blipFill>
-        <p:spPr>
-          <a:xfrm>
-            <a:off x="1511142" y="4851021"/>
-            <a:ext cx="493179" cy="328786"/>
-          </a:xfrm>
-          <a:prstGeom prst="rect">
-            <a:avLst/>
-          </a:prstGeom>
-        </p:spPr>
-      </p:pic>
-      <p:pic>
-        <p:nvPicPr>
-          <p:cNvPr id="156" name="Picture 2" descr="Discord Logo - PNG e Vetor - Download de Logo">
-            <a:extLst>
-              <a:ext uri="{FF2B5EF4-FFF2-40B4-BE49-F238E27FC236}">
-                <a16:creationId xmlns:a16="http://schemas.microsoft.com/office/drawing/2014/main" id="{6FF3084F-AB8B-42A3-A44D-58D396861B9C}"/>
-              </a:ext>
-            </a:extLst>
-          </p:cNvPr>
-          <p:cNvPicPr>
-            <a:picLocks noChangeAspect="1" noChangeArrowheads="1"/>
-          </p:cNvPicPr>
-          <p:nvPr/>
-        </p:nvPicPr>
-        <p:blipFill>
-          <a:blip r:embed="rId28" cstate="hqprint">
-            <a:extLst>
-              <a:ext uri="{28A0092B-C50C-407E-A947-70E740481C1C}">
-                <a14:useLocalDpi xmlns:a14="http://schemas.microsoft.com/office/drawing/2010/main" val="0"/>
-              </a:ext>
-            </a:extLst>
-          </a:blip>
-          <a:srcRect/>
-          <a:stretch>
-            <a:fillRect/>
-          </a:stretch>
-        </p:blipFill>
-        <p:spPr bwMode="auto">
-          <a:xfrm>
-            <a:off x="794919" y="4904473"/>
-            <a:ext cx="308426" cy="221882"/>
-          </a:xfrm>
-          <a:prstGeom prst="rect">
-            <a:avLst/>
-          </a:prstGeom>
-          <a:noFill/>
-          <a:extLst>
-            <a:ext uri="{909E8E84-426E-40DD-AFC4-6F175D3DCCD1}">
-              <a14:hiddenFill xmlns:a14="http://schemas.microsoft.com/office/drawing/2010/main">
-                <a:solidFill>
-                  <a:srgbClr val="FFFFFF"/>
-                </a:solidFill>
-              </a14:hiddenFill>
-            </a:ext>
-          </a:extLst>
-        </p:spPr>
-      </p:pic>
-      <p:pic>
-        <p:nvPicPr>
-          <p:cNvPr id="103" name="Imagem 102"/>
-          <p:cNvPicPr>
-            <a:picLocks noChangeAspect="1"/>
-          </p:cNvPicPr>
-          <p:nvPr/>
-        </p:nvPicPr>
-        <p:blipFill>
-          <a:blip r:embed="rId42">
-            <a:extLst>
-              <a:ext uri="{BEBA8EAE-BF5A-486C-A8C5-ECC9F3942E4B}">
-                <a14:imgProps xmlns:a14="http://schemas.microsoft.com/office/drawing/2010/main">
-                  <a14:imgLayer r:embed="rId43">
-                    <a14:imgEffect>
-                      <a14:backgroundRemoval t="4231" b="98462" l="769" r="100000">
-                        <a14:foregroundMark x1="41538" y1="14615" x2="41538" y2="14615"/>
-                        <a14:foregroundMark x1="58077" y1="18077" x2="23462" y2="25000"/>
-                        <a14:foregroundMark x1="52308" y1="12308" x2="16154" y2="12308"/>
-                        <a14:foregroundMark x1="58077" y1="8077" x2="96923" y2="52308"/>
-                        <a14:foregroundMark x1="63077" y1="5769" x2="50385" y2="1154"/>
-                        <a14:foregroundMark x1="24231" y1="30000" x2="13077" y2="71154"/>
-                        <a14:foregroundMark x1="11154" y1="29231" x2="10000" y2="62692"/>
-                        <a14:foregroundMark x1="8846" y1="33462" x2="5000" y2="53846"/>
-                        <a14:foregroundMark x1="1923" y1="42692" x2="5769" y2="63462"/>
-                        <a14:foregroundMark x1="19231" y1="73077" x2="71154" y2="86538"/>
-                        <a14:foregroundMark x1="74231" y1="86538" x2="32308" y2="88846"/>
-                        <a14:foregroundMark x1="59231" y1="90769" x2="46154" y2="95769"/>
-                        <a14:foregroundMark x1="86923" y1="61538" x2="71154" y2="92308"/>
-                        <a14:foregroundMark x1="63077" y1="92692" x2="50769" y2="98462"/>
-                        <a14:foregroundMark x1="73077" y1="20769" x2="46923" y2="34231"/>
-                        <a14:foregroundMark x1="47308" y1="23077" x2="87308" y2="45769"/>
-                        <a14:foregroundMark x1="81923" y1="50000" x2="46538" y2="18846"/>
-                        <a14:foregroundMark x1="46923" y1="23077" x2="33077" y2="69615"/>
-                        <a14:foregroundMark x1="35000" y1="31538" x2="33462" y2="70769"/>
-                        <a14:foregroundMark x1="28077" y1="32692" x2="31923" y2="69231"/>
-                        <a14:foregroundMark x1="20385" y1="44615" x2="13077" y2="52692"/>
-                        <a14:foregroundMark x1="72308" y1="49231" x2="67308" y2="78462"/>
-                        <a14:foregroundMark x1="73462" y1="58462" x2="68846" y2="90769"/>
-                        <a14:foregroundMark x1="75769" y1="59615" x2="35000" y2="82692"/>
-                        <a14:foregroundMark x1="48077" y1="67692" x2="42692" y2="78462"/>
-                        <a14:foregroundMark x1="4231" y1="56538" x2="0" y2="50385"/>
-                        <a14:foregroundMark x1="1154" y1="55769" x2="769" y2="47308"/>
-                        <a14:foregroundMark x1="769" y1="54615" x2="15769" y2="31154"/>
-                        <a14:foregroundMark x1="769" y1="54231" x2="769" y2="45385"/>
-                      </a14:backgroundRemoval>
-                    </a14:imgEffect>
-                  </a14:imgLayer>
-                </a14:imgProps>
-              </a:ext>
-            </a:extLst>
-          </a:blip>
-          <a:stretch>
-            <a:fillRect/>
-          </a:stretch>
-        </p:blipFill>
-        <p:spPr>
-          <a:xfrm>
-            <a:off x="11089075" y="2192892"/>
-            <a:ext cx="365650" cy="365650"/>
-          </a:xfrm>
-          <a:prstGeom prst="rect">
-            <a:avLst/>
-          </a:prstGeom>
-        </p:spPr>
-      </p:pic>
-      <p:sp>
-        <p:nvSpPr>
-          <p:cNvPr id="78" name="CaixaDeTexto 77">
-            <a:extLst>
-              <a:ext uri="{FF2B5EF4-FFF2-40B4-BE49-F238E27FC236}">
-                <a16:creationId xmlns:a16="http://schemas.microsoft.com/office/drawing/2014/main" id="{493E6E1F-0E69-43E5-B36D-2B8F5592B318}"/>
-              </a:ext>
-            </a:extLst>
-          </p:cNvPr>
-          <p:cNvSpPr txBox="1"/>
-          <p:nvPr/>
-        </p:nvSpPr>
-        <p:spPr>
-          <a:xfrm>
-            <a:off x="2882688" y="2348933"/>
-            <a:ext cx="791996" cy="261610"/>
-          </a:xfrm>
-          <a:prstGeom prst="rect">
-            <a:avLst/>
-          </a:prstGeom>
-          <a:noFill/>
-        </p:spPr>
-        <p:txBody>
-          <a:bodyPr wrap="square" rtlCol="0">
-            <a:spAutoFit/>
-          </a:bodyPr>
-          <a:lstStyle/>
-          <a:p>
-            <a:pPr algn="ctr"/>
-            <a:r>
-              <a:rPr lang="pt-BR" sz="1100" dirty="0"/>
-              <a:t>Java Script</a:t>
-            </a:r>
-          </a:p>
-        </p:txBody>
-      </p:sp>
-      <p:sp>
-        <p:nvSpPr>
-          <p:cNvPr id="80" name="CaixaDeTexto 79">
-            <a:extLst>
-              <a:ext uri="{FF2B5EF4-FFF2-40B4-BE49-F238E27FC236}">
-                <a16:creationId xmlns:a16="http://schemas.microsoft.com/office/drawing/2014/main" id="{493E6E1F-0E69-43E5-B36D-2B8F5592B318}"/>
-              </a:ext>
-            </a:extLst>
-          </p:cNvPr>
-          <p:cNvSpPr txBox="1"/>
-          <p:nvPr/>
-        </p:nvSpPr>
-        <p:spPr>
-          <a:xfrm>
-            <a:off x="2867420" y="1864478"/>
-            <a:ext cx="725030" cy="261610"/>
-          </a:xfrm>
-          <a:prstGeom prst="rect">
-            <a:avLst/>
-          </a:prstGeom>
-          <a:noFill/>
-        </p:spPr>
-        <p:txBody>
-          <a:bodyPr wrap="square" rtlCol="0">
-            <a:spAutoFit/>
-          </a:bodyPr>
-          <a:lstStyle/>
-          <a:p>
-            <a:pPr algn="ctr"/>
-            <a:r>
-              <a:rPr lang="pt-BR" sz="1100" dirty="0"/>
-              <a:t>CSS</a:t>
-            </a:r>
-          </a:p>
-        </p:txBody>
-      </p:sp>
-      <p:sp>
-        <p:nvSpPr>
-          <p:cNvPr id="81" name="CaixaDeTexto 80">
-            <a:extLst>
-              <a:ext uri="{FF2B5EF4-FFF2-40B4-BE49-F238E27FC236}">
-                <a16:creationId xmlns:a16="http://schemas.microsoft.com/office/drawing/2014/main" id="{493E6E1F-0E69-43E5-B36D-2B8F5592B318}"/>
-              </a:ext>
-            </a:extLst>
-          </p:cNvPr>
-          <p:cNvSpPr txBox="1"/>
-          <p:nvPr/>
-        </p:nvSpPr>
-        <p:spPr>
-          <a:xfrm>
-            <a:off x="2848932" y="1376878"/>
-            <a:ext cx="725030" cy="261610"/>
-          </a:xfrm>
-          <a:prstGeom prst="rect">
-            <a:avLst/>
-          </a:prstGeom>
-          <a:noFill/>
-        </p:spPr>
-        <p:txBody>
-          <a:bodyPr wrap="square" rtlCol="0">
-            <a:spAutoFit/>
-          </a:bodyPr>
-          <a:lstStyle/>
-          <a:p>
-            <a:pPr algn="ctr"/>
-            <a:r>
-              <a:rPr lang="pt-BR" sz="1100" dirty="0"/>
-              <a:t>HTML</a:t>
-            </a:r>
-          </a:p>
-        </p:txBody>
-      </p:sp>
-      <p:sp>
-        <p:nvSpPr>
-          <p:cNvPr id="83" name="CaixaDeTexto 82">
-            <a:extLst>
-              <a:ext uri="{FF2B5EF4-FFF2-40B4-BE49-F238E27FC236}">
-                <a16:creationId xmlns:a16="http://schemas.microsoft.com/office/drawing/2014/main" id="{493E6E1F-0E69-43E5-B36D-2B8F5592B318}"/>
-              </a:ext>
-            </a:extLst>
-          </p:cNvPr>
-          <p:cNvSpPr txBox="1"/>
-          <p:nvPr/>
-        </p:nvSpPr>
-        <p:spPr>
-          <a:xfrm>
-            <a:off x="1407211" y="4634879"/>
-            <a:ext cx="725030" cy="261610"/>
-          </a:xfrm>
-          <a:prstGeom prst="rect">
-            <a:avLst/>
-          </a:prstGeom>
-          <a:noFill/>
-        </p:spPr>
-        <p:txBody>
-          <a:bodyPr wrap="square" rtlCol="0">
-            <a:spAutoFit/>
-          </a:bodyPr>
-          <a:lstStyle/>
-          <a:p>
-            <a:pPr algn="ctr"/>
-            <a:r>
-              <a:rPr lang="pt-BR" sz="1100" dirty="0"/>
-              <a:t>Chrome</a:t>
-            </a:r>
-          </a:p>
-        </p:txBody>
-      </p:sp>
-      <p:sp>
-        <p:nvSpPr>
-          <p:cNvPr id="85" name="CaixaDeTexto 84">
-            <a:extLst>
-              <a:ext uri="{FF2B5EF4-FFF2-40B4-BE49-F238E27FC236}">
-                <a16:creationId xmlns:a16="http://schemas.microsoft.com/office/drawing/2014/main" id="{493E6E1F-0E69-43E5-B36D-2B8F5592B318}"/>
-              </a:ext>
-            </a:extLst>
-          </p:cNvPr>
-          <p:cNvSpPr txBox="1"/>
-          <p:nvPr/>
-        </p:nvSpPr>
-        <p:spPr>
-          <a:xfrm>
-            <a:off x="3917962" y="1470421"/>
-            <a:ext cx="725030" cy="261610"/>
-          </a:xfrm>
-          <a:prstGeom prst="rect">
-            <a:avLst/>
-          </a:prstGeom>
-          <a:noFill/>
-        </p:spPr>
-        <p:txBody>
-          <a:bodyPr wrap="square" rtlCol="0">
-            <a:spAutoFit/>
-          </a:bodyPr>
-          <a:lstStyle/>
-          <a:p>
-            <a:pPr algn="ctr"/>
-            <a:r>
-              <a:rPr lang="pt-BR" sz="1100" dirty="0"/>
-              <a:t>Chart JS</a:t>
-            </a:r>
-          </a:p>
-        </p:txBody>
-      </p:sp>
-      <p:sp>
-        <p:nvSpPr>
-          <p:cNvPr id="86" name="CaixaDeTexto 85">
-            <a:extLst>
-              <a:ext uri="{FF2B5EF4-FFF2-40B4-BE49-F238E27FC236}">
-                <a16:creationId xmlns:a16="http://schemas.microsoft.com/office/drawing/2014/main" id="{493E6E1F-0E69-43E5-B36D-2B8F5592B318}"/>
-              </a:ext>
-            </a:extLst>
-          </p:cNvPr>
-          <p:cNvSpPr txBox="1"/>
-          <p:nvPr/>
-        </p:nvSpPr>
-        <p:spPr>
-          <a:xfrm>
-            <a:off x="3359671" y="1463286"/>
-            <a:ext cx="725030" cy="261610"/>
-          </a:xfrm>
-          <a:prstGeom prst="rect">
-            <a:avLst/>
-          </a:prstGeom>
-          <a:noFill/>
-        </p:spPr>
-        <p:txBody>
-          <a:bodyPr wrap="square" rtlCol="0">
-            <a:spAutoFit/>
-          </a:bodyPr>
-          <a:lstStyle/>
-          <a:p>
-            <a:pPr algn="ctr"/>
-            <a:r>
-              <a:rPr lang="pt-BR" sz="1100" dirty="0" err="1"/>
-              <a:t>Sequelize</a:t>
-            </a:r>
-            <a:endParaRPr lang="pt-BR" sz="1100" dirty="0"/>
-          </a:p>
-        </p:txBody>
-      </p:sp>
-      <p:sp>
-        <p:nvSpPr>
-          <p:cNvPr id="87" name="CaixaDeTexto 86">
-            <a:extLst>
-              <a:ext uri="{FF2B5EF4-FFF2-40B4-BE49-F238E27FC236}">
-                <a16:creationId xmlns:a16="http://schemas.microsoft.com/office/drawing/2014/main" id="{493E6E1F-0E69-43E5-B36D-2B8F5592B318}"/>
-              </a:ext>
-            </a:extLst>
-          </p:cNvPr>
-          <p:cNvSpPr txBox="1"/>
-          <p:nvPr/>
-        </p:nvSpPr>
-        <p:spPr>
-          <a:xfrm>
-            <a:off x="423905" y="4642863"/>
-            <a:ext cx="1139071" cy="261610"/>
-          </a:xfrm>
-          <a:prstGeom prst="rect">
-            <a:avLst/>
-          </a:prstGeom>
-          <a:noFill/>
-        </p:spPr>
-        <p:txBody>
-          <a:bodyPr wrap="square" rtlCol="0">
-            <a:spAutoFit/>
-          </a:bodyPr>
-          <a:lstStyle/>
-          <a:p>
-            <a:pPr algn="ctr"/>
-            <a:r>
-              <a:rPr lang="pt-BR" sz="1100" dirty="0"/>
-              <a:t>Microsoft Edge</a:t>
-            </a:r>
-          </a:p>
-        </p:txBody>
-      </p:sp>
-      <p:sp>
-        <p:nvSpPr>
-          <p:cNvPr id="90" name="CaixaDeTexto 89">
-            <a:extLst>
-              <a:ext uri="{FF2B5EF4-FFF2-40B4-BE49-F238E27FC236}">
-                <a16:creationId xmlns:a16="http://schemas.microsoft.com/office/drawing/2014/main" id="{493E6E1F-0E69-43E5-B36D-2B8F5592B318}"/>
-              </a:ext>
-            </a:extLst>
-          </p:cNvPr>
-          <p:cNvSpPr txBox="1"/>
-          <p:nvPr/>
-        </p:nvSpPr>
-        <p:spPr>
-          <a:xfrm>
-            <a:off x="10334003" y="2574257"/>
-            <a:ext cx="725030" cy="261610"/>
-          </a:xfrm>
-          <a:prstGeom prst="rect">
-            <a:avLst/>
-          </a:prstGeom>
-          <a:noFill/>
-        </p:spPr>
-        <p:txBody>
-          <a:bodyPr wrap="square" rtlCol="0">
-            <a:spAutoFit/>
-          </a:bodyPr>
-          <a:lstStyle/>
-          <a:p>
-            <a:pPr algn="ctr"/>
-            <a:r>
-              <a:rPr lang="pt-BR" sz="1100" dirty="0"/>
-              <a:t>OSHI</a:t>
-            </a:r>
-          </a:p>
-        </p:txBody>
-      </p:sp>
-      <p:sp>
-        <p:nvSpPr>
-          <p:cNvPr id="97" name="CaixaDeTexto 96">
-            <a:extLst>
-              <a:ext uri="{FF2B5EF4-FFF2-40B4-BE49-F238E27FC236}">
-                <a16:creationId xmlns:a16="http://schemas.microsoft.com/office/drawing/2014/main" id="{493E6E1F-0E69-43E5-B36D-2B8F5592B318}"/>
-              </a:ext>
-            </a:extLst>
-          </p:cNvPr>
-          <p:cNvSpPr txBox="1"/>
-          <p:nvPr/>
-        </p:nvSpPr>
-        <p:spPr>
-          <a:xfrm>
-            <a:off x="10905434" y="3083472"/>
-            <a:ext cx="725030" cy="261610"/>
-          </a:xfrm>
-          <a:prstGeom prst="rect">
-            <a:avLst/>
-          </a:prstGeom>
-          <a:noFill/>
-        </p:spPr>
-        <p:txBody>
-          <a:bodyPr wrap="square" rtlCol="0">
-            <a:spAutoFit/>
-          </a:bodyPr>
-          <a:lstStyle/>
-          <a:p>
-            <a:pPr algn="ctr"/>
-            <a:r>
-              <a:rPr lang="pt-BR" sz="1100" dirty="0"/>
-              <a:t>Java</a:t>
-            </a:r>
-          </a:p>
-        </p:txBody>
-      </p:sp>
-      <p:sp>
-        <p:nvSpPr>
-          <p:cNvPr id="98" name="CaixaDeTexto 97">
-            <a:extLst>
-              <a:ext uri="{FF2B5EF4-FFF2-40B4-BE49-F238E27FC236}">
-                <a16:creationId xmlns:a16="http://schemas.microsoft.com/office/drawing/2014/main" id="{493E6E1F-0E69-43E5-B36D-2B8F5592B318}"/>
-              </a:ext>
-            </a:extLst>
-          </p:cNvPr>
-          <p:cNvSpPr txBox="1"/>
-          <p:nvPr/>
-        </p:nvSpPr>
-        <p:spPr>
-          <a:xfrm>
-            <a:off x="10909385" y="2517508"/>
-            <a:ext cx="725030" cy="261610"/>
-          </a:xfrm>
-          <a:prstGeom prst="rect">
-            <a:avLst/>
-          </a:prstGeom>
-          <a:noFill/>
-        </p:spPr>
-        <p:txBody>
-          <a:bodyPr wrap="square" rtlCol="0">
-            <a:spAutoFit/>
-          </a:bodyPr>
-          <a:lstStyle/>
-          <a:p>
-            <a:pPr algn="ctr"/>
-            <a:r>
-              <a:rPr lang="pt-BR" sz="1100" dirty="0" err="1"/>
-              <a:t>Ubuntu</a:t>
-            </a:r>
-            <a:endParaRPr lang="pt-BR" sz="1100" dirty="0"/>
-          </a:p>
-        </p:txBody>
-      </p:sp>
-      <p:sp>
-        <p:nvSpPr>
-          <p:cNvPr id="99" name="CaixaDeTexto 98">
-            <a:extLst>
-              <a:ext uri="{FF2B5EF4-FFF2-40B4-BE49-F238E27FC236}">
-                <a16:creationId xmlns:a16="http://schemas.microsoft.com/office/drawing/2014/main" id="{493E6E1F-0E69-43E5-B36D-2B8F5592B318}"/>
-              </a:ext>
-            </a:extLst>
-          </p:cNvPr>
-          <p:cNvSpPr txBox="1"/>
-          <p:nvPr/>
-        </p:nvSpPr>
-        <p:spPr>
-          <a:xfrm>
-            <a:off x="7862691" y="2147335"/>
-            <a:ext cx="725030" cy="261610"/>
-          </a:xfrm>
-          <a:prstGeom prst="rect">
-            <a:avLst/>
-          </a:prstGeom>
-          <a:noFill/>
-        </p:spPr>
-        <p:txBody>
-          <a:bodyPr wrap="square" rtlCol="0">
-            <a:spAutoFit/>
-          </a:bodyPr>
-          <a:lstStyle/>
-          <a:p>
-            <a:pPr algn="ctr"/>
-            <a:r>
-              <a:rPr lang="pt-BR" sz="1100" dirty="0" err="1"/>
-              <a:t>Discord</a:t>
-            </a:r>
-            <a:endParaRPr lang="pt-BR" sz="1100" dirty="0"/>
-          </a:p>
-        </p:txBody>
-      </p:sp>
-      <p:sp>
-        <p:nvSpPr>
-          <p:cNvPr id="101" name="CaixaDeTexto 100">
-            <a:extLst>
-              <a:ext uri="{FF2B5EF4-FFF2-40B4-BE49-F238E27FC236}">
-                <a16:creationId xmlns:a16="http://schemas.microsoft.com/office/drawing/2014/main" id="{493E6E1F-0E69-43E5-B36D-2B8F5592B318}"/>
-              </a:ext>
-            </a:extLst>
-          </p:cNvPr>
-          <p:cNvSpPr txBox="1"/>
-          <p:nvPr/>
-        </p:nvSpPr>
-        <p:spPr>
-          <a:xfrm>
-            <a:off x="582214" y="5086167"/>
-            <a:ext cx="725030" cy="261610"/>
-          </a:xfrm>
-          <a:prstGeom prst="rect">
-            <a:avLst/>
-          </a:prstGeom>
-          <a:noFill/>
-        </p:spPr>
-        <p:txBody>
-          <a:bodyPr wrap="square" rtlCol="0">
-            <a:spAutoFit/>
-          </a:bodyPr>
-          <a:lstStyle/>
-          <a:p>
-            <a:pPr algn="ctr"/>
-            <a:r>
-              <a:rPr lang="pt-BR" sz="1100" dirty="0" err="1"/>
-              <a:t>Discord</a:t>
-            </a:r>
-            <a:endParaRPr lang="pt-BR" sz="1100" dirty="0"/>
-          </a:p>
-        </p:txBody>
-      </p:sp>
-      <p:sp>
-        <p:nvSpPr>
-          <p:cNvPr id="104" name="CaixaDeTexto 67">
-            <a:extLst>
-              <a:ext uri="{FF2B5EF4-FFF2-40B4-BE49-F238E27FC236}">
-                <a16:creationId xmlns:a16="http://schemas.microsoft.com/office/drawing/2014/main" id="{E12DD363-B278-4028-B311-35C528C5BD6E}"/>
-              </a:ext>
-            </a:extLst>
-          </p:cNvPr>
-          <p:cNvSpPr txBox="1"/>
-          <p:nvPr/>
-        </p:nvSpPr>
-        <p:spPr>
-          <a:xfrm>
-            <a:off x="1249666" y="5112331"/>
-            <a:ext cx="1005068" cy="261610"/>
-          </a:xfrm>
-          <a:prstGeom prst="rect">
-            <a:avLst/>
-          </a:prstGeom>
-          <a:noFill/>
-        </p:spPr>
-        <p:txBody>
-          <a:bodyPr wrap="square" rtlCol="0">
-            <a:spAutoFit/>
-          </a:bodyPr>
-          <a:lstStyle/>
-          <a:p>
-            <a:pPr algn="ctr"/>
-            <a:r>
-              <a:rPr lang="pt-BR" sz="1100" b="0" i="0" dirty="0">
-                <a:effectLst/>
-              </a:rPr>
-              <a:t>TeamViewer</a:t>
-            </a:r>
-            <a:endParaRPr lang="pt-BR" sz="1100" dirty="0"/>
-          </a:p>
-        </p:txBody>
-      </p:sp>
-      <p:sp>
-        <p:nvSpPr>
-          <p:cNvPr id="105" name="CaixaDeTexto 104">
-            <a:extLst>
-              <a:ext uri="{FF2B5EF4-FFF2-40B4-BE49-F238E27FC236}">
-                <a16:creationId xmlns:a16="http://schemas.microsoft.com/office/drawing/2014/main" id="{493E6E1F-0E69-43E5-B36D-2B8F5592B318}"/>
-              </a:ext>
-            </a:extLst>
-          </p:cNvPr>
-          <p:cNvSpPr txBox="1"/>
-          <p:nvPr/>
-        </p:nvSpPr>
-        <p:spPr>
-          <a:xfrm>
-            <a:off x="11176732" y="5071174"/>
-            <a:ext cx="725030" cy="261610"/>
-          </a:xfrm>
-          <a:prstGeom prst="rect">
-            <a:avLst/>
-          </a:prstGeom>
-          <a:noFill/>
-        </p:spPr>
-        <p:txBody>
-          <a:bodyPr wrap="square" rtlCol="0">
-            <a:spAutoFit/>
-          </a:bodyPr>
-          <a:lstStyle/>
-          <a:p>
-            <a:pPr algn="ctr"/>
-            <a:r>
-              <a:rPr lang="pt-BR" sz="1100" dirty="0" err="1"/>
-              <a:t>Discord</a:t>
-            </a:r>
-            <a:endParaRPr lang="pt-BR" sz="1100" dirty="0"/>
-          </a:p>
-        </p:txBody>
-      </p:sp>
-      <p:sp>
-        <p:nvSpPr>
-          <p:cNvPr id="110" name="CaixaDeTexto 109">
-            <a:extLst>
-              <a:ext uri="{FF2B5EF4-FFF2-40B4-BE49-F238E27FC236}">
-                <a16:creationId xmlns:a16="http://schemas.microsoft.com/office/drawing/2014/main" id="{493E6E1F-0E69-43E5-B36D-2B8F5592B318}"/>
-              </a:ext>
-            </a:extLst>
-          </p:cNvPr>
-          <p:cNvSpPr txBox="1"/>
-          <p:nvPr/>
-        </p:nvSpPr>
-        <p:spPr>
-          <a:xfrm>
-            <a:off x="11228147" y="4583581"/>
-            <a:ext cx="725030" cy="261610"/>
-          </a:xfrm>
-          <a:prstGeom prst="rect">
-            <a:avLst/>
-          </a:prstGeom>
-          <a:noFill/>
-        </p:spPr>
-        <p:txBody>
-          <a:bodyPr wrap="square" rtlCol="0">
-            <a:spAutoFit/>
-          </a:bodyPr>
-          <a:lstStyle/>
-          <a:p>
-            <a:pPr algn="ctr"/>
-            <a:r>
-              <a:rPr lang="pt-BR" sz="1100" dirty="0"/>
-              <a:t>Chrome</a:t>
-            </a:r>
-          </a:p>
-        </p:txBody>
-      </p:sp>
-      <p:sp>
-        <p:nvSpPr>
-          <p:cNvPr id="111" name="CaixaDeTexto 110">
-            <a:extLst>
-              <a:ext uri="{FF2B5EF4-FFF2-40B4-BE49-F238E27FC236}">
-                <a16:creationId xmlns:a16="http://schemas.microsoft.com/office/drawing/2014/main" id="{493E6E1F-0E69-43E5-B36D-2B8F5592B318}"/>
-              </a:ext>
-            </a:extLst>
-          </p:cNvPr>
-          <p:cNvSpPr txBox="1"/>
-          <p:nvPr/>
-        </p:nvSpPr>
-        <p:spPr>
-          <a:xfrm>
-            <a:off x="10064135" y="4615027"/>
-            <a:ext cx="725030" cy="261610"/>
-          </a:xfrm>
-          <a:prstGeom prst="rect">
-            <a:avLst/>
-          </a:prstGeom>
-          <a:noFill/>
-        </p:spPr>
-        <p:txBody>
-          <a:bodyPr wrap="square" rtlCol="0">
-            <a:spAutoFit/>
-          </a:bodyPr>
-          <a:lstStyle/>
-          <a:p>
-            <a:pPr algn="ctr"/>
-            <a:r>
-              <a:rPr lang="pt-BR" sz="1100" dirty="0"/>
-              <a:t>Java</a:t>
-            </a:r>
-          </a:p>
-        </p:txBody>
-      </p:sp>
-      <p:sp>
-        <p:nvSpPr>
-          <p:cNvPr id="112" name="CaixaDeTexto 111">
-            <a:extLst>
-              <a:ext uri="{FF2B5EF4-FFF2-40B4-BE49-F238E27FC236}">
-                <a16:creationId xmlns:a16="http://schemas.microsoft.com/office/drawing/2014/main" id="{493E6E1F-0E69-43E5-B36D-2B8F5592B318}"/>
-              </a:ext>
-            </a:extLst>
-          </p:cNvPr>
-          <p:cNvSpPr txBox="1"/>
-          <p:nvPr/>
-        </p:nvSpPr>
-        <p:spPr>
-          <a:xfrm>
-            <a:off x="10049723" y="5121264"/>
-            <a:ext cx="725030" cy="261610"/>
-          </a:xfrm>
-          <a:prstGeom prst="rect">
-            <a:avLst/>
-          </a:prstGeom>
-          <a:noFill/>
-        </p:spPr>
-        <p:txBody>
-          <a:bodyPr wrap="square" rtlCol="0">
-            <a:spAutoFit/>
-          </a:bodyPr>
-          <a:lstStyle/>
-          <a:p>
-            <a:pPr algn="ctr"/>
-            <a:r>
-              <a:rPr lang="pt-BR" sz="1100" dirty="0"/>
-              <a:t>OSHI</a:t>
-            </a:r>
-          </a:p>
-        </p:txBody>
-      </p:sp>
-      <p:sp>
-        <p:nvSpPr>
-          <p:cNvPr id="117" name="CaixaDeTexto 116">
-            <a:extLst>
-              <a:ext uri="{FF2B5EF4-FFF2-40B4-BE49-F238E27FC236}">
-                <a16:creationId xmlns:a16="http://schemas.microsoft.com/office/drawing/2014/main" id="{493E6E1F-0E69-43E5-B36D-2B8F5592B318}"/>
-              </a:ext>
-            </a:extLst>
-          </p:cNvPr>
-          <p:cNvSpPr txBox="1"/>
-          <p:nvPr/>
-        </p:nvSpPr>
-        <p:spPr>
-          <a:xfrm>
-            <a:off x="8146245" y="5480437"/>
-            <a:ext cx="725030" cy="261610"/>
-          </a:xfrm>
-          <a:prstGeom prst="rect">
-            <a:avLst/>
-          </a:prstGeom>
-          <a:noFill/>
-        </p:spPr>
-        <p:txBody>
-          <a:bodyPr wrap="square" rtlCol="0">
-            <a:spAutoFit/>
-          </a:bodyPr>
-          <a:lstStyle/>
-          <a:p>
-            <a:pPr algn="ctr"/>
-            <a:r>
-              <a:rPr lang="pt-BR" sz="1100" dirty="0" err="1"/>
-              <a:t>Discord</a:t>
-            </a:r>
-            <a:endParaRPr lang="pt-BR" sz="1100" dirty="0"/>
-          </a:p>
-        </p:txBody>
-      </p:sp>
-      <p:cxnSp>
-        <p:nvCxnSpPr>
-          <p:cNvPr id="23" name="Conector de Seta Reta 22"/>
-          <p:cNvCxnSpPr/>
-          <p:nvPr/>
-        </p:nvCxnSpPr>
-        <p:spPr>
-          <a:xfrm>
-            <a:off x="8710270" y="4994840"/>
-            <a:ext cx="672274" cy="846225"/>
+            <a:off x="4613174" y="2256104"/>
+            <a:ext cx="295305" cy="1"/>
           </a:xfrm>
           <a:prstGeom prst="straightConnector1">
             <a:avLst/>
@@ -12103,154 +7601,10 @@
       </p:cxnSp>
       <p:cxnSp>
         <p:nvCxnSpPr>
-          <p:cNvPr id="38" name="Conector de Seta Reta 37"/>
-          <p:cNvCxnSpPr/>
-          <p:nvPr/>
-        </p:nvCxnSpPr>
-        <p:spPr>
-          <a:xfrm flipH="1">
-            <a:off x="7622467" y="5003758"/>
-            <a:ext cx="696786" cy="849159"/>
-          </a:xfrm>
-          <a:prstGeom prst="straightConnector1">
-            <a:avLst/>
-          </a:prstGeom>
-          <a:ln>
-            <a:tailEnd type="triangle"/>
-          </a:ln>
-        </p:spPr>
-        <p:style>
-          <a:lnRef idx="3">
-            <a:schemeClr val="dk1"/>
-          </a:lnRef>
-          <a:fillRef idx="0">
-            <a:schemeClr val="dk1"/>
-          </a:fillRef>
-          <a:effectRef idx="2">
-            <a:schemeClr val="dk1"/>
-          </a:effectRef>
-          <a:fontRef idx="minor">
-            <a:schemeClr val="tx1"/>
-          </a:fontRef>
-        </p:style>
-      </p:cxnSp>
-      <p:sp>
-        <p:nvSpPr>
-          <p:cNvPr id="118" name="CaixaDeTexto 67">
-            <a:extLst>
-              <a:ext uri="{FF2B5EF4-FFF2-40B4-BE49-F238E27FC236}">
-                <a16:creationId xmlns:a16="http://schemas.microsoft.com/office/drawing/2014/main" id="{E12DD363-B278-4028-B311-35C528C5BD6E}"/>
-              </a:ext>
-            </a:extLst>
-          </p:cNvPr>
-          <p:cNvSpPr txBox="1"/>
-          <p:nvPr/>
-        </p:nvSpPr>
-        <p:spPr>
-          <a:xfrm>
-            <a:off x="7069416" y="5860808"/>
-            <a:ext cx="1005068" cy="261610"/>
-          </a:xfrm>
-          <a:prstGeom prst="rect">
-            <a:avLst/>
-          </a:prstGeom>
-          <a:noFill/>
-        </p:spPr>
-        <p:txBody>
-          <a:bodyPr wrap="square" rtlCol="0">
-            <a:spAutoFit/>
-          </a:bodyPr>
-          <a:lstStyle/>
-          <a:p>
-            <a:pPr algn="ctr"/>
-            <a:r>
-              <a:rPr lang="pt-BR" sz="1100" b="0" i="0" dirty="0" err="1">
-                <a:effectLst/>
-              </a:rPr>
-              <a:t>Android</a:t>
-            </a:r>
-            <a:endParaRPr lang="pt-BR" sz="1100" dirty="0"/>
-          </a:p>
-        </p:txBody>
-      </p:sp>
-      <p:sp>
-        <p:nvSpPr>
-          <p:cNvPr id="119" name="CaixaDeTexto 67">
-            <a:extLst>
-              <a:ext uri="{FF2B5EF4-FFF2-40B4-BE49-F238E27FC236}">
-                <a16:creationId xmlns:a16="http://schemas.microsoft.com/office/drawing/2014/main" id="{E12DD363-B278-4028-B311-35C528C5BD6E}"/>
-              </a:ext>
-            </a:extLst>
-          </p:cNvPr>
-          <p:cNvSpPr txBox="1"/>
-          <p:nvPr/>
-        </p:nvSpPr>
-        <p:spPr>
-          <a:xfrm>
-            <a:off x="8929558" y="5877537"/>
-            <a:ext cx="1005068" cy="261610"/>
-          </a:xfrm>
-          <a:prstGeom prst="rect">
-            <a:avLst/>
-          </a:prstGeom>
-          <a:noFill/>
-        </p:spPr>
-        <p:txBody>
-          <a:bodyPr wrap="square" rtlCol="0">
-            <a:spAutoFit/>
-          </a:bodyPr>
-          <a:lstStyle/>
-          <a:p>
-            <a:pPr algn="ctr"/>
-            <a:r>
-              <a:rPr lang="pt-BR" sz="1100" dirty="0"/>
-              <a:t>IOS</a:t>
-            </a:r>
-          </a:p>
-        </p:txBody>
-      </p:sp>
-      <p:sp>
-        <p:nvSpPr>
-          <p:cNvPr id="120" name="CaixaDeTexto 119">
-            <a:extLst>
-              <a:ext uri="{FF2B5EF4-FFF2-40B4-BE49-F238E27FC236}">
-                <a16:creationId xmlns:a16="http://schemas.microsoft.com/office/drawing/2014/main" id="{493E6E1F-0E69-43E5-B36D-2B8F5592B318}"/>
-              </a:ext>
-            </a:extLst>
-          </p:cNvPr>
-          <p:cNvSpPr txBox="1"/>
-          <p:nvPr/>
-        </p:nvSpPr>
-        <p:spPr>
-          <a:xfrm>
-            <a:off x="10637668" y="4589818"/>
-            <a:ext cx="795558" cy="430887"/>
-          </a:xfrm>
-          <a:prstGeom prst="rect">
-            <a:avLst/>
-          </a:prstGeom>
-          <a:noFill/>
-        </p:spPr>
-        <p:txBody>
-          <a:bodyPr wrap="square" rtlCol="0">
-            <a:spAutoFit/>
-          </a:bodyPr>
-          <a:lstStyle/>
-          <a:p>
-            <a:pPr algn="ctr"/>
-            <a:r>
-              <a:rPr lang="pt-BR" sz="1100" dirty="0"/>
-              <a:t>Microsoft Edge</a:t>
-            </a:r>
-          </a:p>
-        </p:txBody>
-      </p:sp>
-      <p:cxnSp>
-        <p:nvCxnSpPr>
-          <p:cNvPr id="37" name="Conector de Seta Reta 60">
-            <a:extLst>
-              <a:ext uri="{FF2B5EF4-FFF2-40B4-BE49-F238E27FC236}">
-                <a16:creationId xmlns:a16="http://schemas.microsoft.com/office/drawing/2014/main" id="{CD2ED603-115E-4301-980A-7B1C90C82A9C}"/>
+          <p:cNvPr id="177" name="Conector de Seta Reta 60">
+            <a:extLst>
+              <a:ext uri="{FF2B5EF4-FFF2-40B4-BE49-F238E27FC236}">
+                <a16:creationId xmlns:a16="http://schemas.microsoft.com/office/drawing/2014/main" id="{2E5AAACA-A618-48DC-A9A5-CA2AD663D3EB}"/>
               </a:ext>
             </a:extLst>
           </p:cNvPr>
@@ -12260,9 +7614,9 @@
           <p:nvPr/>
         </p:nvCxnSpPr>
         <p:spPr>
-          <a:xfrm flipH="1" flipV="1">
-            <a:off x="4882785" y="2416314"/>
-            <a:ext cx="5064955" cy="751877"/>
+          <a:xfrm flipH="1">
+            <a:off x="6969298" y="4134062"/>
+            <a:ext cx="497610" cy="626594"/>
           </a:xfrm>
           <a:prstGeom prst="straightConnector1">
             <a:avLst/>
@@ -12288,23 +7642,22 @@
       </p:cxnSp>
       <p:cxnSp>
         <p:nvCxnSpPr>
-          <p:cNvPr id="42" name="Conector de Seta Reta 60">
-            <a:extLst>
-              <a:ext uri="{FF2B5EF4-FFF2-40B4-BE49-F238E27FC236}">
-                <a16:creationId xmlns:a16="http://schemas.microsoft.com/office/drawing/2014/main" id="{DFB1C252-DCFC-4FB4-83ED-3A6F30A51401}"/>
+          <p:cNvPr id="178" name="Conector de Seta Reta 60">
+            <a:extLst>
+              <a:ext uri="{FF2B5EF4-FFF2-40B4-BE49-F238E27FC236}">
+                <a16:creationId xmlns:a16="http://schemas.microsoft.com/office/drawing/2014/main" id="{302FB1AB-E898-4C09-8F26-9D8FCC0B289F}"/>
               </a:ext>
             </a:extLst>
           </p:cNvPr>
           <p:cNvCxnSpPr>
             <a:cxnSpLocks/>
-            <a:endCxn id="20" idx="3"/>
           </p:cNvCxnSpPr>
           <p:nvPr/>
         </p:nvCxnSpPr>
         <p:spPr>
-          <a:xfrm flipV="1">
-            <a:off x="5010408" y="1584390"/>
-            <a:ext cx="793769" cy="1975340"/>
+          <a:xfrm flipH="1" flipV="1">
+            <a:off x="7171603" y="2250100"/>
+            <a:ext cx="286172" cy="14311"/>
           </a:xfrm>
           <a:prstGeom prst="straightConnector1">
             <a:avLst/>
@@ -12330,10 +7683,10 @@
       </p:cxnSp>
       <p:cxnSp>
         <p:nvCxnSpPr>
-          <p:cNvPr id="45" name="Conector de Seta Reta 60">
-            <a:extLst>
-              <a:ext uri="{FF2B5EF4-FFF2-40B4-BE49-F238E27FC236}">
-                <a16:creationId xmlns:a16="http://schemas.microsoft.com/office/drawing/2014/main" id="{D04B996B-5D5A-4BB0-99A7-B8A2437CD088}"/>
+          <p:cNvPr id="179" name="Conector de Seta Reta 60">
+            <a:extLst>
+              <a:ext uri="{FF2B5EF4-FFF2-40B4-BE49-F238E27FC236}">
+                <a16:creationId xmlns:a16="http://schemas.microsoft.com/office/drawing/2014/main" id="{C4A99F07-B1C5-4E9F-B95E-8423C94091AD}"/>
               </a:ext>
             </a:extLst>
           </p:cNvPr>
@@ -12343,9 +7696,9 @@
           <p:nvPr/>
         </p:nvCxnSpPr>
         <p:spPr>
-          <a:xfrm flipV="1">
-            <a:off x="5060202" y="2348934"/>
-            <a:ext cx="1919947" cy="1368688"/>
+          <a:xfrm flipH="1" flipV="1">
+            <a:off x="6628229" y="934744"/>
+            <a:ext cx="824592" cy="727806"/>
           </a:xfrm>
           <a:prstGeom prst="straightConnector1">
             <a:avLst/>
@@ -12371,10 +7724,10 @@
       </p:cxnSp>
       <p:cxnSp>
         <p:nvCxnSpPr>
-          <p:cNvPr id="47" name="Conector de Seta Reta 60">
-            <a:extLst>
-              <a:ext uri="{FF2B5EF4-FFF2-40B4-BE49-F238E27FC236}">
-                <a16:creationId xmlns:a16="http://schemas.microsoft.com/office/drawing/2014/main" id="{F5B7B0E8-06FF-4CA0-8AF7-21CA7671D8F6}"/>
+          <p:cNvPr id="180" name="Conector de Seta Reta 60">
+            <a:extLst>
+              <a:ext uri="{FF2B5EF4-FFF2-40B4-BE49-F238E27FC236}">
+                <a16:creationId xmlns:a16="http://schemas.microsoft.com/office/drawing/2014/main" id="{C4AE4004-B8E4-4DF9-96B8-F739A13B45F3}"/>
               </a:ext>
             </a:extLst>
           </p:cNvPr>
@@ -12384,9 +7737,9 @@
           <p:nvPr/>
         </p:nvCxnSpPr>
         <p:spPr>
-          <a:xfrm flipH="1" flipV="1">
-            <a:off x="4018568" y="2835867"/>
-            <a:ext cx="210739" cy="684723"/>
+          <a:xfrm>
+            <a:off x="4626372" y="4134062"/>
+            <a:ext cx="476176" cy="516596"/>
           </a:xfrm>
           <a:prstGeom prst="straightConnector1">
             <a:avLst/>
@@ -12412,10 +7765,10 @@
       </p:cxnSp>
       <p:cxnSp>
         <p:nvCxnSpPr>
-          <p:cNvPr id="52" name="Conector de Seta Reta 60">
-            <a:extLst>
-              <a:ext uri="{FF2B5EF4-FFF2-40B4-BE49-F238E27FC236}">
-                <a16:creationId xmlns:a16="http://schemas.microsoft.com/office/drawing/2014/main" id="{1DE22664-5C75-458A-AC9F-6FE4ED8C685A}"/>
+          <p:cNvPr id="183" name="Conector de Seta Reta 60">
+            <a:extLst>
+              <a:ext uri="{FF2B5EF4-FFF2-40B4-BE49-F238E27FC236}">
+                <a16:creationId xmlns:a16="http://schemas.microsoft.com/office/drawing/2014/main" id="{42AEB8A7-8CC2-4D2D-86E9-5541FE504DFB}"/>
               </a:ext>
             </a:extLst>
           </p:cNvPr>
@@ -12425,9 +7778,9 @@
           <p:nvPr/>
         </p:nvCxnSpPr>
         <p:spPr>
-          <a:xfrm flipH="1" flipV="1">
-            <a:off x="6096000" y="1594091"/>
-            <a:ext cx="1018278" cy="2171666"/>
+          <a:xfrm flipV="1">
+            <a:off x="4612665" y="960627"/>
+            <a:ext cx="775384" cy="719847"/>
           </a:xfrm>
           <a:prstGeom prst="straightConnector1">
             <a:avLst/>
@@ -12451,10 +7804,134 @@
           </a:fontRef>
         </p:style>
       </p:cxnSp>
+      <p:cxnSp>
+        <p:nvCxnSpPr>
+          <p:cNvPr id="184" name="Conector de Seta Reta 60">
+            <a:extLst>
+              <a:ext uri="{FF2B5EF4-FFF2-40B4-BE49-F238E27FC236}">
+                <a16:creationId xmlns:a16="http://schemas.microsoft.com/office/drawing/2014/main" id="{288B30D6-CCDD-4AE0-A8F4-A7E9BFE64521}"/>
+              </a:ext>
+            </a:extLst>
+          </p:cNvPr>
+          <p:cNvCxnSpPr>
+            <a:cxnSpLocks/>
+          </p:cNvCxnSpPr>
+          <p:nvPr/>
+        </p:nvCxnSpPr>
+        <p:spPr>
+          <a:xfrm>
+            <a:off x="6609407" y="4372177"/>
+            <a:ext cx="0" cy="411974"/>
+          </a:xfrm>
+          <a:prstGeom prst="straightConnector1">
+            <a:avLst/>
+          </a:prstGeom>
+          <a:ln>
+            <a:tailEnd type="triangle"/>
+          </a:ln>
+        </p:spPr>
+        <p:style>
+          <a:lnRef idx="3">
+            <a:schemeClr val="dk1"/>
+          </a:lnRef>
+          <a:fillRef idx="0">
+            <a:schemeClr val="dk1"/>
+          </a:fillRef>
+          <a:effectRef idx="2">
+            <a:schemeClr val="dk1"/>
+          </a:effectRef>
+          <a:fontRef idx="minor">
+            <a:schemeClr val="tx1"/>
+          </a:fontRef>
+        </p:style>
+      </p:cxnSp>
+      <p:cxnSp>
+        <p:nvCxnSpPr>
+          <p:cNvPr id="185" name="Conector de Seta Reta 60">
+            <a:extLst>
+              <a:ext uri="{FF2B5EF4-FFF2-40B4-BE49-F238E27FC236}">
+                <a16:creationId xmlns:a16="http://schemas.microsoft.com/office/drawing/2014/main" id="{17781ECD-DA47-43C1-B054-E9DD17ACAC83}"/>
+              </a:ext>
+            </a:extLst>
+          </p:cNvPr>
+          <p:cNvCxnSpPr>
+            <a:cxnSpLocks/>
+          </p:cNvCxnSpPr>
+          <p:nvPr/>
+        </p:nvCxnSpPr>
+        <p:spPr>
+          <a:xfrm flipV="1">
+            <a:off x="5288420" y="2690025"/>
+            <a:ext cx="2994" cy="415780"/>
+          </a:xfrm>
+          <a:prstGeom prst="straightConnector1">
+            <a:avLst/>
+          </a:prstGeom>
+          <a:ln>
+            <a:tailEnd type="triangle"/>
+          </a:ln>
+        </p:spPr>
+        <p:style>
+          <a:lnRef idx="3">
+            <a:schemeClr val="dk1"/>
+          </a:lnRef>
+          <a:fillRef idx="0">
+            <a:schemeClr val="dk1"/>
+          </a:fillRef>
+          <a:effectRef idx="2">
+            <a:schemeClr val="dk1"/>
+          </a:effectRef>
+          <a:fontRef idx="minor">
+            <a:schemeClr val="tx1"/>
+          </a:fontRef>
+        </p:style>
+      </p:cxnSp>
+      <p:sp>
+        <p:nvSpPr>
+          <p:cNvPr id="18461" name="TextBox 18460">
+            <a:extLst>
+              <a:ext uri="{FF2B5EF4-FFF2-40B4-BE49-F238E27FC236}">
+                <a16:creationId xmlns:a16="http://schemas.microsoft.com/office/drawing/2014/main" id="{BD1B66EA-0E42-4DD5-8959-2FDEEC5BC5AF}"/>
+              </a:ext>
+            </a:extLst>
+          </p:cNvPr>
+          <p:cNvSpPr txBox="1"/>
+          <p:nvPr/>
+        </p:nvSpPr>
+        <p:spPr>
+          <a:xfrm>
+            <a:off x="272889" y="184415"/>
+            <a:ext cx="1803763" cy="646331"/>
+          </a:xfrm>
+          <a:prstGeom prst="rect">
+            <a:avLst/>
+          </a:prstGeom>
+          <a:noFill/>
+        </p:spPr>
+        <p:txBody>
+          <a:bodyPr wrap="square" rtlCol="0">
+            <a:spAutoFit/>
+          </a:bodyPr>
+          <a:lstStyle/>
+          <a:p>
+            <a:pPr marL="571500" indent="-571500">
+              <a:buFont typeface="Arial" panose="020B0604020202020204" pitchFamily="34" charset="0"/>
+              <a:buChar char="•"/>
+            </a:pPr>
+            <a:r>
+              <a:rPr lang="pt-BR" sz="3600" dirty="0">
+                <a:latin typeface="Times New Roman" panose="02020603050405020304" pitchFamily="18" charset="0"/>
+                <a:cs typeface="Times New Roman" panose="02020603050405020304" pitchFamily="18" charset="0"/>
+              </a:rPr>
+              <a:t>LLD</a:t>
+            </a:r>
+          </a:p>
+        </p:txBody>
+      </p:sp>
     </p:spTree>
     <p:extLst>
       <p:ext uri="{BB962C8B-B14F-4D97-AF65-F5344CB8AC3E}">
-        <p14:creationId xmlns:p14="http://schemas.microsoft.com/office/powerpoint/2010/main" val="4247501309"/>
+        <p14:creationId xmlns:p14="http://schemas.microsoft.com/office/powerpoint/2010/main" val="1934231679"/>
       </p:ext>
     </p:extLst>
   </p:cSld>
